--- a/articles/force_pos_size.pptx
+++ b/articles/force_pos_size.pptx
@@ -5,7 +5,7 @@
     <p:sldMasterId id="2147483648" r:id="rId1"/>
   </p:sldMasterIdLst>
   <p:sldIdLst>
-    <p:sldId id="274168255" r:id="rId6"/>
+    <p:sldId id="1065422633" r:id="rId6"/>
   </p:sldIdLst>
   <p:sldSz cx="12192000" cy="6858000"/>
   <p:notesSz cx="6858000" cy="9144000"/>
@@ -10560,9 +10560,9 @@
                               <a:alpha val="100000"/>
                             </a:srgbClr>
                           </a:solidFill>
-                          <a:latin typeface="Helvetica"/>
-                          <a:ea typeface="Helvetica"/>
-                          <a:cs typeface="Helvetica"/>
+                          <a:latin typeface="Times New Roman"/>
+                          <a:ea typeface="Times New Roman"/>
+                          <a:cs typeface="Times New Roman"/>
                         </a:rPr>
                         <a:t>Sepal.Length</a:t>
                       </a:r>
@@ -10629,9 +10629,9 @@
                               <a:alpha val="100000"/>
                             </a:srgbClr>
                           </a:solidFill>
-                          <a:latin typeface="Helvetica"/>
-                          <a:ea typeface="Helvetica"/>
-                          <a:cs typeface="Helvetica"/>
+                          <a:latin typeface="Times New Roman"/>
+                          <a:ea typeface="Times New Roman"/>
+                          <a:cs typeface="Times New Roman"/>
                         </a:rPr>
                         <a:t>Sepal.Width</a:t>
                       </a:r>
@@ -10698,9 +10698,9 @@
                               <a:alpha val="100000"/>
                             </a:srgbClr>
                           </a:solidFill>
-                          <a:latin typeface="Helvetica"/>
-                          <a:ea typeface="Helvetica"/>
-                          <a:cs typeface="Helvetica"/>
+                          <a:latin typeface="Times New Roman"/>
+                          <a:ea typeface="Times New Roman"/>
+                          <a:cs typeface="Times New Roman"/>
                         </a:rPr>
                         <a:t>Petal.Length</a:t>
                       </a:r>
@@ -10767,9 +10767,9 @@
                               <a:alpha val="100000"/>
                             </a:srgbClr>
                           </a:solidFill>
-                          <a:latin typeface="Helvetica"/>
-                          <a:ea typeface="Helvetica"/>
-                          <a:cs typeface="Helvetica"/>
+                          <a:latin typeface="Times New Roman"/>
+                          <a:ea typeface="Times New Roman"/>
+                          <a:cs typeface="Times New Roman"/>
                         </a:rPr>
                         <a:t>Petal.Width</a:t>
                       </a:r>
@@ -10836,9 +10836,9 @@
                               <a:alpha val="100000"/>
                             </a:srgbClr>
                           </a:solidFill>
-                          <a:latin typeface="Helvetica"/>
-                          <a:ea typeface="Helvetica"/>
-                          <a:cs typeface="Helvetica"/>
+                          <a:latin typeface="Times New Roman"/>
+                          <a:ea typeface="Times New Roman"/>
+                          <a:cs typeface="Times New Roman"/>
                         </a:rPr>
                         <a:t>Species</a:t>
                       </a:r>
@@ -10907,9 +10907,9 @@
                               <a:alpha val="100000"/>
                             </a:srgbClr>
                           </a:solidFill>
-                          <a:latin typeface="Helvetica"/>
-                          <a:ea typeface="Helvetica"/>
-                          <a:cs typeface="Helvetica"/>
+                          <a:latin typeface="Times New Roman"/>
+                          <a:ea typeface="Times New Roman"/>
+                          <a:cs typeface="Times New Roman"/>
                         </a:rPr>
                         <a:t/>
                       </a:r>
@@ -10920,9 +10920,9 @@
                               <a:alpha val="100000"/>
                             </a:srgbClr>
                           </a:solidFill>
-                          <a:latin typeface="Helvetica"/>
-                          <a:ea typeface="Helvetica"/>
-                          <a:cs typeface="Helvetica"/>
+                          <a:latin typeface="Times New Roman"/>
+                          <a:ea typeface="Times New Roman"/>
+                          <a:cs typeface="Times New Roman"/>
                         </a:rPr>
                         <a:t>5.1</a:t>
                       </a:r>
@@ -10989,9 +10989,9 @@
                               <a:alpha val="100000"/>
                             </a:srgbClr>
                           </a:solidFill>
-                          <a:latin typeface="Helvetica"/>
-                          <a:ea typeface="Helvetica"/>
-                          <a:cs typeface="Helvetica"/>
+                          <a:latin typeface="Times New Roman"/>
+                          <a:ea typeface="Times New Roman"/>
+                          <a:cs typeface="Times New Roman"/>
                         </a:rPr>
                         <a:t/>
                       </a:r>
@@ -11002,9 +11002,9 @@
                               <a:alpha val="100000"/>
                             </a:srgbClr>
                           </a:solidFill>
-                          <a:latin typeface="Helvetica"/>
-                          <a:ea typeface="Helvetica"/>
-                          <a:cs typeface="Helvetica"/>
+                          <a:latin typeface="Times New Roman"/>
+                          <a:ea typeface="Times New Roman"/>
+                          <a:cs typeface="Times New Roman"/>
                         </a:rPr>
                         <a:t>3.5</a:t>
                       </a:r>
@@ -11071,9 +11071,9 @@
                               <a:alpha val="100000"/>
                             </a:srgbClr>
                           </a:solidFill>
-                          <a:latin typeface="Helvetica"/>
-                          <a:ea typeface="Helvetica"/>
-                          <a:cs typeface="Helvetica"/>
+                          <a:latin typeface="Times New Roman"/>
+                          <a:ea typeface="Times New Roman"/>
+                          <a:cs typeface="Times New Roman"/>
                         </a:rPr>
                         <a:t/>
                       </a:r>
@@ -11084,9 +11084,9 @@
                               <a:alpha val="100000"/>
                             </a:srgbClr>
                           </a:solidFill>
-                          <a:latin typeface="Helvetica"/>
-                          <a:ea typeface="Helvetica"/>
-                          <a:cs typeface="Helvetica"/>
+                          <a:latin typeface="Times New Roman"/>
+                          <a:ea typeface="Times New Roman"/>
+                          <a:cs typeface="Times New Roman"/>
                         </a:rPr>
                         <a:t>1.4</a:t>
                       </a:r>
@@ -11153,9 +11153,9 @@
                               <a:alpha val="100000"/>
                             </a:srgbClr>
                           </a:solidFill>
-                          <a:latin typeface="Helvetica"/>
-                          <a:ea typeface="Helvetica"/>
-                          <a:cs typeface="Helvetica"/>
+                          <a:latin typeface="Times New Roman"/>
+                          <a:ea typeface="Times New Roman"/>
+                          <a:cs typeface="Times New Roman"/>
                         </a:rPr>
                         <a:t/>
                       </a:r>
@@ -11166,9 +11166,9 @@
                               <a:alpha val="100000"/>
                             </a:srgbClr>
                           </a:solidFill>
-                          <a:latin typeface="Helvetica"/>
-                          <a:ea typeface="Helvetica"/>
-                          <a:cs typeface="Helvetica"/>
+                          <a:latin typeface="Times New Roman"/>
+                          <a:ea typeface="Times New Roman"/>
+                          <a:cs typeface="Times New Roman"/>
                         </a:rPr>
                         <a:t>0.2</a:t>
                       </a:r>
@@ -11235,9 +11235,9 @@
                               <a:alpha val="100000"/>
                             </a:srgbClr>
                           </a:solidFill>
-                          <a:latin typeface="Helvetica"/>
-                          <a:ea typeface="Helvetica"/>
-                          <a:cs typeface="Helvetica"/>
+                          <a:latin typeface="Times New Roman"/>
+                          <a:ea typeface="Times New Roman"/>
+                          <a:cs typeface="Times New Roman"/>
                         </a:rPr>
                         <a:t/>
                       </a:r>
@@ -11248,9 +11248,9 @@
                               <a:alpha val="100000"/>
                             </a:srgbClr>
                           </a:solidFill>
-                          <a:latin typeface="Helvetica"/>
-                          <a:ea typeface="Helvetica"/>
-                          <a:cs typeface="Helvetica"/>
+                          <a:latin typeface="Times New Roman"/>
+                          <a:ea typeface="Times New Roman"/>
+                          <a:cs typeface="Times New Roman"/>
                         </a:rPr>
                         <a:t>setosa</a:t>
                       </a:r>
@@ -11319,9 +11319,9 @@
                               <a:alpha val="100000"/>
                             </a:srgbClr>
                           </a:solidFill>
-                          <a:latin typeface="Helvetica"/>
-                          <a:ea typeface="Helvetica"/>
-                          <a:cs typeface="Helvetica"/>
+                          <a:latin typeface="Times New Roman"/>
+                          <a:ea typeface="Times New Roman"/>
+                          <a:cs typeface="Times New Roman"/>
                         </a:rPr>
                         <a:t/>
                       </a:r>
@@ -11332,9 +11332,9 @@
                               <a:alpha val="100000"/>
                             </a:srgbClr>
                           </a:solidFill>
-                          <a:latin typeface="Helvetica"/>
-                          <a:ea typeface="Helvetica"/>
-                          <a:cs typeface="Helvetica"/>
+                          <a:latin typeface="Times New Roman"/>
+                          <a:ea typeface="Times New Roman"/>
+                          <a:cs typeface="Times New Roman"/>
                         </a:rPr>
                         <a:t>4.9</a:t>
                       </a:r>
@@ -11401,9 +11401,9 @@
                               <a:alpha val="100000"/>
                             </a:srgbClr>
                           </a:solidFill>
-                          <a:latin typeface="Helvetica"/>
-                          <a:ea typeface="Helvetica"/>
-                          <a:cs typeface="Helvetica"/>
+                          <a:latin typeface="Times New Roman"/>
+                          <a:ea typeface="Times New Roman"/>
+                          <a:cs typeface="Times New Roman"/>
                         </a:rPr>
                         <a:t/>
                       </a:r>
@@ -11414,9 +11414,9 @@
                               <a:alpha val="100000"/>
                             </a:srgbClr>
                           </a:solidFill>
-                          <a:latin typeface="Helvetica"/>
-                          <a:ea typeface="Helvetica"/>
-                          <a:cs typeface="Helvetica"/>
+                          <a:latin typeface="Times New Roman"/>
+                          <a:ea typeface="Times New Roman"/>
+                          <a:cs typeface="Times New Roman"/>
                         </a:rPr>
                         <a:t>3.0</a:t>
                       </a:r>
@@ -11483,9 +11483,9 @@
                               <a:alpha val="100000"/>
                             </a:srgbClr>
                           </a:solidFill>
-                          <a:latin typeface="Helvetica"/>
-                          <a:ea typeface="Helvetica"/>
-                          <a:cs typeface="Helvetica"/>
+                          <a:latin typeface="Times New Roman"/>
+                          <a:ea typeface="Times New Roman"/>
+                          <a:cs typeface="Times New Roman"/>
                         </a:rPr>
                         <a:t/>
                       </a:r>
@@ -11496,9 +11496,9 @@
                               <a:alpha val="100000"/>
                             </a:srgbClr>
                           </a:solidFill>
-                          <a:latin typeface="Helvetica"/>
-                          <a:ea typeface="Helvetica"/>
-                          <a:cs typeface="Helvetica"/>
+                          <a:latin typeface="Times New Roman"/>
+                          <a:ea typeface="Times New Roman"/>
+                          <a:cs typeface="Times New Roman"/>
                         </a:rPr>
                         <a:t>1.4</a:t>
                       </a:r>
@@ -11565,9 +11565,9 @@
                               <a:alpha val="100000"/>
                             </a:srgbClr>
                           </a:solidFill>
-                          <a:latin typeface="Helvetica"/>
-                          <a:ea typeface="Helvetica"/>
-                          <a:cs typeface="Helvetica"/>
+                          <a:latin typeface="Times New Roman"/>
+                          <a:ea typeface="Times New Roman"/>
+                          <a:cs typeface="Times New Roman"/>
                         </a:rPr>
                         <a:t/>
                       </a:r>
@@ -11578,9 +11578,9 @@
                               <a:alpha val="100000"/>
                             </a:srgbClr>
                           </a:solidFill>
-                          <a:latin typeface="Helvetica"/>
-                          <a:ea typeface="Helvetica"/>
-                          <a:cs typeface="Helvetica"/>
+                          <a:latin typeface="Times New Roman"/>
+                          <a:ea typeface="Times New Roman"/>
+                          <a:cs typeface="Times New Roman"/>
                         </a:rPr>
                         <a:t>0.2</a:t>
                       </a:r>
@@ -11647,9 +11647,9 @@
                               <a:alpha val="100000"/>
                             </a:srgbClr>
                           </a:solidFill>
-                          <a:latin typeface="Helvetica"/>
-                          <a:ea typeface="Helvetica"/>
-                          <a:cs typeface="Helvetica"/>
+                          <a:latin typeface="Times New Roman"/>
+                          <a:ea typeface="Times New Roman"/>
+                          <a:cs typeface="Times New Roman"/>
                         </a:rPr>
                         <a:t/>
                       </a:r>
@@ -11660,9 +11660,9 @@
                               <a:alpha val="100000"/>
                             </a:srgbClr>
                           </a:solidFill>
-                          <a:latin typeface="Helvetica"/>
-                          <a:ea typeface="Helvetica"/>
-                          <a:cs typeface="Helvetica"/>
+                          <a:latin typeface="Times New Roman"/>
+                          <a:ea typeface="Times New Roman"/>
+                          <a:cs typeface="Times New Roman"/>
                         </a:rPr>
                         <a:t>setosa</a:t>
                       </a:r>
@@ -11731,9 +11731,9 @@
                               <a:alpha val="100000"/>
                             </a:srgbClr>
                           </a:solidFill>
-                          <a:latin typeface="Helvetica"/>
-                          <a:ea typeface="Helvetica"/>
-                          <a:cs typeface="Helvetica"/>
+                          <a:latin typeface="Times New Roman"/>
+                          <a:ea typeface="Times New Roman"/>
+                          <a:cs typeface="Times New Roman"/>
                         </a:rPr>
                         <a:t/>
                       </a:r>
@@ -11744,9 +11744,9 @@
                               <a:alpha val="100000"/>
                             </a:srgbClr>
                           </a:solidFill>
-                          <a:latin typeface="Helvetica"/>
-                          <a:ea typeface="Helvetica"/>
-                          <a:cs typeface="Helvetica"/>
+                          <a:latin typeface="Times New Roman"/>
+                          <a:ea typeface="Times New Roman"/>
+                          <a:cs typeface="Times New Roman"/>
                         </a:rPr>
                         <a:t>4.7</a:t>
                       </a:r>
@@ -11813,9 +11813,9 @@
                               <a:alpha val="100000"/>
                             </a:srgbClr>
                           </a:solidFill>
-                          <a:latin typeface="Helvetica"/>
-                          <a:ea typeface="Helvetica"/>
-                          <a:cs typeface="Helvetica"/>
+                          <a:latin typeface="Times New Roman"/>
+                          <a:ea typeface="Times New Roman"/>
+                          <a:cs typeface="Times New Roman"/>
                         </a:rPr>
                         <a:t/>
                       </a:r>
@@ -11826,9 +11826,9 @@
                               <a:alpha val="100000"/>
                             </a:srgbClr>
                           </a:solidFill>
-                          <a:latin typeface="Helvetica"/>
-                          <a:ea typeface="Helvetica"/>
-                          <a:cs typeface="Helvetica"/>
+                          <a:latin typeface="Times New Roman"/>
+                          <a:ea typeface="Times New Roman"/>
+                          <a:cs typeface="Times New Roman"/>
                         </a:rPr>
                         <a:t>3.2</a:t>
                       </a:r>
@@ -11895,9 +11895,9 @@
                               <a:alpha val="100000"/>
                             </a:srgbClr>
                           </a:solidFill>
-                          <a:latin typeface="Helvetica"/>
-                          <a:ea typeface="Helvetica"/>
-                          <a:cs typeface="Helvetica"/>
+                          <a:latin typeface="Times New Roman"/>
+                          <a:ea typeface="Times New Roman"/>
+                          <a:cs typeface="Times New Roman"/>
                         </a:rPr>
                         <a:t/>
                       </a:r>
@@ -11908,9 +11908,9 @@
                               <a:alpha val="100000"/>
                             </a:srgbClr>
                           </a:solidFill>
-                          <a:latin typeface="Helvetica"/>
-                          <a:ea typeface="Helvetica"/>
-                          <a:cs typeface="Helvetica"/>
+                          <a:latin typeface="Times New Roman"/>
+                          <a:ea typeface="Times New Roman"/>
+                          <a:cs typeface="Times New Roman"/>
                         </a:rPr>
                         <a:t>1.3</a:t>
                       </a:r>
@@ -11977,9 +11977,9 @@
                               <a:alpha val="100000"/>
                             </a:srgbClr>
                           </a:solidFill>
-                          <a:latin typeface="Helvetica"/>
-                          <a:ea typeface="Helvetica"/>
-                          <a:cs typeface="Helvetica"/>
+                          <a:latin typeface="Times New Roman"/>
+                          <a:ea typeface="Times New Roman"/>
+                          <a:cs typeface="Times New Roman"/>
                         </a:rPr>
                         <a:t/>
                       </a:r>
@@ -11990,9 +11990,9 @@
                               <a:alpha val="100000"/>
                             </a:srgbClr>
                           </a:solidFill>
-                          <a:latin typeface="Helvetica"/>
-                          <a:ea typeface="Helvetica"/>
-                          <a:cs typeface="Helvetica"/>
+                          <a:latin typeface="Times New Roman"/>
+                          <a:ea typeface="Times New Roman"/>
+                          <a:cs typeface="Times New Roman"/>
                         </a:rPr>
                         <a:t>0.2</a:t>
                       </a:r>
@@ -12059,9 +12059,9 @@
                               <a:alpha val="100000"/>
                             </a:srgbClr>
                           </a:solidFill>
-                          <a:latin typeface="Helvetica"/>
-                          <a:ea typeface="Helvetica"/>
-                          <a:cs typeface="Helvetica"/>
+                          <a:latin typeface="Times New Roman"/>
+                          <a:ea typeface="Times New Roman"/>
+                          <a:cs typeface="Times New Roman"/>
                         </a:rPr>
                         <a:t/>
                       </a:r>
@@ -12072,9 +12072,9 @@
                               <a:alpha val="100000"/>
                             </a:srgbClr>
                           </a:solidFill>
-                          <a:latin typeface="Helvetica"/>
-                          <a:ea typeface="Helvetica"/>
-                          <a:cs typeface="Helvetica"/>
+                          <a:latin typeface="Times New Roman"/>
+                          <a:ea typeface="Times New Roman"/>
+                          <a:cs typeface="Times New Roman"/>
                         </a:rPr>
                         <a:t>setosa</a:t>
                       </a:r>
@@ -12143,9 +12143,9 @@
                               <a:alpha val="100000"/>
                             </a:srgbClr>
                           </a:solidFill>
-                          <a:latin typeface="Helvetica"/>
-                          <a:ea typeface="Helvetica"/>
-                          <a:cs typeface="Helvetica"/>
+                          <a:latin typeface="Times New Roman"/>
+                          <a:ea typeface="Times New Roman"/>
+                          <a:cs typeface="Times New Roman"/>
                         </a:rPr>
                         <a:t/>
                       </a:r>
@@ -12156,9 +12156,9 @@
                               <a:alpha val="100000"/>
                             </a:srgbClr>
                           </a:solidFill>
-                          <a:latin typeface="Helvetica"/>
-                          <a:ea typeface="Helvetica"/>
-                          <a:cs typeface="Helvetica"/>
+                          <a:latin typeface="Times New Roman"/>
+                          <a:ea typeface="Times New Roman"/>
+                          <a:cs typeface="Times New Roman"/>
                         </a:rPr>
                         <a:t>4.6</a:t>
                       </a:r>
@@ -12225,9 +12225,9 @@
                               <a:alpha val="100000"/>
                             </a:srgbClr>
                           </a:solidFill>
-                          <a:latin typeface="Helvetica"/>
-                          <a:ea typeface="Helvetica"/>
-                          <a:cs typeface="Helvetica"/>
+                          <a:latin typeface="Times New Roman"/>
+                          <a:ea typeface="Times New Roman"/>
+                          <a:cs typeface="Times New Roman"/>
                         </a:rPr>
                         <a:t/>
                       </a:r>
@@ -12238,9 +12238,9 @@
                               <a:alpha val="100000"/>
                             </a:srgbClr>
                           </a:solidFill>
-                          <a:latin typeface="Helvetica"/>
-                          <a:ea typeface="Helvetica"/>
-                          <a:cs typeface="Helvetica"/>
+                          <a:latin typeface="Times New Roman"/>
+                          <a:ea typeface="Times New Roman"/>
+                          <a:cs typeface="Times New Roman"/>
                         </a:rPr>
                         <a:t>3.1</a:t>
                       </a:r>
@@ -12307,9 +12307,9 @@
                               <a:alpha val="100000"/>
                             </a:srgbClr>
                           </a:solidFill>
-                          <a:latin typeface="Helvetica"/>
-                          <a:ea typeface="Helvetica"/>
-                          <a:cs typeface="Helvetica"/>
+                          <a:latin typeface="Times New Roman"/>
+                          <a:ea typeface="Times New Roman"/>
+                          <a:cs typeface="Times New Roman"/>
                         </a:rPr>
                         <a:t/>
                       </a:r>
@@ -12320,9 +12320,9 @@
                               <a:alpha val="100000"/>
                             </a:srgbClr>
                           </a:solidFill>
-                          <a:latin typeface="Helvetica"/>
-                          <a:ea typeface="Helvetica"/>
-                          <a:cs typeface="Helvetica"/>
+                          <a:latin typeface="Times New Roman"/>
+                          <a:ea typeface="Times New Roman"/>
+                          <a:cs typeface="Times New Roman"/>
                         </a:rPr>
                         <a:t>1.5</a:t>
                       </a:r>
@@ -12389,9 +12389,9 @@
                               <a:alpha val="100000"/>
                             </a:srgbClr>
                           </a:solidFill>
-                          <a:latin typeface="Helvetica"/>
-                          <a:ea typeface="Helvetica"/>
-                          <a:cs typeface="Helvetica"/>
+                          <a:latin typeface="Times New Roman"/>
+                          <a:ea typeface="Times New Roman"/>
+                          <a:cs typeface="Times New Roman"/>
                         </a:rPr>
                         <a:t/>
                       </a:r>
@@ -12402,9 +12402,9 @@
                               <a:alpha val="100000"/>
                             </a:srgbClr>
                           </a:solidFill>
-                          <a:latin typeface="Helvetica"/>
-                          <a:ea typeface="Helvetica"/>
-                          <a:cs typeface="Helvetica"/>
+                          <a:latin typeface="Times New Roman"/>
+                          <a:ea typeface="Times New Roman"/>
+                          <a:cs typeface="Times New Roman"/>
                         </a:rPr>
                         <a:t>0.2</a:t>
                       </a:r>
@@ -12471,9 +12471,9 @@
                               <a:alpha val="100000"/>
                             </a:srgbClr>
                           </a:solidFill>
-                          <a:latin typeface="Helvetica"/>
-                          <a:ea typeface="Helvetica"/>
-                          <a:cs typeface="Helvetica"/>
+                          <a:latin typeface="Times New Roman"/>
+                          <a:ea typeface="Times New Roman"/>
+                          <a:cs typeface="Times New Roman"/>
                         </a:rPr>
                         <a:t/>
                       </a:r>
@@ -12484,9 +12484,9 @@
                               <a:alpha val="100000"/>
                             </a:srgbClr>
                           </a:solidFill>
-                          <a:latin typeface="Helvetica"/>
-                          <a:ea typeface="Helvetica"/>
-                          <a:cs typeface="Helvetica"/>
+                          <a:latin typeface="Times New Roman"/>
+                          <a:ea typeface="Times New Roman"/>
+                          <a:cs typeface="Times New Roman"/>
                         </a:rPr>
                         <a:t>setosa</a:t>
                       </a:r>
@@ -12555,9 +12555,9 @@
                               <a:alpha val="100000"/>
                             </a:srgbClr>
                           </a:solidFill>
-                          <a:latin typeface="Helvetica"/>
-                          <a:ea typeface="Helvetica"/>
-                          <a:cs typeface="Helvetica"/>
+                          <a:latin typeface="Times New Roman"/>
+                          <a:ea typeface="Times New Roman"/>
+                          <a:cs typeface="Times New Roman"/>
                         </a:rPr>
                         <a:t/>
                       </a:r>
@@ -12568,9 +12568,9 @@
                               <a:alpha val="100000"/>
                             </a:srgbClr>
                           </a:solidFill>
-                          <a:latin typeface="Helvetica"/>
-                          <a:ea typeface="Helvetica"/>
-                          <a:cs typeface="Helvetica"/>
+                          <a:latin typeface="Times New Roman"/>
+                          <a:ea typeface="Times New Roman"/>
+                          <a:cs typeface="Times New Roman"/>
                         </a:rPr>
                         <a:t>5.0</a:t>
                       </a:r>
@@ -12637,9 +12637,9 @@
                               <a:alpha val="100000"/>
                             </a:srgbClr>
                           </a:solidFill>
-                          <a:latin typeface="Helvetica"/>
-                          <a:ea typeface="Helvetica"/>
-                          <a:cs typeface="Helvetica"/>
+                          <a:latin typeface="Times New Roman"/>
+                          <a:ea typeface="Times New Roman"/>
+                          <a:cs typeface="Times New Roman"/>
                         </a:rPr>
                         <a:t/>
                       </a:r>
@@ -12650,9 +12650,9 @@
                               <a:alpha val="100000"/>
                             </a:srgbClr>
                           </a:solidFill>
-                          <a:latin typeface="Helvetica"/>
-                          <a:ea typeface="Helvetica"/>
-                          <a:cs typeface="Helvetica"/>
+                          <a:latin typeface="Times New Roman"/>
+                          <a:ea typeface="Times New Roman"/>
+                          <a:cs typeface="Times New Roman"/>
                         </a:rPr>
                         <a:t>3.6</a:t>
                       </a:r>
@@ -12719,9 +12719,9 @@
                               <a:alpha val="100000"/>
                             </a:srgbClr>
                           </a:solidFill>
-                          <a:latin typeface="Helvetica"/>
-                          <a:ea typeface="Helvetica"/>
-                          <a:cs typeface="Helvetica"/>
+                          <a:latin typeface="Times New Roman"/>
+                          <a:ea typeface="Times New Roman"/>
+                          <a:cs typeface="Times New Roman"/>
                         </a:rPr>
                         <a:t/>
                       </a:r>
@@ -12732,9 +12732,9 @@
                               <a:alpha val="100000"/>
                             </a:srgbClr>
                           </a:solidFill>
-                          <a:latin typeface="Helvetica"/>
-                          <a:ea typeface="Helvetica"/>
-                          <a:cs typeface="Helvetica"/>
+                          <a:latin typeface="Times New Roman"/>
+                          <a:ea typeface="Times New Roman"/>
+                          <a:cs typeface="Times New Roman"/>
                         </a:rPr>
                         <a:t>1.4</a:t>
                       </a:r>
@@ -12801,9 +12801,9 @@
                               <a:alpha val="100000"/>
                             </a:srgbClr>
                           </a:solidFill>
-                          <a:latin typeface="Helvetica"/>
-                          <a:ea typeface="Helvetica"/>
-                          <a:cs typeface="Helvetica"/>
+                          <a:latin typeface="Times New Roman"/>
+                          <a:ea typeface="Times New Roman"/>
+                          <a:cs typeface="Times New Roman"/>
                         </a:rPr>
                         <a:t/>
                       </a:r>
@@ -12814,9 +12814,9 @@
                               <a:alpha val="100000"/>
                             </a:srgbClr>
                           </a:solidFill>
-                          <a:latin typeface="Helvetica"/>
-                          <a:ea typeface="Helvetica"/>
-                          <a:cs typeface="Helvetica"/>
+                          <a:latin typeface="Times New Roman"/>
+                          <a:ea typeface="Times New Roman"/>
+                          <a:cs typeface="Times New Roman"/>
                         </a:rPr>
                         <a:t>0.2</a:t>
                       </a:r>
@@ -12883,9 +12883,9 @@
                               <a:alpha val="100000"/>
                             </a:srgbClr>
                           </a:solidFill>
-                          <a:latin typeface="Helvetica"/>
-                          <a:ea typeface="Helvetica"/>
-                          <a:cs typeface="Helvetica"/>
+                          <a:latin typeface="Times New Roman"/>
+                          <a:ea typeface="Times New Roman"/>
+                          <a:cs typeface="Times New Roman"/>
                         </a:rPr>
                         <a:t/>
                       </a:r>
@@ -12896,9 +12896,9 @@
                               <a:alpha val="100000"/>
                             </a:srgbClr>
                           </a:solidFill>
-                          <a:latin typeface="Helvetica"/>
-                          <a:ea typeface="Helvetica"/>
-                          <a:cs typeface="Helvetica"/>
+                          <a:latin typeface="Times New Roman"/>
+                          <a:ea typeface="Times New Roman"/>
+                          <a:cs typeface="Times New Roman"/>
                         </a:rPr>
                         <a:t>setosa</a:t>
                       </a:r>
@@ -12967,9 +12967,9 @@
                               <a:alpha val="100000"/>
                             </a:srgbClr>
                           </a:solidFill>
-                          <a:latin typeface="Helvetica"/>
-                          <a:ea typeface="Helvetica"/>
-                          <a:cs typeface="Helvetica"/>
+                          <a:latin typeface="Times New Roman"/>
+                          <a:ea typeface="Times New Roman"/>
+                          <a:cs typeface="Times New Roman"/>
                         </a:rPr>
                         <a:t/>
                       </a:r>
@@ -12980,9 +12980,9 @@
                               <a:alpha val="100000"/>
                             </a:srgbClr>
                           </a:solidFill>
-                          <a:latin typeface="Helvetica"/>
-                          <a:ea typeface="Helvetica"/>
-                          <a:cs typeface="Helvetica"/>
+                          <a:latin typeface="Times New Roman"/>
+                          <a:ea typeface="Times New Roman"/>
+                          <a:cs typeface="Times New Roman"/>
                         </a:rPr>
                         <a:t>5.4</a:t>
                       </a:r>
@@ -13049,9 +13049,9 @@
                               <a:alpha val="100000"/>
                             </a:srgbClr>
                           </a:solidFill>
-                          <a:latin typeface="Helvetica"/>
-                          <a:ea typeface="Helvetica"/>
-                          <a:cs typeface="Helvetica"/>
+                          <a:latin typeface="Times New Roman"/>
+                          <a:ea typeface="Times New Roman"/>
+                          <a:cs typeface="Times New Roman"/>
                         </a:rPr>
                         <a:t/>
                       </a:r>
@@ -13062,9 +13062,9 @@
                               <a:alpha val="100000"/>
                             </a:srgbClr>
                           </a:solidFill>
-                          <a:latin typeface="Helvetica"/>
-                          <a:ea typeface="Helvetica"/>
-                          <a:cs typeface="Helvetica"/>
+                          <a:latin typeface="Times New Roman"/>
+                          <a:ea typeface="Times New Roman"/>
+                          <a:cs typeface="Times New Roman"/>
                         </a:rPr>
                         <a:t>3.9</a:t>
                       </a:r>
@@ -13131,9 +13131,9 @@
                               <a:alpha val="100000"/>
                             </a:srgbClr>
                           </a:solidFill>
-                          <a:latin typeface="Helvetica"/>
-                          <a:ea typeface="Helvetica"/>
-                          <a:cs typeface="Helvetica"/>
+                          <a:latin typeface="Times New Roman"/>
+                          <a:ea typeface="Times New Roman"/>
+                          <a:cs typeface="Times New Roman"/>
                         </a:rPr>
                         <a:t/>
                       </a:r>
@@ -13144,9 +13144,9 @@
                               <a:alpha val="100000"/>
                             </a:srgbClr>
                           </a:solidFill>
-                          <a:latin typeface="Helvetica"/>
-                          <a:ea typeface="Helvetica"/>
-                          <a:cs typeface="Helvetica"/>
+                          <a:latin typeface="Times New Roman"/>
+                          <a:ea typeface="Times New Roman"/>
+                          <a:cs typeface="Times New Roman"/>
                         </a:rPr>
                         <a:t>1.7</a:t>
                       </a:r>
@@ -13213,9 +13213,9 @@
                               <a:alpha val="100000"/>
                             </a:srgbClr>
                           </a:solidFill>
-                          <a:latin typeface="Helvetica"/>
-                          <a:ea typeface="Helvetica"/>
-                          <a:cs typeface="Helvetica"/>
+                          <a:latin typeface="Times New Roman"/>
+                          <a:ea typeface="Times New Roman"/>
+                          <a:cs typeface="Times New Roman"/>
                         </a:rPr>
                         <a:t/>
                       </a:r>
@@ -13226,9 +13226,9 @@
                               <a:alpha val="100000"/>
                             </a:srgbClr>
                           </a:solidFill>
-                          <a:latin typeface="Helvetica"/>
-                          <a:ea typeface="Helvetica"/>
-                          <a:cs typeface="Helvetica"/>
+                          <a:latin typeface="Times New Roman"/>
+                          <a:ea typeface="Times New Roman"/>
+                          <a:cs typeface="Times New Roman"/>
                         </a:rPr>
                         <a:t>0.4</a:t>
                       </a:r>
@@ -13295,9 +13295,9 @@
                               <a:alpha val="100000"/>
                             </a:srgbClr>
                           </a:solidFill>
-                          <a:latin typeface="Helvetica"/>
-                          <a:ea typeface="Helvetica"/>
-                          <a:cs typeface="Helvetica"/>
+                          <a:latin typeface="Times New Roman"/>
+                          <a:ea typeface="Times New Roman"/>
+                          <a:cs typeface="Times New Roman"/>
                         </a:rPr>
                         <a:t/>
                       </a:r>
@@ -13308,9 +13308,9 @@
                               <a:alpha val="100000"/>
                             </a:srgbClr>
                           </a:solidFill>
-                          <a:latin typeface="Helvetica"/>
-                          <a:ea typeface="Helvetica"/>
-                          <a:cs typeface="Helvetica"/>
+                          <a:latin typeface="Times New Roman"/>
+                          <a:ea typeface="Times New Roman"/>
+                          <a:cs typeface="Times New Roman"/>
                         </a:rPr>
                         <a:t>setosa</a:t>
                       </a:r>

--- a/articles/force_pos_size.pptx
+++ b/articles/force_pos_size.pptx
@@ -1,11 +1,11 @@
 
 <file path=ppt/presentation.xml><?xml version="1.0" encoding="utf-8"?>
-<p:presentation xmlns:p="http://schemas.openxmlformats.org/presentationml/2006/main" xmlns:a="http://schemas.openxmlformats.org/drawingml/2006/main" xmlns:r="http://schemas.openxmlformats.org/officeDocument/2006/relationships" xmlns:mc="http://schemas.openxmlformats.org/markup-compatibility/2006" xmlns:c="http://schemas.openxmlformats.org/drawingml/2006/chart" xmlns:ns6="http://schemas.openxmlformats.org/drawingml/2006/chartDrawing" xmlns:dgm="http://schemas.openxmlformats.org/drawingml/2006/diagram" xmlns:pic="http://schemas.openxmlformats.org/drawingml/2006/picture" xmlns:wp="http://schemas.openxmlformats.org/drawingml/2006/wordprocessingDrawing" xmlns:xdr="http://schemas.openxmlformats.org/drawingml/2006/spreadsheetDrawing" xmlns:ns11="http://schemas.openxmlformats.org/drawingml/2006/compatibility" xmlns:ns12="http://schemas.openxmlformats.org/drawingml/2006/lockedCanvas" saveSubsetFonts="true">
+<p:presentation xmlns:p="http://schemas.openxmlformats.org/presentationml/2006/main" xmlns:r="http://schemas.openxmlformats.org/officeDocument/2006/relationships" xmlns:a="http://schemas.openxmlformats.org/drawingml/2006/main" xmlns:mc="http://schemas.openxmlformats.org/markup-compatibility/2006" xmlns:c="http://schemas.openxmlformats.org/drawingml/2006/chart" xmlns:ns6="http://schemas.openxmlformats.org/drawingml/2006/chartDrawing" xmlns:dgm="http://schemas.openxmlformats.org/drawingml/2006/diagram" xmlns:pic="http://schemas.openxmlformats.org/drawingml/2006/picture" xmlns:wp="http://schemas.openxmlformats.org/drawingml/2006/wordprocessingDrawing" xmlns:xdr="http://schemas.openxmlformats.org/drawingml/2006/spreadsheetDrawing" xmlns:ns11="http://schemas.openxmlformats.org/drawingml/2006/compatibility" xmlns:ns12="http://schemas.openxmlformats.org/drawingml/2006/lockedCanvas" saveSubsetFonts="true">
   <p:sldMasterIdLst>
     <p:sldMasterId id="2147483648" r:id="rId1"/>
   </p:sldMasterIdLst>
   <p:sldIdLst>
-    <p:sldId id="1065422633" r:id="rId6"/>
+    <p:sldId id="1860660972" r:id="rId6"/>
   </p:sldIdLst>
   <p:sldSz cx="12192000" cy="6858000"/>
   <p:notesSz cx="6858000" cy="9144000"/>
@@ -113,7 +113,7 @@
 </file>
 
 <file path=ppt/slideLayouts/slideLayout1.xml><?xml version="1.0" encoding="utf-8"?>
-<p:sldLayout xmlns:p="http://schemas.openxmlformats.org/presentationml/2006/main" xmlns:a="http://schemas.openxmlformats.org/drawingml/2006/main" xmlns:r="http://schemas.openxmlformats.org/officeDocument/2006/relationships" xmlns:mc="http://schemas.openxmlformats.org/markup-compatibility/2006" xmlns:c="http://schemas.openxmlformats.org/drawingml/2006/chart" xmlns:ns6="http://schemas.openxmlformats.org/drawingml/2006/chartDrawing" xmlns:dgm="http://schemas.openxmlformats.org/drawingml/2006/diagram" xmlns:pic="http://schemas.openxmlformats.org/drawingml/2006/picture" xmlns:wp="http://schemas.openxmlformats.org/drawingml/2006/wordprocessingDrawing" xmlns:xdr="http://schemas.openxmlformats.org/drawingml/2006/spreadsheetDrawing" xmlns:ns11="http://schemas.openxmlformats.org/drawingml/2006/compatibility" xmlns:ns12="http://schemas.openxmlformats.org/drawingml/2006/lockedCanvas" type="title" preserve="true">
+<p:sldLayout xmlns:p="http://schemas.openxmlformats.org/presentationml/2006/main" xmlns:r="http://schemas.openxmlformats.org/officeDocument/2006/relationships" xmlns:a="http://schemas.openxmlformats.org/drawingml/2006/main" xmlns:mc="http://schemas.openxmlformats.org/markup-compatibility/2006" xmlns:c="http://schemas.openxmlformats.org/drawingml/2006/chart" xmlns:ns6="http://schemas.openxmlformats.org/drawingml/2006/chartDrawing" xmlns:dgm="http://schemas.openxmlformats.org/drawingml/2006/diagram" xmlns:pic="http://schemas.openxmlformats.org/drawingml/2006/picture" xmlns:wp="http://schemas.openxmlformats.org/drawingml/2006/wordprocessingDrawing" xmlns:xdr="http://schemas.openxmlformats.org/drawingml/2006/spreadsheetDrawing" xmlns:ns11="http://schemas.openxmlformats.org/drawingml/2006/compatibility" xmlns:ns12="http://schemas.openxmlformats.org/drawingml/2006/lockedCanvas" type="title" preserve="true">
   <p:cSld name="Title Slide">
     <p:spTree>
       <p:nvGrpSpPr>
@@ -312,7 +312,7 @@
 </file>
 
 <file path=ppt/slideLayouts/slideLayout10.xml><?xml version="1.0" encoding="utf-8"?>
-<p:sldLayout xmlns:p="http://schemas.openxmlformats.org/presentationml/2006/main" xmlns:a="http://schemas.openxmlformats.org/drawingml/2006/main" xmlns:r="http://schemas.openxmlformats.org/officeDocument/2006/relationships" xmlns:mc="http://schemas.openxmlformats.org/markup-compatibility/2006" xmlns:c="http://schemas.openxmlformats.org/drawingml/2006/chart" xmlns:ns6="http://schemas.openxmlformats.org/drawingml/2006/chartDrawing" xmlns:dgm="http://schemas.openxmlformats.org/drawingml/2006/diagram" xmlns:pic="http://schemas.openxmlformats.org/drawingml/2006/picture" xmlns:wp="http://schemas.openxmlformats.org/drawingml/2006/wordprocessingDrawing" xmlns:xdr="http://schemas.openxmlformats.org/drawingml/2006/spreadsheetDrawing" xmlns:ns11="http://schemas.openxmlformats.org/drawingml/2006/compatibility" xmlns:ns12="http://schemas.openxmlformats.org/drawingml/2006/lockedCanvas" type="vertTitleAndTx" preserve="true">
+<p:sldLayout xmlns:p="http://schemas.openxmlformats.org/presentationml/2006/main" xmlns:r="http://schemas.openxmlformats.org/officeDocument/2006/relationships" xmlns:a="http://schemas.openxmlformats.org/drawingml/2006/main" xmlns:mc="http://schemas.openxmlformats.org/markup-compatibility/2006" xmlns:c="http://schemas.openxmlformats.org/drawingml/2006/chart" xmlns:ns6="http://schemas.openxmlformats.org/drawingml/2006/chartDrawing" xmlns:dgm="http://schemas.openxmlformats.org/drawingml/2006/diagram" xmlns:pic="http://schemas.openxmlformats.org/drawingml/2006/picture" xmlns:wp="http://schemas.openxmlformats.org/drawingml/2006/wordprocessingDrawing" xmlns:xdr="http://schemas.openxmlformats.org/drawingml/2006/spreadsheetDrawing" xmlns:ns11="http://schemas.openxmlformats.org/drawingml/2006/compatibility" xmlns:ns12="http://schemas.openxmlformats.org/drawingml/2006/lockedCanvas" type="vertTitleAndTx" preserve="true">
   <p:cSld name="Vertical Title and Text">
     <p:spTree>
       <p:nvGrpSpPr>
@@ -499,7 +499,7 @@
 </file>
 
 <file path=ppt/slideLayouts/slideLayout2.xml><?xml version="1.0" encoding="utf-8"?>
-<p:sldLayout xmlns:p="http://schemas.openxmlformats.org/presentationml/2006/main" xmlns:a="http://schemas.openxmlformats.org/drawingml/2006/main" xmlns:r="http://schemas.openxmlformats.org/officeDocument/2006/relationships" xmlns:mc="http://schemas.openxmlformats.org/markup-compatibility/2006" xmlns:c="http://schemas.openxmlformats.org/drawingml/2006/chart" xmlns:ns6="http://schemas.openxmlformats.org/drawingml/2006/chartDrawing" xmlns:dgm="http://schemas.openxmlformats.org/drawingml/2006/diagram" xmlns:pic="http://schemas.openxmlformats.org/drawingml/2006/picture" xmlns:wp="http://schemas.openxmlformats.org/drawingml/2006/wordprocessingDrawing" xmlns:xdr="http://schemas.openxmlformats.org/drawingml/2006/spreadsheetDrawing" xmlns:ns11="http://schemas.openxmlformats.org/drawingml/2006/compatibility" xmlns:ns12="http://schemas.openxmlformats.org/drawingml/2006/lockedCanvas" type="obj" preserve="true">
+<p:sldLayout xmlns:p="http://schemas.openxmlformats.org/presentationml/2006/main" xmlns:r="http://schemas.openxmlformats.org/officeDocument/2006/relationships" xmlns:a="http://schemas.openxmlformats.org/drawingml/2006/main" xmlns:mc="http://schemas.openxmlformats.org/markup-compatibility/2006" xmlns:c="http://schemas.openxmlformats.org/drawingml/2006/chart" xmlns:ns6="http://schemas.openxmlformats.org/drawingml/2006/chartDrawing" xmlns:dgm="http://schemas.openxmlformats.org/drawingml/2006/diagram" xmlns:pic="http://schemas.openxmlformats.org/drawingml/2006/picture" xmlns:wp="http://schemas.openxmlformats.org/drawingml/2006/wordprocessingDrawing" xmlns:xdr="http://schemas.openxmlformats.org/drawingml/2006/spreadsheetDrawing" xmlns:ns11="http://schemas.openxmlformats.org/drawingml/2006/compatibility" xmlns:ns12="http://schemas.openxmlformats.org/drawingml/2006/lockedCanvas" type="obj" preserve="true">
   <p:cSld name="Title and Content">
     <p:spTree>
       <p:nvGrpSpPr>
@@ -681,7 +681,7 @@
 </file>
 
 <file path=ppt/slideLayouts/slideLayout3.xml><?xml version="1.0" encoding="utf-8"?>
-<p:sldLayout xmlns:p="http://schemas.openxmlformats.org/presentationml/2006/main" xmlns:a="http://schemas.openxmlformats.org/drawingml/2006/main" xmlns:r="http://schemas.openxmlformats.org/officeDocument/2006/relationships" xmlns:mc="http://schemas.openxmlformats.org/markup-compatibility/2006" xmlns:c="http://schemas.openxmlformats.org/drawingml/2006/chart" xmlns:ns6="http://schemas.openxmlformats.org/drawingml/2006/chartDrawing" xmlns:dgm="http://schemas.openxmlformats.org/drawingml/2006/diagram" xmlns:pic="http://schemas.openxmlformats.org/drawingml/2006/picture" xmlns:wp="http://schemas.openxmlformats.org/drawingml/2006/wordprocessingDrawing" xmlns:xdr="http://schemas.openxmlformats.org/drawingml/2006/spreadsheetDrawing" xmlns:ns11="http://schemas.openxmlformats.org/drawingml/2006/compatibility" xmlns:ns12="http://schemas.openxmlformats.org/drawingml/2006/lockedCanvas" type="secHead" preserve="true">
+<p:sldLayout xmlns:p="http://schemas.openxmlformats.org/presentationml/2006/main" xmlns:r="http://schemas.openxmlformats.org/officeDocument/2006/relationships" xmlns:a="http://schemas.openxmlformats.org/drawingml/2006/main" xmlns:mc="http://schemas.openxmlformats.org/markup-compatibility/2006" xmlns:c="http://schemas.openxmlformats.org/drawingml/2006/chart" xmlns:ns6="http://schemas.openxmlformats.org/drawingml/2006/chartDrawing" xmlns:dgm="http://schemas.openxmlformats.org/drawingml/2006/diagram" xmlns:pic="http://schemas.openxmlformats.org/drawingml/2006/picture" xmlns:wp="http://schemas.openxmlformats.org/drawingml/2006/wordprocessingDrawing" xmlns:xdr="http://schemas.openxmlformats.org/drawingml/2006/spreadsheetDrawing" xmlns:ns11="http://schemas.openxmlformats.org/drawingml/2006/compatibility" xmlns:ns12="http://schemas.openxmlformats.org/drawingml/2006/lockedCanvas" type="secHead" preserve="true">
   <p:cSld name="Section Header">
     <p:spTree>
       <p:nvGrpSpPr>
@@ -934,7 +934,7 @@
 </file>
 
 <file path=ppt/slideLayouts/slideLayout4.xml><?xml version="1.0" encoding="utf-8"?>
-<p:sldLayout xmlns:p="http://schemas.openxmlformats.org/presentationml/2006/main" xmlns:a="http://schemas.openxmlformats.org/drawingml/2006/main" xmlns:r="http://schemas.openxmlformats.org/officeDocument/2006/relationships" xmlns:mc="http://schemas.openxmlformats.org/markup-compatibility/2006" xmlns:c="http://schemas.openxmlformats.org/drawingml/2006/chart" xmlns:ns6="http://schemas.openxmlformats.org/drawingml/2006/chartDrawing" xmlns:dgm="http://schemas.openxmlformats.org/drawingml/2006/diagram" xmlns:pic="http://schemas.openxmlformats.org/drawingml/2006/picture" xmlns:wp="http://schemas.openxmlformats.org/drawingml/2006/wordprocessingDrawing" xmlns:xdr="http://schemas.openxmlformats.org/drawingml/2006/spreadsheetDrawing" xmlns:ns11="http://schemas.openxmlformats.org/drawingml/2006/compatibility" xmlns:ns12="http://schemas.openxmlformats.org/drawingml/2006/lockedCanvas" type="twoObj" preserve="true">
+<p:sldLayout xmlns:p="http://schemas.openxmlformats.org/presentationml/2006/main" xmlns:r="http://schemas.openxmlformats.org/officeDocument/2006/relationships" xmlns:a="http://schemas.openxmlformats.org/drawingml/2006/main" xmlns:mc="http://schemas.openxmlformats.org/markup-compatibility/2006" xmlns:c="http://schemas.openxmlformats.org/drawingml/2006/chart" xmlns:ns6="http://schemas.openxmlformats.org/drawingml/2006/chartDrawing" xmlns:dgm="http://schemas.openxmlformats.org/drawingml/2006/diagram" xmlns:pic="http://schemas.openxmlformats.org/drawingml/2006/picture" xmlns:wp="http://schemas.openxmlformats.org/drawingml/2006/wordprocessingDrawing" xmlns:xdr="http://schemas.openxmlformats.org/drawingml/2006/spreadsheetDrawing" xmlns:ns11="http://schemas.openxmlformats.org/drawingml/2006/compatibility" xmlns:ns12="http://schemas.openxmlformats.org/drawingml/2006/lockedCanvas" type="twoObj" preserve="true">
   <p:cSld name="Two Content">
     <p:spTree>
       <p:nvGrpSpPr>
@@ -1173,7 +1173,7 @@
 </file>
 
 <file path=ppt/slideLayouts/slideLayout5.xml><?xml version="1.0" encoding="utf-8"?>
-<p:sldLayout xmlns:p="http://schemas.openxmlformats.org/presentationml/2006/main" xmlns:a="http://schemas.openxmlformats.org/drawingml/2006/main" xmlns:r="http://schemas.openxmlformats.org/officeDocument/2006/relationships" xmlns:mc="http://schemas.openxmlformats.org/markup-compatibility/2006" xmlns:c="http://schemas.openxmlformats.org/drawingml/2006/chart" xmlns:ns6="http://schemas.openxmlformats.org/drawingml/2006/chartDrawing" xmlns:dgm="http://schemas.openxmlformats.org/drawingml/2006/diagram" xmlns:pic="http://schemas.openxmlformats.org/drawingml/2006/picture" xmlns:wp="http://schemas.openxmlformats.org/drawingml/2006/wordprocessingDrawing" xmlns:xdr="http://schemas.openxmlformats.org/drawingml/2006/spreadsheetDrawing" xmlns:ns11="http://schemas.openxmlformats.org/drawingml/2006/compatibility" xmlns:ns12="http://schemas.openxmlformats.org/drawingml/2006/lockedCanvas" type="twoTxTwoObj" preserve="true">
+<p:sldLayout xmlns:p="http://schemas.openxmlformats.org/presentationml/2006/main" xmlns:r="http://schemas.openxmlformats.org/officeDocument/2006/relationships" xmlns:a="http://schemas.openxmlformats.org/drawingml/2006/main" xmlns:mc="http://schemas.openxmlformats.org/markup-compatibility/2006" xmlns:c="http://schemas.openxmlformats.org/drawingml/2006/chart" xmlns:ns6="http://schemas.openxmlformats.org/drawingml/2006/chartDrawing" xmlns:dgm="http://schemas.openxmlformats.org/drawingml/2006/diagram" xmlns:pic="http://schemas.openxmlformats.org/drawingml/2006/picture" xmlns:wp="http://schemas.openxmlformats.org/drawingml/2006/wordprocessingDrawing" xmlns:xdr="http://schemas.openxmlformats.org/drawingml/2006/spreadsheetDrawing" xmlns:ns11="http://schemas.openxmlformats.org/drawingml/2006/compatibility" xmlns:ns12="http://schemas.openxmlformats.org/drawingml/2006/lockedCanvas" type="twoTxTwoObj" preserve="true">
   <p:cSld name="Comparison">
     <p:spTree>
       <p:nvGrpSpPr>
@@ -1528,7 +1528,7 @@
 </file>
 
 <file path=ppt/slideLayouts/slideLayout6.xml><?xml version="1.0" encoding="utf-8"?>
-<p:sldLayout xmlns:p="http://schemas.openxmlformats.org/presentationml/2006/main" xmlns:a="http://schemas.openxmlformats.org/drawingml/2006/main" xmlns:r="http://schemas.openxmlformats.org/officeDocument/2006/relationships" xmlns:mc="http://schemas.openxmlformats.org/markup-compatibility/2006" xmlns:c="http://schemas.openxmlformats.org/drawingml/2006/chart" xmlns:ns6="http://schemas.openxmlformats.org/drawingml/2006/chartDrawing" xmlns:dgm="http://schemas.openxmlformats.org/drawingml/2006/diagram" xmlns:pic="http://schemas.openxmlformats.org/drawingml/2006/picture" xmlns:wp="http://schemas.openxmlformats.org/drawingml/2006/wordprocessingDrawing" xmlns:xdr="http://schemas.openxmlformats.org/drawingml/2006/spreadsheetDrawing" xmlns:ns11="http://schemas.openxmlformats.org/drawingml/2006/compatibility" xmlns:ns12="http://schemas.openxmlformats.org/drawingml/2006/lockedCanvas" type="titleOnly" preserve="true">
+<p:sldLayout xmlns:p="http://schemas.openxmlformats.org/presentationml/2006/main" xmlns:r="http://schemas.openxmlformats.org/officeDocument/2006/relationships" xmlns:a="http://schemas.openxmlformats.org/drawingml/2006/main" xmlns:mc="http://schemas.openxmlformats.org/markup-compatibility/2006" xmlns:c="http://schemas.openxmlformats.org/drawingml/2006/chart" xmlns:ns6="http://schemas.openxmlformats.org/drawingml/2006/chartDrawing" xmlns:dgm="http://schemas.openxmlformats.org/drawingml/2006/diagram" xmlns:pic="http://schemas.openxmlformats.org/drawingml/2006/picture" xmlns:wp="http://schemas.openxmlformats.org/drawingml/2006/wordprocessingDrawing" xmlns:xdr="http://schemas.openxmlformats.org/drawingml/2006/spreadsheetDrawing" xmlns:ns11="http://schemas.openxmlformats.org/drawingml/2006/compatibility" xmlns:ns12="http://schemas.openxmlformats.org/drawingml/2006/lockedCanvas" type="titleOnly" preserve="true">
   <p:cSld name="Title Only">
     <p:spTree>
       <p:nvGrpSpPr>
@@ -1653,7 +1653,7 @@
 </file>
 
 <file path=ppt/slideLayouts/slideLayout7.xml><?xml version="1.0" encoding="utf-8"?>
-<p:sldLayout xmlns:p="http://schemas.openxmlformats.org/presentationml/2006/main" xmlns:a="http://schemas.openxmlformats.org/drawingml/2006/main" xmlns:r="http://schemas.openxmlformats.org/officeDocument/2006/relationships" xmlns:mc="http://schemas.openxmlformats.org/markup-compatibility/2006" xmlns:c="http://schemas.openxmlformats.org/drawingml/2006/chart" xmlns:ns6="http://schemas.openxmlformats.org/drawingml/2006/chartDrawing" xmlns:dgm="http://schemas.openxmlformats.org/drawingml/2006/diagram" xmlns:pic="http://schemas.openxmlformats.org/drawingml/2006/picture" xmlns:wp="http://schemas.openxmlformats.org/drawingml/2006/wordprocessingDrawing" xmlns:xdr="http://schemas.openxmlformats.org/drawingml/2006/spreadsheetDrawing" xmlns:ns11="http://schemas.openxmlformats.org/drawingml/2006/compatibility" xmlns:ns12="http://schemas.openxmlformats.org/drawingml/2006/lockedCanvas" type="blank" preserve="true">
+<p:sldLayout xmlns:p="http://schemas.openxmlformats.org/presentationml/2006/main" xmlns:r="http://schemas.openxmlformats.org/officeDocument/2006/relationships" xmlns:a="http://schemas.openxmlformats.org/drawingml/2006/main" xmlns:mc="http://schemas.openxmlformats.org/markup-compatibility/2006" xmlns:c="http://schemas.openxmlformats.org/drawingml/2006/chart" xmlns:ns6="http://schemas.openxmlformats.org/drawingml/2006/chartDrawing" xmlns:dgm="http://schemas.openxmlformats.org/drawingml/2006/diagram" xmlns:pic="http://schemas.openxmlformats.org/drawingml/2006/picture" xmlns:wp="http://schemas.openxmlformats.org/drawingml/2006/wordprocessingDrawing" xmlns:xdr="http://schemas.openxmlformats.org/drawingml/2006/spreadsheetDrawing" xmlns:ns11="http://schemas.openxmlformats.org/drawingml/2006/compatibility" xmlns:ns12="http://schemas.openxmlformats.org/drawingml/2006/lockedCanvas" type="blank" preserve="true">
   <p:cSld name="Blank">
     <p:spTree>
       <p:nvGrpSpPr>
@@ -1755,7 +1755,7 @@
 </file>
 
 <file path=ppt/slideLayouts/slideLayout8.xml><?xml version="1.0" encoding="utf-8"?>
-<p:sldLayout xmlns:p="http://schemas.openxmlformats.org/presentationml/2006/main" xmlns:a="http://schemas.openxmlformats.org/drawingml/2006/main" xmlns:r="http://schemas.openxmlformats.org/officeDocument/2006/relationships" xmlns:mc="http://schemas.openxmlformats.org/markup-compatibility/2006" xmlns:c="http://schemas.openxmlformats.org/drawingml/2006/chart" xmlns:ns6="http://schemas.openxmlformats.org/drawingml/2006/chartDrawing" xmlns:dgm="http://schemas.openxmlformats.org/drawingml/2006/diagram" xmlns:pic="http://schemas.openxmlformats.org/drawingml/2006/picture" xmlns:wp="http://schemas.openxmlformats.org/drawingml/2006/wordprocessingDrawing" xmlns:xdr="http://schemas.openxmlformats.org/drawingml/2006/spreadsheetDrawing" xmlns:ns11="http://schemas.openxmlformats.org/drawingml/2006/compatibility" xmlns:ns12="http://schemas.openxmlformats.org/drawingml/2006/lockedCanvas" type="objTx" preserve="true">
+<p:sldLayout xmlns:p="http://schemas.openxmlformats.org/presentationml/2006/main" xmlns:r="http://schemas.openxmlformats.org/officeDocument/2006/relationships" xmlns:a="http://schemas.openxmlformats.org/drawingml/2006/main" xmlns:mc="http://schemas.openxmlformats.org/markup-compatibility/2006" xmlns:c="http://schemas.openxmlformats.org/drawingml/2006/chart" xmlns:ns6="http://schemas.openxmlformats.org/drawingml/2006/chartDrawing" xmlns:dgm="http://schemas.openxmlformats.org/drawingml/2006/diagram" xmlns:pic="http://schemas.openxmlformats.org/drawingml/2006/picture" xmlns:wp="http://schemas.openxmlformats.org/drawingml/2006/wordprocessingDrawing" xmlns:xdr="http://schemas.openxmlformats.org/drawingml/2006/spreadsheetDrawing" xmlns:ns11="http://schemas.openxmlformats.org/drawingml/2006/compatibility" xmlns:ns12="http://schemas.openxmlformats.org/drawingml/2006/lockedCanvas" type="objTx" preserve="true">
   <p:cSld name="Content with Caption">
     <p:spTree>
       <p:nvGrpSpPr>
@@ -2039,7 +2039,7 @@
 </file>
 
 <file path=ppt/slideLayouts/slideLayout9.xml><?xml version="1.0" encoding="utf-8"?>
-<p:sldLayout xmlns:p="http://schemas.openxmlformats.org/presentationml/2006/main" xmlns:a="http://schemas.openxmlformats.org/drawingml/2006/main" xmlns:r="http://schemas.openxmlformats.org/officeDocument/2006/relationships" xmlns:mc="http://schemas.openxmlformats.org/markup-compatibility/2006" xmlns:c="http://schemas.openxmlformats.org/drawingml/2006/chart" xmlns:ns6="http://schemas.openxmlformats.org/drawingml/2006/chartDrawing" xmlns:dgm="http://schemas.openxmlformats.org/drawingml/2006/diagram" xmlns:pic="http://schemas.openxmlformats.org/drawingml/2006/picture" xmlns:wp="http://schemas.openxmlformats.org/drawingml/2006/wordprocessingDrawing" xmlns:xdr="http://schemas.openxmlformats.org/drawingml/2006/spreadsheetDrawing" xmlns:ns11="http://schemas.openxmlformats.org/drawingml/2006/compatibility" xmlns:ns12="http://schemas.openxmlformats.org/drawingml/2006/lockedCanvas" type="vertTx" preserve="true">
+<p:sldLayout xmlns:p="http://schemas.openxmlformats.org/presentationml/2006/main" xmlns:r="http://schemas.openxmlformats.org/officeDocument/2006/relationships" xmlns:a="http://schemas.openxmlformats.org/drawingml/2006/main" xmlns:mc="http://schemas.openxmlformats.org/markup-compatibility/2006" xmlns:c="http://schemas.openxmlformats.org/drawingml/2006/chart" xmlns:ns6="http://schemas.openxmlformats.org/drawingml/2006/chartDrawing" xmlns:dgm="http://schemas.openxmlformats.org/drawingml/2006/diagram" xmlns:pic="http://schemas.openxmlformats.org/drawingml/2006/picture" xmlns:wp="http://schemas.openxmlformats.org/drawingml/2006/wordprocessingDrawing" xmlns:xdr="http://schemas.openxmlformats.org/drawingml/2006/spreadsheetDrawing" xmlns:ns11="http://schemas.openxmlformats.org/drawingml/2006/compatibility" xmlns:ns12="http://schemas.openxmlformats.org/drawingml/2006/lockedCanvas" type="vertTx" preserve="true">
   <p:cSld name="Title and Vertical Text">
     <p:spTree>
       <p:nvGrpSpPr>
@@ -2216,7 +2216,7 @@
 </file>
 
 <file path=ppt/slideMasters/slideMaster1.xml><?xml version="1.0" encoding="utf-8"?>
-<p:sldMaster xmlns:p="http://schemas.openxmlformats.org/presentationml/2006/main" xmlns:a="http://schemas.openxmlformats.org/drawingml/2006/main" xmlns:r="http://schemas.openxmlformats.org/officeDocument/2006/relationships" xmlns:mc="http://schemas.openxmlformats.org/markup-compatibility/2006" xmlns:c="http://schemas.openxmlformats.org/drawingml/2006/chart" xmlns:ns6="http://schemas.openxmlformats.org/drawingml/2006/chartDrawing" xmlns:dgm="http://schemas.openxmlformats.org/drawingml/2006/diagram" xmlns:pic="http://schemas.openxmlformats.org/drawingml/2006/picture" xmlns:wp="http://schemas.openxmlformats.org/drawingml/2006/wordprocessingDrawing" xmlns:xdr="http://schemas.openxmlformats.org/drawingml/2006/spreadsheetDrawing" xmlns:ns11="http://schemas.openxmlformats.org/drawingml/2006/compatibility" xmlns:ns12="http://schemas.openxmlformats.org/drawingml/2006/lockedCanvas">
+<p:sldMaster xmlns:p="http://schemas.openxmlformats.org/presentationml/2006/main" xmlns:r="http://schemas.openxmlformats.org/officeDocument/2006/relationships" xmlns:a="http://schemas.openxmlformats.org/drawingml/2006/main" xmlns:mc="http://schemas.openxmlformats.org/markup-compatibility/2006" xmlns:c="http://schemas.openxmlformats.org/drawingml/2006/chart" xmlns:ns6="http://schemas.openxmlformats.org/drawingml/2006/chartDrawing" xmlns:dgm="http://schemas.openxmlformats.org/drawingml/2006/diagram" xmlns:pic="http://schemas.openxmlformats.org/drawingml/2006/picture" xmlns:wp="http://schemas.openxmlformats.org/drawingml/2006/wordprocessingDrawing" xmlns:xdr="http://schemas.openxmlformats.org/drawingml/2006/spreadsheetDrawing" xmlns:ns11="http://schemas.openxmlformats.org/drawingml/2006/compatibility" xmlns:ns12="http://schemas.openxmlformats.org/drawingml/2006/lockedCanvas">
   <p:cSld>
     <p:bg>
       <p:bgRef idx="1001">
@@ -2762,7 +2762,7 @@
 </file>
 
 <file path=ppt/slides/slide1.xml><?xml version="1.0" encoding="utf-8"?>
-<p:sld xmlns:p="http://schemas.openxmlformats.org/presentationml/2006/main" xmlns:a="http://schemas.openxmlformats.org/drawingml/2006/main" xmlns:r="http://schemas.openxmlformats.org/officeDocument/2006/relationships" xmlns:mc="http://schemas.openxmlformats.org/markup-compatibility/2006" xmlns:c="http://schemas.openxmlformats.org/drawingml/2006/chart" xmlns:ns6="http://schemas.openxmlformats.org/drawingml/2006/chartDrawing" xmlns:dgm="http://schemas.openxmlformats.org/drawingml/2006/diagram" xmlns:pic="http://schemas.openxmlformats.org/drawingml/2006/picture" xmlns:wp="http://schemas.openxmlformats.org/drawingml/2006/wordprocessingDrawing" xmlns:xdr="http://schemas.openxmlformats.org/drawingml/2006/spreadsheetDrawing" xmlns:ns11="http://schemas.openxmlformats.org/drawingml/2006/compatibility" xmlns:ns12="http://schemas.openxmlformats.org/drawingml/2006/lockedCanvas">
+<p:sld xmlns:p="http://schemas.openxmlformats.org/presentationml/2006/main" xmlns:r="http://schemas.openxmlformats.org/officeDocument/2006/relationships" xmlns:a="http://schemas.openxmlformats.org/drawingml/2006/main" xmlns:mc="http://schemas.openxmlformats.org/markup-compatibility/2006" xmlns:c="http://schemas.openxmlformats.org/drawingml/2006/chart" xmlns:ns6="http://schemas.openxmlformats.org/drawingml/2006/chartDrawing" xmlns:dgm="http://schemas.openxmlformats.org/drawingml/2006/diagram" xmlns:pic="http://schemas.openxmlformats.org/drawingml/2006/picture" xmlns:wp="http://schemas.openxmlformats.org/drawingml/2006/wordprocessingDrawing" xmlns:xdr="http://schemas.openxmlformats.org/drawingml/2006/spreadsheetDrawing" xmlns:ns11="http://schemas.openxmlformats.org/drawingml/2006/compatibility" xmlns:ns12="http://schemas.openxmlformats.org/drawingml/2006/lockedCanvas">
   <p:cSld>
     <p:spTree>
       <p:nvGrpSpPr>

--- a/articles/force_pos_size.pptx
+++ b/articles/force_pos_size.pptx
@@ -1,11 +1,11 @@
 
 <file path=ppt/presentation.xml><?xml version="1.0" encoding="utf-8"?>
-<p:presentation xmlns:p="http://schemas.openxmlformats.org/presentationml/2006/main" xmlns:r="http://schemas.openxmlformats.org/officeDocument/2006/relationships" xmlns:a="http://schemas.openxmlformats.org/drawingml/2006/main" xmlns:mc="http://schemas.openxmlformats.org/markup-compatibility/2006" xmlns:c="http://schemas.openxmlformats.org/drawingml/2006/chart" xmlns:ns6="http://schemas.openxmlformats.org/drawingml/2006/chartDrawing" xmlns:dgm="http://schemas.openxmlformats.org/drawingml/2006/diagram" xmlns:pic="http://schemas.openxmlformats.org/drawingml/2006/picture" xmlns:wp="http://schemas.openxmlformats.org/drawingml/2006/wordprocessingDrawing" xmlns:xdr="http://schemas.openxmlformats.org/drawingml/2006/spreadsheetDrawing" xmlns:ns11="http://schemas.openxmlformats.org/drawingml/2006/compatibility" xmlns:ns12="http://schemas.openxmlformats.org/drawingml/2006/lockedCanvas" saveSubsetFonts="true">
+<p:presentation xmlns:a="http://schemas.openxmlformats.org/drawingml/2006/main" xmlns:r="http://schemas.openxmlformats.org/officeDocument/2006/relationships" xmlns:p="http://schemas.openxmlformats.org/presentationml/2006/main" xmlns:mc="http://schemas.openxmlformats.org/markup-compatibility/2006" xmlns:c="http://schemas.openxmlformats.org/drawingml/2006/chart" xmlns:ns6="http://schemas.openxmlformats.org/drawingml/2006/chartDrawing" xmlns:dgm="http://schemas.openxmlformats.org/drawingml/2006/diagram" xmlns:pic="http://schemas.openxmlformats.org/drawingml/2006/picture" xmlns:wp="http://schemas.openxmlformats.org/drawingml/2006/wordprocessingDrawing" xmlns:xdr="http://schemas.openxmlformats.org/drawingml/2006/spreadsheetDrawing" xmlns:ns11="http://schemas.openxmlformats.org/drawingml/2006/compatibility" xmlns:ns12="http://schemas.openxmlformats.org/drawingml/2006/lockedCanvas" saveSubsetFonts="true">
   <p:sldMasterIdLst>
     <p:sldMasterId id="2147483648" r:id="rId1"/>
   </p:sldMasterIdLst>
   <p:sldIdLst>
-    <p:sldId id="1860660972" r:id="rId6"/>
+    <p:sldId id="1434504708" r:id="rId6"/>
   </p:sldIdLst>
   <p:sldSz cx="12192000" cy="6858000"/>
   <p:notesSz cx="6858000" cy="9144000"/>
@@ -113,7 +113,7 @@
 </file>
 
 <file path=ppt/slideLayouts/slideLayout1.xml><?xml version="1.0" encoding="utf-8"?>
-<p:sldLayout xmlns:p="http://schemas.openxmlformats.org/presentationml/2006/main" xmlns:r="http://schemas.openxmlformats.org/officeDocument/2006/relationships" xmlns:a="http://schemas.openxmlformats.org/drawingml/2006/main" xmlns:mc="http://schemas.openxmlformats.org/markup-compatibility/2006" xmlns:c="http://schemas.openxmlformats.org/drawingml/2006/chart" xmlns:ns6="http://schemas.openxmlformats.org/drawingml/2006/chartDrawing" xmlns:dgm="http://schemas.openxmlformats.org/drawingml/2006/diagram" xmlns:pic="http://schemas.openxmlformats.org/drawingml/2006/picture" xmlns:wp="http://schemas.openxmlformats.org/drawingml/2006/wordprocessingDrawing" xmlns:xdr="http://schemas.openxmlformats.org/drawingml/2006/spreadsheetDrawing" xmlns:ns11="http://schemas.openxmlformats.org/drawingml/2006/compatibility" xmlns:ns12="http://schemas.openxmlformats.org/drawingml/2006/lockedCanvas" type="title" preserve="true">
+<p:sldLayout xmlns:a="http://schemas.openxmlformats.org/drawingml/2006/main" xmlns:r="http://schemas.openxmlformats.org/officeDocument/2006/relationships" xmlns:p="http://schemas.openxmlformats.org/presentationml/2006/main" xmlns:mc="http://schemas.openxmlformats.org/markup-compatibility/2006" xmlns:c="http://schemas.openxmlformats.org/drawingml/2006/chart" xmlns:ns6="http://schemas.openxmlformats.org/drawingml/2006/chartDrawing" xmlns:dgm="http://schemas.openxmlformats.org/drawingml/2006/diagram" xmlns:pic="http://schemas.openxmlformats.org/drawingml/2006/picture" xmlns:wp="http://schemas.openxmlformats.org/drawingml/2006/wordprocessingDrawing" xmlns:xdr="http://schemas.openxmlformats.org/drawingml/2006/spreadsheetDrawing" xmlns:ns11="http://schemas.openxmlformats.org/drawingml/2006/compatibility" xmlns:ns12="http://schemas.openxmlformats.org/drawingml/2006/lockedCanvas" type="title" preserve="true">
   <p:cSld name="Title Slide">
     <p:spTree>
       <p:nvGrpSpPr>
@@ -312,7 +312,7 @@
 </file>
 
 <file path=ppt/slideLayouts/slideLayout10.xml><?xml version="1.0" encoding="utf-8"?>
-<p:sldLayout xmlns:p="http://schemas.openxmlformats.org/presentationml/2006/main" xmlns:r="http://schemas.openxmlformats.org/officeDocument/2006/relationships" xmlns:a="http://schemas.openxmlformats.org/drawingml/2006/main" xmlns:mc="http://schemas.openxmlformats.org/markup-compatibility/2006" xmlns:c="http://schemas.openxmlformats.org/drawingml/2006/chart" xmlns:ns6="http://schemas.openxmlformats.org/drawingml/2006/chartDrawing" xmlns:dgm="http://schemas.openxmlformats.org/drawingml/2006/diagram" xmlns:pic="http://schemas.openxmlformats.org/drawingml/2006/picture" xmlns:wp="http://schemas.openxmlformats.org/drawingml/2006/wordprocessingDrawing" xmlns:xdr="http://schemas.openxmlformats.org/drawingml/2006/spreadsheetDrawing" xmlns:ns11="http://schemas.openxmlformats.org/drawingml/2006/compatibility" xmlns:ns12="http://schemas.openxmlformats.org/drawingml/2006/lockedCanvas" type="vertTitleAndTx" preserve="true">
+<p:sldLayout xmlns:a="http://schemas.openxmlformats.org/drawingml/2006/main" xmlns:r="http://schemas.openxmlformats.org/officeDocument/2006/relationships" xmlns:p="http://schemas.openxmlformats.org/presentationml/2006/main" xmlns:mc="http://schemas.openxmlformats.org/markup-compatibility/2006" xmlns:c="http://schemas.openxmlformats.org/drawingml/2006/chart" xmlns:ns6="http://schemas.openxmlformats.org/drawingml/2006/chartDrawing" xmlns:dgm="http://schemas.openxmlformats.org/drawingml/2006/diagram" xmlns:pic="http://schemas.openxmlformats.org/drawingml/2006/picture" xmlns:wp="http://schemas.openxmlformats.org/drawingml/2006/wordprocessingDrawing" xmlns:xdr="http://schemas.openxmlformats.org/drawingml/2006/spreadsheetDrawing" xmlns:ns11="http://schemas.openxmlformats.org/drawingml/2006/compatibility" xmlns:ns12="http://schemas.openxmlformats.org/drawingml/2006/lockedCanvas" type="vertTitleAndTx" preserve="true">
   <p:cSld name="Vertical Title and Text">
     <p:spTree>
       <p:nvGrpSpPr>
@@ -499,7 +499,7 @@
 </file>
 
 <file path=ppt/slideLayouts/slideLayout2.xml><?xml version="1.0" encoding="utf-8"?>
-<p:sldLayout xmlns:p="http://schemas.openxmlformats.org/presentationml/2006/main" xmlns:r="http://schemas.openxmlformats.org/officeDocument/2006/relationships" xmlns:a="http://schemas.openxmlformats.org/drawingml/2006/main" xmlns:mc="http://schemas.openxmlformats.org/markup-compatibility/2006" xmlns:c="http://schemas.openxmlformats.org/drawingml/2006/chart" xmlns:ns6="http://schemas.openxmlformats.org/drawingml/2006/chartDrawing" xmlns:dgm="http://schemas.openxmlformats.org/drawingml/2006/diagram" xmlns:pic="http://schemas.openxmlformats.org/drawingml/2006/picture" xmlns:wp="http://schemas.openxmlformats.org/drawingml/2006/wordprocessingDrawing" xmlns:xdr="http://schemas.openxmlformats.org/drawingml/2006/spreadsheetDrawing" xmlns:ns11="http://schemas.openxmlformats.org/drawingml/2006/compatibility" xmlns:ns12="http://schemas.openxmlformats.org/drawingml/2006/lockedCanvas" type="obj" preserve="true">
+<p:sldLayout xmlns:a="http://schemas.openxmlformats.org/drawingml/2006/main" xmlns:r="http://schemas.openxmlformats.org/officeDocument/2006/relationships" xmlns:p="http://schemas.openxmlformats.org/presentationml/2006/main" xmlns:mc="http://schemas.openxmlformats.org/markup-compatibility/2006" xmlns:c="http://schemas.openxmlformats.org/drawingml/2006/chart" xmlns:ns6="http://schemas.openxmlformats.org/drawingml/2006/chartDrawing" xmlns:dgm="http://schemas.openxmlformats.org/drawingml/2006/diagram" xmlns:pic="http://schemas.openxmlformats.org/drawingml/2006/picture" xmlns:wp="http://schemas.openxmlformats.org/drawingml/2006/wordprocessingDrawing" xmlns:xdr="http://schemas.openxmlformats.org/drawingml/2006/spreadsheetDrawing" xmlns:ns11="http://schemas.openxmlformats.org/drawingml/2006/compatibility" xmlns:ns12="http://schemas.openxmlformats.org/drawingml/2006/lockedCanvas" type="obj" preserve="true">
   <p:cSld name="Title and Content">
     <p:spTree>
       <p:nvGrpSpPr>
@@ -681,7 +681,7 @@
 </file>
 
 <file path=ppt/slideLayouts/slideLayout3.xml><?xml version="1.0" encoding="utf-8"?>
-<p:sldLayout xmlns:p="http://schemas.openxmlformats.org/presentationml/2006/main" xmlns:r="http://schemas.openxmlformats.org/officeDocument/2006/relationships" xmlns:a="http://schemas.openxmlformats.org/drawingml/2006/main" xmlns:mc="http://schemas.openxmlformats.org/markup-compatibility/2006" xmlns:c="http://schemas.openxmlformats.org/drawingml/2006/chart" xmlns:ns6="http://schemas.openxmlformats.org/drawingml/2006/chartDrawing" xmlns:dgm="http://schemas.openxmlformats.org/drawingml/2006/diagram" xmlns:pic="http://schemas.openxmlformats.org/drawingml/2006/picture" xmlns:wp="http://schemas.openxmlformats.org/drawingml/2006/wordprocessingDrawing" xmlns:xdr="http://schemas.openxmlformats.org/drawingml/2006/spreadsheetDrawing" xmlns:ns11="http://schemas.openxmlformats.org/drawingml/2006/compatibility" xmlns:ns12="http://schemas.openxmlformats.org/drawingml/2006/lockedCanvas" type="secHead" preserve="true">
+<p:sldLayout xmlns:a="http://schemas.openxmlformats.org/drawingml/2006/main" xmlns:r="http://schemas.openxmlformats.org/officeDocument/2006/relationships" xmlns:p="http://schemas.openxmlformats.org/presentationml/2006/main" xmlns:mc="http://schemas.openxmlformats.org/markup-compatibility/2006" xmlns:c="http://schemas.openxmlformats.org/drawingml/2006/chart" xmlns:ns6="http://schemas.openxmlformats.org/drawingml/2006/chartDrawing" xmlns:dgm="http://schemas.openxmlformats.org/drawingml/2006/diagram" xmlns:pic="http://schemas.openxmlformats.org/drawingml/2006/picture" xmlns:wp="http://schemas.openxmlformats.org/drawingml/2006/wordprocessingDrawing" xmlns:xdr="http://schemas.openxmlformats.org/drawingml/2006/spreadsheetDrawing" xmlns:ns11="http://schemas.openxmlformats.org/drawingml/2006/compatibility" xmlns:ns12="http://schemas.openxmlformats.org/drawingml/2006/lockedCanvas" type="secHead" preserve="true">
   <p:cSld name="Section Header">
     <p:spTree>
       <p:nvGrpSpPr>
@@ -934,7 +934,7 @@
 </file>
 
 <file path=ppt/slideLayouts/slideLayout4.xml><?xml version="1.0" encoding="utf-8"?>
-<p:sldLayout xmlns:p="http://schemas.openxmlformats.org/presentationml/2006/main" xmlns:r="http://schemas.openxmlformats.org/officeDocument/2006/relationships" xmlns:a="http://schemas.openxmlformats.org/drawingml/2006/main" xmlns:mc="http://schemas.openxmlformats.org/markup-compatibility/2006" xmlns:c="http://schemas.openxmlformats.org/drawingml/2006/chart" xmlns:ns6="http://schemas.openxmlformats.org/drawingml/2006/chartDrawing" xmlns:dgm="http://schemas.openxmlformats.org/drawingml/2006/diagram" xmlns:pic="http://schemas.openxmlformats.org/drawingml/2006/picture" xmlns:wp="http://schemas.openxmlformats.org/drawingml/2006/wordprocessingDrawing" xmlns:xdr="http://schemas.openxmlformats.org/drawingml/2006/spreadsheetDrawing" xmlns:ns11="http://schemas.openxmlformats.org/drawingml/2006/compatibility" xmlns:ns12="http://schemas.openxmlformats.org/drawingml/2006/lockedCanvas" type="twoObj" preserve="true">
+<p:sldLayout xmlns:a="http://schemas.openxmlformats.org/drawingml/2006/main" xmlns:r="http://schemas.openxmlformats.org/officeDocument/2006/relationships" xmlns:p="http://schemas.openxmlformats.org/presentationml/2006/main" xmlns:mc="http://schemas.openxmlformats.org/markup-compatibility/2006" xmlns:c="http://schemas.openxmlformats.org/drawingml/2006/chart" xmlns:ns6="http://schemas.openxmlformats.org/drawingml/2006/chartDrawing" xmlns:dgm="http://schemas.openxmlformats.org/drawingml/2006/diagram" xmlns:pic="http://schemas.openxmlformats.org/drawingml/2006/picture" xmlns:wp="http://schemas.openxmlformats.org/drawingml/2006/wordprocessingDrawing" xmlns:xdr="http://schemas.openxmlformats.org/drawingml/2006/spreadsheetDrawing" xmlns:ns11="http://schemas.openxmlformats.org/drawingml/2006/compatibility" xmlns:ns12="http://schemas.openxmlformats.org/drawingml/2006/lockedCanvas" type="twoObj" preserve="true">
   <p:cSld name="Two Content">
     <p:spTree>
       <p:nvGrpSpPr>
@@ -1173,7 +1173,7 @@
 </file>
 
 <file path=ppt/slideLayouts/slideLayout5.xml><?xml version="1.0" encoding="utf-8"?>
-<p:sldLayout xmlns:p="http://schemas.openxmlformats.org/presentationml/2006/main" xmlns:r="http://schemas.openxmlformats.org/officeDocument/2006/relationships" xmlns:a="http://schemas.openxmlformats.org/drawingml/2006/main" xmlns:mc="http://schemas.openxmlformats.org/markup-compatibility/2006" xmlns:c="http://schemas.openxmlformats.org/drawingml/2006/chart" xmlns:ns6="http://schemas.openxmlformats.org/drawingml/2006/chartDrawing" xmlns:dgm="http://schemas.openxmlformats.org/drawingml/2006/diagram" xmlns:pic="http://schemas.openxmlformats.org/drawingml/2006/picture" xmlns:wp="http://schemas.openxmlformats.org/drawingml/2006/wordprocessingDrawing" xmlns:xdr="http://schemas.openxmlformats.org/drawingml/2006/spreadsheetDrawing" xmlns:ns11="http://schemas.openxmlformats.org/drawingml/2006/compatibility" xmlns:ns12="http://schemas.openxmlformats.org/drawingml/2006/lockedCanvas" type="twoTxTwoObj" preserve="true">
+<p:sldLayout xmlns:a="http://schemas.openxmlformats.org/drawingml/2006/main" xmlns:r="http://schemas.openxmlformats.org/officeDocument/2006/relationships" xmlns:p="http://schemas.openxmlformats.org/presentationml/2006/main" xmlns:mc="http://schemas.openxmlformats.org/markup-compatibility/2006" xmlns:c="http://schemas.openxmlformats.org/drawingml/2006/chart" xmlns:ns6="http://schemas.openxmlformats.org/drawingml/2006/chartDrawing" xmlns:dgm="http://schemas.openxmlformats.org/drawingml/2006/diagram" xmlns:pic="http://schemas.openxmlformats.org/drawingml/2006/picture" xmlns:wp="http://schemas.openxmlformats.org/drawingml/2006/wordprocessingDrawing" xmlns:xdr="http://schemas.openxmlformats.org/drawingml/2006/spreadsheetDrawing" xmlns:ns11="http://schemas.openxmlformats.org/drawingml/2006/compatibility" xmlns:ns12="http://schemas.openxmlformats.org/drawingml/2006/lockedCanvas" type="twoTxTwoObj" preserve="true">
   <p:cSld name="Comparison">
     <p:spTree>
       <p:nvGrpSpPr>
@@ -1528,7 +1528,7 @@
 </file>
 
 <file path=ppt/slideLayouts/slideLayout6.xml><?xml version="1.0" encoding="utf-8"?>
-<p:sldLayout xmlns:p="http://schemas.openxmlformats.org/presentationml/2006/main" xmlns:r="http://schemas.openxmlformats.org/officeDocument/2006/relationships" xmlns:a="http://schemas.openxmlformats.org/drawingml/2006/main" xmlns:mc="http://schemas.openxmlformats.org/markup-compatibility/2006" xmlns:c="http://schemas.openxmlformats.org/drawingml/2006/chart" xmlns:ns6="http://schemas.openxmlformats.org/drawingml/2006/chartDrawing" xmlns:dgm="http://schemas.openxmlformats.org/drawingml/2006/diagram" xmlns:pic="http://schemas.openxmlformats.org/drawingml/2006/picture" xmlns:wp="http://schemas.openxmlformats.org/drawingml/2006/wordprocessingDrawing" xmlns:xdr="http://schemas.openxmlformats.org/drawingml/2006/spreadsheetDrawing" xmlns:ns11="http://schemas.openxmlformats.org/drawingml/2006/compatibility" xmlns:ns12="http://schemas.openxmlformats.org/drawingml/2006/lockedCanvas" type="titleOnly" preserve="true">
+<p:sldLayout xmlns:a="http://schemas.openxmlformats.org/drawingml/2006/main" xmlns:r="http://schemas.openxmlformats.org/officeDocument/2006/relationships" xmlns:p="http://schemas.openxmlformats.org/presentationml/2006/main" xmlns:mc="http://schemas.openxmlformats.org/markup-compatibility/2006" xmlns:c="http://schemas.openxmlformats.org/drawingml/2006/chart" xmlns:ns6="http://schemas.openxmlformats.org/drawingml/2006/chartDrawing" xmlns:dgm="http://schemas.openxmlformats.org/drawingml/2006/diagram" xmlns:pic="http://schemas.openxmlformats.org/drawingml/2006/picture" xmlns:wp="http://schemas.openxmlformats.org/drawingml/2006/wordprocessingDrawing" xmlns:xdr="http://schemas.openxmlformats.org/drawingml/2006/spreadsheetDrawing" xmlns:ns11="http://schemas.openxmlformats.org/drawingml/2006/compatibility" xmlns:ns12="http://schemas.openxmlformats.org/drawingml/2006/lockedCanvas" type="titleOnly" preserve="true">
   <p:cSld name="Title Only">
     <p:spTree>
       <p:nvGrpSpPr>
@@ -1653,7 +1653,7 @@
 </file>
 
 <file path=ppt/slideLayouts/slideLayout7.xml><?xml version="1.0" encoding="utf-8"?>
-<p:sldLayout xmlns:p="http://schemas.openxmlformats.org/presentationml/2006/main" xmlns:r="http://schemas.openxmlformats.org/officeDocument/2006/relationships" xmlns:a="http://schemas.openxmlformats.org/drawingml/2006/main" xmlns:mc="http://schemas.openxmlformats.org/markup-compatibility/2006" xmlns:c="http://schemas.openxmlformats.org/drawingml/2006/chart" xmlns:ns6="http://schemas.openxmlformats.org/drawingml/2006/chartDrawing" xmlns:dgm="http://schemas.openxmlformats.org/drawingml/2006/diagram" xmlns:pic="http://schemas.openxmlformats.org/drawingml/2006/picture" xmlns:wp="http://schemas.openxmlformats.org/drawingml/2006/wordprocessingDrawing" xmlns:xdr="http://schemas.openxmlformats.org/drawingml/2006/spreadsheetDrawing" xmlns:ns11="http://schemas.openxmlformats.org/drawingml/2006/compatibility" xmlns:ns12="http://schemas.openxmlformats.org/drawingml/2006/lockedCanvas" type="blank" preserve="true">
+<p:sldLayout xmlns:a="http://schemas.openxmlformats.org/drawingml/2006/main" xmlns:r="http://schemas.openxmlformats.org/officeDocument/2006/relationships" xmlns:p="http://schemas.openxmlformats.org/presentationml/2006/main" xmlns:mc="http://schemas.openxmlformats.org/markup-compatibility/2006" xmlns:c="http://schemas.openxmlformats.org/drawingml/2006/chart" xmlns:ns6="http://schemas.openxmlformats.org/drawingml/2006/chartDrawing" xmlns:dgm="http://schemas.openxmlformats.org/drawingml/2006/diagram" xmlns:pic="http://schemas.openxmlformats.org/drawingml/2006/picture" xmlns:wp="http://schemas.openxmlformats.org/drawingml/2006/wordprocessingDrawing" xmlns:xdr="http://schemas.openxmlformats.org/drawingml/2006/spreadsheetDrawing" xmlns:ns11="http://schemas.openxmlformats.org/drawingml/2006/compatibility" xmlns:ns12="http://schemas.openxmlformats.org/drawingml/2006/lockedCanvas" type="blank" preserve="true">
   <p:cSld name="Blank">
     <p:spTree>
       <p:nvGrpSpPr>
@@ -1755,7 +1755,7 @@
 </file>
 
 <file path=ppt/slideLayouts/slideLayout8.xml><?xml version="1.0" encoding="utf-8"?>
-<p:sldLayout xmlns:p="http://schemas.openxmlformats.org/presentationml/2006/main" xmlns:r="http://schemas.openxmlformats.org/officeDocument/2006/relationships" xmlns:a="http://schemas.openxmlformats.org/drawingml/2006/main" xmlns:mc="http://schemas.openxmlformats.org/markup-compatibility/2006" xmlns:c="http://schemas.openxmlformats.org/drawingml/2006/chart" xmlns:ns6="http://schemas.openxmlformats.org/drawingml/2006/chartDrawing" xmlns:dgm="http://schemas.openxmlformats.org/drawingml/2006/diagram" xmlns:pic="http://schemas.openxmlformats.org/drawingml/2006/picture" xmlns:wp="http://schemas.openxmlformats.org/drawingml/2006/wordprocessingDrawing" xmlns:xdr="http://schemas.openxmlformats.org/drawingml/2006/spreadsheetDrawing" xmlns:ns11="http://schemas.openxmlformats.org/drawingml/2006/compatibility" xmlns:ns12="http://schemas.openxmlformats.org/drawingml/2006/lockedCanvas" type="objTx" preserve="true">
+<p:sldLayout xmlns:a="http://schemas.openxmlformats.org/drawingml/2006/main" xmlns:r="http://schemas.openxmlformats.org/officeDocument/2006/relationships" xmlns:p="http://schemas.openxmlformats.org/presentationml/2006/main" xmlns:mc="http://schemas.openxmlformats.org/markup-compatibility/2006" xmlns:c="http://schemas.openxmlformats.org/drawingml/2006/chart" xmlns:ns6="http://schemas.openxmlformats.org/drawingml/2006/chartDrawing" xmlns:dgm="http://schemas.openxmlformats.org/drawingml/2006/diagram" xmlns:pic="http://schemas.openxmlformats.org/drawingml/2006/picture" xmlns:wp="http://schemas.openxmlformats.org/drawingml/2006/wordprocessingDrawing" xmlns:xdr="http://schemas.openxmlformats.org/drawingml/2006/spreadsheetDrawing" xmlns:ns11="http://schemas.openxmlformats.org/drawingml/2006/compatibility" xmlns:ns12="http://schemas.openxmlformats.org/drawingml/2006/lockedCanvas" type="objTx" preserve="true">
   <p:cSld name="Content with Caption">
     <p:spTree>
       <p:nvGrpSpPr>
@@ -2039,7 +2039,7 @@
 </file>
 
 <file path=ppt/slideLayouts/slideLayout9.xml><?xml version="1.0" encoding="utf-8"?>
-<p:sldLayout xmlns:p="http://schemas.openxmlformats.org/presentationml/2006/main" xmlns:r="http://schemas.openxmlformats.org/officeDocument/2006/relationships" xmlns:a="http://schemas.openxmlformats.org/drawingml/2006/main" xmlns:mc="http://schemas.openxmlformats.org/markup-compatibility/2006" xmlns:c="http://schemas.openxmlformats.org/drawingml/2006/chart" xmlns:ns6="http://schemas.openxmlformats.org/drawingml/2006/chartDrawing" xmlns:dgm="http://schemas.openxmlformats.org/drawingml/2006/diagram" xmlns:pic="http://schemas.openxmlformats.org/drawingml/2006/picture" xmlns:wp="http://schemas.openxmlformats.org/drawingml/2006/wordprocessingDrawing" xmlns:xdr="http://schemas.openxmlformats.org/drawingml/2006/spreadsheetDrawing" xmlns:ns11="http://schemas.openxmlformats.org/drawingml/2006/compatibility" xmlns:ns12="http://schemas.openxmlformats.org/drawingml/2006/lockedCanvas" type="vertTx" preserve="true">
+<p:sldLayout xmlns:a="http://schemas.openxmlformats.org/drawingml/2006/main" xmlns:r="http://schemas.openxmlformats.org/officeDocument/2006/relationships" xmlns:p="http://schemas.openxmlformats.org/presentationml/2006/main" xmlns:mc="http://schemas.openxmlformats.org/markup-compatibility/2006" xmlns:c="http://schemas.openxmlformats.org/drawingml/2006/chart" xmlns:ns6="http://schemas.openxmlformats.org/drawingml/2006/chartDrawing" xmlns:dgm="http://schemas.openxmlformats.org/drawingml/2006/diagram" xmlns:pic="http://schemas.openxmlformats.org/drawingml/2006/picture" xmlns:wp="http://schemas.openxmlformats.org/drawingml/2006/wordprocessingDrawing" xmlns:xdr="http://schemas.openxmlformats.org/drawingml/2006/spreadsheetDrawing" xmlns:ns11="http://schemas.openxmlformats.org/drawingml/2006/compatibility" xmlns:ns12="http://schemas.openxmlformats.org/drawingml/2006/lockedCanvas" type="vertTx" preserve="true">
   <p:cSld name="Title and Vertical Text">
     <p:spTree>
       <p:nvGrpSpPr>
@@ -2216,7 +2216,7 @@
 </file>
 
 <file path=ppt/slideMasters/slideMaster1.xml><?xml version="1.0" encoding="utf-8"?>
-<p:sldMaster xmlns:p="http://schemas.openxmlformats.org/presentationml/2006/main" xmlns:r="http://schemas.openxmlformats.org/officeDocument/2006/relationships" xmlns:a="http://schemas.openxmlformats.org/drawingml/2006/main" xmlns:mc="http://schemas.openxmlformats.org/markup-compatibility/2006" xmlns:c="http://schemas.openxmlformats.org/drawingml/2006/chart" xmlns:ns6="http://schemas.openxmlformats.org/drawingml/2006/chartDrawing" xmlns:dgm="http://schemas.openxmlformats.org/drawingml/2006/diagram" xmlns:pic="http://schemas.openxmlformats.org/drawingml/2006/picture" xmlns:wp="http://schemas.openxmlformats.org/drawingml/2006/wordprocessingDrawing" xmlns:xdr="http://schemas.openxmlformats.org/drawingml/2006/spreadsheetDrawing" xmlns:ns11="http://schemas.openxmlformats.org/drawingml/2006/compatibility" xmlns:ns12="http://schemas.openxmlformats.org/drawingml/2006/lockedCanvas">
+<p:sldMaster xmlns:a="http://schemas.openxmlformats.org/drawingml/2006/main" xmlns:r="http://schemas.openxmlformats.org/officeDocument/2006/relationships" xmlns:p="http://schemas.openxmlformats.org/presentationml/2006/main" xmlns:mc="http://schemas.openxmlformats.org/markup-compatibility/2006" xmlns:c="http://schemas.openxmlformats.org/drawingml/2006/chart" xmlns:ns6="http://schemas.openxmlformats.org/drawingml/2006/chartDrawing" xmlns:dgm="http://schemas.openxmlformats.org/drawingml/2006/diagram" xmlns:pic="http://schemas.openxmlformats.org/drawingml/2006/picture" xmlns:wp="http://schemas.openxmlformats.org/drawingml/2006/wordprocessingDrawing" xmlns:xdr="http://schemas.openxmlformats.org/drawingml/2006/spreadsheetDrawing" xmlns:ns11="http://schemas.openxmlformats.org/drawingml/2006/compatibility" xmlns:ns12="http://schemas.openxmlformats.org/drawingml/2006/lockedCanvas">
   <p:cSld>
     <p:bg>
       <p:bgRef idx="1001">
@@ -2762,7 +2762,7 @@
 </file>
 
 <file path=ppt/slides/slide1.xml><?xml version="1.0" encoding="utf-8"?>
-<p:sld xmlns:p="http://schemas.openxmlformats.org/presentationml/2006/main" xmlns:r="http://schemas.openxmlformats.org/officeDocument/2006/relationships" xmlns:a="http://schemas.openxmlformats.org/drawingml/2006/main" xmlns:mc="http://schemas.openxmlformats.org/markup-compatibility/2006" xmlns:c="http://schemas.openxmlformats.org/drawingml/2006/chart" xmlns:ns6="http://schemas.openxmlformats.org/drawingml/2006/chartDrawing" xmlns:dgm="http://schemas.openxmlformats.org/drawingml/2006/diagram" xmlns:pic="http://schemas.openxmlformats.org/drawingml/2006/picture" xmlns:wp="http://schemas.openxmlformats.org/drawingml/2006/wordprocessingDrawing" xmlns:xdr="http://schemas.openxmlformats.org/drawingml/2006/spreadsheetDrawing" xmlns:ns11="http://schemas.openxmlformats.org/drawingml/2006/compatibility" xmlns:ns12="http://schemas.openxmlformats.org/drawingml/2006/lockedCanvas">
+<p:sld xmlns:a="http://schemas.openxmlformats.org/drawingml/2006/main" xmlns:r="http://schemas.openxmlformats.org/officeDocument/2006/relationships" xmlns:p="http://schemas.openxmlformats.org/presentationml/2006/main" xmlns:mc="http://schemas.openxmlformats.org/markup-compatibility/2006" xmlns:c="http://schemas.openxmlformats.org/drawingml/2006/chart" xmlns:ns6="http://schemas.openxmlformats.org/drawingml/2006/chartDrawing" xmlns:dgm="http://schemas.openxmlformats.org/drawingml/2006/diagram" xmlns:pic="http://schemas.openxmlformats.org/drawingml/2006/picture" xmlns:wp="http://schemas.openxmlformats.org/drawingml/2006/wordprocessingDrawing" xmlns:xdr="http://schemas.openxmlformats.org/drawingml/2006/spreadsheetDrawing" xmlns:ns11="http://schemas.openxmlformats.org/drawingml/2006/compatibility" xmlns:ns12="http://schemas.openxmlformats.org/drawingml/2006/lockedCanvas">
   <p:cSld>
     <p:spTree>
       <p:nvGrpSpPr>

--- a/articles/force_pos_size.pptx
+++ b/articles/force_pos_size.pptx
@@ -1,11 +1,11 @@
 
 <file path=ppt/presentation.xml><?xml version="1.0" encoding="utf-8"?>
-<p:presentation xmlns:a="http://schemas.openxmlformats.org/drawingml/2006/main" xmlns:r="http://schemas.openxmlformats.org/officeDocument/2006/relationships" xmlns:p="http://schemas.openxmlformats.org/presentationml/2006/main" xmlns:mc="http://schemas.openxmlformats.org/markup-compatibility/2006" xmlns:c="http://schemas.openxmlformats.org/drawingml/2006/chart" xmlns:ns6="http://schemas.openxmlformats.org/drawingml/2006/chartDrawing" xmlns:dgm="http://schemas.openxmlformats.org/drawingml/2006/diagram" xmlns:pic="http://schemas.openxmlformats.org/drawingml/2006/picture" xmlns:wp="http://schemas.openxmlformats.org/drawingml/2006/wordprocessingDrawing" xmlns:xdr="http://schemas.openxmlformats.org/drawingml/2006/spreadsheetDrawing" xmlns:ns11="http://schemas.openxmlformats.org/drawingml/2006/compatibility" xmlns:ns12="http://schemas.openxmlformats.org/drawingml/2006/lockedCanvas" saveSubsetFonts="true">
+<p:presentation xmlns:r="http://schemas.openxmlformats.org/officeDocument/2006/relationships" xmlns:a="http://schemas.openxmlformats.org/drawingml/2006/main" xmlns:p="http://schemas.openxmlformats.org/presentationml/2006/main" xmlns:mc="http://schemas.openxmlformats.org/markup-compatibility/2006" xmlns:c="http://schemas.openxmlformats.org/drawingml/2006/chart" xmlns:ns6="http://schemas.openxmlformats.org/drawingml/2006/chartDrawing" xmlns:dgm="http://schemas.openxmlformats.org/drawingml/2006/diagram" xmlns:pic="http://schemas.openxmlformats.org/drawingml/2006/picture" xmlns:wp="http://schemas.openxmlformats.org/drawingml/2006/wordprocessingDrawing" xmlns:xdr="http://schemas.openxmlformats.org/drawingml/2006/spreadsheetDrawing" xmlns:ns11="http://schemas.openxmlformats.org/drawingml/2006/compatibility" xmlns:ns12="http://schemas.openxmlformats.org/drawingml/2006/lockedCanvas" saveSubsetFonts="true">
   <p:sldMasterIdLst>
     <p:sldMasterId id="2147483648" r:id="rId1"/>
   </p:sldMasterIdLst>
   <p:sldIdLst>
-    <p:sldId id="1434504708" r:id="rId6"/>
+    <p:sldId id="1460475936" r:id="rId6"/>
   </p:sldIdLst>
   <p:sldSz cx="12192000" cy="6858000"/>
   <p:notesSz cx="6858000" cy="9144000"/>
@@ -113,7 +113,7 @@
 </file>
 
 <file path=ppt/slideLayouts/slideLayout1.xml><?xml version="1.0" encoding="utf-8"?>
-<p:sldLayout xmlns:a="http://schemas.openxmlformats.org/drawingml/2006/main" xmlns:r="http://schemas.openxmlformats.org/officeDocument/2006/relationships" xmlns:p="http://schemas.openxmlformats.org/presentationml/2006/main" xmlns:mc="http://schemas.openxmlformats.org/markup-compatibility/2006" xmlns:c="http://schemas.openxmlformats.org/drawingml/2006/chart" xmlns:ns6="http://schemas.openxmlformats.org/drawingml/2006/chartDrawing" xmlns:dgm="http://schemas.openxmlformats.org/drawingml/2006/diagram" xmlns:pic="http://schemas.openxmlformats.org/drawingml/2006/picture" xmlns:wp="http://schemas.openxmlformats.org/drawingml/2006/wordprocessingDrawing" xmlns:xdr="http://schemas.openxmlformats.org/drawingml/2006/spreadsheetDrawing" xmlns:ns11="http://schemas.openxmlformats.org/drawingml/2006/compatibility" xmlns:ns12="http://schemas.openxmlformats.org/drawingml/2006/lockedCanvas" type="title" preserve="true">
+<p:sldLayout xmlns:r="http://schemas.openxmlformats.org/officeDocument/2006/relationships" xmlns:a="http://schemas.openxmlformats.org/drawingml/2006/main" xmlns:p="http://schemas.openxmlformats.org/presentationml/2006/main" xmlns:mc="http://schemas.openxmlformats.org/markup-compatibility/2006" xmlns:c="http://schemas.openxmlformats.org/drawingml/2006/chart" xmlns:ns6="http://schemas.openxmlformats.org/drawingml/2006/chartDrawing" xmlns:dgm="http://schemas.openxmlformats.org/drawingml/2006/diagram" xmlns:pic="http://schemas.openxmlformats.org/drawingml/2006/picture" xmlns:wp="http://schemas.openxmlformats.org/drawingml/2006/wordprocessingDrawing" xmlns:xdr="http://schemas.openxmlformats.org/drawingml/2006/spreadsheetDrawing" xmlns:ns11="http://schemas.openxmlformats.org/drawingml/2006/compatibility" xmlns:ns12="http://schemas.openxmlformats.org/drawingml/2006/lockedCanvas" type="title" preserve="true">
   <p:cSld name="Title Slide">
     <p:spTree>
       <p:nvGrpSpPr>
@@ -312,7 +312,7 @@
 </file>
 
 <file path=ppt/slideLayouts/slideLayout10.xml><?xml version="1.0" encoding="utf-8"?>
-<p:sldLayout xmlns:a="http://schemas.openxmlformats.org/drawingml/2006/main" xmlns:r="http://schemas.openxmlformats.org/officeDocument/2006/relationships" xmlns:p="http://schemas.openxmlformats.org/presentationml/2006/main" xmlns:mc="http://schemas.openxmlformats.org/markup-compatibility/2006" xmlns:c="http://schemas.openxmlformats.org/drawingml/2006/chart" xmlns:ns6="http://schemas.openxmlformats.org/drawingml/2006/chartDrawing" xmlns:dgm="http://schemas.openxmlformats.org/drawingml/2006/diagram" xmlns:pic="http://schemas.openxmlformats.org/drawingml/2006/picture" xmlns:wp="http://schemas.openxmlformats.org/drawingml/2006/wordprocessingDrawing" xmlns:xdr="http://schemas.openxmlformats.org/drawingml/2006/spreadsheetDrawing" xmlns:ns11="http://schemas.openxmlformats.org/drawingml/2006/compatibility" xmlns:ns12="http://schemas.openxmlformats.org/drawingml/2006/lockedCanvas" type="vertTitleAndTx" preserve="true">
+<p:sldLayout xmlns:r="http://schemas.openxmlformats.org/officeDocument/2006/relationships" xmlns:a="http://schemas.openxmlformats.org/drawingml/2006/main" xmlns:p="http://schemas.openxmlformats.org/presentationml/2006/main" xmlns:mc="http://schemas.openxmlformats.org/markup-compatibility/2006" xmlns:c="http://schemas.openxmlformats.org/drawingml/2006/chart" xmlns:ns6="http://schemas.openxmlformats.org/drawingml/2006/chartDrawing" xmlns:dgm="http://schemas.openxmlformats.org/drawingml/2006/diagram" xmlns:pic="http://schemas.openxmlformats.org/drawingml/2006/picture" xmlns:wp="http://schemas.openxmlformats.org/drawingml/2006/wordprocessingDrawing" xmlns:xdr="http://schemas.openxmlformats.org/drawingml/2006/spreadsheetDrawing" xmlns:ns11="http://schemas.openxmlformats.org/drawingml/2006/compatibility" xmlns:ns12="http://schemas.openxmlformats.org/drawingml/2006/lockedCanvas" type="vertTitleAndTx" preserve="true">
   <p:cSld name="Vertical Title and Text">
     <p:spTree>
       <p:nvGrpSpPr>
@@ -499,7 +499,7 @@
 </file>
 
 <file path=ppt/slideLayouts/slideLayout2.xml><?xml version="1.0" encoding="utf-8"?>
-<p:sldLayout xmlns:a="http://schemas.openxmlformats.org/drawingml/2006/main" xmlns:r="http://schemas.openxmlformats.org/officeDocument/2006/relationships" xmlns:p="http://schemas.openxmlformats.org/presentationml/2006/main" xmlns:mc="http://schemas.openxmlformats.org/markup-compatibility/2006" xmlns:c="http://schemas.openxmlformats.org/drawingml/2006/chart" xmlns:ns6="http://schemas.openxmlformats.org/drawingml/2006/chartDrawing" xmlns:dgm="http://schemas.openxmlformats.org/drawingml/2006/diagram" xmlns:pic="http://schemas.openxmlformats.org/drawingml/2006/picture" xmlns:wp="http://schemas.openxmlformats.org/drawingml/2006/wordprocessingDrawing" xmlns:xdr="http://schemas.openxmlformats.org/drawingml/2006/spreadsheetDrawing" xmlns:ns11="http://schemas.openxmlformats.org/drawingml/2006/compatibility" xmlns:ns12="http://schemas.openxmlformats.org/drawingml/2006/lockedCanvas" type="obj" preserve="true">
+<p:sldLayout xmlns:r="http://schemas.openxmlformats.org/officeDocument/2006/relationships" xmlns:a="http://schemas.openxmlformats.org/drawingml/2006/main" xmlns:p="http://schemas.openxmlformats.org/presentationml/2006/main" xmlns:mc="http://schemas.openxmlformats.org/markup-compatibility/2006" xmlns:c="http://schemas.openxmlformats.org/drawingml/2006/chart" xmlns:ns6="http://schemas.openxmlformats.org/drawingml/2006/chartDrawing" xmlns:dgm="http://schemas.openxmlformats.org/drawingml/2006/diagram" xmlns:pic="http://schemas.openxmlformats.org/drawingml/2006/picture" xmlns:wp="http://schemas.openxmlformats.org/drawingml/2006/wordprocessingDrawing" xmlns:xdr="http://schemas.openxmlformats.org/drawingml/2006/spreadsheetDrawing" xmlns:ns11="http://schemas.openxmlformats.org/drawingml/2006/compatibility" xmlns:ns12="http://schemas.openxmlformats.org/drawingml/2006/lockedCanvas" type="obj" preserve="true">
   <p:cSld name="Title and Content">
     <p:spTree>
       <p:nvGrpSpPr>
@@ -681,7 +681,7 @@
 </file>
 
 <file path=ppt/slideLayouts/slideLayout3.xml><?xml version="1.0" encoding="utf-8"?>
-<p:sldLayout xmlns:a="http://schemas.openxmlformats.org/drawingml/2006/main" xmlns:r="http://schemas.openxmlformats.org/officeDocument/2006/relationships" xmlns:p="http://schemas.openxmlformats.org/presentationml/2006/main" xmlns:mc="http://schemas.openxmlformats.org/markup-compatibility/2006" xmlns:c="http://schemas.openxmlformats.org/drawingml/2006/chart" xmlns:ns6="http://schemas.openxmlformats.org/drawingml/2006/chartDrawing" xmlns:dgm="http://schemas.openxmlformats.org/drawingml/2006/diagram" xmlns:pic="http://schemas.openxmlformats.org/drawingml/2006/picture" xmlns:wp="http://schemas.openxmlformats.org/drawingml/2006/wordprocessingDrawing" xmlns:xdr="http://schemas.openxmlformats.org/drawingml/2006/spreadsheetDrawing" xmlns:ns11="http://schemas.openxmlformats.org/drawingml/2006/compatibility" xmlns:ns12="http://schemas.openxmlformats.org/drawingml/2006/lockedCanvas" type="secHead" preserve="true">
+<p:sldLayout xmlns:r="http://schemas.openxmlformats.org/officeDocument/2006/relationships" xmlns:a="http://schemas.openxmlformats.org/drawingml/2006/main" xmlns:p="http://schemas.openxmlformats.org/presentationml/2006/main" xmlns:mc="http://schemas.openxmlformats.org/markup-compatibility/2006" xmlns:c="http://schemas.openxmlformats.org/drawingml/2006/chart" xmlns:ns6="http://schemas.openxmlformats.org/drawingml/2006/chartDrawing" xmlns:dgm="http://schemas.openxmlformats.org/drawingml/2006/diagram" xmlns:pic="http://schemas.openxmlformats.org/drawingml/2006/picture" xmlns:wp="http://schemas.openxmlformats.org/drawingml/2006/wordprocessingDrawing" xmlns:xdr="http://schemas.openxmlformats.org/drawingml/2006/spreadsheetDrawing" xmlns:ns11="http://schemas.openxmlformats.org/drawingml/2006/compatibility" xmlns:ns12="http://schemas.openxmlformats.org/drawingml/2006/lockedCanvas" type="secHead" preserve="true">
   <p:cSld name="Section Header">
     <p:spTree>
       <p:nvGrpSpPr>
@@ -934,7 +934,7 @@
 </file>
 
 <file path=ppt/slideLayouts/slideLayout4.xml><?xml version="1.0" encoding="utf-8"?>
-<p:sldLayout xmlns:a="http://schemas.openxmlformats.org/drawingml/2006/main" xmlns:r="http://schemas.openxmlformats.org/officeDocument/2006/relationships" xmlns:p="http://schemas.openxmlformats.org/presentationml/2006/main" xmlns:mc="http://schemas.openxmlformats.org/markup-compatibility/2006" xmlns:c="http://schemas.openxmlformats.org/drawingml/2006/chart" xmlns:ns6="http://schemas.openxmlformats.org/drawingml/2006/chartDrawing" xmlns:dgm="http://schemas.openxmlformats.org/drawingml/2006/diagram" xmlns:pic="http://schemas.openxmlformats.org/drawingml/2006/picture" xmlns:wp="http://schemas.openxmlformats.org/drawingml/2006/wordprocessingDrawing" xmlns:xdr="http://schemas.openxmlformats.org/drawingml/2006/spreadsheetDrawing" xmlns:ns11="http://schemas.openxmlformats.org/drawingml/2006/compatibility" xmlns:ns12="http://schemas.openxmlformats.org/drawingml/2006/lockedCanvas" type="twoObj" preserve="true">
+<p:sldLayout xmlns:r="http://schemas.openxmlformats.org/officeDocument/2006/relationships" xmlns:a="http://schemas.openxmlformats.org/drawingml/2006/main" xmlns:p="http://schemas.openxmlformats.org/presentationml/2006/main" xmlns:mc="http://schemas.openxmlformats.org/markup-compatibility/2006" xmlns:c="http://schemas.openxmlformats.org/drawingml/2006/chart" xmlns:ns6="http://schemas.openxmlformats.org/drawingml/2006/chartDrawing" xmlns:dgm="http://schemas.openxmlformats.org/drawingml/2006/diagram" xmlns:pic="http://schemas.openxmlformats.org/drawingml/2006/picture" xmlns:wp="http://schemas.openxmlformats.org/drawingml/2006/wordprocessingDrawing" xmlns:xdr="http://schemas.openxmlformats.org/drawingml/2006/spreadsheetDrawing" xmlns:ns11="http://schemas.openxmlformats.org/drawingml/2006/compatibility" xmlns:ns12="http://schemas.openxmlformats.org/drawingml/2006/lockedCanvas" type="twoObj" preserve="true">
   <p:cSld name="Two Content">
     <p:spTree>
       <p:nvGrpSpPr>
@@ -1173,7 +1173,7 @@
 </file>
 
 <file path=ppt/slideLayouts/slideLayout5.xml><?xml version="1.0" encoding="utf-8"?>
-<p:sldLayout xmlns:a="http://schemas.openxmlformats.org/drawingml/2006/main" xmlns:r="http://schemas.openxmlformats.org/officeDocument/2006/relationships" xmlns:p="http://schemas.openxmlformats.org/presentationml/2006/main" xmlns:mc="http://schemas.openxmlformats.org/markup-compatibility/2006" xmlns:c="http://schemas.openxmlformats.org/drawingml/2006/chart" xmlns:ns6="http://schemas.openxmlformats.org/drawingml/2006/chartDrawing" xmlns:dgm="http://schemas.openxmlformats.org/drawingml/2006/diagram" xmlns:pic="http://schemas.openxmlformats.org/drawingml/2006/picture" xmlns:wp="http://schemas.openxmlformats.org/drawingml/2006/wordprocessingDrawing" xmlns:xdr="http://schemas.openxmlformats.org/drawingml/2006/spreadsheetDrawing" xmlns:ns11="http://schemas.openxmlformats.org/drawingml/2006/compatibility" xmlns:ns12="http://schemas.openxmlformats.org/drawingml/2006/lockedCanvas" type="twoTxTwoObj" preserve="true">
+<p:sldLayout xmlns:r="http://schemas.openxmlformats.org/officeDocument/2006/relationships" xmlns:a="http://schemas.openxmlformats.org/drawingml/2006/main" xmlns:p="http://schemas.openxmlformats.org/presentationml/2006/main" xmlns:mc="http://schemas.openxmlformats.org/markup-compatibility/2006" xmlns:c="http://schemas.openxmlformats.org/drawingml/2006/chart" xmlns:ns6="http://schemas.openxmlformats.org/drawingml/2006/chartDrawing" xmlns:dgm="http://schemas.openxmlformats.org/drawingml/2006/diagram" xmlns:pic="http://schemas.openxmlformats.org/drawingml/2006/picture" xmlns:wp="http://schemas.openxmlformats.org/drawingml/2006/wordprocessingDrawing" xmlns:xdr="http://schemas.openxmlformats.org/drawingml/2006/spreadsheetDrawing" xmlns:ns11="http://schemas.openxmlformats.org/drawingml/2006/compatibility" xmlns:ns12="http://schemas.openxmlformats.org/drawingml/2006/lockedCanvas" type="twoTxTwoObj" preserve="true">
   <p:cSld name="Comparison">
     <p:spTree>
       <p:nvGrpSpPr>
@@ -1528,7 +1528,7 @@
 </file>
 
 <file path=ppt/slideLayouts/slideLayout6.xml><?xml version="1.0" encoding="utf-8"?>
-<p:sldLayout xmlns:a="http://schemas.openxmlformats.org/drawingml/2006/main" xmlns:r="http://schemas.openxmlformats.org/officeDocument/2006/relationships" xmlns:p="http://schemas.openxmlformats.org/presentationml/2006/main" xmlns:mc="http://schemas.openxmlformats.org/markup-compatibility/2006" xmlns:c="http://schemas.openxmlformats.org/drawingml/2006/chart" xmlns:ns6="http://schemas.openxmlformats.org/drawingml/2006/chartDrawing" xmlns:dgm="http://schemas.openxmlformats.org/drawingml/2006/diagram" xmlns:pic="http://schemas.openxmlformats.org/drawingml/2006/picture" xmlns:wp="http://schemas.openxmlformats.org/drawingml/2006/wordprocessingDrawing" xmlns:xdr="http://schemas.openxmlformats.org/drawingml/2006/spreadsheetDrawing" xmlns:ns11="http://schemas.openxmlformats.org/drawingml/2006/compatibility" xmlns:ns12="http://schemas.openxmlformats.org/drawingml/2006/lockedCanvas" type="titleOnly" preserve="true">
+<p:sldLayout xmlns:r="http://schemas.openxmlformats.org/officeDocument/2006/relationships" xmlns:a="http://schemas.openxmlformats.org/drawingml/2006/main" xmlns:p="http://schemas.openxmlformats.org/presentationml/2006/main" xmlns:mc="http://schemas.openxmlformats.org/markup-compatibility/2006" xmlns:c="http://schemas.openxmlformats.org/drawingml/2006/chart" xmlns:ns6="http://schemas.openxmlformats.org/drawingml/2006/chartDrawing" xmlns:dgm="http://schemas.openxmlformats.org/drawingml/2006/diagram" xmlns:pic="http://schemas.openxmlformats.org/drawingml/2006/picture" xmlns:wp="http://schemas.openxmlformats.org/drawingml/2006/wordprocessingDrawing" xmlns:xdr="http://schemas.openxmlformats.org/drawingml/2006/spreadsheetDrawing" xmlns:ns11="http://schemas.openxmlformats.org/drawingml/2006/compatibility" xmlns:ns12="http://schemas.openxmlformats.org/drawingml/2006/lockedCanvas" type="titleOnly" preserve="true">
   <p:cSld name="Title Only">
     <p:spTree>
       <p:nvGrpSpPr>
@@ -1653,7 +1653,7 @@
 </file>
 
 <file path=ppt/slideLayouts/slideLayout7.xml><?xml version="1.0" encoding="utf-8"?>
-<p:sldLayout xmlns:a="http://schemas.openxmlformats.org/drawingml/2006/main" xmlns:r="http://schemas.openxmlformats.org/officeDocument/2006/relationships" xmlns:p="http://schemas.openxmlformats.org/presentationml/2006/main" xmlns:mc="http://schemas.openxmlformats.org/markup-compatibility/2006" xmlns:c="http://schemas.openxmlformats.org/drawingml/2006/chart" xmlns:ns6="http://schemas.openxmlformats.org/drawingml/2006/chartDrawing" xmlns:dgm="http://schemas.openxmlformats.org/drawingml/2006/diagram" xmlns:pic="http://schemas.openxmlformats.org/drawingml/2006/picture" xmlns:wp="http://schemas.openxmlformats.org/drawingml/2006/wordprocessingDrawing" xmlns:xdr="http://schemas.openxmlformats.org/drawingml/2006/spreadsheetDrawing" xmlns:ns11="http://schemas.openxmlformats.org/drawingml/2006/compatibility" xmlns:ns12="http://schemas.openxmlformats.org/drawingml/2006/lockedCanvas" type="blank" preserve="true">
+<p:sldLayout xmlns:r="http://schemas.openxmlformats.org/officeDocument/2006/relationships" xmlns:a="http://schemas.openxmlformats.org/drawingml/2006/main" xmlns:p="http://schemas.openxmlformats.org/presentationml/2006/main" xmlns:mc="http://schemas.openxmlformats.org/markup-compatibility/2006" xmlns:c="http://schemas.openxmlformats.org/drawingml/2006/chart" xmlns:ns6="http://schemas.openxmlformats.org/drawingml/2006/chartDrawing" xmlns:dgm="http://schemas.openxmlformats.org/drawingml/2006/diagram" xmlns:pic="http://schemas.openxmlformats.org/drawingml/2006/picture" xmlns:wp="http://schemas.openxmlformats.org/drawingml/2006/wordprocessingDrawing" xmlns:xdr="http://schemas.openxmlformats.org/drawingml/2006/spreadsheetDrawing" xmlns:ns11="http://schemas.openxmlformats.org/drawingml/2006/compatibility" xmlns:ns12="http://schemas.openxmlformats.org/drawingml/2006/lockedCanvas" type="blank" preserve="true">
   <p:cSld name="Blank">
     <p:spTree>
       <p:nvGrpSpPr>
@@ -1755,7 +1755,7 @@
 </file>
 
 <file path=ppt/slideLayouts/slideLayout8.xml><?xml version="1.0" encoding="utf-8"?>
-<p:sldLayout xmlns:a="http://schemas.openxmlformats.org/drawingml/2006/main" xmlns:r="http://schemas.openxmlformats.org/officeDocument/2006/relationships" xmlns:p="http://schemas.openxmlformats.org/presentationml/2006/main" xmlns:mc="http://schemas.openxmlformats.org/markup-compatibility/2006" xmlns:c="http://schemas.openxmlformats.org/drawingml/2006/chart" xmlns:ns6="http://schemas.openxmlformats.org/drawingml/2006/chartDrawing" xmlns:dgm="http://schemas.openxmlformats.org/drawingml/2006/diagram" xmlns:pic="http://schemas.openxmlformats.org/drawingml/2006/picture" xmlns:wp="http://schemas.openxmlformats.org/drawingml/2006/wordprocessingDrawing" xmlns:xdr="http://schemas.openxmlformats.org/drawingml/2006/spreadsheetDrawing" xmlns:ns11="http://schemas.openxmlformats.org/drawingml/2006/compatibility" xmlns:ns12="http://schemas.openxmlformats.org/drawingml/2006/lockedCanvas" type="objTx" preserve="true">
+<p:sldLayout xmlns:r="http://schemas.openxmlformats.org/officeDocument/2006/relationships" xmlns:a="http://schemas.openxmlformats.org/drawingml/2006/main" xmlns:p="http://schemas.openxmlformats.org/presentationml/2006/main" xmlns:mc="http://schemas.openxmlformats.org/markup-compatibility/2006" xmlns:c="http://schemas.openxmlformats.org/drawingml/2006/chart" xmlns:ns6="http://schemas.openxmlformats.org/drawingml/2006/chartDrawing" xmlns:dgm="http://schemas.openxmlformats.org/drawingml/2006/diagram" xmlns:pic="http://schemas.openxmlformats.org/drawingml/2006/picture" xmlns:wp="http://schemas.openxmlformats.org/drawingml/2006/wordprocessingDrawing" xmlns:xdr="http://schemas.openxmlformats.org/drawingml/2006/spreadsheetDrawing" xmlns:ns11="http://schemas.openxmlformats.org/drawingml/2006/compatibility" xmlns:ns12="http://schemas.openxmlformats.org/drawingml/2006/lockedCanvas" type="objTx" preserve="true">
   <p:cSld name="Content with Caption">
     <p:spTree>
       <p:nvGrpSpPr>
@@ -2039,7 +2039,7 @@
 </file>
 
 <file path=ppt/slideLayouts/slideLayout9.xml><?xml version="1.0" encoding="utf-8"?>
-<p:sldLayout xmlns:a="http://schemas.openxmlformats.org/drawingml/2006/main" xmlns:r="http://schemas.openxmlformats.org/officeDocument/2006/relationships" xmlns:p="http://schemas.openxmlformats.org/presentationml/2006/main" xmlns:mc="http://schemas.openxmlformats.org/markup-compatibility/2006" xmlns:c="http://schemas.openxmlformats.org/drawingml/2006/chart" xmlns:ns6="http://schemas.openxmlformats.org/drawingml/2006/chartDrawing" xmlns:dgm="http://schemas.openxmlformats.org/drawingml/2006/diagram" xmlns:pic="http://schemas.openxmlformats.org/drawingml/2006/picture" xmlns:wp="http://schemas.openxmlformats.org/drawingml/2006/wordprocessingDrawing" xmlns:xdr="http://schemas.openxmlformats.org/drawingml/2006/spreadsheetDrawing" xmlns:ns11="http://schemas.openxmlformats.org/drawingml/2006/compatibility" xmlns:ns12="http://schemas.openxmlformats.org/drawingml/2006/lockedCanvas" type="vertTx" preserve="true">
+<p:sldLayout xmlns:r="http://schemas.openxmlformats.org/officeDocument/2006/relationships" xmlns:a="http://schemas.openxmlformats.org/drawingml/2006/main" xmlns:p="http://schemas.openxmlformats.org/presentationml/2006/main" xmlns:mc="http://schemas.openxmlformats.org/markup-compatibility/2006" xmlns:c="http://schemas.openxmlformats.org/drawingml/2006/chart" xmlns:ns6="http://schemas.openxmlformats.org/drawingml/2006/chartDrawing" xmlns:dgm="http://schemas.openxmlformats.org/drawingml/2006/diagram" xmlns:pic="http://schemas.openxmlformats.org/drawingml/2006/picture" xmlns:wp="http://schemas.openxmlformats.org/drawingml/2006/wordprocessingDrawing" xmlns:xdr="http://schemas.openxmlformats.org/drawingml/2006/spreadsheetDrawing" xmlns:ns11="http://schemas.openxmlformats.org/drawingml/2006/compatibility" xmlns:ns12="http://schemas.openxmlformats.org/drawingml/2006/lockedCanvas" type="vertTx" preserve="true">
   <p:cSld name="Title and Vertical Text">
     <p:spTree>
       <p:nvGrpSpPr>
@@ -2216,7 +2216,7 @@
 </file>
 
 <file path=ppt/slideMasters/slideMaster1.xml><?xml version="1.0" encoding="utf-8"?>
-<p:sldMaster xmlns:a="http://schemas.openxmlformats.org/drawingml/2006/main" xmlns:r="http://schemas.openxmlformats.org/officeDocument/2006/relationships" xmlns:p="http://schemas.openxmlformats.org/presentationml/2006/main" xmlns:mc="http://schemas.openxmlformats.org/markup-compatibility/2006" xmlns:c="http://schemas.openxmlformats.org/drawingml/2006/chart" xmlns:ns6="http://schemas.openxmlformats.org/drawingml/2006/chartDrawing" xmlns:dgm="http://schemas.openxmlformats.org/drawingml/2006/diagram" xmlns:pic="http://schemas.openxmlformats.org/drawingml/2006/picture" xmlns:wp="http://schemas.openxmlformats.org/drawingml/2006/wordprocessingDrawing" xmlns:xdr="http://schemas.openxmlformats.org/drawingml/2006/spreadsheetDrawing" xmlns:ns11="http://schemas.openxmlformats.org/drawingml/2006/compatibility" xmlns:ns12="http://schemas.openxmlformats.org/drawingml/2006/lockedCanvas">
+<p:sldMaster xmlns:r="http://schemas.openxmlformats.org/officeDocument/2006/relationships" xmlns:a="http://schemas.openxmlformats.org/drawingml/2006/main" xmlns:p="http://schemas.openxmlformats.org/presentationml/2006/main" xmlns:mc="http://schemas.openxmlformats.org/markup-compatibility/2006" xmlns:c="http://schemas.openxmlformats.org/drawingml/2006/chart" xmlns:ns6="http://schemas.openxmlformats.org/drawingml/2006/chartDrawing" xmlns:dgm="http://schemas.openxmlformats.org/drawingml/2006/diagram" xmlns:pic="http://schemas.openxmlformats.org/drawingml/2006/picture" xmlns:wp="http://schemas.openxmlformats.org/drawingml/2006/wordprocessingDrawing" xmlns:xdr="http://schemas.openxmlformats.org/drawingml/2006/spreadsheetDrawing" xmlns:ns11="http://schemas.openxmlformats.org/drawingml/2006/compatibility" xmlns:ns12="http://schemas.openxmlformats.org/drawingml/2006/lockedCanvas">
   <p:cSld>
     <p:bg>
       <p:bgRef idx="1001">
@@ -2762,7 +2762,7 @@
 </file>
 
 <file path=ppt/slides/slide1.xml><?xml version="1.0" encoding="utf-8"?>
-<p:sld xmlns:a="http://schemas.openxmlformats.org/drawingml/2006/main" xmlns:r="http://schemas.openxmlformats.org/officeDocument/2006/relationships" xmlns:p="http://schemas.openxmlformats.org/presentationml/2006/main" xmlns:mc="http://schemas.openxmlformats.org/markup-compatibility/2006" xmlns:c="http://schemas.openxmlformats.org/drawingml/2006/chart" xmlns:ns6="http://schemas.openxmlformats.org/drawingml/2006/chartDrawing" xmlns:dgm="http://schemas.openxmlformats.org/drawingml/2006/diagram" xmlns:pic="http://schemas.openxmlformats.org/drawingml/2006/picture" xmlns:wp="http://schemas.openxmlformats.org/drawingml/2006/wordprocessingDrawing" xmlns:xdr="http://schemas.openxmlformats.org/drawingml/2006/spreadsheetDrawing" xmlns:ns11="http://schemas.openxmlformats.org/drawingml/2006/compatibility" xmlns:ns12="http://schemas.openxmlformats.org/drawingml/2006/lockedCanvas">
+<p:sld xmlns:r="http://schemas.openxmlformats.org/officeDocument/2006/relationships" xmlns:a="http://schemas.openxmlformats.org/drawingml/2006/main" xmlns:p="http://schemas.openxmlformats.org/presentationml/2006/main" xmlns:mc="http://schemas.openxmlformats.org/markup-compatibility/2006" xmlns:c="http://schemas.openxmlformats.org/drawingml/2006/chart" xmlns:ns6="http://schemas.openxmlformats.org/drawingml/2006/chartDrawing" xmlns:dgm="http://schemas.openxmlformats.org/drawingml/2006/diagram" xmlns:pic="http://schemas.openxmlformats.org/drawingml/2006/picture" xmlns:wp="http://schemas.openxmlformats.org/drawingml/2006/wordprocessingDrawing" xmlns:xdr="http://schemas.openxmlformats.org/drawingml/2006/spreadsheetDrawing" xmlns:ns11="http://schemas.openxmlformats.org/drawingml/2006/compatibility" xmlns:ns12="http://schemas.openxmlformats.org/drawingml/2006/lockedCanvas">
   <p:cSld>
     <p:spTree>
       <p:nvGrpSpPr>
@@ -10560,9 +10560,9 @@
                               <a:alpha val="100000"/>
                             </a:srgbClr>
                           </a:solidFill>
-                          <a:latin typeface="Times New Roman"/>
-                          <a:ea typeface="Times New Roman"/>
-                          <a:cs typeface="Times New Roman"/>
+                          <a:latin typeface="Helvetica"/>
+                          <a:ea typeface="Helvetica"/>
+                          <a:cs typeface="Helvetica"/>
                         </a:rPr>
                         <a:t>Sepal.Length</a:t>
                       </a:r>
@@ -10629,9 +10629,9 @@
                               <a:alpha val="100000"/>
                             </a:srgbClr>
                           </a:solidFill>
-                          <a:latin typeface="Times New Roman"/>
-                          <a:ea typeface="Times New Roman"/>
-                          <a:cs typeface="Times New Roman"/>
+                          <a:latin typeface="Helvetica"/>
+                          <a:ea typeface="Helvetica"/>
+                          <a:cs typeface="Helvetica"/>
                         </a:rPr>
                         <a:t>Sepal.Width</a:t>
                       </a:r>
@@ -10698,9 +10698,9 @@
                               <a:alpha val="100000"/>
                             </a:srgbClr>
                           </a:solidFill>
-                          <a:latin typeface="Times New Roman"/>
-                          <a:ea typeface="Times New Roman"/>
-                          <a:cs typeface="Times New Roman"/>
+                          <a:latin typeface="Helvetica"/>
+                          <a:ea typeface="Helvetica"/>
+                          <a:cs typeface="Helvetica"/>
                         </a:rPr>
                         <a:t>Petal.Length</a:t>
                       </a:r>
@@ -10767,9 +10767,9 @@
                               <a:alpha val="100000"/>
                             </a:srgbClr>
                           </a:solidFill>
-                          <a:latin typeface="Times New Roman"/>
-                          <a:ea typeface="Times New Roman"/>
-                          <a:cs typeface="Times New Roman"/>
+                          <a:latin typeface="Helvetica"/>
+                          <a:ea typeface="Helvetica"/>
+                          <a:cs typeface="Helvetica"/>
                         </a:rPr>
                         <a:t>Petal.Width</a:t>
                       </a:r>
@@ -10836,9 +10836,9 @@
                               <a:alpha val="100000"/>
                             </a:srgbClr>
                           </a:solidFill>
-                          <a:latin typeface="Times New Roman"/>
-                          <a:ea typeface="Times New Roman"/>
-                          <a:cs typeface="Times New Roman"/>
+                          <a:latin typeface="Helvetica"/>
+                          <a:ea typeface="Helvetica"/>
+                          <a:cs typeface="Helvetica"/>
                         </a:rPr>
                         <a:t>Species</a:t>
                       </a:r>
@@ -10907,9 +10907,9 @@
                               <a:alpha val="100000"/>
                             </a:srgbClr>
                           </a:solidFill>
-                          <a:latin typeface="Times New Roman"/>
-                          <a:ea typeface="Times New Roman"/>
-                          <a:cs typeface="Times New Roman"/>
+                          <a:latin typeface="Helvetica"/>
+                          <a:ea typeface="Helvetica"/>
+                          <a:cs typeface="Helvetica"/>
                         </a:rPr>
                         <a:t/>
                       </a:r>
@@ -10920,9 +10920,9 @@
                               <a:alpha val="100000"/>
                             </a:srgbClr>
                           </a:solidFill>
-                          <a:latin typeface="Times New Roman"/>
-                          <a:ea typeface="Times New Roman"/>
-                          <a:cs typeface="Times New Roman"/>
+                          <a:latin typeface="Helvetica"/>
+                          <a:ea typeface="Helvetica"/>
+                          <a:cs typeface="Helvetica"/>
                         </a:rPr>
                         <a:t>5.1</a:t>
                       </a:r>
@@ -10989,9 +10989,9 @@
                               <a:alpha val="100000"/>
                             </a:srgbClr>
                           </a:solidFill>
-                          <a:latin typeface="Times New Roman"/>
-                          <a:ea typeface="Times New Roman"/>
-                          <a:cs typeface="Times New Roman"/>
+                          <a:latin typeface="Helvetica"/>
+                          <a:ea typeface="Helvetica"/>
+                          <a:cs typeface="Helvetica"/>
                         </a:rPr>
                         <a:t/>
                       </a:r>
@@ -11002,9 +11002,9 @@
                               <a:alpha val="100000"/>
                             </a:srgbClr>
                           </a:solidFill>
-                          <a:latin typeface="Times New Roman"/>
-                          <a:ea typeface="Times New Roman"/>
-                          <a:cs typeface="Times New Roman"/>
+                          <a:latin typeface="Helvetica"/>
+                          <a:ea typeface="Helvetica"/>
+                          <a:cs typeface="Helvetica"/>
                         </a:rPr>
                         <a:t>3.5</a:t>
                       </a:r>
@@ -11071,9 +11071,9 @@
                               <a:alpha val="100000"/>
                             </a:srgbClr>
                           </a:solidFill>
-                          <a:latin typeface="Times New Roman"/>
-                          <a:ea typeface="Times New Roman"/>
-                          <a:cs typeface="Times New Roman"/>
+                          <a:latin typeface="Helvetica"/>
+                          <a:ea typeface="Helvetica"/>
+                          <a:cs typeface="Helvetica"/>
                         </a:rPr>
                         <a:t/>
                       </a:r>
@@ -11084,9 +11084,9 @@
                               <a:alpha val="100000"/>
                             </a:srgbClr>
                           </a:solidFill>
-                          <a:latin typeface="Times New Roman"/>
-                          <a:ea typeface="Times New Roman"/>
-                          <a:cs typeface="Times New Roman"/>
+                          <a:latin typeface="Helvetica"/>
+                          <a:ea typeface="Helvetica"/>
+                          <a:cs typeface="Helvetica"/>
                         </a:rPr>
                         <a:t>1.4</a:t>
                       </a:r>
@@ -11153,9 +11153,9 @@
                               <a:alpha val="100000"/>
                             </a:srgbClr>
                           </a:solidFill>
-                          <a:latin typeface="Times New Roman"/>
-                          <a:ea typeface="Times New Roman"/>
-                          <a:cs typeface="Times New Roman"/>
+                          <a:latin typeface="Helvetica"/>
+                          <a:ea typeface="Helvetica"/>
+                          <a:cs typeface="Helvetica"/>
                         </a:rPr>
                         <a:t/>
                       </a:r>
@@ -11166,9 +11166,9 @@
                               <a:alpha val="100000"/>
                             </a:srgbClr>
                           </a:solidFill>
-                          <a:latin typeface="Times New Roman"/>
-                          <a:ea typeface="Times New Roman"/>
-                          <a:cs typeface="Times New Roman"/>
+                          <a:latin typeface="Helvetica"/>
+                          <a:ea typeface="Helvetica"/>
+                          <a:cs typeface="Helvetica"/>
                         </a:rPr>
                         <a:t>0.2</a:t>
                       </a:r>
@@ -11235,9 +11235,9 @@
                               <a:alpha val="100000"/>
                             </a:srgbClr>
                           </a:solidFill>
-                          <a:latin typeface="Times New Roman"/>
-                          <a:ea typeface="Times New Roman"/>
-                          <a:cs typeface="Times New Roman"/>
+                          <a:latin typeface="Helvetica"/>
+                          <a:ea typeface="Helvetica"/>
+                          <a:cs typeface="Helvetica"/>
                         </a:rPr>
                         <a:t/>
                       </a:r>
@@ -11248,9 +11248,9 @@
                               <a:alpha val="100000"/>
                             </a:srgbClr>
                           </a:solidFill>
-                          <a:latin typeface="Times New Roman"/>
-                          <a:ea typeface="Times New Roman"/>
-                          <a:cs typeface="Times New Roman"/>
+                          <a:latin typeface="Helvetica"/>
+                          <a:ea typeface="Helvetica"/>
+                          <a:cs typeface="Helvetica"/>
                         </a:rPr>
                         <a:t>setosa</a:t>
                       </a:r>
@@ -11319,9 +11319,9 @@
                               <a:alpha val="100000"/>
                             </a:srgbClr>
                           </a:solidFill>
-                          <a:latin typeface="Times New Roman"/>
-                          <a:ea typeface="Times New Roman"/>
-                          <a:cs typeface="Times New Roman"/>
+                          <a:latin typeface="Helvetica"/>
+                          <a:ea typeface="Helvetica"/>
+                          <a:cs typeface="Helvetica"/>
                         </a:rPr>
                         <a:t/>
                       </a:r>
@@ -11332,9 +11332,9 @@
                               <a:alpha val="100000"/>
                             </a:srgbClr>
                           </a:solidFill>
-                          <a:latin typeface="Times New Roman"/>
-                          <a:ea typeface="Times New Roman"/>
-                          <a:cs typeface="Times New Roman"/>
+                          <a:latin typeface="Helvetica"/>
+                          <a:ea typeface="Helvetica"/>
+                          <a:cs typeface="Helvetica"/>
                         </a:rPr>
                         <a:t>4.9</a:t>
                       </a:r>
@@ -11401,9 +11401,9 @@
                               <a:alpha val="100000"/>
                             </a:srgbClr>
                           </a:solidFill>
-                          <a:latin typeface="Times New Roman"/>
-                          <a:ea typeface="Times New Roman"/>
-                          <a:cs typeface="Times New Roman"/>
+                          <a:latin typeface="Helvetica"/>
+                          <a:ea typeface="Helvetica"/>
+                          <a:cs typeface="Helvetica"/>
                         </a:rPr>
                         <a:t/>
                       </a:r>
@@ -11414,9 +11414,9 @@
                               <a:alpha val="100000"/>
                             </a:srgbClr>
                           </a:solidFill>
-                          <a:latin typeface="Times New Roman"/>
-                          <a:ea typeface="Times New Roman"/>
-                          <a:cs typeface="Times New Roman"/>
+                          <a:latin typeface="Helvetica"/>
+                          <a:ea typeface="Helvetica"/>
+                          <a:cs typeface="Helvetica"/>
                         </a:rPr>
                         <a:t>3.0</a:t>
                       </a:r>
@@ -11483,9 +11483,9 @@
                               <a:alpha val="100000"/>
                             </a:srgbClr>
                           </a:solidFill>
-                          <a:latin typeface="Times New Roman"/>
-                          <a:ea typeface="Times New Roman"/>
-                          <a:cs typeface="Times New Roman"/>
+                          <a:latin typeface="Helvetica"/>
+                          <a:ea typeface="Helvetica"/>
+                          <a:cs typeface="Helvetica"/>
                         </a:rPr>
                         <a:t/>
                       </a:r>
@@ -11496,9 +11496,9 @@
                               <a:alpha val="100000"/>
                             </a:srgbClr>
                           </a:solidFill>
-                          <a:latin typeface="Times New Roman"/>
-                          <a:ea typeface="Times New Roman"/>
-                          <a:cs typeface="Times New Roman"/>
+                          <a:latin typeface="Helvetica"/>
+                          <a:ea typeface="Helvetica"/>
+                          <a:cs typeface="Helvetica"/>
                         </a:rPr>
                         <a:t>1.4</a:t>
                       </a:r>
@@ -11565,9 +11565,9 @@
                               <a:alpha val="100000"/>
                             </a:srgbClr>
                           </a:solidFill>
-                          <a:latin typeface="Times New Roman"/>
-                          <a:ea typeface="Times New Roman"/>
-                          <a:cs typeface="Times New Roman"/>
+                          <a:latin typeface="Helvetica"/>
+                          <a:ea typeface="Helvetica"/>
+                          <a:cs typeface="Helvetica"/>
                         </a:rPr>
                         <a:t/>
                       </a:r>
@@ -11578,9 +11578,9 @@
                               <a:alpha val="100000"/>
                             </a:srgbClr>
                           </a:solidFill>
-                          <a:latin typeface="Times New Roman"/>
-                          <a:ea typeface="Times New Roman"/>
-                          <a:cs typeface="Times New Roman"/>
+                          <a:latin typeface="Helvetica"/>
+                          <a:ea typeface="Helvetica"/>
+                          <a:cs typeface="Helvetica"/>
                         </a:rPr>
                         <a:t>0.2</a:t>
                       </a:r>
@@ -11647,9 +11647,9 @@
                               <a:alpha val="100000"/>
                             </a:srgbClr>
                           </a:solidFill>
-                          <a:latin typeface="Times New Roman"/>
-                          <a:ea typeface="Times New Roman"/>
-                          <a:cs typeface="Times New Roman"/>
+                          <a:latin typeface="Helvetica"/>
+                          <a:ea typeface="Helvetica"/>
+                          <a:cs typeface="Helvetica"/>
                         </a:rPr>
                         <a:t/>
                       </a:r>
@@ -11660,9 +11660,9 @@
                               <a:alpha val="100000"/>
                             </a:srgbClr>
                           </a:solidFill>
-                          <a:latin typeface="Times New Roman"/>
-                          <a:ea typeface="Times New Roman"/>
-                          <a:cs typeface="Times New Roman"/>
+                          <a:latin typeface="Helvetica"/>
+                          <a:ea typeface="Helvetica"/>
+                          <a:cs typeface="Helvetica"/>
                         </a:rPr>
                         <a:t>setosa</a:t>
                       </a:r>
@@ -11731,9 +11731,9 @@
                               <a:alpha val="100000"/>
                             </a:srgbClr>
                           </a:solidFill>
-                          <a:latin typeface="Times New Roman"/>
-                          <a:ea typeface="Times New Roman"/>
-                          <a:cs typeface="Times New Roman"/>
+                          <a:latin typeface="Helvetica"/>
+                          <a:ea typeface="Helvetica"/>
+                          <a:cs typeface="Helvetica"/>
                         </a:rPr>
                         <a:t/>
                       </a:r>
@@ -11744,9 +11744,9 @@
                               <a:alpha val="100000"/>
                             </a:srgbClr>
                           </a:solidFill>
-                          <a:latin typeface="Times New Roman"/>
-                          <a:ea typeface="Times New Roman"/>
-                          <a:cs typeface="Times New Roman"/>
+                          <a:latin typeface="Helvetica"/>
+                          <a:ea typeface="Helvetica"/>
+                          <a:cs typeface="Helvetica"/>
                         </a:rPr>
                         <a:t>4.7</a:t>
                       </a:r>
@@ -11813,9 +11813,9 @@
                               <a:alpha val="100000"/>
                             </a:srgbClr>
                           </a:solidFill>
-                          <a:latin typeface="Times New Roman"/>
-                          <a:ea typeface="Times New Roman"/>
-                          <a:cs typeface="Times New Roman"/>
+                          <a:latin typeface="Helvetica"/>
+                          <a:ea typeface="Helvetica"/>
+                          <a:cs typeface="Helvetica"/>
                         </a:rPr>
                         <a:t/>
                       </a:r>
@@ -11826,9 +11826,9 @@
                               <a:alpha val="100000"/>
                             </a:srgbClr>
                           </a:solidFill>
-                          <a:latin typeface="Times New Roman"/>
-                          <a:ea typeface="Times New Roman"/>
-                          <a:cs typeface="Times New Roman"/>
+                          <a:latin typeface="Helvetica"/>
+                          <a:ea typeface="Helvetica"/>
+                          <a:cs typeface="Helvetica"/>
                         </a:rPr>
                         <a:t>3.2</a:t>
                       </a:r>
@@ -11895,9 +11895,9 @@
                               <a:alpha val="100000"/>
                             </a:srgbClr>
                           </a:solidFill>
-                          <a:latin typeface="Times New Roman"/>
-                          <a:ea typeface="Times New Roman"/>
-                          <a:cs typeface="Times New Roman"/>
+                          <a:latin typeface="Helvetica"/>
+                          <a:ea typeface="Helvetica"/>
+                          <a:cs typeface="Helvetica"/>
                         </a:rPr>
                         <a:t/>
                       </a:r>
@@ -11908,9 +11908,9 @@
                               <a:alpha val="100000"/>
                             </a:srgbClr>
                           </a:solidFill>
-                          <a:latin typeface="Times New Roman"/>
-                          <a:ea typeface="Times New Roman"/>
-                          <a:cs typeface="Times New Roman"/>
+                          <a:latin typeface="Helvetica"/>
+                          <a:ea typeface="Helvetica"/>
+                          <a:cs typeface="Helvetica"/>
                         </a:rPr>
                         <a:t>1.3</a:t>
                       </a:r>
@@ -11977,9 +11977,9 @@
                               <a:alpha val="100000"/>
                             </a:srgbClr>
                           </a:solidFill>
-                          <a:latin typeface="Times New Roman"/>
-                          <a:ea typeface="Times New Roman"/>
-                          <a:cs typeface="Times New Roman"/>
+                          <a:latin typeface="Helvetica"/>
+                          <a:ea typeface="Helvetica"/>
+                          <a:cs typeface="Helvetica"/>
                         </a:rPr>
                         <a:t/>
                       </a:r>
@@ -11990,9 +11990,9 @@
                               <a:alpha val="100000"/>
                             </a:srgbClr>
                           </a:solidFill>
-                          <a:latin typeface="Times New Roman"/>
-                          <a:ea typeface="Times New Roman"/>
-                          <a:cs typeface="Times New Roman"/>
+                          <a:latin typeface="Helvetica"/>
+                          <a:ea typeface="Helvetica"/>
+                          <a:cs typeface="Helvetica"/>
                         </a:rPr>
                         <a:t>0.2</a:t>
                       </a:r>
@@ -12059,9 +12059,9 @@
                               <a:alpha val="100000"/>
                             </a:srgbClr>
                           </a:solidFill>
-                          <a:latin typeface="Times New Roman"/>
-                          <a:ea typeface="Times New Roman"/>
-                          <a:cs typeface="Times New Roman"/>
+                          <a:latin typeface="Helvetica"/>
+                          <a:ea typeface="Helvetica"/>
+                          <a:cs typeface="Helvetica"/>
                         </a:rPr>
                         <a:t/>
                       </a:r>
@@ -12072,9 +12072,9 @@
                               <a:alpha val="100000"/>
                             </a:srgbClr>
                           </a:solidFill>
-                          <a:latin typeface="Times New Roman"/>
-                          <a:ea typeface="Times New Roman"/>
-                          <a:cs typeface="Times New Roman"/>
+                          <a:latin typeface="Helvetica"/>
+                          <a:ea typeface="Helvetica"/>
+                          <a:cs typeface="Helvetica"/>
                         </a:rPr>
                         <a:t>setosa</a:t>
                       </a:r>
@@ -12143,9 +12143,9 @@
                               <a:alpha val="100000"/>
                             </a:srgbClr>
                           </a:solidFill>
-                          <a:latin typeface="Times New Roman"/>
-                          <a:ea typeface="Times New Roman"/>
-                          <a:cs typeface="Times New Roman"/>
+                          <a:latin typeface="Helvetica"/>
+                          <a:ea typeface="Helvetica"/>
+                          <a:cs typeface="Helvetica"/>
                         </a:rPr>
                         <a:t/>
                       </a:r>
@@ -12156,9 +12156,9 @@
                               <a:alpha val="100000"/>
                             </a:srgbClr>
                           </a:solidFill>
-                          <a:latin typeface="Times New Roman"/>
-                          <a:ea typeface="Times New Roman"/>
-                          <a:cs typeface="Times New Roman"/>
+                          <a:latin typeface="Helvetica"/>
+                          <a:ea typeface="Helvetica"/>
+                          <a:cs typeface="Helvetica"/>
                         </a:rPr>
                         <a:t>4.6</a:t>
                       </a:r>
@@ -12225,9 +12225,9 @@
                               <a:alpha val="100000"/>
                             </a:srgbClr>
                           </a:solidFill>
-                          <a:latin typeface="Times New Roman"/>
-                          <a:ea typeface="Times New Roman"/>
-                          <a:cs typeface="Times New Roman"/>
+                          <a:latin typeface="Helvetica"/>
+                          <a:ea typeface="Helvetica"/>
+                          <a:cs typeface="Helvetica"/>
                         </a:rPr>
                         <a:t/>
                       </a:r>
@@ -12238,9 +12238,9 @@
                               <a:alpha val="100000"/>
                             </a:srgbClr>
                           </a:solidFill>
-                          <a:latin typeface="Times New Roman"/>
-                          <a:ea typeface="Times New Roman"/>
-                          <a:cs typeface="Times New Roman"/>
+                          <a:latin typeface="Helvetica"/>
+                          <a:ea typeface="Helvetica"/>
+                          <a:cs typeface="Helvetica"/>
                         </a:rPr>
                         <a:t>3.1</a:t>
                       </a:r>
@@ -12307,9 +12307,9 @@
                               <a:alpha val="100000"/>
                             </a:srgbClr>
                           </a:solidFill>
-                          <a:latin typeface="Times New Roman"/>
-                          <a:ea typeface="Times New Roman"/>
-                          <a:cs typeface="Times New Roman"/>
+                          <a:latin typeface="Helvetica"/>
+                          <a:ea typeface="Helvetica"/>
+                          <a:cs typeface="Helvetica"/>
                         </a:rPr>
                         <a:t/>
                       </a:r>
@@ -12320,9 +12320,9 @@
                               <a:alpha val="100000"/>
                             </a:srgbClr>
                           </a:solidFill>
-                          <a:latin typeface="Times New Roman"/>
-                          <a:ea typeface="Times New Roman"/>
-                          <a:cs typeface="Times New Roman"/>
+                          <a:latin typeface="Helvetica"/>
+                          <a:ea typeface="Helvetica"/>
+                          <a:cs typeface="Helvetica"/>
                         </a:rPr>
                         <a:t>1.5</a:t>
                       </a:r>
@@ -12389,9 +12389,9 @@
                               <a:alpha val="100000"/>
                             </a:srgbClr>
                           </a:solidFill>
-                          <a:latin typeface="Times New Roman"/>
-                          <a:ea typeface="Times New Roman"/>
-                          <a:cs typeface="Times New Roman"/>
+                          <a:latin typeface="Helvetica"/>
+                          <a:ea typeface="Helvetica"/>
+                          <a:cs typeface="Helvetica"/>
                         </a:rPr>
                         <a:t/>
                       </a:r>
@@ -12402,9 +12402,9 @@
                               <a:alpha val="100000"/>
                             </a:srgbClr>
                           </a:solidFill>
-                          <a:latin typeface="Times New Roman"/>
-                          <a:ea typeface="Times New Roman"/>
-                          <a:cs typeface="Times New Roman"/>
+                          <a:latin typeface="Helvetica"/>
+                          <a:ea typeface="Helvetica"/>
+                          <a:cs typeface="Helvetica"/>
                         </a:rPr>
                         <a:t>0.2</a:t>
                       </a:r>
@@ -12471,9 +12471,9 @@
                               <a:alpha val="100000"/>
                             </a:srgbClr>
                           </a:solidFill>
-                          <a:latin typeface="Times New Roman"/>
-                          <a:ea typeface="Times New Roman"/>
-                          <a:cs typeface="Times New Roman"/>
+                          <a:latin typeface="Helvetica"/>
+                          <a:ea typeface="Helvetica"/>
+                          <a:cs typeface="Helvetica"/>
                         </a:rPr>
                         <a:t/>
                       </a:r>
@@ -12484,9 +12484,9 @@
                               <a:alpha val="100000"/>
                             </a:srgbClr>
                           </a:solidFill>
-                          <a:latin typeface="Times New Roman"/>
-                          <a:ea typeface="Times New Roman"/>
-                          <a:cs typeface="Times New Roman"/>
+                          <a:latin typeface="Helvetica"/>
+                          <a:ea typeface="Helvetica"/>
+                          <a:cs typeface="Helvetica"/>
                         </a:rPr>
                         <a:t>setosa</a:t>
                       </a:r>
@@ -12555,9 +12555,9 @@
                               <a:alpha val="100000"/>
                             </a:srgbClr>
                           </a:solidFill>
-                          <a:latin typeface="Times New Roman"/>
-                          <a:ea typeface="Times New Roman"/>
-                          <a:cs typeface="Times New Roman"/>
+                          <a:latin typeface="Helvetica"/>
+                          <a:ea typeface="Helvetica"/>
+                          <a:cs typeface="Helvetica"/>
                         </a:rPr>
                         <a:t/>
                       </a:r>
@@ -12568,9 +12568,9 @@
                               <a:alpha val="100000"/>
                             </a:srgbClr>
                           </a:solidFill>
-                          <a:latin typeface="Times New Roman"/>
-                          <a:ea typeface="Times New Roman"/>
-                          <a:cs typeface="Times New Roman"/>
+                          <a:latin typeface="Helvetica"/>
+                          <a:ea typeface="Helvetica"/>
+                          <a:cs typeface="Helvetica"/>
                         </a:rPr>
                         <a:t>5.0</a:t>
                       </a:r>
@@ -12637,9 +12637,9 @@
                               <a:alpha val="100000"/>
                             </a:srgbClr>
                           </a:solidFill>
-                          <a:latin typeface="Times New Roman"/>
-                          <a:ea typeface="Times New Roman"/>
-                          <a:cs typeface="Times New Roman"/>
+                          <a:latin typeface="Helvetica"/>
+                          <a:ea typeface="Helvetica"/>
+                          <a:cs typeface="Helvetica"/>
                         </a:rPr>
                         <a:t/>
                       </a:r>
@@ -12650,9 +12650,9 @@
                               <a:alpha val="100000"/>
                             </a:srgbClr>
                           </a:solidFill>
-                          <a:latin typeface="Times New Roman"/>
-                          <a:ea typeface="Times New Roman"/>
-                          <a:cs typeface="Times New Roman"/>
+                          <a:latin typeface="Helvetica"/>
+                          <a:ea typeface="Helvetica"/>
+                          <a:cs typeface="Helvetica"/>
                         </a:rPr>
                         <a:t>3.6</a:t>
                       </a:r>
@@ -12719,9 +12719,9 @@
                               <a:alpha val="100000"/>
                             </a:srgbClr>
                           </a:solidFill>
-                          <a:latin typeface="Times New Roman"/>
-                          <a:ea typeface="Times New Roman"/>
-                          <a:cs typeface="Times New Roman"/>
+                          <a:latin typeface="Helvetica"/>
+                          <a:ea typeface="Helvetica"/>
+                          <a:cs typeface="Helvetica"/>
                         </a:rPr>
                         <a:t/>
                       </a:r>
@@ -12732,9 +12732,9 @@
                               <a:alpha val="100000"/>
                             </a:srgbClr>
                           </a:solidFill>
-                          <a:latin typeface="Times New Roman"/>
-                          <a:ea typeface="Times New Roman"/>
-                          <a:cs typeface="Times New Roman"/>
+                          <a:latin typeface="Helvetica"/>
+                          <a:ea typeface="Helvetica"/>
+                          <a:cs typeface="Helvetica"/>
                         </a:rPr>
                         <a:t>1.4</a:t>
                       </a:r>
@@ -12801,9 +12801,9 @@
                               <a:alpha val="100000"/>
                             </a:srgbClr>
                           </a:solidFill>
-                          <a:latin typeface="Times New Roman"/>
-                          <a:ea typeface="Times New Roman"/>
-                          <a:cs typeface="Times New Roman"/>
+                          <a:latin typeface="Helvetica"/>
+                          <a:ea typeface="Helvetica"/>
+                          <a:cs typeface="Helvetica"/>
                         </a:rPr>
                         <a:t/>
                       </a:r>
@@ -12814,9 +12814,9 @@
                               <a:alpha val="100000"/>
                             </a:srgbClr>
                           </a:solidFill>
-                          <a:latin typeface="Times New Roman"/>
-                          <a:ea typeface="Times New Roman"/>
-                          <a:cs typeface="Times New Roman"/>
+                          <a:latin typeface="Helvetica"/>
+                          <a:ea typeface="Helvetica"/>
+                          <a:cs typeface="Helvetica"/>
                         </a:rPr>
                         <a:t>0.2</a:t>
                       </a:r>
@@ -12883,9 +12883,9 @@
                               <a:alpha val="100000"/>
                             </a:srgbClr>
                           </a:solidFill>
-                          <a:latin typeface="Times New Roman"/>
-                          <a:ea typeface="Times New Roman"/>
-                          <a:cs typeface="Times New Roman"/>
+                          <a:latin typeface="Helvetica"/>
+                          <a:ea typeface="Helvetica"/>
+                          <a:cs typeface="Helvetica"/>
                         </a:rPr>
                         <a:t/>
                       </a:r>
@@ -12896,9 +12896,9 @@
                               <a:alpha val="100000"/>
                             </a:srgbClr>
                           </a:solidFill>
-                          <a:latin typeface="Times New Roman"/>
-                          <a:ea typeface="Times New Roman"/>
-                          <a:cs typeface="Times New Roman"/>
+                          <a:latin typeface="Helvetica"/>
+                          <a:ea typeface="Helvetica"/>
+                          <a:cs typeface="Helvetica"/>
                         </a:rPr>
                         <a:t>setosa</a:t>
                       </a:r>
@@ -12967,9 +12967,9 @@
                               <a:alpha val="100000"/>
                             </a:srgbClr>
                           </a:solidFill>
-                          <a:latin typeface="Times New Roman"/>
-                          <a:ea typeface="Times New Roman"/>
-                          <a:cs typeface="Times New Roman"/>
+                          <a:latin typeface="Helvetica"/>
+                          <a:ea typeface="Helvetica"/>
+                          <a:cs typeface="Helvetica"/>
                         </a:rPr>
                         <a:t/>
                       </a:r>
@@ -12980,9 +12980,9 @@
                               <a:alpha val="100000"/>
                             </a:srgbClr>
                           </a:solidFill>
-                          <a:latin typeface="Times New Roman"/>
-                          <a:ea typeface="Times New Roman"/>
-                          <a:cs typeface="Times New Roman"/>
+                          <a:latin typeface="Helvetica"/>
+                          <a:ea typeface="Helvetica"/>
+                          <a:cs typeface="Helvetica"/>
                         </a:rPr>
                         <a:t>5.4</a:t>
                       </a:r>
@@ -13049,9 +13049,9 @@
                               <a:alpha val="100000"/>
                             </a:srgbClr>
                           </a:solidFill>
-                          <a:latin typeface="Times New Roman"/>
-                          <a:ea typeface="Times New Roman"/>
-                          <a:cs typeface="Times New Roman"/>
+                          <a:latin typeface="Helvetica"/>
+                          <a:ea typeface="Helvetica"/>
+                          <a:cs typeface="Helvetica"/>
                         </a:rPr>
                         <a:t/>
                       </a:r>
@@ -13062,9 +13062,9 @@
                               <a:alpha val="100000"/>
                             </a:srgbClr>
                           </a:solidFill>
-                          <a:latin typeface="Times New Roman"/>
-                          <a:ea typeface="Times New Roman"/>
-                          <a:cs typeface="Times New Roman"/>
+                          <a:latin typeface="Helvetica"/>
+                          <a:ea typeface="Helvetica"/>
+                          <a:cs typeface="Helvetica"/>
                         </a:rPr>
                         <a:t>3.9</a:t>
                       </a:r>
@@ -13131,9 +13131,9 @@
                               <a:alpha val="100000"/>
                             </a:srgbClr>
                           </a:solidFill>
-                          <a:latin typeface="Times New Roman"/>
-                          <a:ea typeface="Times New Roman"/>
-                          <a:cs typeface="Times New Roman"/>
+                          <a:latin typeface="Helvetica"/>
+                          <a:ea typeface="Helvetica"/>
+                          <a:cs typeface="Helvetica"/>
                         </a:rPr>
                         <a:t/>
                       </a:r>
@@ -13144,9 +13144,9 @@
                               <a:alpha val="100000"/>
                             </a:srgbClr>
                           </a:solidFill>
-                          <a:latin typeface="Times New Roman"/>
-                          <a:ea typeface="Times New Roman"/>
-                          <a:cs typeface="Times New Roman"/>
+                          <a:latin typeface="Helvetica"/>
+                          <a:ea typeface="Helvetica"/>
+                          <a:cs typeface="Helvetica"/>
                         </a:rPr>
                         <a:t>1.7</a:t>
                       </a:r>
@@ -13213,9 +13213,9 @@
                               <a:alpha val="100000"/>
                             </a:srgbClr>
                           </a:solidFill>
-                          <a:latin typeface="Times New Roman"/>
-                          <a:ea typeface="Times New Roman"/>
-                          <a:cs typeface="Times New Roman"/>
+                          <a:latin typeface="Helvetica"/>
+                          <a:ea typeface="Helvetica"/>
+                          <a:cs typeface="Helvetica"/>
                         </a:rPr>
                         <a:t/>
                       </a:r>
@@ -13226,9 +13226,9 @@
                               <a:alpha val="100000"/>
                             </a:srgbClr>
                           </a:solidFill>
-                          <a:latin typeface="Times New Roman"/>
-                          <a:ea typeface="Times New Roman"/>
-                          <a:cs typeface="Times New Roman"/>
+                          <a:latin typeface="Helvetica"/>
+                          <a:ea typeface="Helvetica"/>
+                          <a:cs typeface="Helvetica"/>
                         </a:rPr>
                         <a:t>0.4</a:t>
                       </a:r>
@@ -13295,9 +13295,9 @@
                               <a:alpha val="100000"/>
                             </a:srgbClr>
                           </a:solidFill>
-                          <a:latin typeface="Times New Roman"/>
-                          <a:ea typeface="Times New Roman"/>
-                          <a:cs typeface="Times New Roman"/>
+                          <a:latin typeface="Helvetica"/>
+                          <a:ea typeface="Helvetica"/>
+                          <a:cs typeface="Helvetica"/>
                         </a:rPr>
                         <a:t/>
                       </a:r>
@@ -13308,9 +13308,9 @@
                               <a:alpha val="100000"/>
                             </a:srgbClr>
                           </a:solidFill>
-                          <a:latin typeface="Times New Roman"/>
-                          <a:ea typeface="Times New Roman"/>
-                          <a:cs typeface="Times New Roman"/>
+                          <a:latin typeface="Helvetica"/>
+                          <a:ea typeface="Helvetica"/>
+                          <a:cs typeface="Helvetica"/>
                         </a:rPr>
                         <a:t>setosa</a:t>
                       </a:r>

--- a/articles/force_pos_size.pptx
+++ b/articles/force_pos_size.pptx
@@ -1,11 +1,11 @@
 
 <file path=ppt/presentation.xml><?xml version="1.0" encoding="utf-8"?>
-<p:presentation xmlns:r="http://schemas.openxmlformats.org/officeDocument/2006/relationships" xmlns:a="http://schemas.openxmlformats.org/drawingml/2006/main" xmlns:p="http://schemas.openxmlformats.org/presentationml/2006/main" xmlns:mc="http://schemas.openxmlformats.org/markup-compatibility/2006" xmlns:c="http://schemas.openxmlformats.org/drawingml/2006/chart" xmlns:ns6="http://schemas.openxmlformats.org/drawingml/2006/chartDrawing" xmlns:dgm="http://schemas.openxmlformats.org/drawingml/2006/diagram" xmlns:pic="http://schemas.openxmlformats.org/drawingml/2006/picture" xmlns:wp="http://schemas.openxmlformats.org/drawingml/2006/wordprocessingDrawing" xmlns:xdr="http://schemas.openxmlformats.org/drawingml/2006/spreadsheetDrawing" xmlns:ns11="http://schemas.openxmlformats.org/drawingml/2006/compatibility" xmlns:ns12="http://schemas.openxmlformats.org/drawingml/2006/lockedCanvas" saveSubsetFonts="true">
+<p:presentation xmlns:a="http://schemas.openxmlformats.org/drawingml/2006/main" xmlns:r="http://schemas.openxmlformats.org/officeDocument/2006/relationships" xmlns:p="http://schemas.openxmlformats.org/presentationml/2006/main" xmlns:mc="http://schemas.openxmlformats.org/markup-compatibility/2006" xmlns:c="http://schemas.openxmlformats.org/drawingml/2006/chart" xmlns:ns6="http://schemas.openxmlformats.org/drawingml/2006/chartDrawing" xmlns:dgm="http://schemas.openxmlformats.org/drawingml/2006/diagram" xmlns:pic="http://schemas.openxmlformats.org/drawingml/2006/picture" xmlns:wp="http://schemas.openxmlformats.org/drawingml/2006/wordprocessingDrawing" xmlns:xdr="http://schemas.openxmlformats.org/drawingml/2006/spreadsheetDrawing" xmlns:ns11="http://schemas.openxmlformats.org/drawingml/2006/compatibility" xmlns:ns12="http://schemas.openxmlformats.org/drawingml/2006/lockedCanvas" saveSubsetFonts="true">
   <p:sldMasterIdLst>
     <p:sldMasterId id="2147483648" r:id="rId1"/>
   </p:sldMasterIdLst>
   <p:sldIdLst>
-    <p:sldId id="1460475936" r:id="rId6"/>
+    <p:sldId id="171695771" r:id="rId6"/>
   </p:sldIdLst>
   <p:sldSz cx="12192000" cy="6858000"/>
   <p:notesSz cx="6858000" cy="9144000"/>
@@ -113,7 +113,7 @@
 </file>
 
 <file path=ppt/slideLayouts/slideLayout1.xml><?xml version="1.0" encoding="utf-8"?>
-<p:sldLayout xmlns:r="http://schemas.openxmlformats.org/officeDocument/2006/relationships" xmlns:a="http://schemas.openxmlformats.org/drawingml/2006/main" xmlns:p="http://schemas.openxmlformats.org/presentationml/2006/main" xmlns:mc="http://schemas.openxmlformats.org/markup-compatibility/2006" xmlns:c="http://schemas.openxmlformats.org/drawingml/2006/chart" xmlns:ns6="http://schemas.openxmlformats.org/drawingml/2006/chartDrawing" xmlns:dgm="http://schemas.openxmlformats.org/drawingml/2006/diagram" xmlns:pic="http://schemas.openxmlformats.org/drawingml/2006/picture" xmlns:wp="http://schemas.openxmlformats.org/drawingml/2006/wordprocessingDrawing" xmlns:xdr="http://schemas.openxmlformats.org/drawingml/2006/spreadsheetDrawing" xmlns:ns11="http://schemas.openxmlformats.org/drawingml/2006/compatibility" xmlns:ns12="http://schemas.openxmlformats.org/drawingml/2006/lockedCanvas" type="title" preserve="true">
+<p:sldLayout xmlns:a="http://schemas.openxmlformats.org/drawingml/2006/main" xmlns:r="http://schemas.openxmlformats.org/officeDocument/2006/relationships" xmlns:p="http://schemas.openxmlformats.org/presentationml/2006/main" xmlns:mc="http://schemas.openxmlformats.org/markup-compatibility/2006" xmlns:c="http://schemas.openxmlformats.org/drawingml/2006/chart" xmlns:ns6="http://schemas.openxmlformats.org/drawingml/2006/chartDrawing" xmlns:dgm="http://schemas.openxmlformats.org/drawingml/2006/diagram" xmlns:pic="http://schemas.openxmlformats.org/drawingml/2006/picture" xmlns:wp="http://schemas.openxmlformats.org/drawingml/2006/wordprocessingDrawing" xmlns:xdr="http://schemas.openxmlformats.org/drawingml/2006/spreadsheetDrawing" xmlns:ns11="http://schemas.openxmlformats.org/drawingml/2006/compatibility" xmlns:ns12="http://schemas.openxmlformats.org/drawingml/2006/lockedCanvas" type="title" preserve="true">
   <p:cSld name="Title Slide">
     <p:spTree>
       <p:nvGrpSpPr>
@@ -312,7 +312,7 @@
 </file>
 
 <file path=ppt/slideLayouts/slideLayout10.xml><?xml version="1.0" encoding="utf-8"?>
-<p:sldLayout xmlns:r="http://schemas.openxmlformats.org/officeDocument/2006/relationships" xmlns:a="http://schemas.openxmlformats.org/drawingml/2006/main" xmlns:p="http://schemas.openxmlformats.org/presentationml/2006/main" xmlns:mc="http://schemas.openxmlformats.org/markup-compatibility/2006" xmlns:c="http://schemas.openxmlformats.org/drawingml/2006/chart" xmlns:ns6="http://schemas.openxmlformats.org/drawingml/2006/chartDrawing" xmlns:dgm="http://schemas.openxmlformats.org/drawingml/2006/diagram" xmlns:pic="http://schemas.openxmlformats.org/drawingml/2006/picture" xmlns:wp="http://schemas.openxmlformats.org/drawingml/2006/wordprocessingDrawing" xmlns:xdr="http://schemas.openxmlformats.org/drawingml/2006/spreadsheetDrawing" xmlns:ns11="http://schemas.openxmlformats.org/drawingml/2006/compatibility" xmlns:ns12="http://schemas.openxmlformats.org/drawingml/2006/lockedCanvas" type="vertTitleAndTx" preserve="true">
+<p:sldLayout xmlns:a="http://schemas.openxmlformats.org/drawingml/2006/main" xmlns:r="http://schemas.openxmlformats.org/officeDocument/2006/relationships" xmlns:p="http://schemas.openxmlformats.org/presentationml/2006/main" xmlns:mc="http://schemas.openxmlformats.org/markup-compatibility/2006" xmlns:c="http://schemas.openxmlformats.org/drawingml/2006/chart" xmlns:ns6="http://schemas.openxmlformats.org/drawingml/2006/chartDrawing" xmlns:dgm="http://schemas.openxmlformats.org/drawingml/2006/diagram" xmlns:pic="http://schemas.openxmlformats.org/drawingml/2006/picture" xmlns:wp="http://schemas.openxmlformats.org/drawingml/2006/wordprocessingDrawing" xmlns:xdr="http://schemas.openxmlformats.org/drawingml/2006/spreadsheetDrawing" xmlns:ns11="http://schemas.openxmlformats.org/drawingml/2006/compatibility" xmlns:ns12="http://schemas.openxmlformats.org/drawingml/2006/lockedCanvas" type="vertTitleAndTx" preserve="true">
   <p:cSld name="Vertical Title and Text">
     <p:spTree>
       <p:nvGrpSpPr>
@@ -499,7 +499,7 @@
 </file>
 
 <file path=ppt/slideLayouts/slideLayout2.xml><?xml version="1.0" encoding="utf-8"?>
-<p:sldLayout xmlns:r="http://schemas.openxmlformats.org/officeDocument/2006/relationships" xmlns:a="http://schemas.openxmlformats.org/drawingml/2006/main" xmlns:p="http://schemas.openxmlformats.org/presentationml/2006/main" xmlns:mc="http://schemas.openxmlformats.org/markup-compatibility/2006" xmlns:c="http://schemas.openxmlformats.org/drawingml/2006/chart" xmlns:ns6="http://schemas.openxmlformats.org/drawingml/2006/chartDrawing" xmlns:dgm="http://schemas.openxmlformats.org/drawingml/2006/diagram" xmlns:pic="http://schemas.openxmlformats.org/drawingml/2006/picture" xmlns:wp="http://schemas.openxmlformats.org/drawingml/2006/wordprocessingDrawing" xmlns:xdr="http://schemas.openxmlformats.org/drawingml/2006/spreadsheetDrawing" xmlns:ns11="http://schemas.openxmlformats.org/drawingml/2006/compatibility" xmlns:ns12="http://schemas.openxmlformats.org/drawingml/2006/lockedCanvas" type="obj" preserve="true">
+<p:sldLayout xmlns:a="http://schemas.openxmlformats.org/drawingml/2006/main" xmlns:r="http://schemas.openxmlformats.org/officeDocument/2006/relationships" xmlns:p="http://schemas.openxmlformats.org/presentationml/2006/main" xmlns:mc="http://schemas.openxmlformats.org/markup-compatibility/2006" xmlns:c="http://schemas.openxmlformats.org/drawingml/2006/chart" xmlns:ns6="http://schemas.openxmlformats.org/drawingml/2006/chartDrawing" xmlns:dgm="http://schemas.openxmlformats.org/drawingml/2006/diagram" xmlns:pic="http://schemas.openxmlformats.org/drawingml/2006/picture" xmlns:wp="http://schemas.openxmlformats.org/drawingml/2006/wordprocessingDrawing" xmlns:xdr="http://schemas.openxmlformats.org/drawingml/2006/spreadsheetDrawing" xmlns:ns11="http://schemas.openxmlformats.org/drawingml/2006/compatibility" xmlns:ns12="http://schemas.openxmlformats.org/drawingml/2006/lockedCanvas" type="obj" preserve="true">
   <p:cSld name="Title and Content">
     <p:spTree>
       <p:nvGrpSpPr>
@@ -681,7 +681,7 @@
 </file>
 
 <file path=ppt/slideLayouts/slideLayout3.xml><?xml version="1.0" encoding="utf-8"?>
-<p:sldLayout xmlns:r="http://schemas.openxmlformats.org/officeDocument/2006/relationships" xmlns:a="http://schemas.openxmlformats.org/drawingml/2006/main" xmlns:p="http://schemas.openxmlformats.org/presentationml/2006/main" xmlns:mc="http://schemas.openxmlformats.org/markup-compatibility/2006" xmlns:c="http://schemas.openxmlformats.org/drawingml/2006/chart" xmlns:ns6="http://schemas.openxmlformats.org/drawingml/2006/chartDrawing" xmlns:dgm="http://schemas.openxmlformats.org/drawingml/2006/diagram" xmlns:pic="http://schemas.openxmlformats.org/drawingml/2006/picture" xmlns:wp="http://schemas.openxmlformats.org/drawingml/2006/wordprocessingDrawing" xmlns:xdr="http://schemas.openxmlformats.org/drawingml/2006/spreadsheetDrawing" xmlns:ns11="http://schemas.openxmlformats.org/drawingml/2006/compatibility" xmlns:ns12="http://schemas.openxmlformats.org/drawingml/2006/lockedCanvas" type="secHead" preserve="true">
+<p:sldLayout xmlns:a="http://schemas.openxmlformats.org/drawingml/2006/main" xmlns:r="http://schemas.openxmlformats.org/officeDocument/2006/relationships" xmlns:p="http://schemas.openxmlformats.org/presentationml/2006/main" xmlns:mc="http://schemas.openxmlformats.org/markup-compatibility/2006" xmlns:c="http://schemas.openxmlformats.org/drawingml/2006/chart" xmlns:ns6="http://schemas.openxmlformats.org/drawingml/2006/chartDrawing" xmlns:dgm="http://schemas.openxmlformats.org/drawingml/2006/diagram" xmlns:pic="http://schemas.openxmlformats.org/drawingml/2006/picture" xmlns:wp="http://schemas.openxmlformats.org/drawingml/2006/wordprocessingDrawing" xmlns:xdr="http://schemas.openxmlformats.org/drawingml/2006/spreadsheetDrawing" xmlns:ns11="http://schemas.openxmlformats.org/drawingml/2006/compatibility" xmlns:ns12="http://schemas.openxmlformats.org/drawingml/2006/lockedCanvas" type="secHead" preserve="true">
   <p:cSld name="Section Header">
     <p:spTree>
       <p:nvGrpSpPr>
@@ -934,7 +934,7 @@
 </file>
 
 <file path=ppt/slideLayouts/slideLayout4.xml><?xml version="1.0" encoding="utf-8"?>
-<p:sldLayout xmlns:r="http://schemas.openxmlformats.org/officeDocument/2006/relationships" xmlns:a="http://schemas.openxmlformats.org/drawingml/2006/main" xmlns:p="http://schemas.openxmlformats.org/presentationml/2006/main" xmlns:mc="http://schemas.openxmlformats.org/markup-compatibility/2006" xmlns:c="http://schemas.openxmlformats.org/drawingml/2006/chart" xmlns:ns6="http://schemas.openxmlformats.org/drawingml/2006/chartDrawing" xmlns:dgm="http://schemas.openxmlformats.org/drawingml/2006/diagram" xmlns:pic="http://schemas.openxmlformats.org/drawingml/2006/picture" xmlns:wp="http://schemas.openxmlformats.org/drawingml/2006/wordprocessingDrawing" xmlns:xdr="http://schemas.openxmlformats.org/drawingml/2006/spreadsheetDrawing" xmlns:ns11="http://schemas.openxmlformats.org/drawingml/2006/compatibility" xmlns:ns12="http://schemas.openxmlformats.org/drawingml/2006/lockedCanvas" type="twoObj" preserve="true">
+<p:sldLayout xmlns:a="http://schemas.openxmlformats.org/drawingml/2006/main" xmlns:r="http://schemas.openxmlformats.org/officeDocument/2006/relationships" xmlns:p="http://schemas.openxmlformats.org/presentationml/2006/main" xmlns:mc="http://schemas.openxmlformats.org/markup-compatibility/2006" xmlns:c="http://schemas.openxmlformats.org/drawingml/2006/chart" xmlns:ns6="http://schemas.openxmlformats.org/drawingml/2006/chartDrawing" xmlns:dgm="http://schemas.openxmlformats.org/drawingml/2006/diagram" xmlns:pic="http://schemas.openxmlformats.org/drawingml/2006/picture" xmlns:wp="http://schemas.openxmlformats.org/drawingml/2006/wordprocessingDrawing" xmlns:xdr="http://schemas.openxmlformats.org/drawingml/2006/spreadsheetDrawing" xmlns:ns11="http://schemas.openxmlformats.org/drawingml/2006/compatibility" xmlns:ns12="http://schemas.openxmlformats.org/drawingml/2006/lockedCanvas" type="twoObj" preserve="true">
   <p:cSld name="Two Content">
     <p:spTree>
       <p:nvGrpSpPr>
@@ -1173,7 +1173,7 @@
 </file>
 
 <file path=ppt/slideLayouts/slideLayout5.xml><?xml version="1.0" encoding="utf-8"?>
-<p:sldLayout xmlns:r="http://schemas.openxmlformats.org/officeDocument/2006/relationships" xmlns:a="http://schemas.openxmlformats.org/drawingml/2006/main" xmlns:p="http://schemas.openxmlformats.org/presentationml/2006/main" xmlns:mc="http://schemas.openxmlformats.org/markup-compatibility/2006" xmlns:c="http://schemas.openxmlformats.org/drawingml/2006/chart" xmlns:ns6="http://schemas.openxmlformats.org/drawingml/2006/chartDrawing" xmlns:dgm="http://schemas.openxmlformats.org/drawingml/2006/diagram" xmlns:pic="http://schemas.openxmlformats.org/drawingml/2006/picture" xmlns:wp="http://schemas.openxmlformats.org/drawingml/2006/wordprocessingDrawing" xmlns:xdr="http://schemas.openxmlformats.org/drawingml/2006/spreadsheetDrawing" xmlns:ns11="http://schemas.openxmlformats.org/drawingml/2006/compatibility" xmlns:ns12="http://schemas.openxmlformats.org/drawingml/2006/lockedCanvas" type="twoTxTwoObj" preserve="true">
+<p:sldLayout xmlns:a="http://schemas.openxmlformats.org/drawingml/2006/main" xmlns:r="http://schemas.openxmlformats.org/officeDocument/2006/relationships" xmlns:p="http://schemas.openxmlformats.org/presentationml/2006/main" xmlns:mc="http://schemas.openxmlformats.org/markup-compatibility/2006" xmlns:c="http://schemas.openxmlformats.org/drawingml/2006/chart" xmlns:ns6="http://schemas.openxmlformats.org/drawingml/2006/chartDrawing" xmlns:dgm="http://schemas.openxmlformats.org/drawingml/2006/diagram" xmlns:pic="http://schemas.openxmlformats.org/drawingml/2006/picture" xmlns:wp="http://schemas.openxmlformats.org/drawingml/2006/wordprocessingDrawing" xmlns:xdr="http://schemas.openxmlformats.org/drawingml/2006/spreadsheetDrawing" xmlns:ns11="http://schemas.openxmlformats.org/drawingml/2006/compatibility" xmlns:ns12="http://schemas.openxmlformats.org/drawingml/2006/lockedCanvas" type="twoTxTwoObj" preserve="true">
   <p:cSld name="Comparison">
     <p:spTree>
       <p:nvGrpSpPr>
@@ -1528,7 +1528,7 @@
 </file>
 
 <file path=ppt/slideLayouts/slideLayout6.xml><?xml version="1.0" encoding="utf-8"?>
-<p:sldLayout xmlns:r="http://schemas.openxmlformats.org/officeDocument/2006/relationships" xmlns:a="http://schemas.openxmlformats.org/drawingml/2006/main" xmlns:p="http://schemas.openxmlformats.org/presentationml/2006/main" xmlns:mc="http://schemas.openxmlformats.org/markup-compatibility/2006" xmlns:c="http://schemas.openxmlformats.org/drawingml/2006/chart" xmlns:ns6="http://schemas.openxmlformats.org/drawingml/2006/chartDrawing" xmlns:dgm="http://schemas.openxmlformats.org/drawingml/2006/diagram" xmlns:pic="http://schemas.openxmlformats.org/drawingml/2006/picture" xmlns:wp="http://schemas.openxmlformats.org/drawingml/2006/wordprocessingDrawing" xmlns:xdr="http://schemas.openxmlformats.org/drawingml/2006/spreadsheetDrawing" xmlns:ns11="http://schemas.openxmlformats.org/drawingml/2006/compatibility" xmlns:ns12="http://schemas.openxmlformats.org/drawingml/2006/lockedCanvas" type="titleOnly" preserve="true">
+<p:sldLayout xmlns:a="http://schemas.openxmlformats.org/drawingml/2006/main" xmlns:r="http://schemas.openxmlformats.org/officeDocument/2006/relationships" xmlns:p="http://schemas.openxmlformats.org/presentationml/2006/main" xmlns:mc="http://schemas.openxmlformats.org/markup-compatibility/2006" xmlns:c="http://schemas.openxmlformats.org/drawingml/2006/chart" xmlns:ns6="http://schemas.openxmlformats.org/drawingml/2006/chartDrawing" xmlns:dgm="http://schemas.openxmlformats.org/drawingml/2006/diagram" xmlns:pic="http://schemas.openxmlformats.org/drawingml/2006/picture" xmlns:wp="http://schemas.openxmlformats.org/drawingml/2006/wordprocessingDrawing" xmlns:xdr="http://schemas.openxmlformats.org/drawingml/2006/spreadsheetDrawing" xmlns:ns11="http://schemas.openxmlformats.org/drawingml/2006/compatibility" xmlns:ns12="http://schemas.openxmlformats.org/drawingml/2006/lockedCanvas" type="titleOnly" preserve="true">
   <p:cSld name="Title Only">
     <p:spTree>
       <p:nvGrpSpPr>
@@ -1653,7 +1653,7 @@
 </file>
 
 <file path=ppt/slideLayouts/slideLayout7.xml><?xml version="1.0" encoding="utf-8"?>
-<p:sldLayout xmlns:r="http://schemas.openxmlformats.org/officeDocument/2006/relationships" xmlns:a="http://schemas.openxmlformats.org/drawingml/2006/main" xmlns:p="http://schemas.openxmlformats.org/presentationml/2006/main" xmlns:mc="http://schemas.openxmlformats.org/markup-compatibility/2006" xmlns:c="http://schemas.openxmlformats.org/drawingml/2006/chart" xmlns:ns6="http://schemas.openxmlformats.org/drawingml/2006/chartDrawing" xmlns:dgm="http://schemas.openxmlformats.org/drawingml/2006/diagram" xmlns:pic="http://schemas.openxmlformats.org/drawingml/2006/picture" xmlns:wp="http://schemas.openxmlformats.org/drawingml/2006/wordprocessingDrawing" xmlns:xdr="http://schemas.openxmlformats.org/drawingml/2006/spreadsheetDrawing" xmlns:ns11="http://schemas.openxmlformats.org/drawingml/2006/compatibility" xmlns:ns12="http://schemas.openxmlformats.org/drawingml/2006/lockedCanvas" type="blank" preserve="true">
+<p:sldLayout xmlns:a="http://schemas.openxmlformats.org/drawingml/2006/main" xmlns:r="http://schemas.openxmlformats.org/officeDocument/2006/relationships" xmlns:p="http://schemas.openxmlformats.org/presentationml/2006/main" xmlns:mc="http://schemas.openxmlformats.org/markup-compatibility/2006" xmlns:c="http://schemas.openxmlformats.org/drawingml/2006/chart" xmlns:ns6="http://schemas.openxmlformats.org/drawingml/2006/chartDrawing" xmlns:dgm="http://schemas.openxmlformats.org/drawingml/2006/diagram" xmlns:pic="http://schemas.openxmlformats.org/drawingml/2006/picture" xmlns:wp="http://schemas.openxmlformats.org/drawingml/2006/wordprocessingDrawing" xmlns:xdr="http://schemas.openxmlformats.org/drawingml/2006/spreadsheetDrawing" xmlns:ns11="http://schemas.openxmlformats.org/drawingml/2006/compatibility" xmlns:ns12="http://schemas.openxmlformats.org/drawingml/2006/lockedCanvas" type="blank" preserve="true">
   <p:cSld name="Blank">
     <p:spTree>
       <p:nvGrpSpPr>
@@ -1755,7 +1755,7 @@
 </file>
 
 <file path=ppt/slideLayouts/slideLayout8.xml><?xml version="1.0" encoding="utf-8"?>
-<p:sldLayout xmlns:r="http://schemas.openxmlformats.org/officeDocument/2006/relationships" xmlns:a="http://schemas.openxmlformats.org/drawingml/2006/main" xmlns:p="http://schemas.openxmlformats.org/presentationml/2006/main" xmlns:mc="http://schemas.openxmlformats.org/markup-compatibility/2006" xmlns:c="http://schemas.openxmlformats.org/drawingml/2006/chart" xmlns:ns6="http://schemas.openxmlformats.org/drawingml/2006/chartDrawing" xmlns:dgm="http://schemas.openxmlformats.org/drawingml/2006/diagram" xmlns:pic="http://schemas.openxmlformats.org/drawingml/2006/picture" xmlns:wp="http://schemas.openxmlformats.org/drawingml/2006/wordprocessingDrawing" xmlns:xdr="http://schemas.openxmlformats.org/drawingml/2006/spreadsheetDrawing" xmlns:ns11="http://schemas.openxmlformats.org/drawingml/2006/compatibility" xmlns:ns12="http://schemas.openxmlformats.org/drawingml/2006/lockedCanvas" type="objTx" preserve="true">
+<p:sldLayout xmlns:a="http://schemas.openxmlformats.org/drawingml/2006/main" xmlns:r="http://schemas.openxmlformats.org/officeDocument/2006/relationships" xmlns:p="http://schemas.openxmlformats.org/presentationml/2006/main" xmlns:mc="http://schemas.openxmlformats.org/markup-compatibility/2006" xmlns:c="http://schemas.openxmlformats.org/drawingml/2006/chart" xmlns:ns6="http://schemas.openxmlformats.org/drawingml/2006/chartDrawing" xmlns:dgm="http://schemas.openxmlformats.org/drawingml/2006/diagram" xmlns:pic="http://schemas.openxmlformats.org/drawingml/2006/picture" xmlns:wp="http://schemas.openxmlformats.org/drawingml/2006/wordprocessingDrawing" xmlns:xdr="http://schemas.openxmlformats.org/drawingml/2006/spreadsheetDrawing" xmlns:ns11="http://schemas.openxmlformats.org/drawingml/2006/compatibility" xmlns:ns12="http://schemas.openxmlformats.org/drawingml/2006/lockedCanvas" type="objTx" preserve="true">
   <p:cSld name="Content with Caption">
     <p:spTree>
       <p:nvGrpSpPr>
@@ -2039,7 +2039,7 @@
 </file>
 
 <file path=ppt/slideLayouts/slideLayout9.xml><?xml version="1.0" encoding="utf-8"?>
-<p:sldLayout xmlns:r="http://schemas.openxmlformats.org/officeDocument/2006/relationships" xmlns:a="http://schemas.openxmlformats.org/drawingml/2006/main" xmlns:p="http://schemas.openxmlformats.org/presentationml/2006/main" xmlns:mc="http://schemas.openxmlformats.org/markup-compatibility/2006" xmlns:c="http://schemas.openxmlformats.org/drawingml/2006/chart" xmlns:ns6="http://schemas.openxmlformats.org/drawingml/2006/chartDrawing" xmlns:dgm="http://schemas.openxmlformats.org/drawingml/2006/diagram" xmlns:pic="http://schemas.openxmlformats.org/drawingml/2006/picture" xmlns:wp="http://schemas.openxmlformats.org/drawingml/2006/wordprocessingDrawing" xmlns:xdr="http://schemas.openxmlformats.org/drawingml/2006/spreadsheetDrawing" xmlns:ns11="http://schemas.openxmlformats.org/drawingml/2006/compatibility" xmlns:ns12="http://schemas.openxmlformats.org/drawingml/2006/lockedCanvas" type="vertTx" preserve="true">
+<p:sldLayout xmlns:a="http://schemas.openxmlformats.org/drawingml/2006/main" xmlns:r="http://schemas.openxmlformats.org/officeDocument/2006/relationships" xmlns:p="http://schemas.openxmlformats.org/presentationml/2006/main" xmlns:mc="http://schemas.openxmlformats.org/markup-compatibility/2006" xmlns:c="http://schemas.openxmlformats.org/drawingml/2006/chart" xmlns:ns6="http://schemas.openxmlformats.org/drawingml/2006/chartDrawing" xmlns:dgm="http://schemas.openxmlformats.org/drawingml/2006/diagram" xmlns:pic="http://schemas.openxmlformats.org/drawingml/2006/picture" xmlns:wp="http://schemas.openxmlformats.org/drawingml/2006/wordprocessingDrawing" xmlns:xdr="http://schemas.openxmlformats.org/drawingml/2006/spreadsheetDrawing" xmlns:ns11="http://schemas.openxmlformats.org/drawingml/2006/compatibility" xmlns:ns12="http://schemas.openxmlformats.org/drawingml/2006/lockedCanvas" type="vertTx" preserve="true">
   <p:cSld name="Title and Vertical Text">
     <p:spTree>
       <p:nvGrpSpPr>
@@ -2216,7 +2216,7 @@
 </file>
 
 <file path=ppt/slideMasters/slideMaster1.xml><?xml version="1.0" encoding="utf-8"?>
-<p:sldMaster xmlns:r="http://schemas.openxmlformats.org/officeDocument/2006/relationships" xmlns:a="http://schemas.openxmlformats.org/drawingml/2006/main" xmlns:p="http://schemas.openxmlformats.org/presentationml/2006/main" xmlns:mc="http://schemas.openxmlformats.org/markup-compatibility/2006" xmlns:c="http://schemas.openxmlformats.org/drawingml/2006/chart" xmlns:ns6="http://schemas.openxmlformats.org/drawingml/2006/chartDrawing" xmlns:dgm="http://schemas.openxmlformats.org/drawingml/2006/diagram" xmlns:pic="http://schemas.openxmlformats.org/drawingml/2006/picture" xmlns:wp="http://schemas.openxmlformats.org/drawingml/2006/wordprocessingDrawing" xmlns:xdr="http://schemas.openxmlformats.org/drawingml/2006/spreadsheetDrawing" xmlns:ns11="http://schemas.openxmlformats.org/drawingml/2006/compatibility" xmlns:ns12="http://schemas.openxmlformats.org/drawingml/2006/lockedCanvas">
+<p:sldMaster xmlns:a="http://schemas.openxmlformats.org/drawingml/2006/main" xmlns:r="http://schemas.openxmlformats.org/officeDocument/2006/relationships" xmlns:p="http://schemas.openxmlformats.org/presentationml/2006/main" xmlns:mc="http://schemas.openxmlformats.org/markup-compatibility/2006" xmlns:c="http://schemas.openxmlformats.org/drawingml/2006/chart" xmlns:ns6="http://schemas.openxmlformats.org/drawingml/2006/chartDrawing" xmlns:dgm="http://schemas.openxmlformats.org/drawingml/2006/diagram" xmlns:pic="http://schemas.openxmlformats.org/drawingml/2006/picture" xmlns:wp="http://schemas.openxmlformats.org/drawingml/2006/wordprocessingDrawing" xmlns:xdr="http://schemas.openxmlformats.org/drawingml/2006/spreadsheetDrawing" xmlns:ns11="http://schemas.openxmlformats.org/drawingml/2006/compatibility" xmlns:ns12="http://schemas.openxmlformats.org/drawingml/2006/lockedCanvas">
   <p:cSld>
     <p:bg>
       <p:bgRef idx="1001">
@@ -2762,7 +2762,7 @@
 </file>
 
 <file path=ppt/slides/slide1.xml><?xml version="1.0" encoding="utf-8"?>
-<p:sld xmlns:r="http://schemas.openxmlformats.org/officeDocument/2006/relationships" xmlns:a="http://schemas.openxmlformats.org/drawingml/2006/main" xmlns:p="http://schemas.openxmlformats.org/presentationml/2006/main" xmlns:mc="http://schemas.openxmlformats.org/markup-compatibility/2006" xmlns:c="http://schemas.openxmlformats.org/drawingml/2006/chart" xmlns:ns6="http://schemas.openxmlformats.org/drawingml/2006/chartDrawing" xmlns:dgm="http://schemas.openxmlformats.org/drawingml/2006/diagram" xmlns:pic="http://schemas.openxmlformats.org/drawingml/2006/picture" xmlns:wp="http://schemas.openxmlformats.org/drawingml/2006/wordprocessingDrawing" xmlns:xdr="http://schemas.openxmlformats.org/drawingml/2006/spreadsheetDrawing" xmlns:ns11="http://schemas.openxmlformats.org/drawingml/2006/compatibility" xmlns:ns12="http://schemas.openxmlformats.org/drawingml/2006/lockedCanvas">
+<p:sld xmlns:a="http://schemas.openxmlformats.org/drawingml/2006/main" xmlns:r="http://schemas.openxmlformats.org/officeDocument/2006/relationships" xmlns:p="http://schemas.openxmlformats.org/presentationml/2006/main" xmlns:mc="http://schemas.openxmlformats.org/markup-compatibility/2006" xmlns:c="http://schemas.openxmlformats.org/drawingml/2006/chart" xmlns:ns6="http://schemas.openxmlformats.org/drawingml/2006/chartDrawing" xmlns:dgm="http://schemas.openxmlformats.org/drawingml/2006/diagram" xmlns:pic="http://schemas.openxmlformats.org/drawingml/2006/picture" xmlns:wp="http://schemas.openxmlformats.org/drawingml/2006/wordprocessingDrawing" xmlns:xdr="http://schemas.openxmlformats.org/drawingml/2006/spreadsheetDrawing" xmlns:ns11="http://schemas.openxmlformats.org/drawingml/2006/compatibility" xmlns:ns12="http://schemas.openxmlformats.org/drawingml/2006/lockedCanvas">
   <p:cSld>
     <p:spTree>
       <p:nvGrpSpPr>

--- a/articles/force_pos_size.pptx
+++ b/articles/force_pos_size.pptx
@@ -1,11 +1,11 @@
 
 <file path=ppt/presentation.xml><?xml version="1.0" encoding="utf-8"?>
-<p:presentation xmlns:a="http://schemas.openxmlformats.org/drawingml/2006/main" xmlns:r="http://schemas.openxmlformats.org/officeDocument/2006/relationships" xmlns:p="http://schemas.openxmlformats.org/presentationml/2006/main" xmlns:mc="http://schemas.openxmlformats.org/markup-compatibility/2006" xmlns:c="http://schemas.openxmlformats.org/drawingml/2006/chart" xmlns:ns6="http://schemas.openxmlformats.org/drawingml/2006/chartDrawing" xmlns:dgm="http://schemas.openxmlformats.org/drawingml/2006/diagram" xmlns:pic="http://schemas.openxmlformats.org/drawingml/2006/picture" xmlns:wp="http://schemas.openxmlformats.org/drawingml/2006/wordprocessingDrawing" xmlns:xdr="http://schemas.openxmlformats.org/drawingml/2006/spreadsheetDrawing" xmlns:ns11="http://schemas.openxmlformats.org/drawingml/2006/compatibility" xmlns:ns12="http://schemas.openxmlformats.org/drawingml/2006/lockedCanvas" saveSubsetFonts="true">
+<p:presentation xmlns:p="http://schemas.openxmlformats.org/presentationml/2006/main" xmlns:a="http://schemas.openxmlformats.org/drawingml/2006/main" xmlns:r="http://schemas.openxmlformats.org/officeDocument/2006/relationships" xmlns:mc="http://schemas.openxmlformats.org/markup-compatibility/2006" xmlns:c="http://schemas.openxmlformats.org/drawingml/2006/chart" xmlns:ns6="http://schemas.openxmlformats.org/drawingml/2006/chartDrawing" xmlns:dgm="http://schemas.openxmlformats.org/drawingml/2006/diagram" xmlns:pic="http://schemas.openxmlformats.org/drawingml/2006/picture" xmlns:wp="http://schemas.openxmlformats.org/drawingml/2006/wordprocessingDrawing" xmlns:xdr="http://schemas.openxmlformats.org/drawingml/2006/spreadsheetDrawing" xmlns:ns11="http://schemas.openxmlformats.org/drawingml/2006/compatibility" xmlns:ns12="http://schemas.openxmlformats.org/drawingml/2006/lockedCanvas" saveSubsetFonts="true">
   <p:sldMasterIdLst>
     <p:sldMasterId id="2147483648" r:id="rId1"/>
   </p:sldMasterIdLst>
   <p:sldIdLst>
-    <p:sldId id="171695771" r:id="rId6"/>
+    <p:sldId id="904740824" r:id="rId6"/>
   </p:sldIdLst>
   <p:sldSz cx="12192000" cy="6858000"/>
   <p:notesSz cx="6858000" cy="9144000"/>
@@ -113,7 +113,7 @@
 </file>
 
 <file path=ppt/slideLayouts/slideLayout1.xml><?xml version="1.0" encoding="utf-8"?>
-<p:sldLayout xmlns:a="http://schemas.openxmlformats.org/drawingml/2006/main" xmlns:r="http://schemas.openxmlformats.org/officeDocument/2006/relationships" xmlns:p="http://schemas.openxmlformats.org/presentationml/2006/main" xmlns:mc="http://schemas.openxmlformats.org/markup-compatibility/2006" xmlns:c="http://schemas.openxmlformats.org/drawingml/2006/chart" xmlns:ns6="http://schemas.openxmlformats.org/drawingml/2006/chartDrawing" xmlns:dgm="http://schemas.openxmlformats.org/drawingml/2006/diagram" xmlns:pic="http://schemas.openxmlformats.org/drawingml/2006/picture" xmlns:wp="http://schemas.openxmlformats.org/drawingml/2006/wordprocessingDrawing" xmlns:xdr="http://schemas.openxmlformats.org/drawingml/2006/spreadsheetDrawing" xmlns:ns11="http://schemas.openxmlformats.org/drawingml/2006/compatibility" xmlns:ns12="http://schemas.openxmlformats.org/drawingml/2006/lockedCanvas" type="title" preserve="true">
+<p:sldLayout xmlns:p="http://schemas.openxmlformats.org/presentationml/2006/main" xmlns:a="http://schemas.openxmlformats.org/drawingml/2006/main" xmlns:r="http://schemas.openxmlformats.org/officeDocument/2006/relationships" xmlns:mc="http://schemas.openxmlformats.org/markup-compatibility/2006" xmlns:c="http://schemas.openxmlformats.org/drawingml/2006/chart" xmlns:ns6="http://schemas.openxmlformats.org/drawingml/2006/chartDrawing" xmlns:dgm="http://schemas.openxmlformats.org/drawingml/2006/diagram" xmlns:pic="http://schemas.openxmlformats.org/drawingml/2006/picture" xmlns:wp="http://schemas.openxmlformats.org/drawingml/2006/wordprocessingDrawing" xmlns:xdr="http://schemas.openxmlformats.org/drawingml/2006/spreadsheetDrawing" xmlns:ns11="http://schemas.openxmlformats.org/drawingml/2006/compatibility" xmlns:ns12="http://schemas.openxmlformats.org/drawingml/2006/lockedCanvas" type="title" preserve="true">
   <p:cSld name="Title Slide">
     <p:spTree>
       <p:nvGrpSpPr>
@@ -312,7 +312,7 @@
 </file>
 
 <file path=ppt/slideLayouts/slideLayout10.xml><?xml version="1.0" encoding="utf-8"?>
-<p:sldLayout xmlns:a="http://schemas.openxmlformats.org/drawingml/2006/main" xmlns:r="http://schemas.openxmlformats.org/officeDocument/2006/relationships" xmlns:p="http://schemas.openxmlformats.org/presentationml/2006/main" xmlns:mc="http://schemas.openxmlformats.org/markup-compatibility/2006" xmlns:c="http://schemas.openxmlformats.org/drawingml/2006/chart" xmlns:ns6="http://schemas.openxmlformats.org/drawingml/2006/chartDrawing" xmlns:dgm="http://schemas.openxmlformats.org/drawingml/2006/diagram" xmlns:pic="http://schemas.openxmlformats.org/drawingml/2006/picture" xmlns:wp="http://schemas.openxmlformats.org/drawingml/2006/wordprocessingDrawing" xmlns:xdr="http://schemas.openxmlformats.org/drawingml/2006/spreadsheetDrawing" xmlns:ns11="http://schemas.openxmlformats.org/drawingml/2006/compatibility" xmlns:ns12="http://schemas.openxmlformats.org/drawingml/2006/lockedCanvas" type="vertTitleAndTx" preserve="true">
+<p:sldLayout xmlns:p="http://schemas.openxmlformats.org/presentationml/2006/main" xmlns:a="http://schemas.openxmlformats.org/drawingml/2006/main" xmlns:r="http://schemas.openxmlformats.org/officeDocument/2006/relationships" xmlns:mc="http://schemas.openxmlformats.org/markup-compatibility/2006" xmlns:c="http://schemas.openxmlformats.org/drawingml/2006/chart" xmlns:ns6="http://schemas.openxmlformats.org/drawingml/2006/chartDrawing" xmlns:dgm="http://schemas.openxmlformats.org/drawingml/2006/diagram" xmlns:pic="http://schemas.openxmlformats.org/drawingml/2006/picture" xmlns:wp="http://schemas.openxmlformats.org/drawingml/2006/wordprocessingDrawing" xmlns:xdr="http://schemas.openxmlformats.org/drawingml/2006/spreadsheetDrawing" xmlns:ns11="http://schemas.openxmlformats.org/drawingml/2006/compatibility" xmlns:ns12="http://schemas.openxmlformats.org/drawingml/2006/lockedCanvas" type="vertTitleAndTx" preserve="true">
   <p:cSld name="Vertical Title and Text">
     <p:spTree>
       <p:nvGrpSpPr>
@@ -499,7 +499,7 @@
 </file>
 
 <file path=ppt/slideLayouts/slideLayout2.xml><?xml version="1.0" encoding="utf-8"?>
-<p:sldLayout xmlns:a="http://schemas.openxmlformats.org/drawingml/2006/main" xmlns:r="http://schemas.openxmlformats.org/officeDocument/2006/relationships" xmlns:p="http://schemas.openxmlformats.org/presentationml/2006/main" xmlns:mc="http://schemas.openxmlformats.org/markup-compatibility/2006" xmlns:c="http://schemas.openxmlformats.org/drawingml/2006/chart" xmlns:ns6="http://schemas.openxmlformats.org/drawingml/2006/chartDrawing" xmlns:dgm="http://schemas.openxmlformats.org/drawingml/2006/diagram" xmlns:pic="http://schemas.openxmlformats.org/drawingml/2006/picture" xmlns:wp="http://schemas.openxmlformats.org/drawingml/2006/wordprocessingDrawing" xmlns:xdr="http://schemas.openxmlformats.org/drawingml/2006/spreadsheetDrawing" xmlns:ns11="http://schemas.openxmlformats.org/drawingml/2006/compatibility" xmlns:ns12="http://schemas.openxmlformats.org/drawingml/2006/lockedCanvas" type="obj" preserve="true">
+<p:sldLayout xmlns:p="http://schemas.openxmlformats.org/presentationml/2006/main" xmlns:a="http://schemas.openxmlformats.org/drawingml/2006/main" xmlns:r="http://schemas.openxmlformats.org/officeDocument/2006/relationships" xmlns:mc="http://schemas.openxmlformats.org/markup-compatibility/2006" xmlns:c="http://schemas.openxmlformats.org/drawingml/2006/chart" xmlns:ns6="http://schemas.openxmlformats.org/drawingml/2006/chartDrawing" xmlns:dgm="http://schemas.openxmlformats.org/drawingml/2006/diagram" xmlns:pic="http://schemas.openxmlformats.org/drawingml/2006/picture" xmlns:wp="http://schemas.openxmlformats.org/drawingml/2006/wordprocessingDrawing" xmlns:xdr="http://schemas.openxmlformats.org/drawingml/2006/spreadsheetDrawing" xmlns:ns11="http://schemas.openxmlformats.org/drawingml/2006/compatibility" xmlns:ns12="http://schemas.openxmlformats.org/drawingml/2006/lockedCanvas" type="obj" preserve="true">
   <p:cSld name="Title and Content">
     <p:spTree>
       <p:nvGrpSpPr>
@@ -681,7 +681,7 @@
 </file>
 
 <file path=ppt/slideLayouts/slideLayout3.xml><?xml version="1.0" encoding="utf-8"?>
-<p:sldLayout xmlns:a="http://schemas.openxmlformats.org/drawingml/2006/main" xmlns:r="http://schemas.openxmlformats.org/officeDocument/2006/relationships" xmlns:p="http://schemas.openxmlformats.org/presentationml/2006/main" xmlns:mc="http://schemas.openxmlformats.org/markup-compatibility/2006" xmlns:c="http://schemas.openxmlformats.org/drawingml/2006/chart" xmlns:ns6="http://schemas.openxmlformats.org/drawingml/2006/chartDrawing" xmlns:dgm="http://schemas.openxmlformats.org/drawingml/2006/diagram" xmlns:pic="http://schemas.openxmlformats.org/drawingml/2006/picture" xmlns:wp="http://schemas.openxmlformats.org/drawingml/2006/wordprocessingDrawing" xmlns:xdr="http://schemas.openxmlformats.org/drawingml/2006/spreadsheetDrawing" xmlns:ns11="http://schemas.openxmlformats.org/drawingml/2006/compatibility" xmlns:ns12="http://schemas.openxmlformats.org/drawingml/2006/lockedCanvas" type="secHead" preserve="true">
+<p:sldLayout xmlns:p="http://schemas.openxmlformats.org/presentationml/2006/main" xmlns:a="http://schemas.openxmlformats.org/drawingml/2006/main" xmlns:r="http://schemas.openxmlformats.org/officeDocument/2006/relationships" xmlns:mc="http://schemas.openxmlformats.org/markup-compatibility/2006" xmlns:c="http://schemas.openxmlformats.org/drawingml/2006/chart" xmlns:ns6="http://schemas.openxmlformats.org/drawingml/2006/chartDrawing" xmlns:dgm="http://schemas.openxmlformats.org/drawingml/2006/diagram" xmlns:pic="http://schemas.openxmlformats.org/drawingml/2006/picture" xmlns:wp="http://schemas.openxmlformats.org/drawingml/2006/wordprocessingDrawing" xmlns:xdr="http://schemas.openxmlformats.org/drawingml/2006/spreadsheetDrawing" xmlns:ns11="http://schemas.openxmlformats.org/drawingml/2006/compatibility" xmlns:ns12="http://schemas.openxmlformats.org/drawingml/2006/lockedCanvas" type="secHead" preserve="true">
   <p:cSld name="Section Header">
     <p:spTree>
       <p:nvGrpSpPr>
@@ -934,7 +934,7 @@
 </file>
 
 <file path=ppt/slideLayouts/slideLayout4.xml><?xml version="1.0" encoding="utf-8"?>
-<p:sldLayout xmlns:a="http://schemas.openxmlformats.org/drawingml/2006/main" xmlns:r="http://schemas.openxmlformats.org/officeDocument/2006/relationships" xmlns:p="http://schemas.openxmlformats.org/presentationml/2006/main" xmlns:mc="http://schemas.openxmlformats.org/markup-compatibility/2006" xmlns:c="http://schemas.openxmlformats.org/drawingml/2006/chart" xmlns:ns6="http://schemas.openxmlformats.org/drawingml/2006/chartDrawing" xmlns:dgm="http://schemas.openxmlformats.org/drawingml/2006/diagram" xmlns:pic="http://schemas.openxmlformats.org/drawingml/2006/picture" xmlns:wp="http://schemas.openxmlformats.org/drawingml/2006/wordprocessingDrawing" xmlns:xdr="http://schemas.openxmlformats.org/drawingml/2006/spreadsheetDrawing" xmlns:ns11="http://schemas.openxmlformats.org/drawingml/2006/compatibility" xmlns:ns12="http://schemas.openxmlformats.org/drawingml/2006/lockedCanvas" type="twoObj" preserve="true">
+<p:sldLayout xmlns:p="http://schemas.openxmlformats.org/presentationml/2006/main" xmlns:a="http://schemas.openxmlformats.org/drawingml/2006/main" xmlns:r="http://schemas.openxmlformats.org/officeDocument/2006/relationships" xmlns:mc="http://schemas.openxmlformats.org/markup-compatibility/2006" xmlns:c="http://schemas.openxmlformats.org/drawingml/2006/chart" xmlns:ns6="http://schemas.openxmlformats.org/drawingml/2006/chartDrawing" xmlns:dgm="http://schemas.openxmlformats.org/drawingml/2006/diagram" xmlns:pic="http://schemas.openxmlformats.org/drawingml/2006/picture" xmlns:wp="http://schemas.openxmlformats.org/drawingml/2006/wordprocessingDrawing" xmlns:xdr="http://schemas.openxmlformats.org/drawingml/2006/spreadsheetDrawing" xmlns:ns11="http://schemas.openxmlformats.org/drawingml/2006/compatibility" xmlns:ns12="http://schemas.openxmlformats.org/drawingml/2006/lockedCanvas" type="twoObj" preserve="true">
   <p:cSld name="Two Content">
     <p:spTree>
       <p:nvGrpSpPr>
@@ -1173,7 +1173,7 @@
 </file>
 
 <file path=ppt/slideLayouts/slideLayout5.xml><?xml version="1.0" encoding="utf-8"?>
-<p:sldLayout xmlns:a="http://schemas.openxmlformats.org/drawingml/2006/main" xmlns:r="http://schemas.openxmlformats.org/officeDocument/2006/relationships" xmlns:p="http://schemas.openxmlformats.org/presentationml/2006/main" xmlns:mc="http://schemas.openxmlformats.org/markup-compatibility/2006" xmlns:c="http://schemas.openxmlformats.org/drawingml/2006/chart" xmlns:ns6="http://schemas.openxmlformats.org/drawingml/2006/chartDrawing" xmlns:dgm="http://schemas.openxmlformats.org/drawingml/2006/diagram" xmlns:pic="http://schemas.openxmlformats.org/drawingml/2006/picture" xmlns:wp="http://schemas.openxmlformats.org/drawingml/2006/wordprocessingDrawing" xmlns:xdr="http://schemas.openxmlformats.org/drawingml/2006/spreadsheetDrawing" xmlns:ns11="http://schemas.openxmlformats.org/drawingml/2006/compatibility" xmlns:ns12="http://schemas.openxmlformats.org/drawingml/2006/lockedCanvas" type="twoTxTwoObj" preserve="true">
+<p:sldLayout xmlns:p="http://schemas.openxmlformats.org/presentationml/2006/main" xmlns:a="http://schemas.openxmlformats.org/drawingml/2006/main" xmlns:r="http://schemas.openxmlformats.org/officeDocument/2006/relationships" xmlns:mc="http://schemas.openxmlformats.org/markup-compatibility/2006" xmlns:c="http://schemas.openxmlformats.org/drawingml/2006/chart" xmlns:ns6="http://schemas.openxmlformats.org/drawingml/2006/chartDrawing" xmlns:dgm="http://schemas.openxmlformats.org/drawingml/2006/diagram" xmlns:pic="http://schemas.openxmlformats.org/drawingml/2006/picture" xmlns:wp="http://schemas.openxmlformats.org/drawingml/2006/wordprocessingDrawing" xmlns:xdr="http://schemas.openxmlformats.org/drawingml/2006/spreadsheetDrawing" xmlns:ns11="http://schemas.openxmlformats.org/drawingml/2006/compatibility" xmlns:ns12="http://schemas.openxmlformats.org/drawingml/2006/lockedCanvas" type="twoTxTwoObj" preserve="true">
   <p:cSld name="Comparison">
     <p:spTree>
       <p:nvGrpSpPr>
@@ -1528,7 +1528,7 @@
 </file>
 
 <file path=ppt/slideLayouts/slideLayout6.xml><?xml version="1.0" encoding="utf-8"?>
-<p:sldLayout xmlns:a="http://schemas.openxmlformats.org/drawingml/2006/main" xmlns:r="http://schemas.openxmlformats.org/officeDocument/2006/relationships" xmlns:p="http://schemas.openxmlformats.org/presentationml/2006/main" xmlns:mc="http://schemas.openxmlformats.org/markup-compatibility/2006" xmlns:c="http://schemas.openxmlformats.org/drawingml/2006/chart" xmlns:ns6="http://schemas.openxmlformats.org/drawingml/2006/chartDrawing" xmlns:dgm="http://schemas.openxmlformats.org/drawingml/2006/diagram" xmlns:pic="http://schemas.openxmlformats.org/drawingml/2006/picture" xmlns:wp="http://schemas.openxmlformats.org/drawingml/2006/wordprocessingDrawing" xmlns:xdr="http://schemas.openxmlformats.org/drawingml/2006/spreadsheetDrawing" xmlns:ns11="http://schemas.openxmlformats.org/drawingml/2006/compatibility" xmlns:ns12="http://schemas.openxmlformats.org/drawingml/2006/lockedCanvas" type="titleOnly" preserve="true">
+<p:sldLayout xmlns:p="http://schemas.openxmlformats.org/presentationml/2006/main" xmlns:a="http://schemas.openxmlformats.org/drawingml/2006/main" xmlns:r="http://schemas.openxmlformats.org/officeDocument/2006/relationships" xmlns:mc="http://schemas.openxmlformats.org/markup-compatibility/2006" xmlns:c="http://schemas.openxmlformats.org/drawingml/2006/chart" xmlns:ns6="http://schemas.openxmlformats.org/drawingml/2006/chartDrawing" xmlns:dgm="http://schemas.openxmlformats.org/drawingml/2006/diagram" xmlns:pic="http://schemas.openxmlformats.org/drawingml/2006/picture" xmlns:wp="http://schemas.openxmlformats.org/drawingml/2006/wordprocessingDrawing" xmlns:xdr="http://schemas.openxmlformats.org/drawingml/2006/spreadsheetDrawing" xmlns:ns11="http://schemas.openxmlformats.org/drawingml/2006/compatibility" xmlns:ns12="http://schemas.openxmlformats.org/drawingml/2006/lockedCanvas" type="titleOnly" preserve="true">
   <p:cSld name="Title Only">
     <p:spTree>
       <p:nvGrpSpPr>
@@ -1653,7 +1653,7 @@
 </file>
 
 <file path=ppt/slideLayouts/slideLayout7.xml><?xml version="1.0" encoding="utf-8"?>
-<p:sldLayout xmlns:a="http://schemas.openxmlformats.org/drawingml/2006/main" xmlns:r="http://schemas.openxmlformats.org/officeDocument/2006/relationships" xmlns:p="http://schemas.openxmlformats.org/presentationml/2006/main" xmlns:mc="http://schemas.openxmlformats.org/markup-compatibility/2006" xmlns:c="http://schemas.openxmlformats.org/drawingml/2006/chart" xmlns:ns6="http://schemas.openxmlformats.org/drawingml/2006/chartDrawing" xmlns:dgm="http://schemas.openxmlformats.org/drawingml/2006/diagram" xmlns:pic="http://schemas.openxmlformats.org/drawingml/2006/picture" xmlns:wp="http://schemas.openxmlformats.org/drawingml/2006/wordprocessingDrawing" xmlns:xdr="http://schemas.openxmlformats.org/drawingml/2006/spreadsheetDrawing" xmlns:ns11="http://schemas.openxmlformats.org/drawingml/2006/compatibility" xmlns:ns12="http://schemas.openxmlformats.org/drawingml/2006/lockedCanvas" type="blank" preserve="true">
+<p:sldLayout xmlns:p="http://schemas.openxmlformats.org/presentationml/2006/main" xmlns:a="http://schemas.openxmlformats.org/drawingml/2006/main" xmlns:r="http://schemas.openxmlformats.org/officeDocument/2006/relationships" xmlns:mc="http://schemas.openxmlformats.org/markup-compatibility/2006" xmlns:c="http://schemas.openxmlformats.org/drawingml/2006/chart" xmlns:ns6="http://schemas.openxmlformats.org/drawingml/2006/chartDrawing" xmlns:dgm="http://schemas.openxmlformats.org/drawingml/2006/diagram" xmlns:pic="http://schemas.openxmlformats.org/drawingml/2006/picture" xmlns:wp="http://schemas.openxmlformats.org/drawingml/2006/wordprocessingDrawing" xmlns:xdr="http://schemas.openxmlformats.org/drawingml/2006/spreadsheetDrawing" xmlns:ns11="http://schemas.openxmlformats.org/drawingml/2006/compatibility" xmlns:ns12="http://schemas.openxmlformats.org/drawingml/2006/lockedCanvas" type="blank" preserve="true">
   <p:cSld name="Blank">
     <p:spTree>
       <p:nvGrpSpPr>
@@ -1755,7 +1755,7 @@
 </file>
 
 <file path=ppt/slideLayouts/slideLayout8.xml><?xml version="1.0" encoding="utf-8"?>
-<p:sldLayout xmlns:a="http://schemas.openxmlformats.org/drawingml/2006/main" xmlns:r="http://schemas.openxmlformats.org/officeDocument/2006/relationships" xmlns:p="http://schemas.openxmlformats.org/presentationml/2006/main" xmlns:mc="http://schemas.openxmlformats.org/markup-compatibility/2006" xmlns:c="http://schemas.openxmlformats.org/drawingml/2006/chart" xmlns:ns6="http://schemas.openxmlformats.org/drawingml/2006/chartDrawing" xmlns:dgm="http://schemas.openxmlformats.org/drawingml/2006/diagram" xmlns:pic="http://schemas.openxmlformats.org/drawingml/2006/picture" xmlns:wp="http://schemas.openxmlformats.org/drawingml/2006/wordprocessingDrawing" xmlns:xdr="http://schemas.openxmlformats.org/drawingml/2006/spreadsheetDrawing" xmlns:ns11="http://schemas.openxmlformats.org/drawingml/2006/compatibility" xmlns:ns12="http://schemas.openxmlformats.org/drawingml/2006/lockedCanvas" type="objTx" preserve="true">
+<p:sldLayout xmlns:p="http://schemas.openxmlformats.org/presentationml/2006/main" xmlns:a="http://schemas.openxmlformats.org/drawingml/2006/main" xmlns:r="http://schemas.openxmlformats.org/officeDocument/2006/relationships" xmlns:mc="http://schemas.openxmlformats.org/markup-compatibility/2006" xmlns:c="http://schemas.openxmlformats.org/drawingml/2006/chart" xmlns:ns6="http://schemas.openxmlformats.org/drawingml/2006/chartDrawing" xmlns:dgm="http://schemas.openxmlformats.org/drawingml/2006/diagram" xmlns:pic="http://schemas.openxmlformats.org/drawingml/2006/picture" xmlns:wp="http://schemas.openxmlformats.org/drawingml/2006/wordprocessingDrawing" xmlns:xdr="http://schemas.openxmlformats.org/drawingml/2006/spreadsheetDrawing" xmlns:ns11="http://schemas.openxmlformats.org/drawingml/2006/compatibility" xmlns:ns12="http://schemas.openxmlformats.org/drawingml/2006/lockedCanvas" type="objTx" preserve="true">
   <p:cSld name="Content with Caption">
     <p:spTree>
       <p:nvGrpSpPr>
@@ -2039,7 +2039,7 @@
 </file>
 
 <file path=ppt/slideLayouts/slideLayout9.xml><?xml version="1.0" encoding="utf-8"?>
-<p:sldLayout xmlns:a="http://schemas.openxmlformats.org/drawingml/2006/main" xmlns:r="http://schemas.openxmlformats.org/officeDocument/2006/relationships" xmlns:p="http://schemas.openxmlformats.org/presentationml/2006/main" xmlns:mc="http://schemas.openxmlformats.org/markup-compatibility/2006" xmlns:c="http://schemas.openxmlformats.org/drawingml/2006/chart" xmlns:ns6="http://schemas.openxmlformats.org/drawingml/2006/chartDrawing" xmlns:dgm="http://schemas.openxmlformats.org/drawingml/2006/diagram" xmlns:pic="http://schemas.openxmlformats.org/drawingml/2006/picture" xmlns:wp="http://schemas.openxmlformats.org/drawingml/2006/wordprocessingDrawing" xmlns:xdr="http://schemas.openxmlformats.org/drawingml/2006/spreadsheetDrawing" xmlns:ns11="http://schemas.openxmlformats.org/drawingml/2006/compatibility" xmlns:ns12="http://schemas.openxmlformats.org/drawingml/2006/lockedCanvas" type="vertTx" preserve="true">
+<p:sldLayout xmlns:p="http://schemas.openxmlformats.org/presentationml/2006/main" xmlns:a="http://schemas.openxmlformats.org/drawingml/2006/main" xmlns:r="http://schemas.openxmlformats.org/officeDocument/2006/relationships" xmlns:mc="http://schemas.openxmlformats.org/markup-compatibility/2006" xmlns:c="http://schemas.openxmlformats.org/drawingml/2006/chart" xmlns:ns6="http://schemas.openxmlformats.org/drawingml/2006/chartDrawing" xmlns:dgm="http://schemas.openxmlformats.org/drawingml/2006/diagram" xmlns:pic="http://schemas.openxmlformats.org/drawingml/2006/picture" xmlns:wp="http://schemas.openxmlformats.org/drawingml/2006/wordprocessingDrawing" xmlns:xdr="http://schemas.openxmlformats.org/drawingml/2006/spreadsheetDrawing" xmlns:ns11="http://schemas.openxmlformats.org/drawingml/2006/compatibility" xmlns:ns12="http://schemas.openxmlformats.org/drawingml/2006/lockedCanvas" type="vertTx" preserve="true">
   <p:cSld name="Title and Vertical Text">
     <p:spTree>
       <p:nvGrpSpPr>
@@ -2216,7 +2216,7 @@
 </file>
 
 <file path=ppt/slideMasters/slideMaster1.xml><?xml version="1.0" encoding="utf-8"?>
-<p:sldMaster xmlns:a="http://schemas.openxmlformats.org/drawingml/2006/main" xmlns:r="http://schemas.openxmlformats.org/officeDocument/2006/relationships" xmlns:p="http://schemas.openxmlformats.org/presentationml/2006/main" xmlns:mc="http://schemas.openxmlformats.org/markup-compatibility/2006" xmlns:c="http://schemas.openxmlformats.org/drawingml/2006/chart" xmlns:ns6="http://schemas.openxmlformats.org/drawingml/2006/chartDrawing" xmlns:dgm="http://schemas.openxmlformats.org/drawingml/2006/diagram" xmlns:pic="http://schemas.openxmlformats.org/drawingml/2006/picture" xmlns:wp="http://schemas.openxmlformats.org/drawingml/2006/wordprocessingDrawing" xmlns:xdr="http://schemas.openxmlformats.org/drawingml/2006/spreadsheetDrawing" xmlns:ns11="http://schemas.openxmlformats.org/drawingml/2006/compatibility" xmlns:ns12="http://schemas.openxmlformats.org/drawingml/2006/lockedCanvas">
+<p:sldMaster xmlns:p="http://schemas.openxmlformats.org/presentationml/2006/main" xmlns:a="http://schemas.openxmlformats.org/drawingml/2006/main" xmlns:r="http://schemas.openxmlformats.org/officeDocument/2006/relationships" xmlns:mc="http://schemas.openxmlformats.org/markup-compatibility/2006" xmlns:c="http://schemas.openxmlformats.org/drawingml/2006/chart" xmlns:ns6="http://schemas.openxmlformats.org/drawingml/2006/chartDrawing" xmlns:dgm="http://schemas.openxmlformats.org/drawingml/2006/diagram" xmlns:pic="http://schemas.openxmlformats.org/drawingml/2006/picture" xmlns:wp="http://schemas.openxmlformats.org/drawingml/2006/wordprocessingDrawing" xmlns:xdr="http://schemas.openxmlformats.org/drawingml/2006/spreadsheetDrawing" xmlns:ns11="http://schemas.openxmlformats.org/drawingml/2006/compatibility" xmlns:ns12="http://schemas.openxmlformats.org/drawingml/2006/lockedCanvas">
   <p:cSld>
     <p:bg>
       <p:bgRef idx="1001">
@@ -2762,7 +2762,7 @@
 </file>
 
 <file path=ppt/slides/slide1.xml><?xml version="1.0" encoding="utf-8"?>
-<p:sld xmlns:a="http://schemas.openxmlformats.org/drawingml/2006/main" xmlns:r="http://schemas.openxmlformats.org/officeDocument/2006/relationships" xmlns:p="http://schemas.openxmlformats.org/presentationml/2006/main" xmlns:mc="http://schemas.openxmlformats.org/markup-compatibility/2006" xmlns:c="http://schemas.openxmlformats.org/drawingml/2006/chart" xmlns:ns6="http://schemas.openxmlformats.org/drawingml/2006/chartDrawing" xmlns:dgm="http://schemas.openxmlformats.org/drawingml/2006/diagram" xmlns:pic="http://schemas.openxmlformats.org/drawingml/2006/picture" xmlns:wp="http://schemas.openxmlformats.org/drawingml/2006/wordprocessingDrawing" xmlns:xdr="http://schemas.openxmlformats.org/drawingml/2006/spreadsheetDrawing" xmlns:ns11="http://schemas.openxmlformats.org/drawingml/2006/compatibility" xmlns:ns12="http://schemas.openxmlformats.org/drawingml/2006/lockedCanvas">
+<p:sld xmlns:p="http://schemas.openxmlformats.org/presentationml/2006/main" xmlns:a="http://schemas.openxmlformats.org/drawingml/2006/main" xmlns:r="http://schemas.openxmlformats.org/officeDocument/2006/relationships" xmlns:mc="http://schemas.openxmlformats.org/markup-compatibility/2006" xmlns:c="http://schemas.openxmlformats.org/drawingml/2006/chart" xmlns:ns6="http://schemas.openxmlformats.org/drawingml/2006/chartDrawing" xmlns:dgm="http://schemas.openxmlformats.org/drawingml/2006/diagram" xmlns:pic="http://schemas.openxmlformats.org/drawingml/2006/picture" xmlns:wp="http://schemas.openxmlformats.org/drawingml/2006/wordprocessingDrawing" xmlns:xdr="http://schemas.openxmlformats.org/drawingml/2006/spreadsheetDrawing" xmlns:ns11="http://schemas.openxmlformats.org/drawingml/2006/compatibility" xmlns:ns12="http://schemas.openxmlformats.org/drawingml/2006/lockedCanvas">
   <p:cSld>
     <p:spTree>
       <p:nvGrpSpPr>
@@ -2835,8 +2835,8 @@
           </p:nvSpPr>
           <p:spPr>
             <a:xfrm>
-              <a:off x="1287248" y="983989"/>
-              <a:ext cx="4075405" cy="4115262"/>
+              <a:off x="1285941" y="983989"/>
+              <a:ext cx="4084622" cy="4116849"/>
             </a:xfrm>
             <a:prstGeom prst="rect">
               <a:avLst/>
@@ -2861,21 +2861,21 @@
           </p:nvSpPr>
           <p:spPr>
             <a:xfrm>
-              <a:off x="1287248" y="4912193"/>
-              <a:ext cx="4075405" cy="0"/>
+              <a:off x="1285941" y="4913709"/>
+              <a:ext cx="4084622" cy="0"/>
             </a:xfrm>
             <a:custGeom>
               <a:avLst/>
               <a:pathLst>
-                <a:path w="4075405" h="0">
+                <a:path w="4084622" h="0">
                   <a:moveTo>
                     <a:pt x="0" y="0"/>
                   </a:moveTo>
                   <a:lnTo>
-                    <a:pt x="4075405" y="0"/>
+                    <a:pt x="4084622" y="0"/>
                   </a:lnTo>
                   <a:lnTo>
-                    <a:pt x="4075405" y="0"/>
+                    <a:pt x="4084622" y="0"/>
                   </a:lnTo>
                 </a:path>
               </a:pathLst>
@@ -2904,21 +2904,21 @@
           </p:nvSpPr>
           <p:spPr>
             <a:xfrm>
-              <a:off x="1287248" y="3644008"/>
-              <a:ext cx="4075405" cy="0"/>
+              <a:off x="1285941" y="3645034"/>
+              <a:ext cx="4084622" cy="0"/>
             </a:xfrm>
             <a:custGeom>
               <a:avLst/>
               <a:pathLst>
-                <a:path w="4075405" h="0">
+                <a:path w="4084622" h="0">
                   <a:moveTo>
                     <a:pt x="0" y="0"/>
                   </a:moveTo>
                   <a:lnTo>
-                    <a:pt x="4075405" y="0"/>
+                    <a:pt x="4084622" y="0"/>
                   </a:lnTo>
                   <a:lnTo>
-                    <a:pt x="4075405" y="0"/>
+                    <a:pt x="4084622" y="0"/>
                   </a:lnTo>
                 </a:path>
               </a:pathLst>
@@ -2947,21 +2947,21 @@
           </p:nvSpPr>
           <p:spPr>
             <a:xfrm>
-              <a:off x="1287248" y="2375822"/>
-              <a:ext cx="4075405" cy="0"/>
+              <a:off x="1285941" y="2376359"/>
+              <a:ext cx="4084622" cy="0"/>
             </a:xfrm>
             <a:custGeom>
               <a:avLst/>
               <a:pathLst>
-                <a:path w="4075405" h="0">
+                <a:path w="4084622" h="0">
                   <a:moveTo>
                     <a:pt x="0" y="0"/>
                   </a:moveTo>
                   <a:lnTo>
-                    <a:pt x="4075405" y="0"/>
+                    <a:pt x="4084622" y="0"/>
                   </a:lnTo>
                   <a:lnTo>
-                    <a:pt x="4075405" y="0"/>
+                    <a:pt x="4084622" y="0"/>
                   </a:lnTo>
                 </a:path>
               </a:pathLst>
@@ -2990,21 +2990,21 @@
           </p:nvSpPr>
           <p:spPr>
             <a:xfrm>
-              <a:off x="1287248" y="1107637"/>
-              <a:ext cx="4075405" cy="0"/>
+              <a:off x="1285941" y="1107684"/>
+              <a:ext cx="4084622" cy="0"/>
             </a:xfrm>
             <a:custGeom>
               <a:avLst/>
               <a:pathLst>
-                <a:path w="4075405" h="0">
+                <a:path w="4084622" h="0">
                   <a:moveTo>
                     <a:pt x="0" y="0"/>
                   </a:moveTo>
                   <a:lnTo>
-                    <a:pt x="4075405" y="0"/>
+                    <a:pt x="4084622" y="0"/>
                   </a:lnTo>
                   <a:lnTo>
-                    <a:pt x="4075405" y="0"/>
+                    <a:pt x="4084622" y="0"/>
                   </a:lnTo>
                 </a:path>
               </a:pathLst>
@@ -3033,15 +3033,15 @@
           </p:nvSpPr>
           <p:spPr>
             <a:xfrm>
-              <a:off x="1678323" y="983989"/>
-              <a:ext cx="0" cy="4115262"/>
+              <a:off x="1677900" y="983989"/>
+              <a:ext cx="0" cy="4116849"/>
             </a:xfrm>
             <a:custGeom>
               <a:avLst/>
               <a:pathLst>
-                <a:path w="0" h="4115262">
+                <a:path w="0" h="4116849">
                   <a:moveTo>
-                    <a:pt x="0" y="4115262"/>
+                    <a:pt x="0" y="4116849"/>
                   </a:moveTo>
                   <a:lnTo>
                     <a:pt x="0" y="0"/>
@@ -3076,15 +3076,15 @@
           </p:nvSpPr>
           <p:spPr>
             <a:xfrm>
-              <a:off x="2707466" y="983989"/>
-              <a:ext cx="0" cy="4115262"/>
+              <a:off x="2709370" y="983989"/>
+              <a:ext cx="0" cy="4116849"/>
             </a:xfrm>
             <a:custGeom>
               <a:avLst/>
               <a:pathLst>
-                <a:path w="0" h="4115262">
+                <a:path w="0" h="4116849">
                   <a:moveTo>
-                    <a:pt x="0" y="4115262"/>
+                    <a:pt x="0" y="4116849"/>
                   </a:moveTo>
                   <a:lnTo>
                     <a:pt x="0" y="0"/>
@@ -3119,15 +3119,15 @@
           </p:nvSpPr>
           <p:spPr>
             <a:xfrm>
-              <a:off x="3736609" y="983989"/>
-              <a:ext cx="0" cy="4115262"/>
+              <a:off x="3740840" y="983989"/>
+              <a:ext cx="0" cy="4116849"/>
             </a:xfrm>
             <a:custGeom>
               <a:avLst/>
               <a:pathLst>
-                <a:path w="0" h="4115262">
+                <a:path w="0" h="4116849">
                   <a:moveTo>
-                    <a:pt x="0" y="4115262"/>
+                    <a:pt x="0" y="4116849"/>
                   </a:moveTo>
                   <a:lnTo>
                     <a:pt x="0" y="0"/>
@@ -3162,15 +3162,15 @@
           </p:nvSpPr>
           <p:spPr>
             <a:xfrm>
-              <a:off x="4765752" y="983989"/>
-              <a:ext cx="0" cy="4115262"/>
+              <a:off x="4772310" y="983989"/>
+              <a:ext cx="0" cy="4116849"/>
             </a:xfrm>
             <a:custGeom>
               <a:avLst/>
               <a:pathLst>
-                <a:path w="0" h="4115262">
+                <a:path w="0" h="4116849">
                   <a:moveTo>
-                    <a:pt x="0" y="4115262"/>
+                    <a:pt x="0" y="4116849"/>
                   </a:moveTo>
                   <a:lnTo>
                     <a:pt x="0" y="0"/>
@@ -3205,21 +3205,21 @@
           </p:nvSpPr>
           <p:spPr>
             <a:xfrm>
-              <a:off x="1287248" y="4278101"/>
-              <a:ext cx="4075405" cy="0"/>
+              <a:off x="1285941" y="4279371"/>
+              <a:ext cx="4084622" cy="0"/>
             </a:xfrm>
             <a:custGeom>
               <a:avLst/>
               <a:pathLst>
-                <a:path w="4075405" h="0">
+                <a:path w="4084622" h="0">
                   <a:moveTo>
                     <a:pt x="0" y="0"/>
                   </a:moveTo>
                   <a:lnTo>
-                    <a:pt x="4075405" y="0"/>
+                    <a:pt x="4084622" y="0"/>
                   </a:lnTo>
                   <a:lnTo>
-                    <a:pt x="4075405" y="0"/>
+                    <a:pt x="4084622" y="0"/>
                   </a:lnTo>
                 </a:path>
               </a:pathLst>
@@ -3248,21 +3248,21 @@
           </p:nvSpPr>
           <p:spPr>
             <a:xfrm>
-              <a:off x="1287248" y="3009915"/>
-              <a:ext cx="4075405" cy="0"/>
+              <a:off x="1285941" y="3010696"/>
+              <a:ext cx="4084622" cy="0"/>
             </a:xfrm>
             <a:custGeom>
               <a:avLst/>
               <a:pathLst>
-                <a:path w="4075405" h="0">
+                <a:path w="4084622" h="0">
                   <a:moveTo>
                     <a:pt x="0" y="0"/>
                   </a:moveTo>
                   <a:lnTo>
-                    <a:pt x="4075405" y="0"/>
+                    <a:pt x="4084622" y="0"/>
                   </a:lnTo>
                   <a:lnTo>
-                    <a:pt x="4075405" y="0"/>
+                    <a:pt x="4084622" y="0"/>
                   </a:lnTo>
                 </a:path>
               </a:pathLst>
@@ -3291,21 +3291,21 @@
           </p:nvSpPr>
           <p:spPr>
             <a:xfrm>
-              <a:off x="1287248" y="1741729"/>
-              <a:ext cx="4075405" cy="0"/>
+              <a:off x="1285941" y="1742022"/>
+              <a:ext cx="4084622" cy="0"/>
             </a:xfrm>
             <a:custGeom>
               <a:avLst/>
               <a:pathLst>
-                <a:path w="4075405" h="0">
+                <a:path w="4084622" h="0">
                   <a:moveTo>
                     <a:pt x="0" y="0"/>
                   </a:moveTo>
                   <a:lnTo>
-                    <a:pt x="4075405" y="0"/>
+                    <a:pt x="4084622" y="0"/>
                   </a:lnTo>
                   <a:lnTo>
-                    <a:pt x="4075405" y="0"/>
+                    <a:pt x="4084622" y="0"/>
                   </a:lnTo>
                 </a:path>
               </a:pathLst>
@@ -3334,15 +3334,15 @@
           </p:nvSpPr>
           <p:spPr>
             <a:xfrm>
-              <a:off x="2192894" y="983989"/>
-              <a:ext cx="0" cy="4115262"/>
+              <a:off x="2193635" y="983989"/>
+              <a:ext cx="0" cy="4116849"/>
             </a:xfrm>
             <a:custGeom>
               <a:avLst/>
               <a:pathLst>
-                <a:path w="0" h="4115262">
+                <a:path w="0" h="4116849">
                   <a:moveTo>
-                    <a:pt x="0" y="4115262"/>
+                    <a:pt x="0" y="4116849"/>
                   </a:moveTo>
                   <a:lnTo>
                     <a:pt x="0" y="0"/>
@@ -3377,15 +3377,15 @@
           </p:nvSpPr>
           <p:spPr>
             <a:xfrm>
-              <a:off x="3222037" y="983989"/>
-              <a:ext cx="0" cy="4115262"/>
+              <a:off x="3225105" y="983989"/>
+              <a:ext cx="0" cy="4116849"/>
             </a:xfrm>
             <a:custGeom>
               <a:avLst/>
               <a:pathLst>
-                <a:path w="0" h="4115262">
+                <a:path w="0" h="4116849">
                   <a:moveTo>
-                    <a:pt x="0" y="4115262"/>
+                    <a:pt x="0" y="4116849"/>
                   </a:moveTo>
                   <a:lnTo>
                     <a:pt x="0" y="0"/>
@@ -3420,15 +3420,15 @@
           </p:nvSpPr>
           <p:spPr>
             <a:xfrm>
-              <a:off x="4251180" y="983989"/>
-              <a:ext cx="0" cy="4115262"/>
+              <a:off x="4256575" y="983989"/>
+              <a:ext cx="0" cy="4116849"/>
             </a:xfrm>
             <a:custGeom>
               <a:avLst/>
               <a:pathLst>
-                <a:path w="0" h="4115262">
+                <a:path w="0" h="4116849">
                   <a:moveTo>
-                    <a:pt x="0" y="4115262"/>
+                    <a:pt x="0" y="4116849"/>
                   </a:moveTo>
                   <a:lnTo>
                     <a:pt x="0" y="0"/>
@@ -3463,15 +3463,15 @@
           </p:nvSpPr>
           <p:spPr>
             <a:xfrm>
-              <a:off x="5280323" y="983989"/>
-              <a:ext cx="0" cy="4115262"/>
+              <a:off x="5288046" y="983989"/>
+              <a:ext cx="0" cy="4116849"/>
             </a:xfrm>
             <a:custGeom>
               <a:avLst/>
               <a:pathLst>
-                <a:path w="0" h="4115262">
+                <a:path w="0" h="4116849">
                   <a:moveTo>
-                    <a:pt x="0" y="4115262"/>
+                    <a:pt x="0" y="4116849"/>
                   </a:moveTo>
                   <a:lnTo>
                     <a:pt x="0" y="0"/>
@@ -3506,7 +3506,7 @@
           </p:nvSpPr>
           <p:spPr>
             <a:xfrm>
-              <a:off x="2263928" y="4626676"/>
+              <a:off x="2264901" y="4628093"/>
               <a:ext cx="63761" cy="63761"/>
             </a:xfrm>
             <a:prstGeom prst="ellipse">
@@ -3541,7 +3541,7 @@
           </p:nvSpPr>
           <p:spPr>
             <a:xfrm>
-              <a:off x="2058099" y="4626676"/>
+              <a:off x="2058607" y="4628093"/>
               <a:ext cx="63761" cy="63761"/>
             </a:xfrm>
             <a:prstGeom prst="ellipse">
@@ -3576,7 +3576,7 @@
           </p:nvSpPr>
           <p:spPr>
             <a:xfrm>
-              <a:off x="1852271" y="4690085"/>
+              <a:off x="1852313" y="4691527"/>
               <a:ext cx="63761" cy="63761"/>
             </a:xfrm>
             <a:prstGeom prst="ellipse">
@@ -3611,7 +3611,7 @@
           </p:nvSpPr>
           <p:spPr>
             <a:xfrm>
-              <a:off x="1749356" y="4563266"/>
+              <a:off x="1749166" y="4564659"/>
               <a:ext cx="63761" cy="63761"/>
             </a:xfrm>
             <a:prstGeom prst="ellipse">
@@ -3646,7 +3646,7 @@
           </p:nvSpPr>
           <p:spPr>
             <a:xfrm>
-              <a:off x="2161014" y="4626676"/>
+              <a:off x="2161754" y="4628093"/>
               <a:ext cx="63761" cy="63761"/>
             </a:xfrm>
             <a:prstGeom prst="ellipse">
@@ -3681,7 +3681,7 @@
           </p:nvSpPr>
           <p:spPr>
             <a:xfrm>
-              <a:off x="2562546" y="4426323"/>
+              <a:off x="2564218" y="4427667"/>
               <a:ext cx="84009" cy="84009"/>
             </a:xfrm>
             <a:prstGeom prst="ellipse">
@@ -3716,7 +3716,7 @@
           </p:nvSpPr>
           <p:spPr>
             <a:xfrm>
-              <a:off x="1743628" y="4620947"/>
+              <a:off x="1743437" y="4622364"/>
               <a:ext cx="75218" cy="75218"/>
             </a:xfrm>
             <a:prstGeom prst="ellipse">
@@ -3751,7 +3751,7 @@
           </p:nvSpPr>
           <p:spPr>
             <a:xfrm>
-              <a:off x="2161014" y="4563266"/>
+              <a:off x="2161754" y="4564659"/>
               <a:ext cx="63761" cy="63761"/>
             </a:xfrm>
             <a:prstGeom prst="ellipse">
@@ -3786,7 +3786,7 @@
           </p:nvSpPr>
           <p:spPr>
             <a:xfrm>
-              <a:off x="1543528" y="4626676"/>
+              <a:off x="1542872" y="4628093"/>
               <a:ext cx="63761" cy="63761"/>
             </a:xfrm>
             <a:prstGeom prst="ellipse">
@@ -3821,7 +3821,7 @@
           </p:nvSpPr>
           <p:spPr>
             <a:xfrm>
-              <a:off x="2071929" y="4577096"/>
+              <a:off x="2072437" y="4578489"/>
               <a:ext cx="36101" cy="36101"/>
             </a:xfrm>
             <a:prstGeom prst="ellipse">
@@ -3856,7 +3856,7 @@
           </p:nvSpPr>
           <p:spPr>
             <a:xfrm>
-              <a:off x="2572671" y="4563266"/>
+              <a:off x="2574342" y="4564659"/>
               <a:ext cx="63761" cy="63761"/>
             </a:xfrm>
             <a:prstGeom prst="ellipse">
@@ -3891,7 +3891,7 @@
           </p:nvSpPr>
           <p:spPr>
             <a:xfrm>
-              <a:off x="1955185" y="4499857"/>
+              <a:off x="1955460" y="4501226"/>
               <a:ext cx="63761" cy="63761"/>
             </a:xfrm>
             <a:prstGeom prst="ellipse">
@@ -3926,7 +3926,7 @@
           </p:nvSpPr>
           <p:spPr>
             <a:xfrm>
-              <a:off x="1969015" y="4640506"/>
+              <a:off x="1969290" y="4641923"/>
               <a:ext cx="36101" cy="36101"/>
             </a:xfrm>
             <a:prstGeom prst="ellipse">
@@ -3961,7 +3961,7 @@
           </p:nvSpPr>
           <p:spPr>
             <a:xfrm>
-              <a:off x="1454444" y="4830733"/>
+              <a:off x="1453555" y="4832224"/>
               <a:ext cx="36101" cy="36101"/>
             </a:xfrm>
             <a:prstGeom prst="ellipse">
@@ -3996,7 +3996,7 @@
           </p:nvSpPr>
           <p:spPr>
             <a:xfrm>
-              <a:off x="2984328" y="4753494"/>
+              <a:off x="2986930" y="4754960"/>
               <a:ext cx="63761" cy="63761"/>
             </a:xfrm>
             <a:prstGeom prst="ellipse">
@@ -4031,7 +4031,7 @@
           </p:nvSpPr>
           <p:spPr>
             <a:xfrm>
-              <a:off x="2871289" y="4553142"/>
+              <a:off x="2873659" y="4554535"/>
               <a:ext cx="84009" cy="84009"/>
             </a:xfrm>
             <a:prstGeom prst="ellipse">
@@ -4066,7 +4066,7 @@
           </p:nvSpPr>
           <p:spPr>
             <a:xfrm>
-              <a:off x="2562546" y="4679960"/>
+              <a:off x="2564218" y="4681402"/>
               <a:ext cx="84009" cy="84009"/>
             </a:xfrm>
             <a:prstGeom prst="ellipse">
@@ -4101,7 +4101,7 @@
           </p:nvSpPr>
           <p:spPr>
             <a:xfrm>
-              <a:off x="2258199" y="4620947"/>
+              <a:off x="2259173" y="4622364"/>
               <a:ext cx="75218" cy="75218"/>
             </a:xfrm>
             <a:prstGeom prst="ellipse">
@@ -4136,7 +4136,7 @@
           </p:nvSpPr>
           <p:spPr>
             <a:xfrm>
-              <a:off x="2875685" y="4430719"/>
+              <a:off x="2878055" y="4432063"/>
               <a:ext cx="75218" cy="75218"/>
             </a:xfrm>
             <a:prstGeom prst="ellipse">
@@ -4171,7 +4171,7 @@
           </p:nvSpPr>
           <p:spPr>
             <a:xfrm>
-              <a:off x="2258199" y="4557538"/>
+              <a:off x="2259173" y="4558931"/>
               <a:ext cx="75218" cy="75218"/>
             </a:xfrm>
             <a:prstGeom prst="ellipse">
@@ -4206,7 +4206,7 @@
           </p:nvSpPr>
           <p:spPr>
             <a:xfrm>
-              <a:off x="2572671" y="4436448"/>
+              <a:off x="2574342" y="4437792"/>
               <a:ext cx="63761" cy="63761"/>
             </a:xfrm>
             <a:prstGeom prst="ellipse">
@@ -4241,7 +4241,7 @@
           </p:nvSpPr>
           <p:spPr>
             <a:xfrm>
-              <a:off x="2253804" y="4553142"/>
+              <a:off x="2254777" y="4554535"/>
               <a:ext cx="84009" cy="84009"/>
             </a:xfrm>
             <a:prstGeom prst="ellipse">
@@ -4276,7 +4276,7 @@
           </p:nvSpPr>
           <p:spPr>
             <a:xfrm>
-              <a:off x="1749356" y="4880313"/>
+              <a:off x="1749166" y="4881828"/>
               <a:ext cx="63761" cy="63761"/>
             </a:xfrm>
             <a:prstGeom prst="ellipse">
@@ -4311,7 +4311,7 @@
           </p:nvSpPr>
           <p:spPr>
             <a:xfrm>
-              <a:off x="2250098" y="4422618"/>
+              <a:off x="2251071" y="4423962"/>
               <a:ext cx="91421" cy="91421"/>
             </a:xfrm>
             <a:prstGeom prst="ellipse">
@@ -4346,7 +4346,7 @@
           </p:nvSpPr>
           <p:spPr>
             <a:xfrm>
-              <a:off x="1955185" y="4309629"/>
+              <a:off x="1955460" y="4310924"/>
               <a:ext cx="63761" cy="63761"/>
             </a:xfrm>
             <a:prstGeom prst="ellipse">
@@ -4381,7 +4381,7 @@
           </p:nvSpPr>
           <p:spPr>
             <a:xfrm>
-              <a:off x="2161014" y="4499857"/>
+              <a:off x="2161754" y="4501226"/>
               <a:ext cx="63761" cy="63761"/>
             </a:xfrm>
             <a:prstGeom prst="ellipse">
@@ -4416,7 +4416,7 @@
           </p:nvSpPr>
           <p:spPr>
             <a:xfrm>
-              <a:off x="2150889" y="4489733"/>
+              <a:off x="2151630" y="4491101"/>
               <a:ext cx="84009" cy="84009"/>
             </a:xfrm>
             <a:prstGeom prst="ellipse">
@@ -4451,7 +4451,7 @@
           </p:nvSpPr>
           <p:spPr>
             <a:xfrm>
-              <a:off x="2366842" y="4563266"/>
+              <a:off x="2368048" y="4564659"/>
               <a:ext cx="63761" cy="63761"/>
             </a:xfrm>
             <a:prstGeom prst="ellipse">
@@ -4486,7 +4486,7 @@
           </p:nvSpPr>
           <p:spPr>
             <a:xfrm>
-              <a:off x="2366842" y="4626676"/>
+              <a:off x="2368048" y="4628093"/>
               <a:ext cx="63761" cy="63761"/>
             </a:xfrm>
             <a:prstGeom prst="ellipse">
@@ -4521,7 +4521,7 @@
           </p:nvSpPr>
           <p:spPr>
             <a:xfrm>
-              <a:off x="1852271" y="4499857"/>
+              <a:off x="1852313" y="4501226"/>
               <a:ext cx="63761" cy="63761"/>
             </a:xfrm>
             <a:prstGeom prst="ellipse">
@@ -4556,7 +4556,7 @@
           </p:nvSpPr>
           <p:spPr>
             <a:xfrm>
-              <a:off x="1955185" y="4499857"/>
+              <a:off x="1955460" y="4501226"/>
               <a:ext cx="63761" cy="63761"/>
             </a:xfrm>
             <a:prstGeom prst="ellipse">
@@ -4591,7 +4591,7 @@
           </p:nvSpPr>
           <p:spPr>
             <a:xfrm>
-              <a:off x="2562546" y="4553142"/>
+              <a:off x="2564218" y="4554535"/>
               <a:ext cx="84009" cy="84009"/>
             </a:xfrm>
             <a:prstGeom prst="ellipse">
@@ -4626,7 +4626,7 @@
           </p:nvSpPr>
           <p:spPr>
             <a:xfrm>
-              <a:off x="2380672" y="4577096"/>
+              <a:off x="2381878" y="4578489"/>
               <a:ext cx="36101" cy="36101"/>
             </a:xfrm>
             <a:prstGeom prst="ellipse">
@@ -4661,7 +4661,7 @@
           </p:nvSpPr>
           <p:spPr>
             <a:xfrm>
-              <a:off x="2675585" y="4626676"/>
+              <a:off x="2677489" y="4628093"/>
               <a:ext cx="63761" cy="63761"/>
             </a:xfrm>
             <a:prstGeom prst="ellipse">
@@ -4696,7 +4696,7 @@
           </p:nvSpPr>
           <p:spPr>
             <a:xfrm>
-              <a:off x="2058099" y="4563266"/>
+              <a:off x="2058607" y="4564659"/>
               <a:ext cx="63761" cy="63761"/>
             </a:xfrm>
             <a:prstGeom prst="ellipse">
@@ -4731,7 +4731,7 @@
           </p:nvSpPr>
           <p:spPr>
             <a:xfrm>
-              <a:off x="2161014" y="4753494"/>
+              <a:off x="2161754" y="4754960"/>
               <a:ext cx="63761" cy="63761"/>
             </a:xfrm>
             <a:prstGeom prst="ellipse">
@@ -4766,7 +4766,7 @@
           </p:nvSpPr>
           <p:spPr>
             <a:xfrm>
-              <a:off x="2675585" y="4690085"/>
+              <a:off x="2677489" y="4691527"/>
               <a:ext cx="63761" cy="63761"/>
             </a:xfrm>
             <a:prstGeom prst="ellipse">
@@ -4801,7 +4801,7 @@
           </p:nvSpPr>
           <p:spPr>
             <a:xfrm>
-              <a:off x="2071929" y="4640506"/>
+              <a:off x="2072437" y="4641923"/>
               <a:ext cx="36101" cy="36101"/>
             </a:xfrm>
             <a:prstGeom prst="ellipse">
@@ -4836,7 +4836,7 @@
           </p:nvSpPr>
           <p:spPr>
             <a:xfrm>
-              <a:off x="1543528" y="4690085"/>
+              <a:off x="1542872" y="4691527"/>
               <a:ext cx="63761" cy="63761"/>
             </a:xfrm>
             <a:prstGeom prst="ellipse">
@@ -4871,7 +4871,7 @@
           </p:nvSpPr>
           <p:spPr>
             <a:xfrm>
-              <a:off x="2263928" y="4563266"/>
+              <a:off x="2264901" y="4564659"/>
               <a:ext cx="63761" cy="63761"/>
             </a:xfrm>
             <a:prstGeom prst="ellipse">
@@ -4906,7 +4906,7 @@
           </p:nvSpPr>
           <p:spPr>
             <a:xfrm>
-              <a:off x="2155285" y="4684356"/>
+              <a:off x="2156026" y="4685798"/>
               <a:ext cx="75218" cy="75218"/>
             </a:xfrm>
             <a:prstGeom prst="ellipse">
@@ -4941,7 +4941,7 @@
           </p:nvSpPr>
           <p:spPr>
             <a:xfrm>
-              <a:off x="1640713" y="4684356"/>
+              <a:off x="1640290" y="4685798"/>
               <a:ext cx="75218" cy="75218"/>
             </a:xfrm>
             <a:prstGeom prst="ellipse">
@@ -4976,7 +4976,7 @@
           </p:nvSpPr>
           <p:spPr>
             <a:xfrm>
-              <a:off x="1543528" y="4690085"/>
+              <a:off x="1542872" y="4691527"/>
               <a:ext cx="63761" cy="63761"/>
             </a:xfrm>
             <a:prstGeom prst="ellipse">
@@ -5011,7 +5011,7 @@
           </p:nvSpPr>
           <p:spPr>
             <a:xfrm>
-              <a:off x="2143919" y="4482762"/>
+              <a:off x="2144659" y="4484131"/>
               <a:ext cx="97951" cy="97951"/>
             </a:xfrm>
             <a:prstGeom prst="ellipse">
@@ -5046,7 +5046,7 @@
           </p:nvSpPr>
           <p:spPr>
             <a:xfrm>
-              <a:off x="2253804" y="4299505"/>
+              <a:off x="2254777" y="4300800"/>
               <a:ext cx="84009" cy="84009"/>
             </a:xfrm>
             <a:prstGeom prst="ellipse">
@@ -5081,7 +5081,7 @@
           </p:nvSpPr>
           <p:spPr>
             <a:xfrm>
-              <a:off x="1949456" y="4620947"/>
+              <a:off x="1949731" y="4622364"/>
               <a:ext cx="75218" cy="75218"/>
             </a:xfrm>
             <a:prstGeom prst="ellipse">
@@ -5116,7 +5116,7 @@
           </p:nvSpPr>
           <p:spPr>
             <a:xfrm>
-              <a:off x="2263928" y="4499857"/>
+              <a:off x="2264901" y="4501226"/>
               <a:ext cx="63761" cy="63761"/>
             </a:xfrm>
             <a:prstGeom prst="ellipse">
@@ -5151,7 +5151,7 @@
           </p:nvSpPr>
           <p:spPr>
             <a:xfrm>
-              <a:off x="1749356" y="4626676"/>
+              <a:off x="1749166" y="4628093"/>
               <a:ext cx="63761" cy="63761"/>
             </a:xfrm>
             <a:prstGeom prst="ellipse">
@@ -5186,7 +5186,7 @@
           </p:nvSpPr>
           <p:spPr>
             <a:xfrm>
-              <a:off x="2469756" y="4563266"/>
+              <a:off x="2471195" y="4564659"/>
               <a:ext cx="63761" cy="63761"/>
             </a:xfrm>
             <a:prstGeom prst="ellipse">
@@ -5221,7 +5221,7 @@
           </p:nvSpPr>
           <p:spPr>
             <a:xfrm>
-              <a:off x="2161014" y="4626676"/>
+              <a:off x="2161754" y="4628093"/>
               <a:ext cx="63761" cy="63761"/>
             </a:xfrm>
             <a:prstGeom prst="ellipse">
@@ -5256,7 +5256,7 @@
           </p:nvSpPr>
           <p:spPr>
             <a:xfrm>
-              <a:off x="4183264" y="2498134"/>
+              <a:off x="4188660" y="2498745"/>
               <a:ext cx="135831" cy="135831"/>
             </a:xfrm>
             <a:prstGeom prst="ellipse">
@@ -5291,7 +5291,7 @@
           </p:nvSpPr>
           <p:spPr>
             <a:xfrm>
-              <a:off x="3563896" y="2623071"/>
+              <a:off x="3567895" y="2623730"/>
               <a:ext cx="139595" cy="139595"/>
             </a:xfrm>
             <a:prstGeom prst="ellipse">
@@ -5326,7 +5326,7 @@
           </p:nvSpPr>
           <p:spPr>
             <a:xfrm>
-              <a:off x="4078468" y="2369434"/>
+              <a:off x="4083630" y="2369995"/>
               <a:ext cx="139595" cy="139595"/>
             </a:xfrm>
             <a:prstGeom prst="ellipse">
@@ -5361,7 +5361,7 @@
           </p:nvSpPr>
           <p:spPr>
             <a:xfrm>
-              <a:off x="2641506" y="2943956"/>
+              <a:off x="2643411" y="2944737"/>
               <a:ext cx="131918" cy="131918"/>
             </a:xfrm>
             <a:prstGeom prst="ellipse">
@@ -5396,7 +5396,7 @@
           </p:nvSpPr>
           <p:spPr>
             <a:xfrm>
-              <a:off x="3666811" y="2559661"/>
+              <a:off x="3671042" y="2560296"/>
               <a:ext cx="139595" cy="139595"/>
             </a:xfrm>
             <a:prstGeom prst="ellipse">
@@ -5431,7 +5431,7 @@
           </p:nvSpPr>
           <p:spPr>
             <a:xfrm>
-              <a:off x="2847335" y="2626909"/>
+              <a:off x="2849705" y="2627568"/>
               <a:ext cx="131918" cy="131918"/>
             </a:xfrm>
             <a:prstGeom prst="ellipse">
@@ -5466,7 +5466,7 @@
           </p:nvSpPr>
           <p:spPr>
             <a:xfrm>
-              <a:off x="3459166" y="2494436"/>
+              <a:off x="3462932" y="2495046"/>
               <a:ext cx="143228" cy="143228"/>
             </a:xfrm>
             <a:prstGeom prst="ellipse">
@@ -5501,7 +5501,7 @@
           </p:nvSpPr>
           <p:spPr>
             <a:xfrm>
-              <a:off x="2030439" y="3394239"/>
+              <a:off x="2030947" y="3395192"/>
               <a:ext cx="119081" cy="119081"/>
             </a:xfrm>
             <a:prstGeom prst="ellipse">
@@ -5536,7 +5536,7 @@
           </p:nvSpPr>
           <p:spPr>
             <a:xfrm>
-              <a:off x="3773564" y="2563500"/>
+              <a:off x="3778028" y="2564135"/>
               <a:ext cx="131918" cy="131918"/>
             </a:xfrm>
             <a:prstGeom prst="ellipse">
@@ -5571,7 +5571,7 @@
           </p:nvSpPr>
           <p:spPr>
             <a:xfrm>
-              <a:off x="2330807" y="3005409"/>
+              <a:off x="2332013" y="3006215"/>
               <a:ext cx="135831" cy="135831"/>
             </a:xfrm>
             <a:prstGeom prst="ellipse">
@@ -5606,7 +5606,7 @@
           </p:nvSpPr>
           <p:spPr>
             <a:xfrm>
-              <a:off x="2133353" y="3267421"/>
+              <a:off x="2134094" y="3268324"/>
               <a:ext cx="119081" cy="119081"/>
             </a:xfrm>
             <a:prstGeom prst="ellipse">
@@ -5641,7 +5641,7 @@
           </p:nvSpPr>
           <p:spPr>
             <a:xfrm>
-              <a:off x="3049325" y="2813298"/>
+              <a:off x="3052160" y="2814031"/>
               <a:ext cx="139595" cy="139595"/>
             </a:xfrm>
             <a:prstGeom prst="ellipse">
@@ -5676,7 +5676,7 @@
           </p:nvSpPr>
           <p:spPr>
             <a:xfrm>
-              <a:off x="3162496" y="2950374"/>
+              <a:off x="3165564" y="2951156"/>
               <a:ext cx="119081" cy="119081"/>
             </a:xfrm>
             <a:prstGeom prst="ellipse">
@@ -5711,7 +5711,7 @@
           </p:nvSpPr>
           <p:spPr>
             <a:xfrm>
-              <a:off x="3257036" y="2498134"/>
+              <a:off x="3260336" y="2498745"/>
               <a:ext cx="135831" cy="135831"/>
             </a:xfrm>
             <a:prstGeom prst="ellipse">
@@ -5746,7 +5746,7 @@
           </p:nvSpPr>
           <p:spPr>
             <a:xfrm>
-              <a:off x="2744421" y="3197593"/>
+              <a:off x="2746558" y="3198472"/>
               <a:ext cx="131918" cy="131918"/>
             </a:xfrm>
             <a:prstGeom prst="ellipse">
@@ -5781,7 +5781,7 @@
           </p:nvSpPr>
           <p:spPr>
             <a:xfrm>
-              <a:off x="3874522" y="2688362"/>
+              <a:off x="3879219" y="2689046"/>
               <a:ext cx="135831" cy="135831"/>
             </a:xfrm>
             <a:prstGeom prst="ellipse">
@@ -5816,7 +5816,7 @@
           </p:nvSpPr>
           <p:spPr>
             <a:xfrm>
-              <a:off x="2740582" y="2623071"/>
+              <a:off x="2742719" y="2623730"/>
               <a:ext cx="139595" cy="139595"/>
             </a:xfrm>
             <a:prstGeom prst="ellipse">
@@ -5851,7 +5851,7 @@
           </p:nvSpPr>
           <p:spPr>
             <a:xfrm>
-              <a:off x="2956668" y="2886965"/>
+              <a:off x="2959270" y="2887722"/>
               <a:ext cx="119081" cy="119081"/>
             </a:xfrm>
             <a:prstGeom prst="ellipse">
@@ -5886,7 +5886,7 @@
           </p:nvSpPr>
           <p:spPr>
             <a:xfrm>
-              <a:off x="3358068" y="2623071"/>
+              <a:off x="3361601" y="2623730"/>
               <a:ext cx="139595" cy="139595"/>
             </a:xfrm>
             <a:prstGeom prst="ellipse">
@@ -5921,7 +5921,7 @@
           </p:nvSpPr>
           <p:spPr>
             <a:xfrm>
-              <a:off x="2748595" y="3011539"/>
+              <a:off x="2750732" y="3012345"/>
               <a:ext cx="123570" cy="123570"/>
             </a:xfrm>
             <a:prstGeom prst="ellipse">
@@ -5956,7 +5956,7 @@
           </p:nvSpPr>
           <p:spPr>
             <a:xfrm>
-              <a:off x="3044049" y="2427567"/>
+              <a:off x="3046885" y="2428153"/>
               <a:ext cx="150146" cy="150146"/>
             </a:xfrm>
             <a:prstGeom prst="ellipse">
@@ -5991,7 +5991,7 @@
           </p:nvSpPr>
           <p:spPr>
             <a:xfrm>
-              <a:off x="3258992" y="2943956"/>
+              <a:off x="3262293" y="2944737"/>
               <a:ext cx="131918" cy="131918"/>
             </a:xfrm>
             <a:prstGeom prst="ellipse">
@@ -6026,7 +6026,7 @@
           </p:nvSpPr>
           <p:spPr>
             <a:xfrm>
-              <a:off x="3460982" y="2369434"/>
+              <a:off x="3464748" y="2369995"/>
               <a:ext cx="139595" cy="139595"/>
             </a:xfrm>
             <a:prstGeom prst="ellipse">
@@ -6061,7 +6061,7 @@
           </p:nvSpPr>
           <p:spPr>
             <a:xfrm>
-              <a:off x="3261032" y="2502130"/>
+              <a:off x="3264332" y="2502741"/>
               <a:ext cx="127839" cy="127839"/>
             </a:xfrm>
             <a:prstGeom prst="ellipse">
@@ -6096,7 +6096,7 @@
           </p:nvSpPr>
           <p:spPr>
             <a:xfrm>
-              <a:off x="3567735" y="2753728"/>
+              <a:off x="3571734" y="2754436"/>
               <a:ext cx="131918" cy="131918"/>
             </a:xfrm>
             <a:prstGeom prst="ellipse">
@@ -6131,7 +6131,7 @@
           </p:nvSpPr>
           <p:spPr>
             <a:xfrm>
-              <a:off x="3771607" y="2688362"/>
+              <a:off x="3776072" y="2689046"/>
               <a:ext cx="135831" cy="135831"/>
             </a:xfrm>
             <a:prstGeom prst="ellipse">
@@ -6166,7 +6166,7 @@
           </p:nvSpPr>
           <p:spPr>
             <a:xfrm>
-              <a:off x="3977436" y="2434725"/>
+              <a:off x="3982366" y="2435311"/>
               <a:ext cx="135831" cy="135831"/>
             </a:xfrm>
             <a:prstGeom prst="ellipse">
@@ -6201,7 +6201,7 @@
           </p:nvSpPr>
           <p:spPr>
             <a:xfrm>
-              <a:off x="3869066" y="2302451"/>
+              <a:off x="3873763" y="2302988"/>
               <a:ext cx="146741" cy="146741"/>
             </a:xfrm>
             <a:prstGeom prst="ellipse">
@@ -6236,7 +6236,7 @@
           </p:nvSpPr>
           <p:spPr>
             <a:xfrm>
-              <a:off x="3152239" y="2623071"/>
+              <a:off x="3155307" y="2623730"/>
               <a:ext cx="139595" cy="139595"/>
             </a:xfrm>
             <a:prstGeom prst="ellipse">
@@ -6271,7 +6271,7 @@
           </p:nvSpPr>
           <p:spPr>
             <a:xfrm>
-              <a:off x="2853753" y="3267421"/>
+              <a:off x="2856123" y="3268324"/>
               <a:ext cx="119081" cy="119081"/>
             </a:xfrm>
             <a:prstGeom prst="ellipse">
@@ -6306,7 +6306,7 @@
           </p:nvSpPr>
           <p:spPr>
             <a:xfrm>
-              <a:off x="2645681" y="3074948"/>
+              <a:off x="2647585" y="3075779"/>
               <a:ext cx="123570" cy="123570"/>
             </a:xfrm>
             <a:prstGeom prst="ellipse">
@@ -6341,7 +6341,7 @@
           </p:nvSpPr>
           <p:spPr>
             <a:xfrm>
-              <a:off x="2647925" y="3140602"/>
+              <a:off x="2649829" y="3141457"/>
               <a:ext cx="119081" cy="119081"/>
             </a:xfrm>
             <a:prstGeom prst="ellipse">
@@ -6376,7 +6376,7 @@
           </p:nvSpPr>
           <p:spPr>
             <a:xfrm>
-              <a:off x="2952289" y="3009405"/>
+              <a:off x="2954891" y="3010211"/>
               <a:ext cx="127839" cy="127839"/>
             </a:xfrm>
             <a:prstGeom prst="ellipse">
@@ -6411,7 +6411,7 @@
           </p:nvSpPr>
           <p:spPr>
             <a:xfrm>
-              <a:off x="3150423" y="2240799"/>
+              <a:off x="3153491" y="2241311"/>
               <a:ext cx="143228" cy="143228"/>
             </a:xfrm>
             <a:prstGeom prst="ellipse">
@@ -6446,7 +6446,7 @@
           </p:nvSpPr>
           <p:spPr>
             <a:xfrm>
-              <a:off x="2534753" y="2623071"/>
+              <a:off x="2536425" y="2623730"/>
               <a:ext cx="139595" cy="139595"/>
             </a:xfrm>
             <a:prstGeom prst="ellipse">
@@ -6481,7 +6481,7 @@
           </p:nvSpPr>
           <p:spPr>
             <a:xfrm>
-              <a:off x="3150423" y="2621254"/>
+              <a:off x="3153491" y="2621914"/>
               <a:ext cx="143228" cy="143228"/>
             </a:xfrm>
             <a:prstGeom prst="ellipse">
@@ -6516,7 +6516,7 @@
           </p:nvSpPr>
           <p:spPr>
             <a:xfrm>
-              <a:off x="3872639" y="2496252"/>
+              <a:off x="3877336" y="2496862"/>
               <a:ext cx="139595" cy="139595"/>
             </a:xfrm>
             <a:prstGeom prst="ellipse">
@@ -6551,7 +6551,7 @@
           </p:nvSpPr>
           <p:spPr>
             <a:xfrm>
-              <a:off x="3464821" y="2690319"/>
+              <a:off x="3468587" y="2691002"/>
               <a:ext cx="131918" cy="131918"/>
             </a:xfrm>
             <a:prstGeom prst="ellipse">
@@ -6586,7 +6586,7 @@
           </p:nvSpPr>
           <p:spPr>
             <a:xfrm>
-              <a:off x="2744421" y="2880546"/>
+              <a:off x="2746558" y="2881303"/>
               <a:ext cx="131918" cy="131918"/>
             </a:xfrm>
             <a:prstGeom prst="ellipse">
@@ -6621,7 +6621,7 @@
           </p:nvSpPr>
           <p:spPr>
             <a:xfrm>
-              <a:off x="2641506" y="2943956"/>
+              <a:off x="2643411" y="2944737"/>
               <a:ext cx="131918" cy="131918"/>
             </a:xfrm>
             <a:prstGeom prst="ellipse">
@@ -6656,7 +6656,7 @@
           </p:nvSpPr>
           <p:spPr>
             <a:xfrm>
-              <a:off x="2643546" y="2692358"/>
+              <a:off x="2645450" y="2693042"/>
               <a:ext cx="127839" cy="127839"/>
             </a:xfrm>
             <a:prstGeom prst="ellipse">
@@ -6691,7 +6691,7 @@
           </p:nvSpPr>
           <p:spPr>
             <a:xfrm>
-              <a:off x="3257036" y="2561544"/>
+              <a:off x="3260336" y="2562178"/>
               <a:ext cx="135831" cy="135831"/>
             </a:xfrm>
             <a:prstGeom prst="ellipse">
@@ -6726,7 +6726,7 @@
           </p:nvSpPr>
           <p:spPr>
             <a:xfrm>
-              <a:off x="2952289" y="2945995"/>
+              <a:off x="2954891" y="2946777"/>
               <a:ext cx="127839" cy="127839"/>
             </a:xfrm>
             <a:prstGeom prst="ellipse">
@@ -6761,7 +6761,7 @@
           </p:nvSpPr>
           <p:spPr>
             <a:xfrm>
-              <a:off x="2133353" y="3394239"/>
+              <a:off x="2134094" y="3395192"/>
               <a:ext cx="119081" cy="119081"/>
             </a:xfrm>
             <a:prstGeom prst="ellipse">
@@ -6796,7 +6796,7 @@
           </p:nvSpPr>
           <p:spPr>
             <a:xfrm>
-              <a:off x="2744421" y="2817137"/>
+              <a:off x="2746558" y="2817870"/>
               <a:ext cx="131918" cy="131918"/>
             </a:xfrm>
             <a:prstGeom prst="ellipse">
@@ -6831,7 +6831,7 @@
           </p:nvSpPr>
           <p:spPr>
             <a:xfrm>
-              <a:off x="2849375" y="2819177"/>
+              <a:off x="2851744" y="2819909"/>
               <a:ext cx="127839" cy="127839"/>
             </a:xfrm>
             <a:prstGeom prst="ellipse">
@@ -6866,7 +6866,7 @@
           </p:nvSpPr>
           <p:spPr>
             <a:xfrm>
-              <a:off x="2847335" y="2817137"/>
+              <a:off x="2849705" y="2817870"/>
               <a:ext cx="131918" cy="131918"/>
             </a:xfrm>
             <a:prstGeom prst="ellipse">
@@ -6901,7 +6901,7 @@
           </p:nvSpPr>
           <p:spPr>
             <a:xfrm>
-              <a:off x="3361906" y="2753728"/>
+              <a:off x="3365440" y="2754436"/>
               <a:ext cx="131918" cy="131918"/>
             </a:xfrm>
             <a:prstGeom prst="ellipse">
@@ -6936,7 +6936,7 @@
           </p:nvSpPr>
           <p:spPr>
             <a:xfrm>
-              <a:off x="2234023" y="3582223"/>
+              <a:off x="2234997" y="3583249"/>
               <a:ext cx="123570" cy="123570"/>
             </a:xfrm>
             <a:prstGeom prst="ellipse">
@@ -6971,7 +6971,7 @@
           </p:nvSpPr>
           <p:spPr>
             <a:xfrm>
-              <a:off x="2847335" y="2880546"/>
+              <a:off x="2849705" y="2881303"/>
               <a:ext cx="131918" cy="131918"/>
             </a:xfrm>
             <a:prstGeom prst="ellipse">
@@ -7006,7 +7006,7 @@
           </p:nvSpPr>
           <p:spPr>
             <a:xfrm>
-              <a:off x="3444976" y="1655926"/>
+              <a:off x="3448742" y="1656218"/>
               <a:ext cx="171607" cy="171607"/>
             </a:xfrm>
             <a:prstGeom prst="ellipse">
@@ -7041,7 +7041,7 @@
           </p:nvSpPr>
           <p:spPr>
             <a:xfrm>
-              <a:off x="2939482" y="2235686"/>
+              <a:off x="2942084" y="2236199"/>
               <a:ext cx="153453" cy="153453"/>
             </a:xfrm>
             <a:prstGeom prst="ellipse">
@@ -7076,7 +7076,7 @@
           </p:nvSpPr>
           <p:spPr>
             <a:xfrm>
-              <a:off x="4274194" y="1725238"/>
+              <a:off x="4279822" y="1725555"/>
               <a:ext cx="159800" cy="159800"/>
             </a:xfrm>
             <a:prstGeom prst="ellipse">
@@ -7111,7 +7111,7 @@
           </p:nvSpPr>
           <p:spPr>
             <a:xfrm>
-              <a:off x="3455707" y="1920293"/>
+              <a:off x="3459473" y="1920683"/>
               <a:ext cx="150146" cy="150146"/>
             </a:xfrm>
             <a:prstGeom prst="ellipse">
@@ -7146,7 +7146,7 @@
           </p:nvSpPr>
           <p:spPr>
             <a:xfrm>
-              <a:off x="3655181" y="1787120"/>
+              <a:off x="3659412" y="1787461"/>
               <a:ext cx="162855" cy="162855"/>
             </a:xfrm>
             <a:prstGeom prst="ellipse">
@@ -7181,7 +7181,7 @@
           </p:nvSpPr>
           <p:spPr>
             <a:xfrm>
-              <a:off x="4788765" y="1281373"/>
+              <a:off x="4795557" y="1281519"/>
               <a:ext cx="159800" cy="159800"/>
             </a:xfrm>
             <a:prstGeom prst="ellipse">
@@ -7216,7 +7216,7 @@
           </p:nvSpPr>
           <p:spPr>
             <a:xfrm>
-              <a:off x="2016609" y="2619498"/>
+              <a:off x="2017117" y="2620157"/>
               <a:ext cx="146741" cy="146741"/>
             </a:xfrm>
             <a:prstGeom prst="ellipse">
@@ -7251,7 +7251,7 @@
           </p:nvSpPr>
           <p:spPr>
             <a:xfrm>
-              <a:off x="4484850" y="1476428"/>
+              <a:off x="4490943" y="1476647"/>
               <a:ext cx="150146" cy="150146"/>
             </a:xfrm>
             <a:prstGeom prst="ellipse">
@@ -7286,7 +7286,7 @@
           </p:nvSpPr>
           <p:spPr>
             <a:xfrm>
-              <a:off x="3867364" y="1793475"/>
+              <a:off x="3872061" y="1793816"/>
               <a:ext cx="150146" cy="150146"/>
             </a:xfrm>
             <a:prstGeom prst="ellipse">
@@ -7321,7 +7321,7 @@
           </p:nvSpPr>
           <p:spPr>
             <a:xfrm>
-              <a:off x="4371205" y="1592516"/>
+              <a:off x="4377066" y="1592784"/>
               <a:ext cx="171607" cy="171607"/>
             </a:xfrm>
             <a:prstGeom prst="ellipse">
@@ -7356,7 +7356,7 @@
           </p:nvSpPr>
           <p:spPr>
             <a:xfrm>
-              <a:off x="3658274" y="2234078"/>
+              <a:off x="3662506" y="2234591"/>
               <a:ext cx="156668" cy="156668"/>
             </a:xfrm>
             <a:prstGeom prst="ellipse">
@@ -7391,7 +7391,7 @@
           </p:nvSpPr>
           <p:spPr>
             <a:xfrm>
-              <a:off x="3556968" y="2108868"/>
+              <a:off x="3560967" y="2109331"/>
               <a:ext cx="153453" cy="153453"/>
             </a:xfrm>
             <a:prstGeom prst="ellipse">
@@ -7426,7 +7426,7 @@
           </p:nvSpPr>
           <p:spPr>
             <a:xfrm>
-              <a:off x="3965451" y="1978875"/>
+              <a:off x="3970381" y="1979290"/>
               <a:ext cx="159800" cy="159800"/>
             </a:xfrm>
             <a:prstGeom prst="ellipse">
@@ -7461,7 +7461,7 @@
           </p:nvSpPr>
           <p:spPr>
             <a:xfrm>
-              <a:off x="2834960" y="2297488"/>
+              <a:off x="2837330" y="2298025"/>
               <a:ext cx="156668" cy="156668"/>
             </a:xfrm>
             <a:prstGeom prst="ellipse">
@@ -7496,7 +7496,7 @@
           </p:nvSpPr>
           <p:spPr>
             <a:xfrm>
-              <a:off x="2931831" y="2228036"/>
+              <a:off x="2934434" y="2228548"/>
               <a:ext cx="168754" cy="168754"/>
             </a:xfrm>
             <a:prstGeom prst="ellipse">
@@ -7531,7 +7531,7 @@
           </p:nvSpPr>
           <p:spPr>
             <a:xfrm>
-              <a:off x="3550775" y="2102675"/>
+              <a:off x="3554774" y="2103139"/>
               <a:ext cx="165838" cy="165838"/>
             </a:xfrm>
             <a:prstGeom prst="ellipse">
@@ -7566,7 +7566,7 @@
           </p:nvSpPr>
           <p:spPr>
             <a:xfrm>
-              <a:off x="3661535" y="1983702"/>
+              <a:off x="3665767" y="1984117"/>
               <a:ext cx="150146" cy="150146"/>
             </a:xfrm>
             <a:prstGeom prst="ellipse">
@@ -7601,7 +7601,7 @@
           </p:nvSpPr>
           <p:spPr>
             <a:xfrm>
-              <a:off x="4890152" y="1216437"/>
+              <a:off x="4897177" y="1216558"/>
               <a:ext cx="162855" cy="162855"/>
             </a:xfrm>
             <a:prstGeom prst="ellipse">
@@ -7636,7 +7636,7 @@
           </p:nvSpPr>
           <p:spPr>
             <a:xfrm>
-              <a:off x="4888661" y="1088127"/>
+              <a:off x="4895685" y="1088199"/>
               <a:ext cx="165838" cy="165838"/>
             </a:xfrm>
             <a:prstGeom prst="ellipse">
@@ -7671,7 +7671,7 @@
           </p:nvSpPr>
           <p:spPr>
             <a:xfrm>
-              <a:off x="3152239" y="2306024"/>
+              <a:off x="3155307" y="2306561"/>
               <a:ext cx="139595" cy="139595"/>
             </a:xfrm>
             <a:prstGeom prst="ellipse">
@@ -7706,7 +7706,7 @@
           </p:nvSpPr>
           <p:spPr>
             <a:xfrm>
-              <a:off x="4065346" y="1849038"/>
+              <a:off x="4070509" y="1849404"/>
               <a:ext cx="165838" cy="165838"/>
             </a:xfrm>
             <a:prstGeom prst="ellipse">
@@ -7741,7 +7741,7 @@
           </p:nvSpPr>
           <p:spPr>
             <a:xfrm>
-              <a:off x="2732046" y="2360897"/>
+              <a:off x="2734183" y="2361458"/>
               <a:ext cx="156668" cy="156668"/>
             </a:xfrm>
             <a:prstGeom prst="ellipse">
@@ -7776,7 +7776,7 @@
           </p:nvSpPr>
           <p:spPr>
             <a:xfrm>
-              <a:off x="4893246" y="1219530"/>
+              <a:off x="4900270" y="1219651"/>
               <a:ext cx="156668" cy="156668"/>
             </a:xfrm>
             <a:prstGeom prst="ellipse">
@@ -7811,7 +7811,7 @@
           </p:nvSpPr>
           <p:spPr>
             <a:xfrm>
-              <a:off x="3455707" y="2364158"/>
+              <a:off x="3459473" y="2364719"/>
               <a:ext cx="150146" cy="150146"/>
             </a:xfrm>
             <a:prstGeom prst="ellipse">
@@ -7846,7 +7846,7 @@
           </p:nvSpPr>
           <p:spPr>
             <a:xfrm>
-              <a:off x="3862537" y="1852057"/>
+              <a:off x="3867234" y="1852422"/>
               <a:ext cx="159800" cy="159800"/>
             </a:xfrm>
             <a:prstGeom prst="ellipse">
@@ -7881,7 +7881,7 @@
           </p:nvSpPr>
           <p:spPr>
             <a:xfrm>
-              <a:off x="4381935" y="1666656"/>
+              <a:off x="4387796" y="1666948"/>
               <a:ext cx="150146" cy="150146"/>
             </a:xfrm>
             <a:prstGeom prst="ellipse">
@@ -7916,7 +7916,7 @@
           </p:nvSpPr>
           <p:spPr>
             <a:xfrm>
-              <a:off x="3352792" y="2427567"/>
+              <a:off x="3356326" y="2428153"/>
               <a:ext cx="150146" cy="150146"/>
             </a:xfrm>
             <a:prstGeom prst="ellipse">
@@ -7951,7 +7951,7 @@
           </p:nvSpPr>
           <p:spPr>
             <a:xfrm>
-              <a:off x="3249878" y="2364158"/>
+              <a:off x="3253179" y="2364719"/>
               <a:ext cx="150146" cy="150146"/>
             </a:xfrm>
             <a:prstGeom prst="ellipse">
@@ -7986,7 +7986,7 @@
           </p:nvSpPr>
           <p:spPr>
             <a:xfrm>
-              <a:off x="3553794" y="1915466"/>
+              <a:off x="3557793" y="1915856"/>
               <a:ext cx="159800" cy="159800"/>
             </a:xfrm>
             <a:prstGeom prst="ellipse">
@@ -8021,7 +8021,7 @@
           </p:nvSpPr>
           <p:spPr>
             <a:xfrm>
-              <a:off x="4385394" y="1796934"/>
+              <a:off x="4391255" y="1797275"/>
               <a:ext cx="143228" cy="143228"/>
             </a:xfrm>
             <a:prstGeom prst="ellipse">
@@ -8056,7 +8056,7 @@
           </p:nvSpPr>
           <p:spPr>
             <a:xfrm>
-              <a:off x="4586111" y="1601594"/>
+              <a:off x="4592437" y="1601861"/>
               <a:ext cx="153453" cy="153453"/>
             </a:xfrm>
             <a:prstGeom prst="ellipse">
@@ -8091,7 +8091,7 @@
           </p:nvSpPr>
           <p:spPr>
             <a:xfrm>
-              <a:off x="5099074" y="1409758"/>
+              <a:off x="5106564" y="1409952"/>
               <a:ext cx="156668" cy="156668"/>
             </a:xfrm>
             <a:prstGeom prst="ellipse">
@@ -8126,7 +8126,7 @@
           </p:nvSpPr>
           <p:spPr>
             <a:xfrm>
-              <a:off x="3552266" y="1913939"/>
+              <a:off x="3556265" y="1914329"/>
               <a:ext cx="162855" cy="162855"/>
             </a:xfrm>
             <a:prstGeom prst="ellipse">
@@ -8161,7 +8161,7 @@
           </p:nvSpPr>
           <p:spPr>
             <a:xfrm>
-              <a:off x="3460982" y="2242615"/>
+              <a:off x="3464748" y="2243127"/>
               <a:ext cx="139595" cy="139595"/>
             </a:xfrm>
             <a:prstGeom prst="ellipse">
@@ -8196,7 +8196,7 @@
           </p:nvSpPr>
           <p:spPr>
             <a:xfrm>
-              <a:off x="3257036" y="1927451"/>
+              <a:off x="3260336" y="1927841"/>
               <a:ext cx="135831" cy="135831"/>
             </a:xfrm>
             <a:prstGeom prst="ellipse">
@@ -8231,7 +8231,7 @@
           </p:nvSpPr>
           <p:spPr>
             <a:xfrm>
-              <a:off x="4888661" y="1595401"/>
+              <a:off x="4895685" y="1595669"/>
               <a:ext cx="165838" cy="165838"/>
             </a:xfrm>
             <a:prstGeom prst="ellipse">
@@ -8266,7 +8266,7 @@
           </p:nvSpPr>
           <p:spPr>
             <a:xfrm>
-              <a:off x="3446403" y="1910989"/>
+              <a:off x="3450169" y="1911379"/>
               <a:ext cx="168754" cy="168754"/>
             </a:xfrm>
             <a:prstGeom prst="ellipse">
@@ -8301,7 +8301,7 @@
           </p:nvSpPr>
           <p:spPr>
             <a:xfrm>
-              <a:off x="3558621" y="1983702"/>
+              <a:off x="3562620" y="1984117"/>
               <a:ext cx="150146" cy="150146"/>
             </a:xfrm>
             <a:prstGeom prst="ellipse">
@@ -8336,7 +8336,7 @@
           </p:nvSpPr>
           <p:spPr>
             <a:xfrm>
-              <a:off x="3146964" y="2427567"/>
+              <a:off x="3150032" y="2428153"/>
               <a:ext cx="150146" cy="150146"/>
             </a:xfrm>
             <a:prstGeom prst="ellipse">
@@ -8371,7 +8371,7 @@
           </p:nvSpPr>
           <p:spPr>
             <a:xfrm>
-              <a:off x="4068365" y="2042285"/>
+              <a:off x="4073528" y="2042724"/>
               <a:ext cx="159800" cy="159800"/>
             </a:xfrm>
             <a:prstGeom prst="ellipse">
@@ -8406,7 +8406,7 @@
           </p:nvSpPr>
           <p:spPr>
             <a:xfrm>
-              <a:off x="3858060" y="1910989"/>
+              <a:off x="3862757" y="1911379"/>
               <a:ext cx="168754" cy="168754"/>
             </a:xfrm>
             <a:prstGeom prst="ellipse">
@@ -8441,7 +8441,7 @@
           </p:nvSpPr>
           <p:spPr>
             <a:xfrm>
-              <a:off x="4065346" y="2229494"/>
+              <a:off x="4070509" y="2230006"/>
               <a:ext cx="165838" cy="165838"/>
             </a:xfrm>
             <a:prstGeom prst="ellipse">
@@ -8476,7 +8476,7 @@
           </p:nvSpPr>
           <p:spPr>
             <a:xfrm>
-              <a:off x="2939482" y="2235686"/>
+              <a:off x="2942084" y="2236199"/>
               <a:ext cx="153453" cy="153453"/>
             </a:xfrm>
             <a:prstGeom prst="ellipse">
@@ -8511,7 +8511,7 @@
           </p:nvSpPr>
           <p:spPr>
             <a:xfrm>
-              <a:off x="3962432" y="1722219"/>
+              <a:off x="3967362" y="1722536"/>
               <a:ext cx="165838" cy="165838"/>
             </a:xfrm>
             <a:prstGeom prst="ellipse">
@@ -8546,7 +8546,7 @@
           </p:nvSpPr>
           <p:spPr>
             <a:xfrm>
-              <a:off x="3856633" y="1846153"/>
+              <a:off x="3861330" y="1846519"/>
               <a:ext cx="171607" cy="171607"/>
             </a:xfrm>
             <a:prstGeom prst="ellipse">
@@ -8581,7 +8581,7 @@
           </p:nvSpPr>
           <p:spPr>
             <a:xfrm>
-              <a:off x="3859518" y="2166084"/>
+              <a:off x="3864215" y="2166572"/>
               <a:ext cx="165838" cy="165838"/>
             </a:xfrm>
             <a:prstGeom prst="ellipse">
@@ -8616,7 +8616,7 @@
           </p:nvSpPr>
           <p:spPr>
             <a:xfrm>
-              <a:off x="3454053" y="2299096"/>
+              <a:off x="3457820" y="2299633"/>
               <a:ext cx="153453" cy="153453"/>
             </a:xfrm>
             <a:prstGeom prst="ellipse">
@@ -8651,7 +8651,7 @@
           </p:nvSpPr>
           <p:spPr>
             <a:xfrm>
-              <a:off x="3658274" y="2170669"/>
+              <a:off x="3662506" y="2171157"/>
               <a:ext cx="156668" cy="156668"/>
             </a:xfrm>
             <a:prstGeom prst="ellipse">
@@ -8686,7 +8686,7 @@
           </p:nvSpPr>
           <p:spPr>
             <a:xfrm>
-              <a:off x="3344946" y="2039266"/>
+              <a:off x="3348480" y="2039705"/>
               <a:ext cx="165838" cy="165838"/>
             </a:xfrm>
             <a:prstGeom prst="ellipse">
@@ -8721,7 +8721,7 @@
           </p:nvSpPr>
           <p:spPr>
             <a:xfrm>
-              <a:off x="3044049" y="2237340"/>
+              <a:off x="3046885" y="2237852"/>
               <a:ext cx="150146" cy="150146"/>
             </a:xfrm>
             <a:prstGeom prst="ellipse">
@@ -8756,8 +8756,8 @@
           </p:nvSpPr>
           <p:spPr>
             <a:xfrm>
-              <a:off x="1166687" y="4240993"/>
-              <a:ext cx="57931" cy="73223"/>
+              <a:off x="1166687" y="4243057"/>
+              <a:ext cx="56623" cy="71635"/>
             </a:xfrm>
             <a:prstGeom prst="rect">
               <a:avLst/>
@@ -8802,8 +8802,8 @@
           </p:nvSpPr>
           <p:spPr>
             <a:xfrm>
-              <a:off x="1166687" y="2973006"/>
-              <a:ext cx="57931" cy="73025"/>
+              <a:off x="1166687" y="2974779"/>
+              <a:ext cx="56623" cy="71239"/>
             </a:xfrm>
             <a:prstGeom prst="rect">
               <a:avLst/>
@@ -8848,8 +8848,8 @@
           </p:nvSpPr>
           <p:spPr>
             <a:xfrm>
-              <a:off x="1166687" y="1703629"/>
-              <a:ext cx="57931" cy="74215"/>
+              <a:off x="1166687" y="1704715"/>
+              <a:ext cx="56623" cy="72628"/>
             </a:xfrm>
             <a:prstGeom prst="rect">
               <a:avLst/>
@@ -8894,7 +8894,7 @@
           </p:nvSpPr>
           <p:spPr>
             <a:xfrm>
-              <a:off x="1252454" y="4278101"/>
+              <a:off x="1251146" y="4279371"/>
               <a:ext cx="34794" cy="0"/>
             </a:xfrm>
             <a:custGeom>
@@ -8934,7 +8934,7 @@
           </p:nvSpPr>
           <p:spPr>
             <a:xfrm>
-              <a:off x="1252454" y="3009915"/>
+              <a:off x="1251146" y="3010696"/>
               <a:ext cx="34794" cy="0"/>
             </a:xfrm>
             <a:custGeom>
@@ -8974,7 +8974,7 @@
           </p:nvSpPr>
           <p:spPr>
             <a:xfrm>
-              <a:off x="1252454" y="1741729"/>
+              <a:off x="1251146" y="1742022"/>
               <a:ext cx="34794" cy="0"/>
             </a:xfrm>
             <a:custGeom>
@@ -9014,7 +9014,7 @@
           </p:nvSpPr>
           <p:spPr>
             <a:xfrm>
-              <a:off x="2192894" y="5099251"/>
+              <a:off x="2193635" y="5100838"/>
               <a:ext cx="0" cy="34794"/>
             </a:xfrm>
             <a:custGeom>
@@ -9054,7 +9054,7 @@
           </p:nvSpPr>
           <p:spPr>
             <a:xfrm>
-              <a:off x="3222037" y="5099251"/>
+              <a:off x="3225105" y="5100838"/>
               <a:ext cx="0" cy="34794"/>
             </a:xfrm>
             <a:custGeom>
@@ -9094,7 +9094,7 @@
           </p:nvSpPr>
           <p:spPr>
             <a:xfrm>
-              <a:off x="4251180" y="5099251"/>
+              <a:off x="4256575" y="5100838"/>
               <a:ext cx="0" cy="34794"/>
             </a:xfrm>
             <a:custGeom>
@@ -9134,7 +9134,7 @@
           </p:nvSpPr>
           <p:spPr>
             <a:xfrm>
-              <a:off x="5280323" y="5099251"/>
+              <a:off x="5288046" y="5100838"/>
               <a:ext cx="0" cy="34794"/>
             </a:xfrm>
             <a:custGeom>
@@ -9174,8 +9174,8 @@
           </p:nvSpPr>
           <p:spPr>
             <a:xfrm>
-              <a:off x="2163929" y="5160889"/>
-              <a:ext cx="57931" cy="73223"/>
+              <a:off x="2165323" y="5162476"/>
+              <a:ext cx="56623" cy="71635"/>
             </a:xfrm>
             <a:prstGeom prst="rect">
               <a:avLst/>
@@ -9220,8 +9220,8 @@
           </p:nvSpPr>
           <p:spPr>
             <a:xfrm>
-              <a:off x="3193071" y="5159896"/>
-              <a:ext cx="57931" cy="74215"/>
+              <a:off x="3196793" y="5161484"/>
+              <a:ext cx="56623" cy="72628"/>
             </a:xfrm>
             <a:prstGeom prst="rect">
               <a:avLst/>
@@ -9266,8 +9266,8 @@
           </p:nvSpPr>
           <p:spPr>
             <a:xfrm>
-              <a:off x="4222214" y="5161484"/>
-              <a:ext cx="57931" cy="72628"/>
+              <a:off x="4228263" y="5163071"/>
+              <a:ext cx="56623" cy="71040"/>
             </a:xfrm>
             <a:prstGeom prst="rect">
               <a:avLst/>
@@ -9312,8 +9312,8 @@
           </p:nvSpPr>
           <p:spPr>
             <a:xfrm>
-              <a:off x="5251357" y="5159896"/>
-              <a:ext cx="57931" cy="74215"/>
+              <a:off x="5259734" y="5161484"/>
+              <a:ext cx="56623" cy="72628"/>
             </a:xfrm>
             <a:prstGeom prst="rect">
               <a:avLst/>
@@ -9358,7 +9358,7 @@
           </p:nvSpPr>
           <p:spPr>
             <a:xfrm>
-              <a:off x="2960490" y="5272150"/>
+              <a:off x="2963791" y="5272150"/>
               <a:ext cx="728922" cy="119856"/>
             </a:xfrm>
             <a:prstGeom prst="rect">
@@ -9404,7 +9404,7 @@
           </p:nvSpPr>
           <p:spPr>
             <a:xfrm rot="-5400000">
-              <a:off x="657215" y="2981691"/>
+              <a:off x="657215" y="2982485"/>
               <a:ext cx="710300" cy="119856"/>
             </a:xfrm>
             <a:prstGeom prst="rect">
@@ -9450,8 +9450,8 @@
           </p:nvSpPr>
           <p:spPr>
             <a:xfrm>
-              <a:off x="5506654" y="1874935"/>
-              <a:ext cx="816647" cy="1303268"/>
+              <a:off x="5514563" y="1862223"/>
+              <a:ext cx="816647" cy="1299212"/>
             </a:xfrm>
             <a:prstGeom prst="rect">
               <a:avLst/>
@@ -9476,7 +9476,7 @@
           </p:nvSpPr>
           <p:spPr>
             <a:xfrm>
-              <a:off x="5578654" y="1938799"/>
+              <a:off x="5586563" y="1926782"/>
               <a:ext cx="672647" cy="96440"/>
             </a:xfrm>
             <a:prstGeom prst="rect">
@@ -9522,7 +9522,7 @@
           </p:nvSpPr>
           <p:spPr>
             <a:xfrm>
-              <a:off x="5578654" y="2085532"/>
+              <a:off x="5586563" y="2068764"/>
               <a:ext cx="215999" cy="201168"/>
             </a:xfrm>
             <a:prstGeom prst="rect">
@@ -9557,7 +9557,7 @@
           </p:nvSpPr>
           <p:spPr>
             <a:xfrm>
-              <a:off x="5640944" y="2140405"/>
+              <a:off x="5648852" y="2123637"/>
               <a:ext cx="91421" cy="91421"/>
             </a:xfrm>
             <a:prstGeom prst="ellipse">
@@ -9592,7 +9592,7 @@
           </p:nvSpPr>
           <p:spPr>
             <a:xfrm>
-              <a:off x="5578654" y="2286700"/>
+              <a:off x="5586563" y="2269932"/>
               <a:ext cx="215999" cy="201168"/>
             </a:xfrm>
             <a:prstGeom prst="rect">
@@ -9627,7 +9627,7 @@
           </p:nvSpPr>
           <p:spPr>
             <a:xfrm>
-              <a:off x="5627114" y="2327743"/>
+              <a:off x="5635022" y="2310975"/>
               <a:ext cx="119081" cy="119081"/>
             </a:xfrm>
             <a:prstGeom prst="ellipse">
@@ -9662,7 +9662,7 @@
           </p:nvSpPr>
           <p:spPr>
             <a:xfrm>
-              <a:off x="5578654" y="2487868"/>
+              <a:off x="5586563" y="2471100"/>
               <a:ext cx="215999" cy="201168"/>
             </a:xfrm>
             <a:prstGeom prst="rect">
@@ -9697,7 +9697,7 @@
           </p:nvSpPr>
           <p:spPr>
             <a:xfrm>
-              <a:off x="5616856" y="2518654"/>
+              <a:off x="5624765" y="2501886"/>
               <a:ext cx="139595" cy="139595"/>
             </a:xfrm>
             <a:prstGeom prst="ellipse">
@@ -9732,7 +9732,7 @@
           </p:nvSpPr>
           <p:spPr>
             <a:xfrm>
-              <a:off x="5578654" y="2689036"/>
+              <a:off x="5586563" y="2672268"/>
               <a:ext cx="215999" cy="201168"/>
             </a:xfrm>
             <a:prstGeom prst="rect">
@@ -9767,7 +9767,7 @@
           </p:nvSpPr>
           <p:spPr>
             <a:xfrm>
-              <a:off x="5608320" y="2711285"/>
+              <a:off x="5616229" y="2694517"/>
               <a:ext cx="156668" cy="156668"/>
             </a:xfrm>
             <a:prstGeom prst="ellipse">
@@ -9802,7 +9802,7 @@
           </p:nvSpPr>
           <p:spPr>
             <a:xfrm>
-              <a:off x="5578654" y="2890204"/>
+              <a:off x="5586563" y="2873436"/>
               <a:ext cx="215999" cy="215999"/>
             </a:xfrm>
             <a:prstGeom prst="rect">
@@ -9837,7 +9837,7 @@
           </p:nvSpPr>
           <p:spPr>
             <a:xfrm>
-              <a:off x="5600851" y="2912400"/>
+              <a:off x="5608759" y="2895632"/>
               <a:ext cx="171607" cy="171607"/>
             </a:xfrm>
             <a:prstGeom prst="ellipse">
@@ -9872,8 +9872,8 @@
           </p:nvSpPr>
           <p:spPr>
             <a:xfrm>
-              <a:off x="5819800" y="2148016"/>
-              <a:ext cx="144716" cy="74215"/>
+              <a:off x="5827709" y="2132041"/>
+              <a:ext cx="141450" cy="72628"/>
             </a:xfrm>
             <a:prstGeom prst="rect">
               <a:avLst/>
@@ -9918,8 +9918,8 @@
           </p:nvSpPr>
           <p:spPr>
             <a:xfrm>
-              <a:off x="5819800" y="2349184"/>
-              <a:ext cx="144716" cy="74215"/>
+              <a:off x="5827709" y="2333209"/>
+              <a:ext cx="141450" cy="72628"/>
             </a:xfrm>
             <a:prstGeom prst="rect">
               <a:avLst/>
@@ -9964,8 +9964,8 @@
           </p:nvSpPr>
           <p:spPr>
             <a:xfrm>
-              <a:off x="5819800" y="2550947"/>
-              <a:ext cx="144716" cy="73620"/>
+              <a:off x="5827709" y="2534973"/>
+              <a:ext cx="141450" cy="72032"/>
             </a:xfrm>
             <a:prstGeom prst="rect">
               <a:avLst/>
@@ -10010,8 +10010,8 @@
           </p:nvSpPr>
           <p:spPr>
             <a:xfrm>
-              <a:off x="5819800" y="2751520"/>
-              <a:ext cx="144716" cy="74215"/>
+              <a:off x="5827709" y="2735545"/>
+              <a:ext cx="141450" cy="72628"/>
             </a:xfrm>
             <a:prstGeom prst="rect">
               <a:avLst/>
@@ -10056,8 +10056,8 @@
           </p:nvSpPr>
           <p:spPr>
             <a:xfrm>
-              <a:off x="5819800" y="2960104"/>
-              <a:ext cx="144716" cy="74215"/>
+              <a:off x="5827709" y="2944129"/>
+              <a:ext cx="141450" cy="72628"/>
             </a:xfrm>
             <a:prstGeom prst="rect">
               <a:avLst/>
@@ -10102,8 +10102,8 @@
           </p:nvSpPr>
           <p:spPr>
             <a:xfrm>
-              <a:off x="5506654" y="3322204"/>
-              <a:ext cx="824556" cy="886100"/>
+              <a:off x="5514563" y="3305436"/>
+              <a:ext cx="814304" cy="917168"/>
             </a:xfrm>
             <a:prstGeom prst="rect">
               <a:avLst/>
@@ -10128,7 +10128,7 @@
           </p:nvSpPr>
           <p:spPr>
             <a:xfrm>
-              <a:off x="5578654" y="3367216"/>
+              <a:off x="5586563" y="3362850"/>
               <a:ext cx="422374" cy="115292"/>
             </a:xfrm>
             <a:prstGeom prst="rect">
@@ -10174,8 +10174,8 @@
           </p:nvSpPr>
           <p:spPr>
             <a:xfrm>
-              <a:off x="5578654" y="3532800"/>
-              <a:ext cx="201167" cy="201168"/>
+              <a:off x="5586563" y="3547100"/>
+              <a:ext cx="201167" cy="201167"/>
             </a:xfrm>
             <a:prstGeom prst="rect">
               <a:avLst/>
@@ -10209,7 +10209,7 @@
           </p:nvSpPr>
           <p:spPr>
             <a:xfrm>
-              <a:off x="5654412" y="3608558"/>
+              <a:off x="5662321" y="3622858"/>
               <a:ext cx="49651" cy="49651"/>
             </a:xfrm>
             <a:prstGeom prst="ellipse">
@@ -10244,7 +10244,7 @@
           </p:nvSpPr>
           <p:spPr>
             <a:xfrm>
-              <a:off x="5578654" y="3733968"/>
+              <a:off x="5586563" y="3748268"/>
               <a:ext cx="201167" cy="201168"/>
             </a:xfrm>
             <a:prstGeom prst="rect">
@@ -10279,7 +10279,7 @@
           </p:nvSpPr>
           <p:spPr>
             <a:xfrm>
-              <a:off x="5654412" y="3809726"/>
+              <a:off x="5662321" y="3824026"/>
               <a:ext cx="49651" cy="49651"/>
             </a:xfrm>
             <a:prstGeom prst="ellipse">
@@ -10314,7 +10314,7 @@
           </p:nvSpPr>
           <p:spPr>
             <a:xfrm>
-              <a:off x="5578654" y="3935136"/>
+              <a:off x="5586563" y="3949436"/>
               <a:ext cx="201167" cy="201167"/>
             </a:xfrm>
             <a:prstGeom prst="rect">
@@ -10349,7 +10349,7 @@
           </p:nvSpPr>
           <p:spPr>
             <a:xfrm>
-              <a:off x="5654412" y="4010894"/>
+              <a:off x="5662321" y="4025194"/>
               <a:ext cx="49651" cy="49651"/>
             </a:xfrm>
             <a:prstGeom prst="ellipse">
@@ -10384,8 +10384,8 @@
           </p:nvSpPr>
           <p:spPr>
             <a:xfrm>
-              <a:off x="5804968" y="3601634"/>
-              <a:ext cx="299591" cy="67865"/>
+              <a:off x="5812877" y="3616727"/>
+              <a:ext cx="292829" cy="66278"/>
             </a:xfrm>
             <a:prstGeom prst="rect">
               <a:avLst/>
@@ -10430,8 +10430,8 @@
           </p:nvSpPr>
           <p:spPr>
             <a:xfrm>
-              <a:off x="5804968" y="3791888"/>
-              <a:ext cx="454242" cy="78779"/>
+              <a:off x="5812877" y="3807180"/>
+              <a:ext cx="443990" cy="76993"/>
             </a:xfrm>
             <a:prstGeom prst="rect">
               <a:avLst/>
@@ -10476,8 +10476,8 @@
           </p:nvSpPr>
           <p:spPr>
             <a:xfrm>
-              <a:off x="5804968" y="3977380"/>
-              <a:ext cx="387101" cy="94456"/>
+              <a:off x="5812877" y="3993068"/>
+              <a:ext cx="378365" cy="92273"/>
             </a:xfrm>
             <a:prstGeom prst="rect">
               <a:avLst/>
@@ -10560,9 +10560,9 @@
                               <a:alpha val="100000"/>
                             </a:srgbClr>
                           </a:solidFill>
-                          <a:latin typeface="Helvetica"/>
-                          <a:ea typeface="Helvetica"/>
-                          <a:cs typeface="Helvetica"/>
+                          <a:latin typeface="Times New Roman"/>
+                          <a:ea typeface="Times New Roman"/>
+                          <a:cs typeface="Times New Roman"/>
                         </a:rPr>
                         <a:t>Sepal.Length</a:t>
                       </a:r>
@@ -10629,9 +10629,9 @@
                               <a:alpha val="100000"/>
                             </a:srgbClr>
                           </a:solidFill>
-                          <a:latin typeface="Helvetica"/>
-                          <a:ea typeface="Helvetica"/>
-                          <a:cs typeface="Helvetica"/>
+                          <a:latin typeface="Times New Roman"/>
+                          <a:ea typeface="Times New Roman"/>
+                          <a:cs typeface="Times New Roman"/>
                         </a:rPr>
                         <a:t>Sepal.Width</a:t>
                       </a:r>
@@ -10698,9 +10698,9 @@
                               <a:alpha val="100000"/>
                             </a:srgbClr>
                           </a:solidFill>
-                          <a:latin typeface="Helvetica"/>
-                          <a:ea typeface="Helvetica"/>
-                          <a:cs typeface="Helvetica"/>
+                          <a:latin typeface="Times New Roman"/>
+                          <a:ea typeface="Times New Roman"/>
+                          <a:cs typeface="Times New Roman"/>
                         </a:rPr>
                         <a:t>Petal.Length</a:t>
                       </a:r>
@@ -10767,9 +10767,9 @@
                               <a:alpha val="100000"/>
                             </a:srgbClr>
                           </a:solidFill>
-                          <a:latin typeface="Helvetica"/>
-                          <a:ea typeface="Helvetica"/>
-                          <a:cs typeface="Helvetica"/>
+                          <a:latin typeface="Times New Roman"/>
+                          <a:ea typeface="Times New Roman"/>
+                          <a:cs typeface="Times New Roman"/>
                         </a:rPr>
                         <a:t>Petal.Width</a:t>
                       </a:r>
@@ -10836,9 +10836,9 @@
                               <a:alpha val="100000"/>
                             </a:srgbClr>
                           </a:solidFill>
-                          <a:latin typeface="Helvetica"/>
-                          <a:ea typeface="Helvetica"/>
-                          <a:cs typeface="Helvetica"/>
+                          <a:latin typeface="Times New Roman"/>
+                          <a:ea typeface="Times New Roman"/>
+                          <a:cs typeface="Times New Roman"/>
                         </a:rPr>
                         <a:t>Species</a:t>
                       </a:r>
@@ -10907,9 +10907,9 @@
                               <a:alpha val="100000"/>
                             </a:srgbClr>
                           </a:solidFill>
-                          <a:latin typeface="Helvetica"/>
-                          <a:ea typeface="Helvetica"/>
-                          <a:cs typeface="Helvetica"/>
+                          <a:latin typeface="Times New Roman"/>
+                          <a:ea typeface="Times New Roman"/>
+                          <a:cs typeface="Times New Roman"/>
                         </a:rPr>
                         <a:t/>
                       </a:r>
@@ -10920,9 +10920,9 @@
                               <a:alpha val="100000"/>
                             </a:srgbClr>
                           </a:solidFill>
-                          <a:latin typeface="Helvetica"/>
-                          <a:ea typeface="Helvetica"/>
-                          <a:cs typeface="Helvetica"/>
+                          <a:latin typeface="Times New Roman"/>
+                          <a:ea typeface="Times New Roman"/>
+                          <a:cs typeface="Times New Roman"/>
                         </a:rPr>
                         <a:t>5.1</a:t>
                       </a:r>
@@ -10989,9 +10989,9 @@
                               <a:alpha val="100000"/>
                             </a:srgbClr>
                           </a:solidFill>
-                          <a:latin typeface="Helvetica"/>
-                          <a:ea typeface="Helvetica"/>
-                          <a:cs typeface="Helvetica"/>
+                          <a:latin typeface="Times New Roman"/>
+                          <a:ea typeface="Times New Roman"/>
+                          <a:cs typeface="Times New Roman"/>
                         </a:rPr>
                         <a:t/>
                       </a:r>
@@ -11002,9 +11002,9 @@
                               <a:alpha val="100000"/>
                             </a:srgbClr>
                           </a:solidFill>
-                          <a:latin typeface="Helvetica"/>
-                          <a:ea typeface="Helvetica"/>
-                          <a:cs typeface="Helvetica"/>
+                          <a:latin typeface="Times New Roman"/>
+                          <a:ea typeface="Times New Roman"/>
+                          <a:cs typeface="Times New Roman"/>
                         </a:rPr>
                         <a:t>3.5</a:t>
                       </a:r>
@@ -11071,9 +11071,9 @@
                               <a:alpha val="100000"/>
                             </a:srgbClr>
                           </a:solidFill>
-                          <a:latin typeface="Helvetica"/>
-                          <a:ea typeface="Helvetica"/>
-                          <a:cs typeface="Helvetica"/>
+                          <a:latin typeface="Times New Roman"/>
+                          <a:ea typeface="Times New Roman"/>
+                          <a:cs typeface="Times New Roman"/>
                         </a:rPr>
                         <a:t/>
                       </a:r>
@@ -11084,9 +11084,9 @@
                               <a:alpha val="100000"/>
                             </a:srgbClr>
                           </a:solidFill>
-                          <a:latin typeface="Helvetica"/>
-                          <a:ea typeface="Helvetica"/>
-                          <a:cs typeface="Helvetica"/>
+                          <a:latin typeface="Times New Roman"/>
+                          <a:ea typeface="Times New Roman"/>
+                          <a:cs typeface="Times New Roman"/>
                         </a:rPr>
                         <a:t>1.4</a:t>
                       </a:r>
@@ -11153,9 +11153,9 @@
                               <a:alpha val="100000"/>
                             </a:srgbClr>
                           </a:solidFill>
-                          <a:latin typeface="Helvetica"/>
-                          <a:ea typeface="Helvetica"/>
-                          <a:cs typeface="Helvetica"/>
+                          <a:latin typeface="Times New Roman"/>
+                          <a:ea typeface="Times New Roman"/>
+                          <a:cs typeface="Times New Roman"/>
                         </a:rPr>
                         <a:t/>
                       </a:r>
@@ -11166,9 +11166,9 @@
                               <a:alpha val="100000"/>
                             </a:srgbClr>
                           </a:solidFill>
-                          <a:latin typeface="Helvetica"/>
-                          <a:ea typeface="Helvetica"/>
-                          <a:cs typeface="Helvetica"/>
+                          <a:latin typeface="Times New Roman"/>
+                          <a:ea typeface="Times New Roman"/>
+                          <a:cs typeface="Times New Roman"/>
                         </a:rPr>
                         <a:t>0.2</a:t>
                       </a:r>
@@ -11235,9 +11235,9 @@
                               <a:alpha val="100000"/>
                             </a:srgbClr>
                           </a:solidFill>
-                          <a:latin typeface="Helvetica"/>
-                          <a:ea typeface="Helvetica"/>
-                          <a:cs typeface="Helvetica"/>
+                          <a:latin typeface="Times New Roman"/>
+                          <a:ea typeface="Times New Roman"/>
+                          <a:cs typeface="Times New Roman"/>
                         </a:rPr>
                         <a:t/>
                       </a:r>
@@ -11248,9 +11248,9 @@
                               <a:alpha val="100000"/>
                             </a:srgbClr>
                           </a:solidFill>
-                          <a:latin typeface="Helvetica"/>
-                          <a:ea typeface="Helvetica"/>
-                          <a:cs typeface="Helvetica"/>
+                          <a:latin typeface="Times New Roman"/>
+                          <a:ea typeface="Times New Roman"/>
+                          <a:cs typeface="Times New Roman"/>
                         </a:rPr>
                         <a:t>setosa</a:t>
                       </a:r>
@@ -11319,9 +11319,9 @@
                               <a:alpha val="100000"/>
                             </a:srgbClr>
                           </a:solidFill>
-                          <a:latin typeface="Helvetica"/>
-                          <a:ea typeface="Helvetica"/>
-                          <a:cs typeface="Helvetica"/>
+                          <a:latin typeface="Times New Roman"/>
+                          <a:ea typeface="Times New Roman"/>
+                          <a:cs typeface="Times New Roman"/>
                         </a:rPr>
                         <a:t/>
                       </a:r>
@@ -11332,9 +11332,9 @@
                               <a:alpha val="100000"/>
                             </a:srgbClr>
                           </a:solidFill>
-                          <a:latin typeface="Helvetica"/>
-                          <a:ea typeface="Helvetica"/>
-                          <a:cs typeface="Helvetica"/>
+                          <a:latin typeface="Times New Roman"/>
+                          <a:ea typeface="Times New Roman"/>
+                          <a:cs typeface="Times New Roman"/>
                         </a:rPr>
                         <a:t>4.9</a:t>
                       </a:r>
@@ -11401,9 +11401,9 @@
                               <a:alpha val="100000"/>
                             </a:srgbClr>
                           </a:solidFill>
-                          <a:latin typeface="Helvetica"/>
-                          <a:ea typeface="Helvetica"/>
-                          <a:cs typeface="Helvetica"/>
+                          <a:latin typeface="Times New Roman"/>
+                          <a:ea typeface="Times New Roman"/>
+                          <a:cs typeface="Times New Roman"/>
                         </a:rPr>
                         <a:t/>
                       </a:r>
@@ -11414,9 +11414,9 @@
                               <a:alpha val="100000"/>
                             </a:srgbClr>
                           </a:solidFill>
-                          <a:latin typeface="Helvetica"/>
-                          <a:ea typeface="Helvetica"/>
-                          <a:cs typeface="Helvetica"/>
+                          <a:latin typeface="Times New Roman"/>
+                          <a:ea typeface="Times New Roman"/>
+                          <a:cs typeface="Times New Roman"/>
                         </a:rPr>
                         <a:t>3.0</a:t>
                       </a:r>
@@ -11483,9 +11483,9 @@
                               <a:alpha val="100000"/>
                             </a:srgbClr>
                           </a:solidFill>
-                          <a:latin typeface="Helvetica"/>
-                          <a:ea typeface="Helvetica"/>
-                          <a:cs typeface="Helvetica"/>
+                          <a:latin typeface="Times New Roman"/>
+                          <a:ea typeface="Times New Roman"/>
+                          <a:cs typeface="Times New Roman"/>
                         </a:rPr>
                         <a:t/>
                       </a:r>
@@ -11496,9 +11496,9 @@
                               <a:alpha val="100000"/>
                             </a:srgbClr>
                           </a:solidFill>
-                          <a:latin typeface="Helvetica"/>
-                          <a:ea typeface="Helvetica"/>
-                          <a:cs typeface="Helvetica"/>
+                          <a:latin typeface="Times New Roman"/>
+                          <a:ea typeface="Times New Roman"/>
+                          <a:cs typeface="Times New Roman"/>
                         </a:rPr>
                         <a:t>1.4</a:t>
                       </a:r>
@@ -11565,9 +11565,9 @@
                               <a:alpha val="100000"/>
                             </a:srgbClr>
                           </a:solidFill>
-                          <a:latin typeface="Helvetica"/>
-                          <a:ea typeface="Helvetica"/>
-                          <a:cs typeface="Helvetica"/>
+                          <a:latin typeface="Times New Roman"/>
+                          <a:ea typeface="Times New Roman"/>
+                          <a:cs typeface="Times New Roman"/>
                         </a:rPr>
                         <a:t/>
                       </a:r>
@@ -11578,9 +11578,9 @@
                               <a:alpha val="100000"/>
                             </a:srgbClr>
                           </a:solidFill>
-                          <a:latin typeface="Helvetica"/>
-                          <a:ea typeface="Helvetica"/>
-                          <a:cs typeface="Helvetica"/>
+                          <a:latin typeface="Times New Roman"/>
+                          <a:ea typeface="Times New Roman"/>
+                          <a:cs typeface="Times New Roman"/>
                         </a:rPr>
                         <a:t>0.2</a:t>
                       </a:r>
@@ -11647,9 +11647,9 @@
                               <a:alpha val="100000"/>
                             </a:srgbClr>
                           </a:solidFill>
-                          <a:latin typeface="Helvetica"/>
-                          <a:ea typeface="Helvetica"/>
-                          <a:cs typeface="Helvetica"/>
+                          <a:latin typeface="Times New Roman"/>
+                          <a:ea typeface="Times New Roman"/>
+                          <a:cs typeface="Times New Roman"/>
                         </a:rPr>
                         <a:t/>
                       </a:r>
@@ -11660,9 +11660,9 @@
                               <a:alpha val="100000"/>
                             </a:srgbClr>
                           </a:solidFill>
-                          <a:latin typeface="Helvetica"/>
-                          <a:ea typeface="Helvetica"/>
-                          <a:cs typeface="Helvetica"/>
+                          <a:latin typeface="Times New Roman"/>
+                          <a:ea typeface="Times New Roman"/>
+                          <a:cs typeface="Times New Roman"/>
                         </a:rPr>
                         <a:t>setosa</a:t>
                       </a:r>
@@ -11731,9 +11731,9 @@
                               <a:alpha val="100000"/>
                             </a:srgbClr>
                           </a:solidFill>
-                          <a:latin typeface="Helvetica"/>
-                          <a:ea typeface="Helvetica"/>
-                          <a:cs typeface="Helvetica"/>
+                          <a:latin typeface="Times New Roman"/>
+                          <a:ea typeface="Times New Roman"/>
+                          <a:cs typeface="Times New Roman"/>
                         </a:rPr>
                         <a:t/>
                       </a:r>
@@ -11744,9 +11744,9 @@
                               <a:alpha val="100000"/>
                             </a:srgbClr>
                           </a:solidFill>
-                          <a:latin typeface="Helvetica"/>
-                          <a:ea typeface="Helvetica"/>
-                          <a:cs typeface="Helvetica"/>
+                          <a:latin typeface="Times New Roman"/>
+                          <a:ea typeface="Times New Roman"/>
+                          <a:cs typeface="Times New Roman"/>
                         </a:rPr>
                         <a:t>4.7</a:t>
                       </a:r>
@@ -11813,9 +11813,9 @@
                               <a:alpha val="100000"/>
                             </a:srgbClr>
                           </a:solidFill>
-                          <a:latin typeface="Helvetica"/>
-                          <a:ea typeface="Helvetica"/>
-                          <a:cs typeface="Helvetica"/>
+                          <a:latin typeface="Times New Roman"/>
+                          <a:ea typeface="Times New Roman"/>
+                          <a:cs typeface="Times New Roman"/>
                         </a:rPr>
                         <a:t/>
                       </a:r>
@@ -11826,9 +11826,9 @@
                               <a:alpha val="100000"/>
                             </a:srgbClr>
                           </a:solidFill>
-                          <a:latin typeface="Helvetica"/>
-                          <a:ea typeface="Helvetica"/>
-                          <a:cs typeface="Helvetica"/>
+                          <a:latin typeface="Times New Roman"/>
+                          <a:ea typeface="Times New Roman"/>
+                          <a:cs typeface="Times New Roman"/>
                         </a:rPr>
                         <a:t>3.2</a:t>
                       </a:r>
@@ -11895,9 +11895,9 @@
                               <a:alpha val="100000"/>
                             </a:srgbClr>
                           </a:solidFill>
-                          <a:latin typeface="Helvetica"/>
-                          <a:ea typeface="Helvetica"/>
-                          <a:cs typeface="Helvetica"/>
+                          <a:latin typeface="Times New Roman"/>
+                          <a:ea typeface="Times New Roman"/>
+                          <a:cs typeface="Times New Roman"/>
                         </a:rPr>
                         <a:t/>
                       </a:r>
@@ -11908,9 +11908,9 @@
                               <a:alpha val="100000"/>
                             </a:srgbClr>
                           </a:solidFill>
-                          <a:latin typeface="Helvetica"/>
-                          <a:ea typeface="Helvetica"/>
-                          <a:cs typeface="Helvetica"/>
+                          <a:latin typeface="Times New Roman"/>
+                          <a:ea typeface="Times New Roman"/>
+                          <a:cs typeface="Times New Roman"/>
                         </a:rPr>
                         <a:t>1.3</a:t>
                       </a:r>
@@ -11977,9 +11977,9 @@
                               <a:alpha val="100000"/>
                             </a:srgbClr>
                           </a:solidFill>
-                          <a:latin typeface="Helvetica"/>
-                          <a:ea typeface="Helvetica"/>
-                          <a:cs typeface="Helvetica"/>
+                          <a:latin typeface="Times New Roman"/>
+                          <a:ea typeface="Times New Roman"/>
+                          <a:cs typeface="Times New Roman"/>
                         </a:rPr>
                         <a:t/>
                       </a:r>
@@ -11990,9 +11990,9 @@
                               <a:alpha val="100000"/>
                             </a:srgbClr>
                           </a:solidFill>
-                          <a:latin typeface="Helvetica"/>
-                          <a:ea typeface="Helvetica"/>
-                          <a:cs typeface="Helvetica"/>
+                          <a:latin typeface="Times New Roman"/>
+                          <a:ea typeface="Times New Roman"/>
+                          <a:cs typeface="Times New Roman"/>
                         </a:rPr>
                         <a:t>0.2</a:t>
                       </a:r>
@@ -12059,9 +12059,9 @@
                               <a:alpha val="100000"/>
                             </a:srgbClr>
                           </a:solidFill>
-                          <a:latin typeface="Helvetica"/>
-                          <a:ea typeface="Helvetica"/>
-                          <a:cs typeface="Helvetica"/>
+                          <a:latin typeface="Times New Roman"/>
+                          <a:ea typeface="Times New Roman"/>
+                          <a:cs typeface="Times New Roman"/>
                         </a:rPr>
                         <a:t/>
                       </a:r>
@@ -12072,9 +12072,9 @@
                               <a:alpha val="100000"/>
                             </a:srgbClr>
                           </a:solidFill>
-                          <a:latin typeface="Helvetica"/>
-                          <a:ea typeface="Helvetica"/>
-                          <a:cs typeface="Helvetica"/>
+                          <a:latin typeface="Times New Roman"/>
+                          <a:ea typeface="Times New Roman"/>
+                          <a:cs typeface="Times New Roman"/>
                         </a:rPr>
                         <a:t>setosa</a:t>
                       </a:r>
@@ -12143,9 +12143,9 @@
                               <a:alpha val="100000"/>
                             </a:srgbClr>
                           </a:solidFill>
-                          <a:latin typeface="Helvetica"/>
-                          <a:ea typeface="Helvetica"/>
-                          <a:cs typeface="Helvetica"/>
+                          <a:latin typeface="Times New Roman"/>
+                          <a:ea typeface="Times New Roman"/>
+                          <a:cs typeface="Times New Roman"/>
                         </a:rPr>
                         <a:t/>
                       </a:r>
@@ -12156,9 +12156,9 @@
                               <a:alpha val="100000"/>
                             </a:srgbClr>
                           </a:solidFill>
-                          <a:latin typeface="Helvetica"/>
-                          <a:ea typeface="Helvetica"/>
-                          <a:cs typeface="Helvetica"/>
+                          <a:latin typeface="Times New Roman"/>
+                          <a:ea typeface="Times New Roman"/>
+                          <a:cs typeface="Times New Roman"/>
                         </a:rPr>
                         <a:t>4.6</a:t>
                       </a:r>
@@ -12225,9 +12225,9 @@
                               <a:alpha val="100000"/>
                             </a:srgbClr>
                           </a:solidFill>
-                          <a:latin typeface="Helvetica"/>
-                          <a:ea typeface="Helvetica"/>
-                          <a:cs typeface="Helvetica"/>
+                          <a:latin typeface="Times New Roman"/>
+                          <a:ea typeface="Times New Roman"/>
+                          <a:cs typeface="Times New Roman"/>
                         </a:rPr>
                         <a:t/>
                       </a:r>
@@ -12238,9 +12238,9 @@
                               <a:alpha val="100000"/>
                             </a:srgbClr>
                           </a:solidFill>
-                          <a:latin typeface="Helvetica"/>
-                          <a:ea typeface="Helvetica"/>
-                          <a:cs typeface="Helvetica"/>
+                          <a:latin typeface="Times New Roman"/>
+                          <a:ea typeface="Times New Roman"/>
+                          <a:cs typeface="Times New Roman"/>
                         </a:rPr>
                         <a:t>3.1</a:t>
                       </a:r>
@@ -12307,9 +12307,9 @@
                               <a:alpha val="100000"/>
                             </a:srgbClr>
                           </a:solidFill>
-                          <a:latin typeface="Helvetica"/>
-                          <a:ea typeface="Helvetica"/>
-                          <a:cs typeface="Helvetica"/>
+                          <a:latin typeface="Times New Roman"/>
+                          <a:ea typeface="Times New Roman"/>
+                          <a:cs typeface="Times New Roman"/>
                         </a:rPr>
                         <a:t/>
                       </a:r>
@@ -12320,9 +12320,9 @@
                               <a:alpha val="100000"/>
                             </a:srgbClr>
                           </a:solidFill>
-                          <a:latin typeface="Helvetica"/>
-                          <a:ea typeface="Helvetica"/>
-                          <a:cs typeface="Helvetica"/>
+                          <a:latin typeface="Times New Roman"/>
+                          <a:ea typeface="Times New Roman"/>
+                          <a:cs typeface="Times New Roman"/>
                         </a:rPr>
                         <a:t>1.5</a:t>
                       </a:r>
@@ -12389,9 +12389,9 @@
                               <a:alpha val="100000"/>
                             </a:srgbClr>
                           </a:solidFill>
-                          <a:latin typeface="Helvetica"/>
-                          <a:ea typeface="Helvetica"/>
-                          <a:cs typeface="Helvetica"/>
+                          <a:latin typeface="Times New Roman"/>
+                          <a:ea typeface="Times New Roman"/>
+                          <a:cs typeface="Times New Roman"/>
                         </a:rPr>
                         <a:t/>
                       </a:r>
@@ -12402,9 +12402,9 @@
                               <a:alpha val="100000"/>
                             </a:srgbClr>
                           </a:solidFill>
-                          <a:latin typeface="Helvetica"/>
-                          <a:ea typeface="Helvetica"/>
-                          <a:cs typeface="Helvetica"/>
+                          <a:latin typeface="Times New Roman"/>
+                          <a:ea typeface="Times New Roman"/>
+                          <a:cs typeface="Times New Roman"/>
                         </a:rPr>
                         <a:t>0.2</a:t>
                       </a:r>
@@ -12471,9 +12471,9 @@
                               <a:alpha val="100000"/>
                             </a:srgbClr>
                           </a:solidFill>
-                          <a:latin typeface="Helvetica"/>
-                          <a:ea typeface="Helvetica"/>
-                          <a:cs typeface="Helvetica"/>
+                          <a:latin typeface="Times New Roman"/>
+                          <a:ea typeface="Times New Roman"/>
+                          <a:cs typeface="Times New Roman"/>
                         </a:rPr>
                         <a:t/>
                       </a:r>
@@ -12484,9 +12484,9 @@
                               <a:alpha val="100000"/>
                             </a:srgbClr>
                           </a:solidFill>
-                          <a:latin typeface="Helvetica"/>
-                          <a:ea typeface="Helvetica"/>
-                          <a:cs typeface="Helvetica"/>
+                          <a:latin typeface="Times New Roman"/>
+                          <a:ea typeface="Times New Roman"/>
+                          <a:cs typeface="Times New Roman"/>
                         </a:rPr>
                         <a:t>setosa</a:t>
                       </a:r>
@@ -12555,9 +12555,9 @@
                               <a:alpha val="100000"/>
                             </a:srgbClr>
                           </a:solidFill>
-                          <a:latin typeface="Helvetica"/>
-                          <a:ea typeface="Helvetica"/>
-                          <a:cs typeface="Helvetica"/>
+                          <a:latin typeface="Times New Roman"/>
+                          <a:ea typeface="Times New Roman"/>
+                          <a:cs typeface="Times New Roman"/>
                         </a:rPr>
                         <a:t/>
                       </a:r>
@@ -12568,9 +12568,9 @@
                               <a:alpha val="100000"/>
                             </a:srgbClr>
                           </a:solidFill>
-                          <a:latin typeface="Helvetica"/>
-                          <a:ea typeface="Helvetica"/>
-                          <a:cs typeface="Helvetica"/>
+                          <a:latin typeface="Times New Roman"/>
+                          <a:ea typeface="Times New Roman"/>
+                          <a:cs typeface="Times New Roman"/>
                         </a:rPr>
                         <a:t>5.0</a:t>
                       </a:r>
@@ -12637,9 +12637,9 @@
                               <a:alpha val="100000"/>
                             </a:srgbClr>
                           </a:solidFill>
-                          <a:latin typeface="Helvetica"/>
-                          <a:ea typeface="Helvetica"/>
-                          <a:cs typeface="Helvetica"/>
+                          <a:latin typeface="Times New Roman"/>
+                          <a:ea typeface="Times New Roman"/>
+                          <a:cs typeface="Times New Roman"/>
                         </a:rPr>
                         <a:t/>
                       </a:r>
@@ -12650,9 +12650,9 @@
                               <a:alpha val="100000"/>
                             </a:srgbClr>
                           </a:solidFill>
-                          <a:latin typeface="Helvetica"/>
-                          <a:ea typeface="Helvetica"/>
-                          <a:cs typeface="Helvetica"/>
+                          <a:latin typeface="Times New Roman"/>
+                          <a:ea typeface="Times New Roman"/>
+                          <a:cs typeface="Times New Roman"/>
                         </a:rPr>
                         <a:t>3.6</a:t>
                       </a:r>
@@ -12719,9 +12719,9 @@
                               <a:alpha val="100000"/>
                             </a:srgbClr>
                           </a:solidFill>
-                          <a:latin typeface="Helvetica"/>
-                          <a:ea typeface="Helvetica"/>
-                          <a:cs typeface="Helvetica"/>
+                          <a:latin typeface="Times New Roman"/>
+                          <a:ea typeface="Times New Roman"/>
+                          <a:cs typeface="Times New Roman"/>
                         </a:rPr>
                         <a:t/>
                       </a:r>
@@ -12732,9 +12732,9 @@
                               <a:alpha val="100000"/>
                             </a:srgbClr>
                           </a:solidFill>
-                          <a:latin typeface="Helvetica"/>
-                          <a:ea typeface="Helvetica"/>
-                          <a:cs typeface="Helvetica"/>
+                          <a:latin typeface="Times New Roman"/>
+                          <a:ea typeface="Times New Roman"/>
+                          <a:cs typeface="Times New Roman"/>
                         </a:rPr>
                         <a:t>1.4</a:t>
                       </a:r>
@@ -12801,9 +12801,9 @@
                               <a:alpha val="100000"/>
                             </a:srgbClr>
                           </a:solidFill>
-                          <a:latin typeface="Helvetica"/>
-                          <a:ea typeface="Helvetica"/>
-                          <a:cs typeface="Helvetica"/>
+                          <a:latin typeface="Times New Roman"/>
+                          <a:ea typeface="Times New Roman"/>
+                          <a:cs typeface="Times New Roman"/>
                         </a:rPr>
                         <a:t/>
                       </a:r>
@@ -12814,9 +12814,9 @@
                               <a:alpha val="100000"/>
                             </a:srgbClr>
                           </a:solidFill>
-                          <a:latin typeface="Helvetica"/>
-                          <a:ea typeface="Helvetica"/>
-                          <a:cs typeface="Helvetica"/>
+                          <a:latin typeface="Times New Roman"/>
+                          <a:ea typeface="Times New Roman"/>
+                          <a:cs typeface="Times New Roman"/>
                         </a:rPr>
                         <a:t>0.2</a:t>
                       </a:r>
@@ -12883,9 +12883,9 @@
                               <a:alpha val="100000"/>
                             </a:srgbClr>
                           </a:solidFill>
-                          <a:latin typeface="Helvetica"/>
-                          <a:ea typeface="Helvetica"/>
-                          <a:cs typeface="Helvetica"/>
+                          <a:latin typeface="Times New Roman"/>
+                          <a:ea typeface="Times New Roman"/>
+                          <a:cs typeface="Times New Roman"/>
                         </a:rPr>
                         <a:t/>
                       </a:r>
@@ -12896,9 +12896,9 @@
                               <a:alpha val="100000"/>
                             </a:srgbClr>
                           </a:solidFill>
-                          <a:latin typeface="Helvetica"/>
-                          <a:ea typeface="Helvetica"/>
-                          <a:cs typeface="Helvetica"/>
+                          <a:latin typeface="Times New Roman"/>
+                          <a:ea typeface="Times New Roman"/>
+                          <a:cs typeface="Times New Roman"/>
                         </a:rPr>
                         <a:t>setosa</a:t>
                       </a:r>
@@ -12967,9 +12967,9 @@
                               <a:alpha val="100000"/>
                             </a:srgbClr>
                           </a:solidFill>
-                          <a:latin typeface="Helvetica"/>
-                          <a:ea typeface="Helvetica"/>
-                          <a:cs typeface="Helvetica"/>
+                          <a:latin typeface="Times New Roman"/>
+                          <a:ea typeface="Times New Roman"/>
+                          <a:cs typeface="Times New Roman"/>
                         </a:rPr>
                         <a:t/>
                       </a:r>
@@ -12980,9 +12980,9 @@
                               <a:alpha val="100000"/>
                             </a:srgbClr>
                           </a:solidFill>
-                          <a:latin typeface="Helvetica"/>
-                          <a:ea typeface="Helvetica"/>
-                          <a:cs typeface="Helvetica"/>
+                          <a:latin typeface="Times New Roman"/>
+                          <a:ea typeface="Times New Roman"/>
+                          <a:cs typeface="Times New Roman"/>
                         </a:rPr>
                         <a:t>5.4</a:t>
                       </a:r>
@@ -13049,9 +13049,9 @@
                               <a:alpha val="100000"/>
                             </a:srgbClr>
                           </a:solidFill>
-                          <a:latin typeface="Helvetica"/>
-                          <a:ea typeface="Helvetica"/>
-                          <a:cs typeface="Helvetica"/>
+                          <a:latin typeface="Times New Roman"/>
+                          <a:ea typeface="Times New Roman"/>
+                          <a:cs typeface="Times New Roman"/>
                         </a:rPr>
                         <a:t/>
                       </a:r>
@@ -13062,9 +13062,9 @@
                               <a:alpha val="100000"/>
                             </a:srgbClr>
                           </a:solidFill>
-                          <a:latin typeface="Helvetica"/>
-                          <a:ea typeface="Helvetica"/>
-                          <a:cs typeface="Helvetica"/>
+                          <a:latin typeface="Times New Roman"/>
+                          <a:ea typeface="Times New Roman"/>
+                          <a:cs typeface="Times New Roman"/>
                         </a:rPr>
                         <a:t>3.9</a:t>
                       </a:r>
@@ -13131,9 +13131,9 @@
                               <a:alpha val="100000"/>
                             </a:srgbClr>
                           </a:solidFill>
-                          <a:latin typeface="Helvetica"/>
-                          <a:ea typeface="Helvetica"/>
-                          <a:cs typeface="Helvetica"/>
+                          <a:latin typeface="Times New Roman"/>
+                          <a:ea typeface="Times New Roman"/>
+                          <a:cs typeface="Times New Roman"/>
                         </a:rPr>
                         <a:t/>
                       </a:r>
@@ -13144,9 +13144,9 @@
                               <a:alpha val="100000"/>
                             </a:srgbClr>
                           </a:solidFill>
-                          <a:latin typeface="Helvetica"/>
-                          <a:ea typeface="Helvetica"/>
-                          <a:cs typeface="Helvetica"/>
+                          <a:latin typeface="Times New Roman"/>
+                          <a:ea typeface="Times New Roman"/>
+                          <a:cs typeface="Times New Roman"/>
                         </a:rPr>
                         <a:t>1.7</a:t>
                       </a:r>
@@ -13213,9 +13213,9 @@
                               <a:alpha val="100000"/>
                             </a:srgbClr>
                           </a:solidFill>
-                          <a:latin typeface="Helvetica"/>
-                          <a:ea typeface="Helvetica"/>
-                          <a:cs typeface="Helvetica"/>
+                          <a:latin typeface="Times New Roman"/>
+                          <a:ea typeface="Times New Roman"/>
+                          <a:cs typeface="Times New Roman"/>
                         </a:rPr>
                         <a:t/>
                       </a:r>
@@ -13226,9 +13226,9 @@
                               <a:alpha val="100000"/>
                             </a:srgbClr>
                           </a:solidFill>
-                          <a:latin typeface="Helvetica"/>
-                          <a:ea typeface="Helvetica"/>
-                          <a:cs typeface="Helvetica"/>
+                          <a:latin typeface="Times New Roman"/>
+                          <a:ea typeface="Times New Roman"/>
+                          <a:cs typeface="Times New Roman"/>
                         </a:rPr>
                         <a:t>0.4</a:t>
                       </a:r>
@@ -13295,9 +13295,9 @@
                               <a:alpha val="100000"/>
                             </a:srgbClr>
                           </a:solidFill>
-                          <a:latin typeface="Helvetica"/>
-                          <a:ea typeface="Helvetica"/>
-                          <a:cs typeface="Helvetica"/>
+                          <a:latin typeface="Times New Roman"/>
+                          <a:ea typeface="Times New Roman"/>
+                          <a:cs typeface="Times New Roman"/>
                         </a:rPr>
                         <a:t/>
                       </a:r>
@@ -13308,9 +13308,9 @@
                               <a:alpha val="100000"/>
                             </a:srgbClr>
                           </a:solidFill>
-                          <a:latin typeface="Helvetica"/>
-                          <a:ea typeface="Helvetica"/>
-                          <a:cs typeface="Helvetica"/>
+                          <a:latin typeface="Times New Roman"/>
+                          <a:ea typeface="Times New Roman"/>
+                          <a:cs typeface="Times New Roman"/>
                         </a:rPr>
                         <a:t>setosa</a:t>
                       </a:r>

--- a/articles/force_pos_size.pptx
+++ b/articles/force_pos_size.pptx
@@ -1,11 +1,11 @@
 
 <file path=ppt/presentation.xml><?xml version="1.0" encoding="utf-8"?>
-<p:presentation xmlns:p="http://schemas.openxmlformats.org/presentationml/2006/main" xmlns:a="http://schemas.openxmlformats.org/drawingml/2006/main" xmlns:r="http://schemas.openxmlformats.org/officeDocument/2006/relationships" xmlns:mc="http://schemas.openxmlformats.org/markup-compatibility/2006" xmlns:c="http://schemas.openxmlformats.org/drawingml/2006/chart" xmlns:ns6="http://schemas.openxmlformats.org/drawingml/2006/chartDrawing" xmlns:dgm="http://schemas.openxmlformats.org/drawingml/2006/diagram" xmlns:pic="http://schemas.openxmlformats.org/drawingml/2006/picture" xmlns:wp="http://schemas.openxmlformats.org/drawingml/2006/wordprocessingDrawing" xmlns:xdr="http://schemas.openxmlformats.org/drawingml/2006/spreadsheetDrawing" xmlns:ns11="http://schemas.openxmlformats.org/drawingml/2006/compatibility" xmlns:ns12="http://schemas.openxmlformats.org/drawingml/2006/lockedCanvas" saveSubsetFonts="true">
+<p:presentation xmlns:a="http://schemas.openxmlformats.org/drawingml/2006/main" xmlns:r="http://schemas.openxmlformats.org/officeDocument/2006/relationships" xmlns:p="http://schemas.openxmlformats.org/presentationml/2006/main" xmlns:mc="http://schemas.openxmlformats.org/markup-compatibility/2006" xmlns:c="http://schemas.openxmlformats.org/drawingml/2006/chart" xmlns:ns6="http://schemas.openxmlformats.org/drawingml/2006/chartDrawing" xmlns:dgm="http://schemas.openxmlformats.org/drawingml/2006/diagram" xmlns:pic="http://schemas.openxmlformats.org/drawingml/2006/picture" xmlns:wp="http://schemas.openxmlformats.org/drawingml/2006/wordprocessingDrawing" xmlns:xdr="http://schemas.openxmlformats.org/drawingml/2006/spreadsheetDrawing" xmlns:ns11="http://schemas.openxmlformats.org/drawingml/2006/compatibility" xmlns:ns12="http://schemas.openxmlformats.org/drawingml/2006/lockedCanvas" saveSubsetFonts="true">
   <p:sldMasterIdLst>
     <p:sldMasterId id="2147483648" r:id="rId1"/>
   </p:sldMasterIdLst>
   <p:sldIdLst>
-    <p:sldId id="904740824" r:id="rId6"/>
+    <p:sldId id="1000791146" r:id="rId6"/>
   </p:sldIdLst>
   <p:sldSz cx="12192000" cy="6858000"/>
   <p:notesSz cx="6858000" cy="9144000"/>
@@ -113,7 +113,7 @@
 </file>
 
 <file path=ppt/slideLayouts/slideLayout1.xml><?xml version="1.0" encoding="utf-8"?>
-<p:sldLayout xmlns:p="http://schemas.openxmlformats.org/presentationml/2006/main" xmlns:a="http://schemas.openxmlformats.org/drawingml/2006/main" xmlns:r="http://schemas.openxmlformats.org/officeDocument/2006/relationships" xmlns:mc="http://schemas.openxmlformats.org/markup-compatibility/2006" xmlns:c="http://schemas.openxmlformats.org/drawingml/2006/chart" xmlns:ns6="http://schemas.openxmlformats.org/drawingml/2006/chartDrawing" xmlns:dgm="http://schemas.openxmlformats.org/drawingml/2006/diagram" xmlns:pic="http://schemas.openxmlformats.org/drawingml/2006/picture" xmlns:wp="http://schemas.openxmlformats.org/drawingml/2006/wordprocessingDrawing" xmlns:xdr="http://schemas.openxmlformats.org/drawingml/2006/spreadsheetDrawing" xmlns:ns11="http://schemas.openxmlformats.org/drawingml/2006/compatibility" xmlns:ns12="http://schemas.openxmlformats.org/drawingml/2006/lockedCanvas" type="title" preserve="true">
+<p:sldLayout xmlns:a="http://schemas.openxmlformats.org/drawingml/2006/main" xmlns:r="http://schemas.openxmlformats.org/officeDocument/2006/relationships" xmlns:p="http://schemas.openxmlformats.org/presentationml/2006/main" xmlns:mc="http://schemas.openxmlformats.org/markup-compatibility/2006" xmlns:c="http://schemas.openxmlformats.org/drawingml/2006/chart" xmlns:ns6="http://schemas.openxmlformats.org/drawingml/2006/chartDrawing" xmlns:dgm="http://schemas.openxmlformats.org/drawingml/2006/diagram" xmlns:pic="http://schemas.openxmlformats.org/drawingml/2006/picture" xmlns:wp="http://schemas.openxmlformats.org/drawingml/2006/wordprocessingDrawing" xmlns:xdr="http://schemas.openxmlformats.org/drawingml/2006/spreadsheetDrawing" xmlns:ns11="http://schemas.openxmlformats.org/drawingml/2006/compatibility" xmlns:ns12="http://schemas.openxmlformats.org/drawingml/2006/lockedCanvas" type="title" preserve="true">
   <p:cSld name="Title Slide">
     <p:spTree>
       <p:nvGrpSpPr>
@@ -312,7 +312,7 @@
 </file>
 
 <file path=ppt/slideLayouts/slideLayout10.xml><?xml version="1.0" encoding="utf-8"?>
-<p:sldLayout xmlns:p="http://schemas.openxmlformats.org/presentationml/2006/main" xmlns:a="http://schemas.openxmlformats.org/drawingml/2006/main" xmlns:r="http://schemas.openxmlformats.org/officeDocument/2006/relationships" xmlns:mc="http://schemas.openxmlformats.org/markup-compatibility/2006" xmlns:c="http://schemas.openxmlformats.org/drawingml/2006/chart" xmlns:ns6="http://schemas.openxmlformats.org/drawingml/2006/chartDrawing" xmlns:dgm="http://schemas.openxmlformats.org/drawingml/2006/diagram" xmlns:pic="http://schemas.openxmlformats.org/drawingml/2006/picture" xmlns:wp="http://schemas.openxmlformats.org/drawingml/2006/wordprocessingDrawing" xmlns:xdr="http://schemas.openxmlformats.org/drawingml/2006/spreadsheetDrawing" xmlns:ns11="http://schemas.openxmlformats.org/drawingml/2006/compatibility" xmlns:ns12="http://schemas.openxmlformats.org/drawingml/2006/lockedCanvas" type="vertTitleAndTx" preserve="true">
+<p:sldLayout xmlns:a="http://schemas.openxmlformats.org/drawingml/2006/main" xmlns:r="http://schemas.openxmlformats.org/officeDocument/2006/relationships" xmlns:p="http://schemas.openxmlformats.org/presentationml/2006/main" xmlns:mc="http://schemas.openxmlformats.org/markup-compatibility/2006" xmlns:c="http://schemas.openxmlformats.org/drawingml/2006/chart" xmlns:ns6="http://schemas.openxmlformats.org/drawingml/2006/chartDrawing" xmlns:dgm="http://schemas.openxmlformats.org/drawingml/2006/diagram" xmlns:pic="http://schemas.openxmlformats.org/drawingml/2006/picture" xmlns:wp="http://schemas.openxmlformats.org/drawingml/2006/wordprocessingDrawing" xmlns:xdr="http://schemas.openxmlformats.org/drawingml/2006/spreadsheetDrawing" xmlns:ns11="http://schemas.openxmlformats.org/drawingml/2006/compatibility" xmlns:ns12="http://schemas.openxmlformats.org/drawingml/2006/lockedCanvas" type="vertTitleAndTx" preserve="true">
   <p:cSld name="Vertical Title and Text">
     <p:spTree>
       <p:nvGrpSpPr>
@@ -499,7 +499,7 @@
 </file>
 
 <file path=ppt/slideLayouts/slideLayout2.xml><?xml version="1.0" encoding="utf-8"?>
-<p:sldLayout xmlns:p="http://schemas.openxmlformats.org/presentationml/2006/main" xmlns:a="http://schemas.openxmlformats.org/drawingml/2006/main" xmlns:r="http://schemas.openxmlformats.org/officeDocument/2006/relationships" xmlns:mc="http://schemas.openxmlformats.org/markup-compatibility/2006" xmlns:c="http://schemas.openxmlformats.org/drawingml/2006/chart" xmlns:ns6="http://schemas.openxmlformats.org/drawingml/2006/chartDrawing" xmlns:dgm="http://schemas.openxmlformats.org/drawingml/2006/diagram" xmlns:pic="http://schemas.openxmlformats.org/drawingml/2006/picture" xmlns:wp="http://schemas.openxmlformats.org/drawingml/2006/wordprocessingDrawing" xmlns:xdr="http://schemas.openxmlformats.org/drawingml/2006/spreadsheetDrawing" xmlns:ns11="http://schemas.openxmlformats.org/drawingml/2006/compatibility" xmlns:ns12="http://schemas.openxmlformats.org/drawingml/2006/lockedCanvas" type="obj" preserve="true">
+<p:sldLayout xmlns:a="http://schemas.openxmlformats.org/drawingml/2006/main" xmlns:r="http://schemas.openxmlformats.org/officeDocument/2006/relationships" xmlns:p="http://schemas.openxmlformats.org/presentationml/2006/main" xmlns:mc="http://schemas.openxmlformats.org/markup-compatibility/2006" xmlns:c="http://schemas.openxmlformats.org/drawingml/2006/chart" xmlns:ns6="http://schemas.openxmlformats.org/drawingml/2006/chartDrawing" xmlns:dgm="http://schemas.openxmlformats.org/drawingml/2006/diagram" xmlns:pic="http://schemas.openxmlformats.org/drawingml/2006/picture" xmlns:wp="http://schemas.openxmlformats.org/drawingml/2006/wordprocessingDrawing" xmlns:xdr="http://schemas.openxmlformats.org/drawingml/2006/spreadsheetDrawing" xmlns:ns11="http://schemas.openxmlformats.org/drawingml/2006/compatibility" xmlns:ns12="http://schemas.openxmlformats.org/drawingml/2006/lockedCanvas" type="obj" preserve="true">
   <p:cSld name="Title and Content">
     <p:spTree>
       <p:nvGrpSpPr>
@@ -681,7 +681,7 @@
 </file>
 
 <file path=ppt/slideLayouts/slideLayout3.xml><?xml version="1.0" encoding="utf-8"?>
-<p:sldLayout xmlns:p="http://schemas.openxmlformats.org/presentationml/2006/main" xmlns:a="http://schemas.openxmlformats.org/drawingml/2006/main" xmlns:r="http://schemas.openxmlformats.org/officeDocument/2006/relationships" xmlns:mc="http://schemas.openxmlformats.org/markup-compatibility/2006" xmlns:c="http://schemas.openxmlformats.org/drawingml/2006/chart" xmlns:ns6="http://schemas.openxmlformats.org/drawingml/2006/chartDrawing" xmlns:dgm="http://schemas.openxmlformats.org/drawingml/2006/diagram" xmlns:pic="http://schemas.openxmlformats.org/drawingml/2006/picture" xmlns:wp="http://schemas.openxmlformats.org/drawingml/2006/wordprocessingDrawing" xmlns:xdr="http://schemas.openxmlformats.org/drawingml/2006/spreadsheetDrawing" xmlns:ns11="http://schemas.openxmlformats.org/drawingml/2006/compatibility" xmlns:ns12="http://schemas.openxmlformats.org/drawingml/2006/lockedCanvas" type="secHead" preserve="true">
+<p:sldLayout xmlns:a="http://schemas.openxmlformats.org/drawingml/2006/main" xmlns:r="http://schemas.openxmlformats.org/officeDocument/2006/relationships" xmlns:p="http://schemas.openxmlformats.org/presentationml/2006/main" xmlns:mc="http://schemas.openxmlformats.org/markup-compatibility/2006" xmlns:c="http://schemas.openxmlformats.org/drawingml/2006/chart" xmlns:ns6="http://schemas.openxmlformats.org/drawingml/2006/chartDrawing" xmlns:dgm="http://schemas.openxmlformats.org/drawingml/2006/diagram" xmlns:pic="http://schemas.openxmlformats.org/drawingml/2006/picture" xmlns:wp="http://schemas.openxmlformats.org/drawingml/2006/wordprocessingDrawing" xmlns:xdr="http://schemas.openxmlformats.org/drawingml/2006/spreadsheetDrawing" xmlns:ns11="http://schemas.openxmlformats.org/drawingml/2006/compatibility" xmlns:ns12="http://schemas.openxmlformats.org/drawingml/2006/lockedCanvas" type="secHead" preserve="true">
   <p:cSld name="Section Header">
     <p:spTree>
       <p:nvGrpSpPr>
@@ -934,7 +934,7 @@
 </file>
 
 <file path=ppt/slideLayouts/slideLayout4.xml><?xml version="1.0" encoding="utf-8"?>
-<p:sldLayout xmlns:p="http://schemas.openxmlformats.org/presentationml/2006/main" xmlns:a="http://schemas.openxmlformats.org/drawingml/2006/main" xmlns:r="http://schemas.openxmlformats.org/officeDocument/2006/relationships" xmlns:mc="http://schemas.openxmlformats.org/markup-compatibility/2006" xmlns:c="http://schemas.openxmlformats.org/drawingml/2006/chart" xmlns:ns6="http://schemas.openxmlformats.org/drawingml/2006/chartDrawing" xmlns:dgm="http://schemas.openxmlformats.org/drawingml/2006/diagram" xmlns:pic="http://schemas.openxmlformats.org/drawingml/2006/picture" xmlns:wp="http://schemas.openxmlformats.org/drawingml/2006/wordprocessingDrawing" xmlns:xdr="http://schemas.openxmlformats.org/drawingml/2006/spreadsheetDrawing" xmlns:ns11="http://schemas.openxmlformats.org/drawingml/2006/compatibility" xmlns:ns12="http://schemas.openxmlformats.org/drawingml/2006/lockedCanvas" type="twoObj" preserve="true">
+<p:sldLayout xmlns:a="http://schemas.openxmlformats.org/drawingml/2006/main" xmlns:r="http://schemas.openxmlformats.org/officeDocument/2006/relationships" xmlns:p="http://schemas.openxmlformats.org/presentationml/2006/main" xmlns:mc="http://schemas.openxmlformats.org/markup-compatibility/2006" xmlns:c="http://schemas.openxmlformats.org/drawingml/2006/chart" xmlns:ns6="http://schemas.openxmlformats.org/drawingml/2006/chartDrawing" xmlns:dgm="http://schemas.openxmlformats.org/drawingml/2006/diagram" xmlns:pic="http://schemas.openxmlformats.org/drawingml/2006/picture" xmlns:wp="http://schemas.openxmlformats.org/drawingml/2006/wordprocessingDrawing" xmlns:xdr="http://schemas.openxmlformats.org/drawingml/2006/spreadsheetDrawing" xmlns:ns11="http://schemas.openxmlformats.org/drawingml/2006/compatibility" xmlns:ns12="http://schemas.openxmlformats.org/drawingml/2006/lockedCanvas" type="twoObj" preserve="true">
   <p:cSld name="Two Content">
     <p:spTree>
       <p:nvGrpSpPr>
@@ -1173,7 +1173,7 @@
 </file>
 
 <file path=ppt/slideLayouts/slideLayout5.xml><?xml version="1.0" encoding="utf-8"?>
-<p:sldLayout xmlns:p="http://schemas.openxmlformats.org/presentationml/2006/main" xmlns:a="http://schemas.openxmlformats.org/drawingml/2006/main" xmlns:r="http://schemas.openxmlformats.org/officeDocument/2006/relationships" xmlns:mc="http://schemas.openxmlformats.org/markup-compatibility/2006" xmlns:c="http://schemas.openxmlformats.org/drawingml/2006/chart" xmlns:ns6="http://schemas.openxmlformats.org/drawingml/2006/chartDrawing" xmlns:dgm="http://schemas.openxmlformats.org/drawingml/2006/diagram" xmlns:pic="http://schemas.openxmlformats.org/drawingml/2006/picture" xmlns:wp="http://schemas.openxmlformats.org/drawingml/2006/wordprocessingDrawing" xmlns:xdr="http://schemas.openxmlformats.org/drawingml/2006/spreadsheetDrawing" xmlns:ns11="http://schemas.openxmlformats.org/drawingml/2006/compatibility" xmlns:ns12="http://schemas.openxmlformats.org/drawingml/2006/lockedCanvas" type="twoTxTwoObj" preserve="true">
+<p:sldLayout xmlns:a="http://schemas.openxmlformats.org/drawingml/2006/main" xmlns:r="http://schemas.openxmlformats.org/officeDocument/2006/relationships" xmlns:p="http://schemas.openxmlformats.org/presentationml/2006/main" xmlns:mc="http://schemas.openxmlformats.org/markup-compatibility/2006" xmlns:c="http://schemas.openxmlformats.org/drawingml/2006/chart" xmlns:ns6="http://schemas.openxmlformats.org/drawingml/2006/chartDrawing" xmlns:dgm="http://schemas.openxmlformats.org/drawingml/2006/diagram" xmlns:pic="http://schemas.openxmlformats.org/drawingml/2006/picture" xmlns:wp="http://schemas.openxmlformats.org/drawingml/2006/wordprocessingDrawing" xmlns:xdr="http://schemas.openxmlformats.org/drawingml/2006/spreadsheetDrawing" xmlns:ns11="http://schemas.openxmlformats.org/drawingml/2006/compatibility" xmlns:ns12="http://schemas.openxmlformats.org/drawingml/2006/lockedCanvas" type="twoTxTwoObj" preserve="true">
   <p:cSld name="Comparison">
     <p:spTree>
       <p:nvGrpSpPr>
@@ -1528,7 +1528,7 @@
 </file>
 
 <file path=ppt/slideLayouts/slideLayout6.xml><?xml version="1.0" encoding="utf-8"?>
-<p:sldLayout xmlns:p="http://schemas.openxmlformats.org/presentationml/2006/main" xmlns:a="http://schemas.openxmlformats.org/drawingml/2006/main" xmlns:r="http://schemas.openxmlformats.org/officeDocument/2006/relationships" xmlns:mc="http://schemas.openxmlformats.org/markup-compatibility/2006" xmlns:c="http://schemas.openxmlformats.org/drawingml/2006/chart" xmlns:ns6="http://schemas.openxmlformats.org/drawingml/2006/chartDrawing" xmlns:dgm="http://schemas.openxmlformats.org/drawingml/2006/diagram" xmlns:pic="http://schemas.openxmlformats.org/drawingml/2006/picture" xmlns:wp="http://schemas.openxmlformats.org/drawingml/2006/wordprocessingDrawing" xmlns:xdr="http://schemas.openxmlformats.org/drawingml/2006/spreadsheetDrawing" xmlns:ns11="http://schemas.openxmlformats.org/drawingml/2006/compatibility" xmlns:ns12="http://schemas.openxmlformats.org/drawingml/2006/lockedCanvas" type="titleOnly" preserve="true">
+<p:sldLayout xmlns:a="http://schemas.openxmlformats.org/drawingml/2006/main" xmlns:r="http://schemas.openxmlformats.org/officeDocument/2006/relationships" xmlns:p="http://schemas.openxmlformats.org/presentationml/2006/main" xmlns:mc="http://schemas.openxmlformats.org/markup-compatibility/2006" xmlns:c="http://schemas.openxmlformats.org/drawingml/2006/chart" xmlns:ns6="http://schemas.openxmlformats.org/drawingml/2006/chartDrawing" xmlns:dgm="http://schemas.openxmlformats.org/drawingml/2006/diagram" xmlns:pic="http://schemas.openxmlformats.org/drawingml/2006/picture" xmlns:wp="http://schemas.openxmlformats.org/drawingml/2006/wordprocessingDrawing" xmlns:xdr="http://schemas.openxmlformats.org/drawingml/2006/spreadsheetDrawing" xmlns:ns11="http://schemas.openxmlformats.org/drawingml/2006/compatibility" xmlns:ns12="http://schemas.openxmlformats.org/drawingml/2006/lockedCanvas" type="titleOnly" preserve="true">
   <p:cSld name="Title Only">
     <p:spTree>
       <p:nvGrpSpPr>
@@ -1653,7 +1653,7 @@
 </file>
 
 <file path=ppt/slideLayouts/slideLayout7.xml><?xml version="1.0" encoding="utf-8"?>
-<p:sldLayout xmlns:p="http://schemas.openxmlformats.org/presentationml/2006/main" xmlns:a="http://schemas.openxmlformats.org/drawingml/2006/main" xmlns:r="http://schemas.openxmlformats.org/officeDocument/2006/relationships" xmlns:mc="http://schemas.openxmlformats.org/markup-compatibility/2006" xmlns:c="http://schemas.openxmlformats.org/drawingml/2006/chart" xmlns:ns6="http://schemas.openxmlformats.org/drawingml/2006/chartDrawing" xmlns:dgm="http://schemas.openxmlformats.org/drawingml/2006/diagram" xmlns:pic="http://schemas.openxmlformats.org/drawingml/2006/picture" xmlns:wp="http://schemas.openxmlformats.org/drawingml/2006/wordprocessingDrawing" xmlns:xdr="http://schemas.openxmlformats.org/drawingml/2006/spreadsheetDrawing" xmlns:ns11="http://schemas.openxmlformats.org/drawingml/2006/compatibility" xmlns:ns12="http://schemas.openxmlformats.org/drawingml/2006/lockedCanvas" type="blank" preserve="true">
+<p:sldLayout xmlns:a="http://schemas.openxmlformats.org/drawingml/2006/main" xmlns:r="http://schemas.openxmlformats.org/officeDocument/2006/relationships" xmlns:p="http://schemas.openxmlformats.org/presentationml/2006/main" xmlns:mc="http://schemas.openxmlformats.org/markup-compatibility/2006" xmlns:c="http://schemas.openxmlformats.org/drawingml/2006/chart" xmlns:ns6="http://schemas.openxmlformats.org/drawingml/2006/chartDrawing" xmlns:dgm="http://schemas.openxmlformats.org/drawingml/2006/diagram" xmlns:pic="http://schemas.openxmlformats.org/drawingml/2006/picture" xmlns:wp="http://schemas.openxmlformats.org/drawingml/2006/wordprocessingDrawing" xmlns:xdr="http://schemas.openxmlformats.org/drawingml/2006/spreadsheetDrawing" xmlns:ns11="http://schemas.openxmlformats.org/drawingml/2006/compatibility" xmlns:ns12="http://schemas.openxmlformats.org/drawingml/2006/lockedCanvas" type="blank" preserve="true">
   <p:cSld name="Blank">
     <p:spTree>
       <p:nvGrpSpPr>
@@ -1755,7 +1755,7 @@
 </file>
 
 <file path=ppt/slideLayouts/slideLayout8.xml><?xml version="1.0" encoding="utf-8"?>
-<p:sldLayout xmlns:p="http://schemas.openxmlformats.org/presentationml/2006/main" xmlns:a="http://schemas.openxmlformats.org/drawingml/2006/main" xmlns:r="http://schemas.openxmlformats.org/officeDocument/2006/relationships" xmlns:mc="http://schemas.openxmlformats.org/markup-compatibility/2006" xmlns:c="http://schemas.openxmlformats.org/drawingml/2006/chart" xmlns:ns6="http://schemas.openxmlformats.org/drawingml/2006/chartDrawing" xmlns:dgm="http://schemas.openxmlformats.org/drawingml/2006/diagram" xmlns:pic="http://schemas.openxmlformats.org/drawingml/2006/picture" xmlns:wp="http://schemas.openxmlformats.org/drawingml/2006/wordprocessingDrawing" xmlns:xdr="http://schemas.openxmlformats.org/drawingml/2006/spreadsheetDrawing" xmlns:ns11="http://schemas.openxmlformats.org/drawingml/2006/compatibility" xmlns:ns12="http://schemas.openxmlformats.org/drawingml/2006/lockedCanvas" type="objTx" preserve="true">
+<p:sldLayout xmlns:a="http://schemas.openxmlformats.org/drawingml/2006/main" xmlns:r="http://schemas.openxmlformats.org/officeDocument/2006/relationships" xmlns:p="http://schemas.openxmlformats.org/presentationml/2006/main" xmlns:mc="http://schemas.openxmlformats.org/markup-compatibility/2006" xmlns:c="http://schemas.openxmlformats.org/drawingml/2006/chart" xmlns:ns6="http://schemas.openxmlformats.org/drawingml/2006/chartDrawing" xmlns:dgm="http://schemas.openxmlformats.org/drawingml/2006/diagram" xmlns:pic="http://schemas.openxmlformats.org/drawingml/2006/picture" xmlns:wp="http://schemas.openxmlformats.org/drawingml/2006/wordprocessingDrawing" xmlns:xdr="http://schemas.openxmlformats.org/drawingml/2006/spreadsheetDrawing" xmlns:ns11="http://schemas.openxmlformats.org/drawingml/2006/compatibility" xmlns:ns12="http://schemas.openxmlformats.org/drawingml/2006/lockedCanvas" type="objTx" preserve="true">
   <p:cSld name="Content with Caption">
     <p:spTree>
       <p:nvGrpSpPr>
@@ -2039,7 +2039,7 @@
 </file>
 
 <file path=ppt/slideLayouts/slideLayout9.xml><?xml version="1.0" encoding="utf-8"?>
-<p:sldLayout xmlns:p="http://schemas.openxmlformats.org/presentationml/2006/main" xmlns:a="http://schemas.openxmlformats.org/drawingml/2006/main" xmlns:r="http://schemas.openxmlformats.org/officeDocument/2006/relationships" xmlns:mc="http://schemas.openxmlformats.org/markup-compatibility/2006" xmlns:c="http://schemas.openxmlformats.org/drawingml/2006/chart" xmlns:ns6="http://schemas.openxmlformats.org/drawingml/2006/chartDrawing" xmlns:dgm="http://schemas.openxmlformats.org/drawingml/2006/diagram" xmlns:pic="http://schemas.openxmlformats.org/drawingml/2006/picture" xmlns:wp="http://schemas.openxmlformats.org/drawingml/2006/wordprocessingDrawing" xmlns:xdr="http://schemas.openxmlformats.org/drawingml/2006/spreadsheetDrawing" xmlns:ns11="http://schemas.openxmlformats.org/drawingml/2006/compatibility" xmlns:ns12="http://schemas.openxmlformats.org/drawingml/2006/lockedCanvas" type="vertTx" preserve="true">
+<p:sldLayout xmlns:a="http://schemas.openxmlformats.org/drawingml/2006/main" xmlns:r="http://schemas.openxmlformats.org/officeDocument/2006/relationships" xmlns:p="http://schemas.openxmlformats.org/presentationml/2006/main" xmlns:mc="http://schemas.openxmlformats.org/markup-compatibility/2006" xmlns:c="http://schemas.openxmlformats.org/drawingml/2006/chart" xmlns:ns6="http://schemas.openxmlformats.org/drawingml/2006/chartDrawing" xmlns:dgm="http://schemas.openxmlformats.org/drawingml/2006/diagram" xmlns:pic="http://schemas.openxmlformats.org/drawingml/2006/picture" xmlns:wp="http://schemas.openxmlformats.org/drawingml/2006/wordprocessingDrawing" xmlns:xdr="http://schemas.openxmlformats.org/drawingml/2006/spreadsheetDrawing" xmlns:ns11="http://schemas.openxmlformats.org/drawingml/2006/compatibility" xmlns:ns12="http://schemas.openxmlformats.org/drawingml/2006/lockedCanvas" type="vertTx" preserve="true">
   <p:cSld name="Title and Vertical Text">
     <p:spTree>
       <p:nvGrpSpPr>
@@ -2216,7 +2216,7 @@
 </file>
 
 <file path=ppt/slideMasters/slideMaster1.xml><?xml version="1.0" encoding="utf-8"?>
-<p:sldMaster xmlns:p="http://schemas.openxmlformats.org/presentationml/2006/main" xmlns:a="http://schemas.openxmlformats.org/drawingml/2006/main" xmlns:r="http://schemas.openxmlformats.org/officeDocument/2006/relationships" xmlns:mc="http://schemas.openxmlformats.org/markup-compatibility/2006" xmlns:c="http://schemas.openxmlformats.org/drawingml/2006/chart" xmlns:ns6="http://schemas.openxmlformats.org/drawingml/2006/chartDrawing" xmlns:dgm="http://schemas.openxmlformats.org/drawingml/2006/diagram" xmlns:pic="http://schemas.openxmlformats.org/drawingml/2006/picture" xmlns:wp="http://schemas.openxmlformats.org/drawingml/2006/wordprocessingDrawing" xmlns:xdr="http://schemas.openxmlformats.org/drawingml/2006/spreadsheetDrawing" xmlns:ns11="http://schemas.openxmlformats.org/drawingml/2006/compatibility" xmlns:ns12="http://schemas.openxmlformats.org/drawingml/2006/lockedCanvas">
+<p:sldMaster xmlns:a="http://schemas.openxmlformats.org/drawingml/2006/main" xmlns:r="http://schemas.openxmlformats.org/officeDocument/2006/relationships" xmlns:p="http://schemas.openxmlformats.org/presentationml/2006/main" xmlns:mc="http://schemas.openxmlformats.org/markup-compatibility/2006" xmlns:c="http://schemas.openxmlformats.org/drawingml/2006/chart" xmlns:ns6="http://schemas.openxmlformats.org/drawingml/2006/chartDrawing" xmlns:dgm="http://schemas.openxmlformats.org/drawingml/2006/diagram" xmlns:pic="http://schemas.openxmlformats.org/drawingml/2006/picture" xmlns:wp="http://schemas.openxmlformats.org/drawingml/2006/wordprocessingDrawing" xmlns:xdr="http://schemas.openxmlformats.org/drawingml/2006/spreadsheetDrawing" xmlns:ns11="http://schemas.openxmlformats.org/drawingml/2006/compatibility" xmlns:ns12="http://schemas.openxmlformats.org/drawingml/2006/lockedCanvas">
   <p:cSld>
     <p:bg>
       <p:bgRef idx="1001">
@@ -2762,7 +2762,7 @@
 </file>
 
 <file path=ppt/slides/slide1.xml><?xml version="1.0" encoding="utf-8"?>
-<p:sld xmlns:p="http://schemas.openxmlformats.org/presentationml/2006/main" xmlns:a="http://schemas.openxmlformats.org/drawingml/2006/main" xmlns:r="http://schemas.openxmlformats.org/officeDocument/2006/relationships" xmlns:mc="http://schemas.openxmlformats.org/markup-compatibility/2006" xmlns:c="http://schemas.openxmlformats.org/drawingml/2006/chart" xmlns:ns6="http://schemas.openxmlformats.org/drawingml/2006/chartDrawing" xmlns:dgm="http://schemas.openxmlformats.org/drawingml/2006/diagram" xmlns:pic="http://schemas.openxmlformats.org/drawingml/2006/picture" xmlns:wp="http://schemas.openxmlformats.org/drawingml/2006/wordprocessingDrawing" xmlns:xdr="http://schemas.openxmlformats.org/drawingml/2006/spreadsheetDrawing" xmlns:ns11="http://schemas.openxmlformats.org/drawingml/2006/compatibility" xmlns:ns12="http://schemas.openxmlformats.org/drawingml/2006/lockedCanvas">
+<p:sld xmlns:a="http://schemas.openxmlformats.org/drawingml/2006/main" xmlns:r="http://schemas.openxmlformats.org/officeDocument/2006/relationships" xmlns:p="http://schemas.openxmlformats.org/presentationml/2006/main" xmlns:mc="http://schemas.openxmlformats.org/markup-compatibility/2006" xmlns:c="http://schemas.openxmlformats.org/drawingml/2006/chart" xmlns:ns6="http://schemas.openxmlformats.org/drawingml/2006/chartDrawing" xmlns:dgm="http://schemas.openxmlformats.org/drawingml/2006/diagram" xmlns:pic="http://schemas.openxmlformats.org/drawingml/2006/picture" xmlns:wp="http://schemas.openxmlformats.org/drawingml/2006/wordprocessingDrawing" xmlns:xdr="http://schemas.openxmlformats.org/drawingml/2006/spreadsheetDrawing" xmlns:ns11="http://schemas.openxmlformats.org/drawingml/2006/compatibility" xmlns:ns12="http://schemas.openxmlformats.org/drawingml/2006/lockedCanvas">
   <p:cSld>
     <p:spTree>
       <p:nvGrpSpPr>
@@ -2801,7 +2801,7 @@
           <p:spPr>
             <a:xfrm>
               <a:off x="914400" y="914400"/>
-              <a:ext cx="5486400" cy="4572000"/>
+              <a:ext cx="5486399" cy="4572000"/>
             </a:xfrm>
             <a:prstGeom prst="rect">
               <a:avLst/>
@@ -2835,8 +2835,8 @@
           </p:nvSpPr>
           <p:spPr>
             <a:xfrm>
-              <a:off x="1285941" y="983989"/>
-              <a:ext cx="4084622" cy="4116849"/>
+              <a:off x="1286017" y="983989"/>
+              <a:ext cx="4084546" cy="4116823"/>
             </a:xfrm>
             <a:prstGeom prst="rect">
               <a:avLst/>
@@ -2861,21 +2861,21 @@
           </p:nvSpPr>
           <p:spPr>
             <a:xfrm>
-              <a:off x="1285941" y="4913709"/>
-              <a:ext cx="4084622" cy="0"/>
+              <a:off x="1286017" y="4913684"/>
+              <a:ext cx="4084546" cy="0"/>
             </a:xfrm>
             <a:custGeom>
               <a:avLst/>
               <a:pathLst>
-                <a:path w="4084622" h="0">
+                <a:path w="4084546" h="0">
                   <a:moveTo>
                     <a:pt x="0" y="0"/>
                   </a:moveTo>
                   <a:lnTo>
-                    <a:pt x="4084622" y="0"/>
+                    <a:pt x="4084546" y="0"/>
                   </a:lnTo>
                   <a:lnTo>
-                    <a:pt x="4084622" y="0"/>
+                    <a:pt x="4084546" y="0"/>
                   </a:lnTo>
                 </a:path>
               </a:pathLst>
@@ -2904,21 +2904,21 @@
           </p:nvSpPr>
           <p:spPr>
             <a:xfrm>
-              <a:off x="1285941" y="3645034"/>
-              <a:ext cx="4084622" cy="0"/>
+              <a:off x="1286017" y="3645017"/>
+              <a:ext cx="4084546" cy="0"/>
             </a:xfrm>
             <a:custGeom>
               <a:avLst/>
               <a:pathLst>
-                <a:path w="4084622" h="0">
+                <a:path w="4084546" h="0">
                   <a:moveTo>
                     <a:pt x="0" y="0"/>
                   </a:moveTo>
                   <a:lnTo>
-                    <a:pt x="4084622" y="0"/>
+                    <a:pt x="4084546" y="0"/>
                   </a:lnTo>
                   <a:lnTo>
-                    <a:pt x="4084622" y="0"/>
+                    <a:pt x="4084546" y="0"/>
                   </a:lnTo>
                 </a:path>
               </a:pathLst>
@@ -2947,21 +2947,21 @@
           </p:nvSpPr>
           <p:spPr>
             <a:xfrm>
-              <a:off x="1285941" y="2376359"/>
-              <a:ext cx="4084622" cy="0"/>
+              <a:off x="1286017" y="2376350"/>
+              <a:ext cx="4084546" cy="0"/>
             </a:xfrm>
             <a:custGeom>
               <a:avLst/>
               <a:pathLst>
-                <a:path w="4084622" h="0">
+                <a:path w="4084546" h="0">
                   <a:moveTo>
                     <a:pt x="0" y="0"/>
                   </a:moveTo>
                   <a:lnTo>
-                    <a:pt x="4084622" y="0"/>
+                    <a:pt x="4084546" y="0"/>
                   </a:lnTo>
                   <a:lnTo>
-                    <a:pt x="4084622" y="0"/>
+                    <a:pt x="4084546" y="0"/>
                   </a:lnTo>
                 </a:path>
               </a:pathLst>
@@ -2990,21 +2990,21 @@
           </p:nvSpPr>
           <p:spPr>
             <a:xfrm>
-              <a:off x="1285941" y="1107684"/>
-              <a:ext cx="4084622" cy="0"/>
+              <a:off x="1286017" y="1107684"/>
+              <a:ext cx="4084546" cy="0"/>
             </a:xfrm>
             <a:custGeom>
               <a:avLst/>
               <a:pathLst>
-                <a:path w="4084622" h="0">
+                <a:path w="4084546" h="0">
                   <a:moveTo>
                     <a:pt x="0" y="0"/>
                   </a:moveTo>
                   <a:lnTo>
-                    <a:pt x="4084622" y="0"/>
+                    <a:pt x="4084546" y="0"/>
                   </a:lnTo>
                   <a:lnTo>
-                    <a:pt x="4084622" y="0"/>
+                    <a:pt x="4084546" y="0"/>
                   </a:lnTo>
                 </a:path>
               </a:pathLst>
@@ -3033,15 +3033,15 @@
           </p:nvSpPr>
           <p:spPr>
             <a:xfrm>
-              <a:off x="1677900" y="983989"/>
-              <a:ext cx="0" cy="4116849"/>
+              <a:off x="1677968" y="983989"/>
+              <a:ext cx="0" cy="4116823"/>
             </a:xfrm>
             <a:custGeom>
               <a:avLst/>
               <a:pathLst>
-                <a:path w="0" h="4116849">
+                <a:path w="0" h="4116823">
                   <a:moveTo>
-                    <a:pt x="0" y="4116849"/>
+                    <a:pt x="0" y="4116823"/>
                   </a:moveTo>
                   <a:lnTo>
                     <a:pt x="0" y="0"/>
@@ -3076,15 +3076,15 @@
           </p:nvSpPr>
           <p:spPr>
             <a:xfrm>
-              <a:off x="2709370" y="983989"/>
-              <a:ext cx="0" cy="4116849"/>
+              <a:off x="2709419" y="983989"/>
+              <a:ext cx="0" cy="4116823"/>
             </a:xfrm>
             <a:custGeom>
               <a:avLst/>
               <a:pathLst>
-                <a:path w="0" h="4116849">
+                <a:path w="0" h="4116823">
                   <a:moveTo>
-                    <a:pt x="0" y="4116849"/>
+                    <a:pt x="0" y="4116823"/>
                   </a:moveTo>
                   <a:lnTo>
                     <a:pt x="0" y="0"/>
@@ -3119,15 +3119,15 @@
           </p:nvSpPr>
           <p:spPr>
             <a:xfrm>
-              <a:off x="3740840" y="983989"/>
-              <a:ext cx="0" cy="4116849"/>
+              <a:off x="3740870" y="983989"/>
+              <a:ext cx="0" cy="4116823"/>
             </a:xfrm>
             <a:custGeom>
               <a:avLst/>
               <a:pathLst>
-                <a:path w="0" h="4116849">
+                <a:path w="0" h="4116823">
                   <a:moveTo>
-                    <a:pt x="0" y="4116849"/>
+                    <a:pt x="0" y="4116823"/>
                   </a:moveTo>
                   <a:lnTo>
                     <a:pt x="0" y="0"/>
@@ -3162,15 +3162,15 @@
           </p:nvSpPr>
           <p:spPr>
             <a:xfrm>
-              <a:off x="4772310" y="983989"/>
-              <a:ext cx="0" cy="4116849"/>
+              <a:off x="4772322" y="983989"/>
+              <a:ext cx="0" cy="4116823"/>
             </a:xfrm>
             <a:custGeom>
               <a:avLst/>
               <a:pathLst>
-                <a:path w="0" h="4116849">
+                <a:path w="0" h="4116823">
                   <a:moveTo>
-                    <a:pt x="0" y="4116849"/>
+                    <a:pt x="0" y="4116823"/>
                   </a:moveTo>
                   <a:lnTo>
                     <a:pt x="0" y="0"/>
@@ -3205,21 +3205,21 @@
           </p:nvSpPr>
           <p:spPr>
             <a:xfrm>
-              <a:off x="1285941" y="4279371"/>
-              <a:ext cx="4084622" cy="0"/>
+              <a:off x="1286017" y="4279350"/>
+              <a:ext cx="4084546" cy="0"/>
             </a:xfrm>
             <a:custGeom>
               <a:avLst/>
               <a:pathLst>
-                <a:path w="4084622" h="0">
+                <a:path w="4084546" h="0">
                   <a:moveTo>
                     <a:pt x="0" y="0"/>
                   </a:moveTo>
                   <a:lnTo>
-                    <a:pt x="4084622" y="0"/>
+                    <a:pt x="4084546" y="0"/>
                   </a:lnTo>
                   <a:lnTo>
-                    <a:pt x="4084622" y="0"/>
+                    <a:pt x="4084546" y="0"/>
                   </a:lnTo>
                 </a:path>
               </a:pathLst>
@@ -3248,21 +3248,21 @@
           </p:nvSpPr>
           <p:spPr>
             <a:xfrm>
-              <a:off x="1285941" y="3010696"/>
-              <a:ext cx="4084622" cy="0"/>
+              <a:off x="1286017" y="3010684"/>
+              <a:ext cx="4084546" cy="0"/>
             </a:xfrm>
             <a:custGeom>
               <a:avLst/>
               <a:pathLst>
-                <a:path w="4084622" h="0">
+                <a:path w="4084546" h="0">
                   <a:moveTo>
                     <a:pt x="0" y="0"/>
                   </a:moveTo>
                   <a:lnTo>
-                    <a:pt x="4084622" y="0"/>
+                    <a:pt x="4084546" y="0"/>
                   </a:lnTo>
                   <a:lnTo>
-                    <a:pt x="4084622" y="0"/>
+                    <a:pt x="4084546" y="0"/>
                   </a:lnTo>
                 </a:path>
               </a:pathLst>
@@ -3291,21 +3291,21 @@
           </p:nvSpPr>
           <p:spPr>
             <a:xfrm>
-              <a:off x="1285941" y="1742022"/>
-              <a:ext cx="4084622" cy="0"/>
+              <a:off x="1286017" y="1742017"/>
+              <a:ext cx="4084546" cy="0"/>
             </a:xfrm>
             <a:custGeom>
               <a:avLst/>
               <a:pathLst>
-                <a:path w="4084622" h="0">
+                <a:path w="4084546" h="0">
                   <a:moveTo>
                     <a:pt x="0" y="0"/>
                   </a:moveTo>
                   <a:lnTo>
-                    <a:pt x="4084622" y="0"/>
+                    <a:pt x="4084546" y="0"/>
                   </a:lnTo>
                   <a:lnTo>
-                    <a:pt x="4084622" y="0"/>
+                    <a:pt x="4084546" y="0"/>
                   </a:lnTo>
                 </a:path>
               </a:pathLst>
@@ -3334,15 +3334,15 @@
           </p:nvSpPr>
           <p:spPr>
             <a:xfrm>
-              <a:off x="2193635" y="983989"/>
-              <a:ext cx="0" cy="4116849"/>
+              <a:off x="2193694" y="983989"/>
+              <a:ext cx="0" cy="4116823"/>
             </a:xfrm>
             <a:custGeom>
               <a:avLst/>
               <a:pathLst>
-                <a:path w="0" h="4116849">
+                <a:path w="0" h="4116823">
                   <a:moveTo>
-                    <a:pt x="0" y="4116849"/>
+                    <a:pt x="0" y="4116823"/>
                   </a:moveTo>
                   <a:lnTo>
                     <a:pt x="0" y="0"/>
@@ -3377,15 +3377,15 @@
           </p:nvSpPr>
           <p:spPr>
             <a:xfrm>
-              <a:off x="3225105" y="983989"/>
-              <a:ext cx="0" cy="4116849"/>
+              <a:off x="3225145" y="983989"/>
+              <a:ext cx="0" cy="4116823"/>
             </a:xfrm>
             <a:custGeom>
               <a:avLst/>
               <a:pathLst>
-                <a:path w="0" h="4116849">
+                <a:path w="0" h="4116823">
                   <a:moveTo>
-                    <a:pt x="0" y="4116849"/>
+                    <a:pt x="0" y="4116823"/>
                   </a:moveTo>
                   <a:lnTo>
                     <a:pt x="0" y="0"/>
@@ -3420,15 +3420,15 @@
           </p:nvSpPr>
           <p:spPr>
             <a:xfrm>
-              <a:off x="4256575" y="983989"/>
-              <a:ext cx="0" cy="4116849"/>
+              <a:off x="4256596" y="983989"/>
+              <a:ext cx="0" cy="4116823"/>
             </a:xfrm>
             <a:custGeom>
               <a:avLst/>
               <a:pathLst>
-                <a:path w="0" h="4116849">
+                <a:path w="0" h="4116823">
                   <a:moveTo>
-                    <a:pt x="0" y="4116849"/>
+                    <a:pt x="0" y="4116823"/>
                   </a:moveTo>
                   <a:lnTo>
                     <a:pt x="0" y="0"/>
@@ -3463,15 +3463,15 @@
           </p:nvSpPr>
           <p:spPr>
             <a:xfrm>
-              <a:off x="5288046" y="983989"/>
-              <a:ext cx="0" cy="4116849"/>
+              <a:off x="5288047" y="983989"/>
+              <a:ext cx="0" cy="4116823"/>
             </a:xfrm>
             <a:custGeom>
               <a:avLst/>
               <a:pathLst>
-                <a:path w="0" h="4116849">
+                <a:path w="0" h="4116823">
                   <a:moveTo>
-                    <a:pt x="0" y="4116849"/>
+                    <a:pt x="0" y="4116823"/>
                   </a:moveTo>
                   <a:lnTo>
                     <a:pt x="0" y="0"/>
@@ -3506,7 +3506,7 @@
           </p:nvSpPr>
           <p:spPr>
             <a:xfrm>
-              <a:off x="2264901" y="4628093"/>
+              <a:off x="2264958" y="4628070"/>
               <a:ext cx="63761" cy="63761"/>
             </a:xfrm>
             <a:prstGeom prst="ellipse">
@@ -3541,7 +3541,7 @@
           </p:nvSpPr>
           <p:spPr>
             <a:xfrm>
-              <a:off x="2058607" y="4628093"/>
+              <a:off x="2058668" y="4628070"/>
               <a:ext cx="63761" cy="63761"/>
             </a:xfrm>
             <a:prstGeom prst="ellipse">
@@ -3576,7 +3576,7 @@
           </p:nvSpPr>
           <p:spPr>
             <a:xfrm>
-              <a:off x="1852313" y="4691527"/>
+              <a:off x="1852378" y="4691503"/>
               <a:ext cx="63761" cy="63761"/>
             </a:xfrm>
             <a:prstGeom prst="ellipse">
@@ -3611,7 +3611,7 @@
           </p:nvSpPr>
           <p:spPr>
             <a:xfrm>
-              <a:off x="1749166" y="4564659"/>
+              <a:off x="1749233" y="4564636"/>
               <a:ext cx="63761" cy="63761"/>
             </a:xfrm>
             <a:prstGeom prst="ellipse">
@@ -3646,7 +3646,7 @@
           </p:nvSpPr>
           <p:spPr>
             <a:xfrm>
-              <a:off x="2161754" y="4628093"/>
+              <a:off x="2161813" y="4628070"/>
               <a:ext cx="63761" cy="63761"/>
             </a:xfrm>
             <a:prstGeom prst="ellipse">
@@ -3681,7 +3681,7 @@
           </p:nvSpPr>
           <p:spPr>
             <a:xfrm>
-              <a:off x="2564218" y="4427667"/>
+              <a:off x="2564269" y="4427645"/>
               <a:ext cx="84009" cy="84009"/>
             </a:xfrm>
             <a:prstGeom prst="ellipse">
@@ -3716,7 +3716,7 @@
           </p:nvSpPr>
           <p:spPr>
             <a:xfrm>
-              <a:off x="1743437" y="4622364"/>
+              <a:off x="1743504" y="4622341"/>
               <a:ext cx="75218" cy="75218"/>
             </a:xfrm>
             <a:prstGeom prst="ellipse">
@@ -3751,7 +3751,7 @@
           </p:nvSpPr>
           <p:spPr>
             <a:xfrm>
-              <a:off x="2161754" y="4564659"/>
+              <a:off x="2161813" y="4564636"/>
               <a:ext cx="63761" cy="63761"/>
             </a:xfrm>
             <a:prstGeom prst="ellipse">
@@ -3786,7 +3786,7 @@
           </p:nvSpPr>
           <p:spPr>
             <a:xfrm>
-              <a:off x="1542872" y="4628093"/>
+              <a:off x="1542943" y="4628070"/>
               <a:ext cx="63761" cy="63761"/>
             </a:xfrm>
             <a:prstGeom prst="ellipse">
@@ -3821,7 +3821,7 @@
           </p:nvSpPr>
           <p:spPr>
             <a:xfrm>
-              <a:off x="2072437" y="4578489"/>
+              <a:off x="2072498" y="4578466"/>
               <a:ext cx="36101" cy="36101"/>
             </a:xfrm>
             <a:prstGeom prst="ellipse">
@@ -3856,7 +3856,7 @@
           </p:nvSpPr>
           <p:spPr>
             <a:xfrm>
-              <a:off x="2574342" y="4564659"/>
+              <a:off x="2574394" y="4564636"/>
               <a:ext cx="63761" cy="63761"/>
             </a:xfrm>
             <a:prstGeom prst="ellipse">
@@ -3891,7 +3891,7 @@
           </p:nvSpPr>
           <p:spPr>
             <a:xfrm>
-              <a:off x="1955460" y="4501226"/>
+              <a:off x="1955523" y="4501203"/>
               <a:ext cx="63761" cy="63761"/>
             </a:xfrm>
             <a:prstGeom prst="ellipse">
@@ -3926,7 +3926,7 @@
           </p:nvSpPr>
           <p:spPr>
             <a:xfrm>
-              <a:off x="1969290" y="4641923"/>
+              <a:off x="1969353" y="4641900"/>
               <a:ext cx="36101" cy="36101"/>
             </a:xfrm>
             <a:prstGeom prst="ellipse">
@@ -3961,7 +3961,7 @@
           </p:nvSpPr>
           <p:spPr>
             <a:xfrm>
-              <a:off x="1453555" y="4832224"/>
+              <a:off x="1453627" y="4832200"/>
               <a:ext cx="36101" cy="36101"/>
             </a:xfrm>
             <a:prstGeom prst="ellipse">
@@ -3996,7 +3996,7 @@
           </p:nvSpPr>
           <p:spPr>
             <a:xfrm>
-              <a:off x="2986930" y="4754960"/>
+              <a:off x="2986974" y="4754936"/>
               <a:ext cx="63761" cy="63761"/>
             </a:xfrm>
             <a:prstGeom prst="ellipse">
@@ -4031,7 +4031,7 @@
           </p:nvSpPr>
           <p:spPr>
             <a:xfrm>
-              <a:off x="2873659" y="4554535"/>
+              <a:off x="2873705" y="4554512"/>
               <a:ext cx="84009" cy="84009"/>
             </a:xfrm>
             <a:prstGeom prst="ellipse">
@@ -4066,7 +4066,7 @@
           </p:nvSpPr>
           <p:spPr>
             <a:xfrm>
-              <a:off x="2564218" y="4681402"/>
+              <a:off x="2564269" y="4681379"/>
               <a:ext cx="84009" cy="84009"/>
             </a:xfrm>
             <a:prstGeom prst="ellipse">
@@ -4101,7 +4101,7 @@
           </p:nvSpPr>
           <p:spPr>
             <a:xfrm>
-              <a:off x="2259173" y="4622364"/>
+              <a:off x="2259230" y="4622341"/>
               <a:ext cx="75218" cy="75218"/>
             </a:xfrm>
             <a:prstGeom prst="ellipse">
@@ -4136,7 +4136,7 @@
           </p:nvSpPr>
           <p:spPr>
             <a:xfrm>
-              <a:off x="2878055" y="4432063"/>
+              <a:off x="2878100" y="4432041"/>
               <a:ext cx="75218" cy="75218"/>
             </a:xfrm>
             <a:prstGeom prst="ellipse">
@@ -4171,7 +4171,7 @@
           </p:nvSpPr>
           <p:spPr>
             <a:xfrm>
-              <a:off x="2259173" y="4558931"/>
+              <a:off x="2259230" y="4558908"/>
               <a:ext cx="75218" cy="75218"/>
             </a:xfrm>
             <a:prstGeom prst="ellipse">
@@ -4206,7 +4206,7 @@
           </p:nvSpPr>
           <p:spPr>
             <a:xfrm>
-              <a:off x="2574342" y="4437792"/>
+              <a:off x="2574394" y="4437770"/>
               <a:ext cx="63761" cy="63761"/>
             </a:xfrm>
             <a:prstGeom prst="ellipse">
@@ -4241,7 +4241,7 @@
           </p:nvSpPr>
           <p:spPr>
             <a:xfrm>
-              <a:off x="2254777" y="4554535"/>
+              <a:off x="2254834" y="4554512"/>
               <a:ext cx="84009" cy="84009"/>
             </a:xfrm>
             <a:prstGeom prst="ellipse">
@@ -4276,7 +4276,7 @@
           </p:nvSpPr>
           <p:spPr>
             <a:xfrm>
-              <a:off x="1749166" y="4881828"/>
+              <a:off x="1749233" y="4881803"/>
               <a:ext cx="63761" cy="63761"/>
             </a:xfrm>
             <a:prstGeom prst="ellipse">
@@ -4311,7 +4311,7 @@
           </p:nvSpPr>
           <p:spPr>
             <a:xfrm>
-              <a:off x="2251071" y="4423962"/>
+              <a:off x="2251128" y="4423940"/>
               <a:ext cx="91421" cy="91421"/>
             </a:xfrm>
             <a:prstGeom prst="ellipse">
@@ -4346,7 +4346,7 @@
           </p:nvSpPr>
           <p:spPr>
             <a:xfrm>
-              <a:off x="1955460" y="4310924"/>
+              <a:off x="1955523" y="4310903"/>
               <a:ext cx="63761" cy="63761"/>
             </a:xfrm>
             <a:prstGeom prst="ellipse">
@@ -4381,7 +4381,7 @@
           </p:nvSpPr>
           <p:spPr>
             <a:xfrm>
-              <a:off x="2161754" y="4501226"/>
+              <a:off x="2161813" y="4501203"/>
               <a:ext cx="63761" cy="63761"/>
             </a:xfrm>
             <a:prstGeom prst="ellipse">
@@ -4416,7 +4416,7 @@
           </p:nvSpPr>
           <p:spPr>
             <a:xfrm>
-              <a:off x="2151630" y="4491101"/>
+              <a:off x="2151689" y="4491079"/>
               <a:ext cx="84009" cy="84009"/>
             </a:xfrm>
             <a:prstGeom prst="ellipse">
@@ -4451,7 +4451,7 @@
           </p:nvSpPr>
           <p:spPr>
             <a:xfrm>
-              <a:off x="2368048" y="4564659"/>
+              <a:off x="2368103" y="4564636"/>
               <a:ext cx="63761" cy="63761"/>
             </a:xfrm>
             <a:prstGeom prst="ellipse">
@@ -4486,7 +4486,7 @@
           </p:nvSpPr>
           <p:spPr>
             <a:xfrm>
-              <a:off x="2368048" y="4628093"/>
+              <a:off x="2368103" y="4628070"/>
               <a:ext cx="63761" cy="63761"/>
             </a:xfrm>
             <a:prstGeom prst="ellipse">
@@ -4521,7 +4521,7 @@
           </p:nvSpPr>
           <p:spPr>
             <a:xfrm>
-              <a:off x="1852313" y="4501226"/>
+              <a:off x="1852378" y="4501203"/>
               <a:ext cx="63761" cy="63761"/>
             </a:xfrm>
             <a:prstGeom prst="ellipse">
@@ -4556,7 +4556,7 @@
           </p:nvSpPr>
           <p:spPr>
             <a:xfrm>
-              <a:off x="1955460" y="4501226"/>
+              <a:off x="1955523" y="4501203"/>
               <a:ext cx="63761" cy="63761"/>
             </a:xfrm>
             <a:prstGeom prst="ellipse">
@@ -4591,7 +4591,7 @@
           </p:nvSpPr>
           <p:spPr>
             <a:xfrm>
-              <a:off x="2564218" y="4554535"/>
+              <a:off x="2564269" y="4554512"/>
               <a:ext cx="84009" cy="84009"/>
             </a:xfrm>
             <a:prstGeom prst="ellipse">
@@ -4626,7 +4626,7 @@
           </p:nvSpPr>
           <p:spPr>
             <a:xfrm>
-              <a:off x="2381878" y="4578489"/>
+              <a:off x="2381933" y="4578466"/>
               <a:ext cx="36101" cy="36101"/>
             </a:xfrm>
             <a:prstGeom prst="ellipse">
@@ -4661,7 +4661,7 @@
           </p:nvSpPr>
           <p:spPr>
             <a:xfrm>
-              <a:off x="2677489" y="4628093"/>
+              <a:off x="2677539" y="4628070"/>
               <a:ext cx="63761" cy="63761"/>
             </a:xfrm>
             <a:prstGeom prst="ellipse">
@@ -4696,7 +4696,7 @@
           </p:nvSpPr>
           <p:spPr>
             <a:xfrm>
-              <a:off x="2058607" y="4564659"/>
+              <a:off x="2058668" y="4564636"/>
               <a:ext cx="63761" cy="63761"/>
             </a:xfrm>
             <a:prstGeom prst="ellipse">
@@ -4731,7 +4731,7 @@
           </p:nvSpPr>
           <p:spPr>
             <a:xfrm>
-              <a:off x="2161754" y="4754960"/>
+              <a:off x="2161813" y="4754936"/>
               <a:ext cx="63761" cy="63761"/>
             </a:xfrm>
             <a:prstGeom prst="ellipse">
@@ -4766,7 +4766,7 @@
           </p:nvSpPr>
           <p:spPr>
             <a:xfrm>
-              <a:off x="2677489" y="4691527"/>
+              <a:off x="2677539" y="4691503"/>
               <a:ext cx="63761" cy="63761"/>
             </a:xfrm>
             <a:prstGeom prst="ellipse">
@@ -4801,7 +4801,7 @@
           </p:nvSpPr>
           <p:spPr>
             <a:xfrm>
-              <a:off x="2072437" y="4641923"/>
+              <a:off x="2072498" y="4641900"/>
               <a:ext cx="36101" cy="36101"/>
             </a:xfrm>
             <a:prstGeom prst="ellipse">
@@ -4836,7 +4836,7 @@
           </p:nvSpPr>
           <p:spPr>
             <a:xfrm>
-              <a:off x="1542872" y="4691527"/>
+              <a:off x="1542943" y="4691503"/>
               <a:ext cx="63761" cy="63761"/>
             </a:xfrm>
             <a:prstGeom prst="ellipse">
@@ -4871,7 +4871,7 @@
           </p:nvSpPr>
           <p:spPr>
             <a:xfrm>
-              <a:off x="2264901" y="4564659"/>
+              <a:off x="2264958" y="4564636"/>
               <a:ext cx="63761" cy="63761"/>
             </a:xfrm>
             <a:prstGeom prst="ellipse">
@@ -4906,7 +4906,7 @@
           </p:nvSpPr>
           <p:spPr>
             <a:xfrm>
-              <a:off x="2156026" y="4685798"/>
+              <a:off x="2156085" y="4685774"/>
               <a:ext cx="75218" cy="75218"/>
             </a:xfrm>
             <a:prstGeom prst="ellipse">
@@ -4941,7 +4941,7 @@
           </p:nvSpPr>
           <p:spPr>
             <a:xfrm>
-              <a:off x="1640290" y="4685798"/>
+              <a:off x="1640359" y="4685774"/>
               <a:ext cx="75218" cy="75218"/>
             </a:xfrm>
             <a:prstGeom prst="ellipse">
@@ -4976,7 +4976,7 @@
           </p:nvSpPr>
           <p:spPr>
             <a:xfrm>
-              <a:off x="1542872" y="4691527"/>
+              <a:off x="1542943" y="4691503"/>
               <a:ext cx="63761" cy="63761"/>
             </a:xfrm>
             <a:prstGeom prst="ellipse">
@@ -5011,7 +5011,7 @@
           </p:nvSpPr>
           <p:spPr>
             <a:xfrm>
-              <a:off x="2144659" y="4484131"/>
+              <a:off x="2144718" y="4484108"/>
               <a:ext cx="97951" cy="97951"/>
             </a:xfrm>
             <a:prstGeom prst="ellipse">
@@ -5046,7 +5046,7 @@
           </p:nvSpPr>
           <p:spPr>
             <a:xfrm>
-              <a:off x="2254777" y="4300800"/>
+              <a:off x="2254834" y="4300779"/>
               <a:ext cx="84009" cy="84009"/>
             </a:xfrm>
             <a:prstGeom prst="ellipse">
@@ -5081,7 +5081,7 @@
           </p:nvSpPr>
           <p:spPr>
             <a:xfrm>
-              <a:off x="1949731" y="4622364"/>
+              <a:off x="1949794" y="4622341"/>
               <a:ext cx="75218" cy="75218"/>
             </a:xfrm>
             <a:prstGeom prst="ellipse">
@@ -5116,7 +5116,7 @@
           </p:nvSpPr>
           <p:spPr>
             <a:xfrm>
-              <a:off x="2264901" y="4501226"/>
+              <a:off x="2264958" y="4501203"/>
               <a:ext cx="63761" cy="63761"/>
             </a:xfrm>
             <a:prstGeom prst="ellipse">
@@ -5151,7 +5151,7 @@
           </p:nvSpPr>
           <p:spPr>
             <a:xfrm>
-              <a:off x="1749166" y="4628093"/>
+              <a:off x="1749233" y="4628070"/>
               <a:ext cx="63761" cy="63761"/>
             </a:xfrm>
             <a:prstGeom prst="ellipse">
@@ -5186,7 +5186,7 @@
           </p:nvSpPr>
           <p:spPr>
             <a:xfrm>
-              <a:off x="2471195" y="4564659"/>
+              <a:off x="2471248" y="4564636"/>
               <a:ext cx="63761" cy="63761"/>
             </a:xfrm>
             <a:prstGeom prst="ellipse">
@@ -5221,7 +5221,7 @@
           </p:nvSpPr>
           <p:spPr>
             <a:xfrm>
-              <a:off x="2161754" y="4628093"/>
+              <a:off x="2161813" y="4628070"/>
               <a:ext cx="63761" cy="63761"/>
             </a:xfrm>
             <a:prstGeom prst="ellipse">
@@ -5256,7 +5256,7 @@
           </p:nvSpPr>
           <p:spPr>
             <a:xfrm>
-              <a:off x="4188660" y="2498745"/>
+              <a:off x="4188680" y="2498735"/>
               <a:ext cx="135831" cy="135831"/>
             </a:xfrm>
             <a:prstGeom prst="ellipse">
@@ -5291,7 +5291,7 @@
           </p:nvSpPr>
           <p:spPr>
             <a:xfrm>
-              <a:off x="3567895" y="2623730"/>
+              <a:off x="3567927" y="2623719"/>
               <a:ext cx="139595" cy="139595"/>
             </a:xfrm>
             <a:prstGeom prst="ellipse">
@@ -5326,7 +5326,7 @@
           </p:nvSpPr>
           <p:spPr>
             <a:xfrm>
-              <a:off x="4083630" y="2369995"/>
+              <a:off x="4083653" y="2369986"/>
               <a:ext cx="139595" cy="139595"/>
             </a:xfrm>
             <a:prstGeom prst="ellipse">
@@ -5361,7 +5361,7 @@
           </p:nvSpPr>
           <p:spPr>
             <a:xfrm>
-              <a:off x="2643411" y="2944737"/>
+              <a:off x="2643460" y="2944724"/>
               <a:ext cx="131918" cy="131918"/>
             </a:xfrm>
             <a:prstGeom prst="ellipse">
@@ -5396,7 +5396,7 @@
           </p:nvSpPr>
           <p:spPr>
             <a:xfrm>
-              <a:off x="3671042" y="2560296"/>
+              <a:off x="3671073" y="2560286"/>
               <a:ext cx="139595" cy="139595"/>
             </a:xfrm>
             <a:prstGeom prst="ellipse">
@@ -5431,7 +5431,7 @@
           </p:nvSpPr>
           <p:spPr>
             <a:xfrm>
-              <a:off x="2849705" y="2627568"/>
+              <a:off x="2849750" y="2627558"/>
               <a:ext cx="131918" cy="131918"/>
             </a:xfrm>
             <a:prstGeom prst="ellipse">
@@ -5466,7 +5466,7 @@
           </p:nvSpPr>
           <p:spPr>
             <a:xfrm>
-              <a:off x="3462932" y="2495046"/>
+              <a:off x="3462966" y="2495036"/>
               <a:ext cx="143228" cy="143228"/>
             </a:xfrm>
             <a:prstGeom prst="ellipse">
@@ -5501,7 +5501,7 @@
           </p:nvSpPr>
           <p:spPr>
             <a:xfrm>
-              <a:off x="2030947" y="3395192"/>
+              <a:off x="2031008" y="3395176"/>
               <a:ext cx="119081" cy="119081"/>
             </a:xfrm>
             <a:prstGeom prst="ellipse">
@@ -5536,7 +5536,7 @@
           </p:nvSpPr>
           <p:spPr>
             <a:xfrm>
-              <a:off x="3778028" y="2564135"/>
+              <a:off x="3778056" y="2564124"/>
               <a:ext cx="131918" cy="131918"/>
             </a:xfrm>
             <a:prstGeom prst="ellipse">
@@ -5571,7 +5571,7 @@
           </p:nvSpPr>
           <p:spPr>
             <a:xfrm>
-              <a:off x="2332013" y="3006215"/>
+              <a:off x="2332068" y="3006201"/>
               <a:ext cx="135831" cy="135831"/>
             </a:xfrm>
             <a:prstGeom prst="ellipse">
@@ -5606,7 +5606,7 @@
           </p:nvSpPr>
           <p:spPr>
             <a:xfrm>
-              <a:off x="2134094" y="3268324"/>
+              <a:off x="2134153" y="3268310"/>
               <a:ext cx="119081" cy="119081"/>
             </a:xfrm>
             <a:prstGeom prst="ellipse">
@@ -5641,7 +5641,7 @@
           </p:nvSpPr>
           <p:spPr>
             <a:xfrm>
-              <a:off x="3052160" y="2814031"/>
+              <a:off x="3052202" y="2814019"/>
               <a:ext cx="139595" cy="139595"/>
             </a:xfrm>
             <a:prstGeom prst="ellipse">
@@ -5676,7 +5676,7 @@
           </p:nvSpPr>
           <p:spPr>
             <a:xfrm>
-              <a:off x="3165564" y="2951156"/>
+              <a:off x="3165604" y="2951143"/>
               <a:ext cx="119081" cy="119081"/>
             </a:xfrm>
             <a:prstGeom prst="ellipse">
@@ -5711,7 +5711,7 @@
           </p:nvSpPr>
           <p:spPr>
             <a:xfrm>
-              <a:off x="3260336" y="2498745"/>
+              <a:off x="3260374" y="2498735"/>
               <a:ext cx="135831" cy="135831"/>
             </a:xfrm>
             <a:prstGeom prst="ellipse">
@@ -5746,7 +5746,7 @@
           </p:nvSpPr>
           <p:spPr>
             <a:xfrm>
-              <a:off x="2746558" y="3198472"/>
+              <a:off x="2746605" y="3198458"/>
               <a:ext cx="131918" cy="131918"/>
             </a:xfrm>
             <a:prstGeom prst="ellipse">
@@ -5781,7 +5781,7 @@
           </p:nvSpPr>
           <p:spPr>
             <a:xfrm>
-              <a:off x="3879219" y="2689046"/>
+              <a:off x="3879245" y="2689035"/>
               <a:ext cx="135831" cy="135831"/>
             </a:xfrm>
             <a:prstGeom prst="ellipse">
@@ -5816,7 +5816,7 @@
           </p:nvSpPr>
           <p:spPr>
             <a:xfrm>
-              <a:off x="2742719" y="2623730"/>
+              <a:off x="2742767" y="2623719"/>
               <a:ext cx="139595" cy="139595"/>
             </a:xfrm>
             <a:prstGeom prst="ellipse">
@@ -5851,7 +5851,7 @@
           </p:nvSpPr>
           <p:spPr>
             <a:xfrm>
-              <a:off x="2959270" y="2887722"/>
+              <a:off x="2959314" y="2887710"/>
               <a:ext cx="119081" cy="119081"/>
             </a:xfrm>
             <a:prstGeom prst="ellipse">
@@ -5886,7 +5886,7 @@
           </p:nvSpPr>
           <p:spPr>
             <a:xfrm>
-              <a:off x="3361601" y="2623730"/>
+              <a:off x="3361637" y="2623719"/>
               <a:ext cx="139595" cy="139595"/>
             </a:xfrm>
             <a:prstGeom prst="ellipse">
@@ -5921,7 +5921,7 @@
           </p:nvSpPr>
           <p:spPr>
             <a:xfrm>
-              <a:off x="2750732" y="3012345"/>
+              <a:off x="2750779" y="3012332"/>
               <a:ext cx="123570" cy="123570"/>
             </a:xfrm>
             <a:prstGeom prst="ellipse">
@@ -5956,7 +5956,7 @@
           </p:nvSpPr>
           <p:spPr>
             <a:xfrm>
-              <a:off x="3046885" y="2428153"/>
+              <a:off x="3046926" y="2428144"/>
               <a:ext cx="150146" cy="150146"/>
             </a:xfrm>
             <a:prstGeom prst="ellipse">
@@ -5991,7 +5991,7 @@
           </p:nvSpPr>
           <p:spPr>
             <a:xfrm>
-              <a:off x="3262293" y="2944737"/>
+              <a:off x="3262331" y="2944724"/>
               <a:ext cx="131918" cy="131918"/>
             </a:xfrm>
             <a:prstGeom prst="ellipse">
@@ -6026,7 +6026,7 @@
           </p:nvSpPr>
           <p:spPr>
             <a:xfrm>
-              <a:off x="3464748" y="2369995"/>
+              <a:off x="3464782" y="2369986"/>
               <a:ext cx="139595" cy="139595"/>
             </a:xfrm>
             <a:prstGeom prst="ellipse">
@@ -6061,7 +6061,7 @@
           </p:nvSpPr>
           <p:spPr>
             <a:xfrm>
-              <a:off x="3264332" y="2502741"/>
+              <a:off x="3264370" y="2502731"/>
               <a:ext cx="127839" cy="127839"/>
             </a:xfrm>
             <a:prstGeom prst="ellipse">
@@ -6096,7 +6096,7 @@
           </p:nvSpPr>
           <p:spPr>
             <a:xfrm>
-              <a:off x="3571734" y="2754436"/>
+              <a:off x="3571766" y="2754424"/>
               <a:ext cx="131918" cy="131918"/>
             </a:xfrm>
             <a:prstGeom prst="ellipse">
@@ -6131,7 +6131,7 @@
           </p:nvSpPr>
           <p:spPr>
             <a:xfrm>
-              <a:off x="3776072" y="2689046"/>
+              <a:off x="3776100" y="2689035"/>
               <a:ext cx="135831" cy="135831"/>
             </a:xfrm>
             <a:prstGeom prst="ellipse">
@@ -6166,7 +6166,7 @@
           </p:nvSpPr>
           <p:spPr>
             <a:xfrm>
-              <a:off x="3982366" y="2435311"/>
+              <a:off x="3982390" y="2435301"/>
               <a:ext cx="135831" cy="135831"/>
             </a:xfrm>
             <a:prstGeom prst="ellipse">
@@ -6201,7 +6201,7 @@
           </p:nvSpPr>
           <p:spPr>
             <a:xfrm>
-              <a:off x="3873763" y="2302988"/>
+              <a:off x="3873790" y="2302979"/>
               <a:ext cx="146741" cy="146741"/>
             </a:xfrm>
             <a:prstGeom prst="ellipse">
@@ -6236,7 +6236,7 @@
           </p:nvSpPr>
           <p:spPr>
             <a:xfrm>
-              <a:off x="3155307" y="2623730"/>
+              <a:off x="3155347" y="2623719"/>
               <a:ext cx="139595" cy="139595"/>
             </a:xfrm>
             <a:prstGeom prst="ellipse">
@@ -6271,7 +6271,7 @@
           </p:nvSpPr>
           <p:spPr>
             <a:xfrm>
-              <a:off x="2856123" y="3268324"/>
+              <a:off x="2856169" y="3268310"/>
               <a:ext cx="119081" cy="119081"/>
             </a:xfrm>
             <a:prstGeom prst="ellipse">
@@ -6306,7 +6306,7 @@
           </p:nvSpPr>
           <p:spPr>
             <a:xfrm>
-              <a:off x="2647585" y="3075779"/>
+              <a:off x="2647634" y="3075765"/>
               <a:ext cx="123570" cy="123570"/>
             </a:xfrm>
             <a:prstGeom prst="ellipse">
@@ -6341,7 +6341,7 @@
           </p:nvSpPr>
           <p:spPr>
             <a:xfrm>
-              <a:off x="2649829" y="3141457"/>
+              <a:off x="2649879" y="3141443"/>
               <a:ext cx="119081" cy="119081"/>
             </a:xfrm>
             <a:prstGeom prst="ellipse">
@@ -6376,7 +6376,7 @@
           </p:nvSpPr>
           <p:spPr>
             <a:xfrm>
-              <a:off x="2954891" y="3010211"/>
+              <a:off x="2954935" y="3010197"/>
               <a:ext cx="127839" cy="127839"/>
             </a:xfrm>
             <a:prstGeom prst="ellipse">
@@ -6411,7 +6411,7 @@
           </p:nvSpPr>
           <p:spPr>
             <a:xfrm>
-              <a:off x="3153491" y="2241311"/>
+              <a:off x="3153531" y="2241303"/>
               <a:ext cx="143228" cy="143228"/>
             </a:xfrm>
             <a:prstGeom prst="ellipse">
@@ -6446,7 +6446,7 @@
           </p:nvSpPr>
           <p:spPr>
             <a:xfrm>
-              <a:off x="2536425" y="2623730"/>
+              <a:off x="2536476" y="2623719"/>
               <a:ext cx="139595" cy="139595"/>
             </a:xfrm>
             <a:prstGeom prst="ellipse">
@@ -6481,7 +6481,7 @@
           </p:nvSpPr>
           <p:spPr>
             <a:xfrm>
-              <a:off x="3153491" y="2621914"/>
+              <a:off x="3153531" y="2621903"/>
               <a:ext cx="143228" cy="143228"/>
             </a:xfrm>
             <a:prstGeom prst="ellipse">
@@ -6516,7 +6516,7 @@
           </p:nvSpPr>
           <p:spPr>
             <a:xfrm>
-              <a:off x="3877336" y="2496862"/>
+              <a:off x="3877363" y="2496852"/>
               <a:ext cx="139595" cy="139595"/>
             </a:xfrm>
             <a:prstGeom prst="ellipse">
@@ -6551,7 +6551,7 @@
           </p:nvSpPr>
           <p:spPr>
             <a:xfrm>
-              <a:off x="3468587" y="2691002"/>
+              <a:off x="3468621" y="2690991"/>
               <a:ext cx="131918" cy="131918"/>
             </a:xfrm>
             <a:prstGeom prst="ellipse">
@@ -6586,7 +6586,7 @@
           </p:nvSpPr>
           <p:spPr>
             <a:xfrm>
-              <a:off x="2746558" y="2881303"/>
+              <a:off x="2746605" y="2881291"/>
               <a:ext cx="131918" cy="131918"/>
             </a:xfrm>
             <a:prstGeom prst="ellipse">
@@ -6621,7 +6621,7 @@
           </p:nvSpPr>
           <p:spPr>
             <a:xfrm>
-              <a:off x="2643411" y="2944737"/>
+              <a:off x="2643460" y="2944724"/>
               <a:ext cx="131918" cy="131918"/>
             </a:xfrm>
             <a:prstGeom prst="ellipse">
@@ -6656,7 +6656,7 @@
           </p:nvSpPr>
           <p:spPr>
             <a:xfrm>
-              <a:off x="2645450" y="2693042"/>
+              <a:off x="2645500" y="2693031"/>
               <a:ext cx="127839" cy="127839"/>
             </a:xfrm>
             <a:prstGeom prst="ellipse">
@@ -6691,7 +6691,7 @@
           </p:nvSpPr>
           <p:spPr>
             <a:xfrm>
-              <a:off x="3260336" y="2562178"/>
+              <a:off x="3260374" y="2562168"/>
               <a:ext cx="135831" cy="135831"/>
             </a:xfrm>
             <a:prstGeom prst="ellipse">
@@ -6726,7 +6726,7 @@
           </p:nvSpPr>
           <p:spPr>
             <a:xfrm>
-              <a:off x="2954891" y="2946777"/>
+              <a:off x="2954935" y="2946764"/>
               <a:ext cx="127839" cy="127839"/>
             </a:xfrm>
             <a:prstGeom prst="ellipse">
@@ -6761,7 +6761,7 @@
           </p:nvSpPr>
           <p:spPr>
             <a:xfrm>
-              <a:off x="2134094" y="3395192"/>
+              <a:off x="2134153" y="3395176"/>
               <a:ext cx="119081" cy="119081"/>
             </a:xfrm>
             <a:prstGeom prst="ellipse">
@@ -6796,7 +6796,7 @@
           </p:nvSpPr>
           <p:spPr>
             <a:xfrm>
-              <a:off x="2746558" y="2817870"/>
+              <a:off x="2746605" y="2817858"/>
               <a:ext cx="131918" cy="131918"/>
             </a:xfrm>
             <a:prstGeom prst="ellipse">
@@ -6831,7 +6831,7 @@
           </p:nvSpPr>
           <p:spPr>
             <a:xfrm>
-              <a:off x="2851744" y="2819909"/>
+              <a:off x="2851790" y="2819897"/>
               <a:ext cx="127839" cy="127839"/>
             </a:xfrm>
             <a:prstGeom prst="ellipse">
@@ -6866,7 +6866,7 @@
           </p:nvSpPr>
           <p:spPr>
             <a:xfrm>
-              <a:off x="2849705" y="2817870"/>
+              <a:off x="2849750" y="2817858"/>
               <a:ext cx="131918" cy="131918"/>
             </a:xfrm>
             <a:prstGeom prst="ellipse">
@@ -6901,7 +6901,7 @@
           </p:nvSpPr>
           <p:spPr>
             <a:xfrm>
-              <a:off x="3365440" y="2754436"/>
+              <a:off x="3365476" y="2754424"/>
               <a:ext cx="131918" cy="131918"/>
             </a:xfrm>
             <a:prstGeom prst="ellipse">
@@ -6936,7 +6936,7 @@
           </p:nvSpPr>
           <p:spPr>
             <a:xfrm>
-              <a:off x="2234997" y="3583249"/>
+              <a:off x="2235054" y="3583232"/>
               <a:ext cx="123570" cy="123570"/>
             </a:xfrm>
             <a:prstGeom prst="ellipse">
@@ -6971,7 +6971,7 @@
           </p:nvSpPr>
           <p:spPr>
             <a:xfrm>
-              <a:off x="2849705" y="2881303"/>
+              <a:off x="2849750" y="2881291"/>
               <a:ext cx="131918" cy="131918"/>
             </a:xfrm>
             <a:prstGeom prst="ellipse">
@@ -7006,7 +7006,7 @@
           </p:nvSpPr>
           <p:spPr>
             <a:xfrm>
-              <a:off x="3448742" y="1656218"/>
+              <a:off x="3448776" y="1656213"/>
               <a:ext cx="171607" cy="171607"/>
             </a:xfrm>
             <a:prstGeom prst="ellipse">
@@ -7041,7 +7041,7 @@
           </p:nvSpPr>
           <p:spPr>
             <a:xfrm>
-              <a:off x="2942084" y="2236199"/>
+              <a:off x="2942128" y="2236190"/>
               <a:ext cx="153453" cy="153453"/>
             </a:xfrm>
             <a:prstGeom prst="ellipse">
@@ -7076,7 +7076,7 @@
           </p:nvSpPr>
           <p:spPr>
             <a:xfrm>
-              <a:off x="4279822" y="1725555"/>
+              <a:off x="4279841" y="1725550"/>
               <a:ext cx="159800" cy="159800"/>
             </a:xfrm>
             <a:prstGeom prst="ellipse">
@@ -7111,7 +7111,7 @@
           </p:nvSpPr>
           <p:spPr>
             <a:xfrm>
-              <a:off x="3459473" y="1920683"/>
+              <a:off x="3459507" y="1920677"/>
               <a:ext cx="150146" cy="150146"/>
             </a:xfrm>
             <a:prstGeom prst="ellipse">
@@ -7146,7 +7146,7 @@
           </p:nvSpPr>
           <p:spPr>
             <a:xfrm>
-              <a:off x="3659412" y="1787461"/>
+              <a:off x="3659443" y="1787456"/>
               <a:ext cx="162855" cy="162855"/>
             </a:xfrm>
             <a:prstGeom prst="ellipse">
@@ -7181,7 +7181,7 @@
           </p:nvSpPr>
           <p:spPr>
             <a:xfrm>
-              <a:off x="4795557" y="1281519"/>
+              <a:off x="4795566" y="1281516"/>
               <a:ext cx="159800" cy="159800"/>
             </a:xfrm>
             <a:prstGeom prst="ellipse">
@@ -7216,7 +7216,7 @@
           </p:nvSpPr>
           <p:spPr>
             <a:xfrm>
-              <a:off x="2017117" y="2620157"/>
+              <a:off x="2017178" y="2620146"/>
               <a:ext cx="146741" cy="146741"/>
             </a:xfrm>
             <a:prstGeom prst="ellipse">
@@ -7251,7 +7251,7 @@
           </p:nvSpPr>
           <p:spPr>
             <a:xfrm>
-              <a:off x="4490943" y="1476647"/>
+              <a:off x="4490958" y="1476644"/>
               <a:ext cx="150146" cy="150146"/>
             </a:xfrm>
             <a:prstGeom prst="ellipse">
@@ -7286,7 +7286,7 @@
           </p:nvSpPr>
           <p:spPr>
             <a:xfrm>
-              <a:off x="3872061" y="1793816"/>
+              <a:off x="3872087" y="1793810"/>
               <a:ext cx="150146" cy="150146"/>
             </a:xfrm>
             <a:prstGeom prst="ellipse">
@@ -7321,7 +7321,7 @@
           </p:nvSpPr>
           <p:spPr>
             <a:xfrm>
-              <a:off x="4377066" y="1592784"/>
+              <a:off x="4377082" y="1592780"/>
               <a:ext cx="171607" cy="171607"/>
             </a:xfrm>
             <a:prstGeom prst="ellipse">
@@ -7356,7 +7356,7 @@
           </p:nvSpPr>
           <p:spPr>
             <a:xfrm>
-              <a:off x="3662506" y="2234591"/>
+              <a:off x="3662536" y="2234583"/>
               <a:ext cx="156668" cy="156668"/>
             </a:xfrm>
             <a:prstGeom prst="ellipse">
@@ -7391,7 +7391,7 @@
           </p:nvSpPr>
           <p:spPr>
             <a:xfrm>
-              <a:off x="3560967" y="2109331"/>
+              <a:off x="3560999" y="2109324"/>
               <a:ext cx="153453" cy="153453"/>
             </a:xfrm>
             <a:prstGeom prst="ellipse">
@@ -7426,7 +7426,7 @@
           </p:nvSpPr>
           <p:spPr>
             <a:xfrm>
-              <a:off x="3970381" y="1979290"/>
+              <a:off x="3970405" y="1979283"/>
               <a:ext cx="159800" cy="159800"/>
             </a:xfrm>
             <a:prstGeom prst="ellipse">
@@ -7461,7 +7461,7 @@
           </p:nvSpPr>
           <p:spPr>
             <a:xfrm>
-              <a:off x="2837330" y="2298025"/>
+              <a:off x="2837375" y="2298016"/>
               <a:ext cx="156668" cy="156668"/>
             </a:xfrm>
             <a:prstGeom prst="ellipse">
@@ -7496,7 +7496,7 @@
           </p:nvSpPr>
           <p:spPr>
             <a:xfrm>
-              <a:off x="2934434" y="2228548"/>
+              <a:off x="2934477" y="2228540"/>
               <a:ext cx="168754" cy="168754"/>
             </a:xfrm>
             <a:prstGeom prst="ellipse">
@@ -7531,7 +7531,7 @@
           </p:nvSpPr>
           <p:spPr>
             <a:xfrm>
-              <a:off x="3554774" y="2103139"/>
+              <a:off x="3554806" y="2103131"/>
               <a:ext cx="165838" cy="165838"/>
             </a:xfrm>
             <a:prstGeom prst="ellipse">
@@ -7566,7 +7566,7 @@
           </p:nvSpPr>
           <p:spPr>
             <a:xfrm>
-              <a:off x="3665767" y="1984117"/>
+              <a:off x="3665797" y="1984110"/>
               <a:ext cx="150146" cy="150146"/>
             </a:xfrm>
             <a:prstGeom prst="ellipse">
@@ -7601,7 +7601,7 @@
           </p:nvSpPr>
           <p:spPr>
             <a:xfrm>
-              <a:off x="4897177" y="1216558"/>
+              <a:off x="4897184" y="1216556"/>
               <a:ext cx="162855" cy="162855"/>
             </a:xfrm>
             <a:prstGeom prst="ellipse">
@@ -7636,7 +7636,7 @@
           </p:nvSpPr>
           <p:spPr>
             <a:xfrm>
-              <a:off x="4895685" y="1088199"/>
+              <a:off x="4895692" y="1088198"/>
               <a:ext cx="165838" cy="165838"/>
             </a:xfrm>
             <a:prstGeom prst="ellipse">
@@ -7671,7 +7671,7 @@
           </p:nvSpPr>
           <p:spPr>
             <a:xfrm>
-              <a:off x="3155307" y="2306561"/>
+              <a:off x="3155347" y="2306552"/>
               <a:ext cx="139595" cy="139595"/>
             </a:xfrm>
             <a:prstGeom prst="ellipse">
@@ -7706,7 +7706,7 @@
           </p:nvSpPr>
           <p:spPr>
             <a:xfrm>
-              <a:off x="4070509" y="1849404"/>
+              <a:off x="4070532" y="1849398"/>
               <a:ext cx="165838" cy="165838"/>
             </a:xfrm>
             <a:prstGeom prst="ellipse">
@@ -7741,7 +7741,7 @@
           </p:nvSpPr>
           <p:spPr>
             <a:xfrm>
-              <a:off x="2734183" y="2361458"/>
+              <a:off x="2734230" y="2361449"/>
               <a:ext cx="156668" cy="156668"/>
             </a:xfrm>
             <a:prstGeom prst="ellipse">
@@ -7776,7 +7776,7 @@
           </p:nvSpPr>
           <p:spPr>
             <a:xfrm>
-              <a:off x="4900270" y="1219651"/>
+              <a:off x="4900277" y="1219649"/>
               <a:ext cx="156668" cy="156668"/>
             </a:xfrm>
             <a:prstGeom prst="ellipse">
@@ -7811,7 +7811,7 @@
           </p:nvSpPr>
           <p:spPr>
             <a:xfrm>
-              <a:off x="3459473" y="2364719"/>
+              <a:off x="3459507" y="2364710"/>
               <a:ext cx="150146" cy="150146"/>
             </a:xfrm>
             <a:prstGeom prst="ellipse">
@@ -7846,7 +7846,7 @@
           </p:nvSpPr>
           <p:spPr>
             <a:xfrm>
-              <a:off x="3867234" y="1852422"/>
+              <a:off x="3867260" y="1852416"/>
               <a:ext cx="159800" cy="159800"/>
             </a:xfrm>
             <a:prstGeom prst="ellipse">
@@ -7881,7 +7881,7 @@
           </p:nvSpPr>
           <p:spPr>
             <a:xfrm>
-              <a:off x="4387796" y="1666948"/>
+              <a:off x="4387813" y="1666944"/>
               <a:ext cx="150146" cy="150146"/>
             </a:xfrm>
             <a:prstGeom prst="ellipse">
@@ -7916,7 +7916,7 @@
           </p:nvSpPr>
           <p:spPr>
             <a:xfrm>
-              <a:off x="3356326" y="2428153"/>
+              <a:off x="3356362" y="2428144"/>
               <a:ext cx="150146" cy="150146"/>
             </a:xfrm>
             <a:prstGeom prst="ellipse">
@@ -7951,7 +7951,7 @@
           </p:nvSpPr>
           <p:spPr>
             <a:xfrm>
-              <a:off x="3253179" y="2364719"/>
+              <a:off x="3253217" y="2364710"/>
               <a:ext cx="150146" cy="150146"/>
             </a:xfrm>
             <a:prstGeom prst="ellipse">
@@ -7986,7 +7986,7 @@
           </p:nvSpPr>
           <p:spPr>
             <a:xfrm>
-              <a:off x="3557793" y="1915856"/>
+              <a:off x="3557825" y="1915850"/>
               <a:ext cx="159800" cy="159800"/>
             </a:xfrm>
             <a:prstGeom prst="ellipse">
@@ -8021,7 +8021,7 @@
           </p:nvSpPr>
           <p:spPr>
             <a:xfrm>
-              <a:off x="4391255" y="1797275"/>
+              <a:off x="4391272" y="1797269"/>
               <a:ext cx="143228" cy="143228"/>
             </a:xfrm>
             <a:prstGeom prst="ellipse">
@@ -8056,7 +8056,7 @@
           </p:nvSpPr>
           <p:spPr>
             <a:xfrm>
-              <a:off x="4592437" y="1601861"/>
+              <a:off x="4592450" y="1601857"/>
               <a:ext cx="153453" cy="153453"/>
             </a:xfrm>
             <a:prstGeom prst="ellipse">
@@ -8091,7 +8091,7 @@
           </p:nvSpPr>
           <p:spPr>
             <a:xfrm>
-              <a:off x="5106564" y="1409952"/>
+              <a:off x="5106568" y="1409949"/>
               <a:ext cx="156668" cy="156668"/>
             </a:xfrm>
             <a:prstGeom prst="ellipse">
@@ -8126,7 +8126,7 @@
           </p:nvSpPr>
           <p:spPr>
             <a:xfrm>
-              <a:off x="3556265" y="1914329"/>
+              <a:off x="3556297" y="1914322"/>
               <a:ext cx="162855" cy="162855"/>
             </a:xfrm>
             <a:prstGeom prst="ellipse">
@@ -8161,7 +8161,7 @@
           </p:nvSpPr>
           <p:spPr>
             <a:xfrm>
-              <a:off x="3464748" y="2243127"/>
+              <a:off x="3464782" y="2243119"/>
               <a:ext cx="139595" cy="139595"/>
             </a:xfrm>
             <a:prstGeom prst="ellipse">
@@ -8196,7 +8196,7 @@
           </p:nvSpPr>
           <p:spPr>
             <a:xfrm>
-              <a:off x="3260336" y="1927841"/>
+              <a:off x="3260374" y="1927835"/>
               <a:ext cx="135831" cy="135831"/>
             </a:xfrm>
             <a:prstGeom prst="ellipse">
@@ -8231,7 +8231,7 @@
           </p:nvSpPr>
           <p:spPr>
             <a:xfrm>
-              <a:off x="4895685" y="1595669"/>
+              <a:off x="4895692" y="1595664"/>
               <a:ext cx="165838" cy="165838"/>
             </a:xfrm>
             <a:prstGeom prst="ellipse">
@@ -8266,7 +8266,7 @@
           </p:nvSpPr>
           <p:spPr>
             <a:xfrm>
-              <a:off x="3450169" y="1911379"/>
+              <a:off x="3450203" y="1911373"/>
               <a:ext cx="168754" cy="168754"/>
             </a:xfrm>
             <a:prstGeom prst="ellipse">
@@ -8301,7 +8301,7 @@
           </p:nvSpPr>
           <p:spPr>
             <a:xfrm>
-              <a:off x="3562620" y="1984117"/>
+              <a:off x="3562652" y="1984110"/>
               <a:ext cx="150146" cy="150146"/>
             </a:xfrm>
             <a:prstGeom prst="ellipse">
@@ -8336,7 +8336,7 @@
           </p:nvSpPr>
           <p:spPr>
             <a:xfrm>
-              <a:off x="3150032" y="2428153"/>
+              <a:off x="3150072" y="2428144"/>
               <a:ext cx="150146" cy="150146"/>
             </a:xfrm>
             <a:prstGeom prst="ellipse">
@@ -8371,7 +8371,7 @@
           </p:nvSpPr>
           <p:spPr>
             <a:xfrm>
-              <a:off x="4073528" y="2042724"/>
+              <a:off x="4073550" y="2042716"/>
               <a:ext cx="159800" cy="159800"/>
             </a:xfrm>
             <a:prstGeom prst="ellipse">
@@ -8406,7 +8406,7 @@
           </p:nvSpPr>
           <p:spPr>
             <a:xfrm>
-              <a:off x="3862757" y="1911379"/>
+              <a:off x="3862783" y="1911373"/>
               <a:ext cx="168754" cy="168754"/>
             </a:xfrm>
             <a:prstGeom prst="ellipse">
@@ -8441,7 +8441,7 @@
           </p:nvSpPr>
           <p:spPr>
             <a:xfrm>
-              <a:off x="4070509" y="2230006"/>
+              <a:off x="4070532" y="2229998"/>
               <a:ext cx="165838" cy="165838"/>
             </a:xfrm>
             <a:prstGeom prst="ellipse">
@@ -8476,7 +8476,7 @@
           </p:nvSpPr>
           <p:spPr>
             <a:xfrm>
-              <a:off x="2942084" y="2236199"/>
+              <a:off x="2942128" y="2236190"/>
               <a:ext cx="153453" cy="153453"/>
             </a:xfrm>
             <a:prstGeom prst="ellipse">
@@ -8511,7 +8511,7 @@
           </p:nvSpPr>
           <p:spPr>
             <a:xfrm>
-              <a:off x="3967362" y="1722536"/>
+              <a:off x="3967386" y="1722531"/>
               <a:ext cx="165838" cy="165838"/>
             </a:xfrm>
             <a:prstGeom prst="ellipse">
@@ -8546,7 +8546,7 @@
           </p:nvSpPr>
           <p:spPr>
             <a:xfrm>
-              <a:off x="3861330" y="1846519"/>
+              <a:off x="3861357" y="1846513"/>
               <a:ext cx="171607" cy="171607"/>
             </a:xfrm>
             <a:prstGeom prst="ellipse">
@@ -8581,7 +8581,7 @@
           </p:nvSpPr>
           <p:spPr>
             <a:xfrm>
-              <a:off x="3864215" y="2166572"/>
+              <a:off x="3864241" y="2166564"/>
               <a:ext cx="165838" cy="165838"/>
             </a:xfrm>
             <a:prstGeom prst="ellipse">
@@ -8616,7 +8616,7 @@
           </p:nvSpPr>
           <p:spPr>
             <a:xfrm>
-              <a:off x="3457820" y="2299633"/>
+              <a:off x="3457854" y="2299624"/>
               <a:ext cx="153453" cy="153453"/>
             </a:xfrm>
             <a:prstGeom prst="ellipse">
@@ -8651,7 +8651,7 @@
           </p:nvSpPr>
           <p:spPr>
             <a:xfrm>
-              <a:off x="3662506" y="2171157"/>
+              <a:off x="3662536" y="2171149"/>
               <a:ext cx="156668" cy="156668"/>
             </a:xfrm>
             <a:prstGeom prst="ellipse">
@@ -8686,7 +8686,7 @@
           </p:nvSpPr>
           <p:spPr>
             <a:xfrm>
-              <a:off x="3348480" y="2039705"/>
+              <a:off x="3348516" y="2039698"/>
               <a:ext cx="165838" cy="165838"/>
             </a:xfrm>
             <a:prstGeom prst="ellipse">
@@ -8721,7 +8721,7 @@
           </p:nvSpPr>
           <p:spPr>
             <a:xfrm>
-              <a:off x="3046885" y="2237852"/>
+              <a:off x="3046926" y="2237844"/>
               <a:ext cx="150146" cy="150146"/>
             </a:xfrm>
             <a:prstGeom prst="ellipse">
@@ -8756,8 +8756,8 @@
           </p:nvSpPr>
           <p:spPr>
             <a:xfrm>
-              <a:off x="1166687" y="4243057"/>
-              <a:ext cx="56623" cy="71635"/>
+              <a:off x="1166743" y="4243007"/>
+              <a:ext cx="56643" cy="71650"/>
             </a:xfrm>
             <a:prstGeom prst="rect">
               <a:avLst/>
@@ -8802,8 +8802,8 @@
           </p:nvSpPr>
           <p:spPr>
             <a:xfrm>
-              <a:off x="1166687" y="2974779"/>
-              <a:ext cx="56623" cy="71239"/>
+              <a:off x="1166743" y="2974722"/>
+              <a:ext cx="56643" cy="71268"/>
             </a:xfrm>
             <a:prstGeom prst="rect">
               <a:avLst/>
@@ -8848,8 +8848,8 @@
           </p:nvSpPr>
           <p:spPr>
             <a:xfrm>
-              <a:off x="1166687" y="1704715"/>
-              <a:ext cx="56623" cy="72628"/>
+              <a:off x="1166743" y="1704691"/>
+              <a:ext cx="56643" cy="72633"/>
             </a:xfrm>
             <a:prstGeom prst="rect">
               <a:avLst/>
@@ -8894,7 +8894,7 @@
           </p:nvSpPr>
           <p:spPr>
             <a:xfrm>
-              <a:off x="1251146" y="4279371"/>
+              <a:off x="1251222" y="4279350"/>
               <a:ext cx="34794" cy="0"/>
             </a:xfrm>
             <a:custGeom>
@@ -8934,7 +8934,7 @@
           </p:nvSpPr>
           <p:spPr>
             <a:xfrm>
-              <a:off x="1251146" y="3010696"/>
+              <a:off x="1251222" y="3010684"/>
               <a:ext cx="34794" cy="0"/>
             </a:xfrm>
             <a:custGeom>
@@ -8974,7 +8974,7 @@
           </p:nvSpPr>
           <p:spPr>
             <a:xfrm>
-              <a:off x="1251146" y="1742022"/>
+              <a:off x="1251222" y="1742017"/>
               <a:ext cx="34794" cy="0"/>
             </a:xfrm>
             <a:custGeom>
@@ -9014,7 +9014,7 @@
           </p:nvSpPr>
           <p:spPr>
             <a:xfrm>
-              <a:off x="2193635" y="5100838"/>
+              <a:off x="2193694" y="5100812"/>
               <a:ext cx="0" cy="34794"/>
             </a:xfrm>
             <a:custGeom>
@@ -9054,7 +9054,7 @@
           </p:nvSpPr>
           <p:spPr>
             <a:xfrm>
-              <a:off x="3225105" y="5100838"/>
+              <a:off x="3225145" y="5100812"/>
               <a:ext cx="0" cy="34794"/>
             </a:xfrm>
             <a:custGeom>
@@ -9094,7 +9094,7 @@
           </p:nvSpPr>
           <p:spPr>
             <a:xfrm>
-              <a:off x="4256575" y="5100838"/>
+              <a:off x="4256596" y="5100812"/>
               <a:ext cx="0" cy="34794"/>
             </a:xfrm>
             <a:custGeom>
@@ -9134,7 +9134,7 @@
           </p:nvSpPr>
           <p:spPr>
             <a:xfrm>
-              <a:off x="5288046" y="5100838"/>
+              <a:off x="5288047" y="5100812"/>
               <a:ext cx="0" cy="34794"/>
             </a:xfrm>
             <a:custGeom>
@@ -9174,8 +9174,8 @@
           </p:nvSpPr>
           <p:spPr>
             <a:xfrm>
-              <a:off x="2165323" y="5162476"/>
-              <a:ext cx="56623" cy="71635"/>
+              <a:off x="2165372" y="5162405"/>
+              <a:ext cx="56643" cy="71650"/>
             </a:xfrm>
             <a:prstGeom prst="rect">
               <a:avLst/>
@@ -9220,8 +9220,8 @@
           </p:nvSpPr>
           <p:spPr>
             <a:xfrm>
-              <a:off x="3196793" y="5161484"/>
-              <a:ext cx="56623" cy="72628"/>
+              <a:off x="3196823" y="5161423"/>
+              <a:ext cx="56643" cy="72633"/>
             </a:xfrm>
             <a:prstGeom prst="rect">
               <a:avLst/>
@@ -9266,8 +9266,8 @@
           </p:nvSpPr>
           <p:spPr>
             <a:xfrm>
-              <a:off x="4228263" y="5163071"/>
-              <a:ext cx="56623" cy="71040"/>
+              <a:off x="4228274" y="5163115"/>
+              <a:ext cx="56643" cy="70941"/>
             </a:xfrm>
             <a:prstGeom prst="rect">
               <a:avLst/>
@@ -9312,8 +9312,8 @@
           </p:nvSpPr>
           <p:spPr>
             <a:xfrm>
-              <a:off x="5259734" y="5161484"/>
-              <a:ext cx="56623" cy="72628"/>
+              <a:off x="5259725" y="5161369"/>
+              <a:ext cx="56643" cy="72687"/>
             </a:xfrm>
             <a:prstGeom prst="rect">
               <a:avLst/>
@@ -9358,8 +9358,8 @@
           </p:nvSpPr>
           <p:spPr>
             <a:xfrm>
-              <a:off x="2963791" y="5272150"/>
-              <a:ext cx="728922" cy="119856"/>
+              <a:off x="2963829" y="5271994"/>
+              <a:ext cx="728922" cy="119918"/>
             </a:xfrm>
             <a:prstGeom prst="rect">
               <a:avLst/>
@@ -9404,8 +9404,8 @@
           </p:nvSpPr>
           <p:spPr>
             <a:xfrm rot="-5400000">
-              <a:off x="657215" y="2982485"/>
-              <a:ext cx="710300" cy="119856"/>
+              <a:off x="657146" y="2982441"/>
+              <a:ext cx="710300" cy="119918"/>
             </a:xfrm>
             <a:prstGeom prst="rect">
               <a:avLst/>
@@ -9450,8 +9450,8 @@
           </p:nvSpPr>
           <p:spPr>
             <a:xfrm>
-              <a:off x="5514563" y="1862223"/>
-              <a:ext cx="816647" cy="1299212"/>
+              <a:off x="5514563" y="1862317"/>
+              <a:ext cx="816647" cy="1299017"/>
             </a:xfrm>
             <a:prstGeom prst="rect">
               <a:avLst/>
@@ -9476,8 +9476,8 @@
           </p:nvSpPr>
           <p:spPr>
             <a:xfrm>
-              <a:off x="5586563" y="1926782"/>
-              <a:ext cx="672647" cy="96440"/>
+              <a:off x="5586563" y="1926916"/>
+              <a:ext cx="672647" cy="96316"/>
             </a:xfrm>
             <a:prstGeom prst="rect">
               <a:avLst/>
@@ -9522,7 +9522,7 @@
           </p:nvSpPr>
           <p:spPr>
             <a:xfrm>
-              <a:off x="5586563" y="2068764"/>
+              <a:off x="5586563" y="2068662"/>
               <a:ext cx="215999" cy="201168"/>
             </a:xfrm>
             <a:prstGeom prst="rect">
@@ -9557,7 +9557,7 @@
           </p:nvSpPr>
           <p:spPr>
             <a:xfrm>
-              <a:off x="5648852" y="2123637"/>
+              <a:off x="5648852" y="2123536"/>
               <a:ext cx="91421" cy="91421"/>
             </a:xfrm>
             <a:prstGeom prst="ellipse">
@@ -9592,7 +9592,7 @@
           </p:nvSpPr>
           <p:spPr>
             <a:xfrm>
-              <a:off x="5586563" y="2269932"/>
+              <a:off x="5586563" y="2269830"/>
               <a:ext cx="215999" cy="201168"/>
             </a:xfrm>
             <a:prstGeom prst="rect">
@@ -9627,7 +9627,7 @@
           </p:nvSpPr>
           <p:spPr>
             <a:xfrm>
-              <a:off x="5635022" y="2310975"/>
+              <a:off x="5635022" y="2310873"/>
               <a:ext cx="119081" cy="119081"/>
             </a:xfrm>
             <a:prstGeom prst="ellipse">
@@ -9662,7 +9662,7 @@
           </p:nvSpPr>
           <p:spPr>
             <a:xfrm>
-              <a:off x="5586563" y="2471100"/>
+              <a:off x="5586563" y="2470998"/>
               <a:ext cx="215999" cy="201168"/>
             </a:xfrm>
             <a:prstGeom prst="rect">
@@ -9697,7 +9697,7 @@
           </p:nvSpPr>
           <p:spPr>
             <a:xfrm>
-              <a:off x="5624765" y="2501886"/>
+              <a:off x="5624765" y="2501784"/>
               <a:ext cx="139595" cy="139595"/>
             </a:xfrm>
             <a:prstGeom prst="ellipse">
@@ -9732,7 +9732,7 @@
           </p:nvSpPr>
           <p:spPr>
             <a:xfrm>
-              <a:off x="5586563" y="2672268"/>
+              <a:off x="5586563" y="2672166"/>
               <a:ext cx="215999" cy="201168"/>
             </a:xfrm>
             <a:prstGeom prst="rect">
@@ -9767,7 +9767,7 @@
           </p:nvSpPr>
           <p:spPr>
             <a:xfrm>
-              <a:off x="5616229" y="2694517"/>
+              <a:off x="5616229" y="2694416"/>
               <a:ext cx="156668" cy="156668"/>
             </a:xfrm>
             <a:prstGeom prst="ellipse">
@@ -9802,7 +9802,7 @@
           </p:nvSpPr>
           <p:spPr>
             <a:xfrm>
-              <a:off x="5586563" y="2873436"/>
+              <a:off x="5586563" y="2873334"/>
               <a:ext cx="215999" cy="215999"/>
             </a:xfrm>
             <a:prstGeom prst="rect">
@@ -9837,7 +9837,7 @@
           </p:nvSpPr>
           <p:spPr>
             <a:xfrm>
-              <a:off x="5608759" y="2895632"/>
+              <a:off x="5608759" y="2895530"/>
               <a:ext cx="171607" cy="171607"/>
             </a:xfrm>
             <a:prstGeom prst="ellipse">
@@ -9872,8 +9872,8 @@
           </p:nvSpPr>
           <p:spPr>
             <a:xfrm>
-              <a:off x="5827709" y="2132041"/>
-              <a:ext cx="141450" cy="72628"/>
+              <a:off x="5827709" y="2131866"/>
+              <a:ext cx="141500" cy="72687"/>
             </a:xfrm>
             <a:prstGeom prst="rect">
               <a:avLst/>
@@ -9918,8 +9918,8 @@
           </p:nvSpPr>
           <p:spPr>
             <a:xfrm>
-              <a:off x="5827709" y="2333209"/>
-              <a:ext cx="141450" cy="72628"/>
+              <a:off x="5827709" y="2333034"/>
+              <a:ext cx="141500" cy="72687"/>
             </a:xfrm>
             <a:prstGeom prst="rect">
               <a:avLst/>
@@ -9964,8 +9964,8 @@
           </p:nvSpPr>
           <p:spPr>
             <a:xfrm>
-              <a:off x="5827709" y="2534973"/>
-              <a:ext cx="141450" cy="72032"/>
+              <a:off x="5827709" y="2534747"/>
+              <a:ext cx="141500" cy="72141"/>
             </a:xfrm>
             <a:prstGeom prst="rect">
               <a:avLst/>
@@ -10010,8 +10010,8 @@
           </p:nvSpPr>
           <p:spPr>
             <a:xfrm>
-              <a:off x="5827709" y="2735545"/>
-              <a:ext cx="141450" cy="72628"/>
+              <a:off x="5827709" y="2735370"/>
+              <a:ext cx="141500" cy="72687"/>
             </a:xfrm>
             <a:prstGeom prst="rect">
               <a:avLst/>
@@ -10056,8 +10056,8 @@
           </p:nvSpPr>
           <p:spPr>
             <a:xfrm>
-              <a:off x="5827709" y="2944129"/>
-              <a:ext cx="141450" cy="72628"/>
+              <a:off x="5827709" y="2943954"/>
+              <a:ext cx="141500" cy="72687"/>
             </a:xfrm>
             <a:prstGeom prst="rect">
               <a:avLst/>
@@ -10102,8 +10102,8 @@
           </p:nvSpPr>
           <p:spPr>
             <a:xfrm>
-              <a:off x="5514563" y="3305436"/>
-              <a:ext cx="814304" cy="917168"/>
+              <a:off x="5514563" y="3305334"/>
+              <a:ext cx="814461" cy="917149"/>
             </a:xfrm>
             <a:prstGeom prst="rect">
               <a:avLst/>
@@ -10128,8 +10128,8 @@
           </p:nvSpPr>
           <p:spPr>
             <a:xfrm>
-              <a:off x="5586563" y="3362850"/>
-              <a:ext cx="422374" cy="115292"/>
+              <a:off x="5586563" y="3362668"/>
+              <a:ext cx="422374" cy="115347"/>
             </a:xfrm>
             <a:prstGeom prst="rect">
               <a:avLst/>
@@ -10174,8 +10174,8 @@
           </p:nvSpPr>
           <p:spPr>
             <a:xfrm>
-              <a:off x="5586563" y="3547100"/>
-              <a:ext cx="201167" cy="201167"/>
+              <a:off x="5586563" y="3546980"/>
+              <a:ext cx="201167" cy="201168"/>
             </a:xfrm>
             <a:prstGeom prst="rect">
               <a:avLst/>
@@ -10209,7 +10209,7 @@
           </p:nvSpPr>
           <p:spPr>
             <a:xfrm>
-              <a:off x="5662321" y="3622858"/>
+              <a:off x="5662321" y="3622738"/>
               <a:ext cx="49651" cy="49651"/>
             </a:xfrm>
             <a:prstGeom prst="ellipse">
@@ -10244,8 +10244,8 @@
           </p:nvSpPr>
           <p:spPr>
             <a:xfrm>
-              <a:off x="5586563" y="3748268"/>
-              <a:ext cx="201167" cy="201168"/>
+              <a:off x="5586563" y="3748148"/>
+              <a:ext cx="201167" cy="201167"/>
             </a:xfrm>
             <a:prstGeom prst="rect">
               <a:avLst/>
@@ -10279,7 +10279,7 @@
           </p:nvSpPr>
           <p:spPr>
             <a:xfrm>
-              <a:off x="5662321" y="3824026"/>
+              <a:off x="5662321" y="3823906"/>
               <a:ext cx="49651" cy="49651"/>
             </a:xfrm>
             <a:prstGeom prst="ellipse">
@@ -10314,8 +10314,8 @@
           </p:nvSpPr>
           <p:spPr>
             <a:xfrm>
-              <a:off x="5586563" y="3949436"/>
-              <a:ext cx="201167" cy="201167"/>
+              <a:off x="5586563" y="3949316"/>
+              <a:ext cx="201167" cy="201168"/>
             </a:xfrm>
             <a:prstGeom prst="rect">
               <a:avLst/>
@@ -10349,7 +10349,7 @@
           </p:nvSpPr>
           <p:spPr>
             <a:xfrm>
-              <a:off x="5662321" y="4025194"/>
+              <a:off x="5662321" y="4025074"/>
               <a:ext cx="49651" cy="49651"/>
             </a:xfrm>
             <a:prstGeom prst="ellipse">
@@ -10384,8 +10384,8 @@
           </p:nvSpPr>
           <p:spPr>
             <a:xfrm>
-              <a:off x="5812877" y="3616727"/>
-              <a:ext cx="292829" cy="66278"/>
+              <a:off x="5812877" y="3616513"/>
+              <a:ext cx="292933" cy="66357"/>
             </a:xfrm>
             <a:prstGeom prst="rect">
               <a:avLst/>
@@ -10430,8 +10430,8 @@
           </p:nvSpPr>
           <p:spPr>
             <a:xfrm>
-              <a:off x="5812877" y="3807180"/>
-              <a:ext cx="443990" cy="76993"/>
+              <a:off x="5812877" y="3806985"/>
+              <a:ext cx="444147" cy="77053"/>
             </a:xfrm>
             <a:prstGeom prst="rect">
               <a:avLst/>
@@ -10476,8 +10476,8 @@
           </p:nvSpPr>
           <p:spPr>
             <a:xfrm>
-              <a:off x="5812877" y="3993068"/>
-              <a:ext cx="378365" cy="92273"/>
+              <a:off x="5812877" y="3992874"/>
+              <a:ext cx="378499" cy="92332"/>
             </a:xfrm>
             <a:prstGeom prst="rect">
               <a:avLst/>
